--- a/docs/Apresentação/SDM - Apresentação SBGames.pptx
+++ b/docs/Apresentação/SDM - Apresentação SBGames.pptx
@@ -5,7 +5,7 @@
     <p:sldMasterId id="2147483648" r:id="rId1"/>
   </p:sldMasterIdLst>
   <p:notesMasterIdLst>
-    <p:notesMasterId r:id="rId19"/>
+    <p:notesMasterId r:id="rId18"/>
   </p:notesMasterIdLst>
   <p:sldIdLst>
     <p:sldId id="256" r:id="rId2"/>
@@ -16,15 +16,14 @@
     <p:sldId id="264" r:id="rId7"/>
     <p:sldId id="271" r:id="rId8"/>
     <p:sldId id="272" r:id="rId9"/>
-    <p:sldId id="277" r:id="rId10"/>
-    <p:sldId id="279" r:id="rId11"/>
-    <p:sldId id="273" r:id="rId12"/>
-    <p:sldId id="274" r:id="rId13"/>
-    <p:sldId id="265" r:id="rId14"/>
-    <p:sldId id="266" r:id="rId15"/>
-    <p:sldId id="276" r:id="rId16"/>
-    <p:sldId id="268" r:id="rId17"/>
-    <p:sldId id="275" r:id="rId18"/>
+    <p:sldId id="279" r:id="rId10"/>
+    <p:sldId id="273" r:id="rId11"/>
+    <p:sldId id="274" r:id="rId12"/>
+    <p:sldId id="265" r:id="rId13"/>
+    <p:sldId id="266" r:id="rId14"/>
+    <p:sldId id="276" r:id="rId15"/>
+    <p:sldId id="268" r:id="rId16"/>
+    <p:sldId id="275" r:id="rId17"/>
   </p:sldIdLst>
   <p:sldSz cx="9144000" cy="6858000" type="screen4x3"/>
   <p:notesSz cx="6858000" cy="9144000"/>
@@ -209,7 +208,7 @@
             <a:fld id="{451EA883-6A43-4C6F-99C1-D5EA532ECC09}" type="datetimeFigureOut">
               <a:rPr lang="pt-BR" smtClean="0"/>
               <a:pPr/>
-              <a:t>13/10/2011</a:t>
+              <a:t>19/10/2011</a:t>
             </a:fld>
             <a:endParaRPr lang="pt-BR"/>
           </a:p>
@@ -643,27 +642,43 @@
           <a:p>
             <a:r>
               <a:rPr lang="pt-BR" dirty="0" smtClean="0"/>
-              <a:t>No</a:t>
+              <a:t>Além</a:t>
             </a:r>
             <a:r>
               <a:rPr lang="pt-BR" baseline="0" dirty="0" smtClean="0"/>
-              <a:t> SDM é permitido fazer modificações na equipe do jogador </a:t>
+              <a:t> dos atributos, os </a:t>
             </a:r>
             <a:r>
               <a:rPr lang="pt-BR" baseline="0" dirty="0" err="1" smtClean="0"/>
-              <a:t>atravez</a:t>
+              <a:t>funcionarios</a:t>
             </a:r>
             <a:r>
               <a:rPr lang="pt-BR" baseline="0" dirty="0" smtClean="0"/>
-              <a:t> de contratações e demissões. As </a:t>
+              <a:t> possuem especializações. Estas </a:t>
             </a:r>
             <a:r>
               <a:rPr lang="pt-BR" baseline="0" dirty="0" err="1" smtClean="0"/>
-              <a:t>demissoes</a:t>
+              <a:t>especializacoes</a:t>
             </a:r>
             <a:r>
               <a:rPr lang="pt-BR" baseline="0" dirty="0" smtClean="0"/>
-              <a:t> podem ser pelo jogador ou pela insatisfação do </a:t>
+              <a:t> podem ser de 3 tipos: ferramentas, que são </a:t>
+            </a:r>
+            <a:r>
+              <a:rPr lang="pt-BR" baseline="0" dirty="0" err="1" smtClean="0"/>
+              <a:t>utilziadas</a:t>
+            </a:r>
+            <a:r>
+              <a:rPr lang="pt-BR" baseline="0" dirty="0" smtClean="0"/>
+              <a:t> para </a:t>
+            </a:r>
+            <a:r>
+              <a:rPr lang="pt-BR" baseline="0" dirty="0" err="1" smtClean="0"/>
+              <a:t>auxilar</a:t>
+            </a:r>
+            <a:r>
+              <a:rPr lang="pt-BR" baseline="0" dirty="0" smtClean="0"/>
+              <a:t> o </a:t>
             </a:r>
             <a:r>
               <a:rPr lang="pt-BR" baseline="0" dirty="0" err="1" smtClean="0"/>
@@ -671,61 +686,15 @@
             </a:r>
             <a:r>
               <a:rPr lang="pt-BR" baseline="0" dirty="0" smtClean="0"/>
-              <a:t>. A tela de contratação exibida nesta figura mostra a lista de </a:t>
+              <a:t>; de linguagem de programação e metodologia que são utilizados para avaliar o desempenho do </a:t>
             </a:r>
             <a:r>
               <a:rPr lang="pt-BR" baseline="0" dirty="0" err="1" smtClean="0"/>
-              <a:t>possiveis</a:t>
+              <a:t>funcionario</a:t>
             </a:r>
             <a:r>
               <a:rPr lang="pt-BR" baseline="0" dirty="0" smtClean="0"/>
-              <a:t> candidatos, que caso algum seja selecionado uma janela com as </a:t>
-            </a:r>
-            <a:r>
-              <a:rPr lang="pt-BR" baseline="0" dirty="0" err="1" smtClean="0"/>
-              <a:t>caracteristas</a:t>
-            </a:r>
-            <a:r>
-              <a:rPr lang="pt-BR" baseline="0" dirty="0" smtClean="0"/>
-              <a:t> dele será exibida. E do outro lado a equipe do jogador, onde deve escolher qual “</a:t>
-            </a:r>
-            <a:r>
-              <a:rPr lang="pt-BR" baseline="0" dirty="0" err="1" smtClean="0"/>
-              <a:t>slot</a:t>
-            </a:r>
-            <a:r>
-              <a:rPr lang="pt-BR" baseline="0" dirty="0" smtClean="0"/>
-              <a:t>” o novo candidato vai ocupar.</a:t>
-            </a:r>
-          </a:p>
-          <a:p>
-            <a:r>
-              <a:rPr lang="pt-BR" baseline="0" dirty="0" smtClean="0"/>
-              <a:t>Alem da contratação, ao decorrer no desenvolvimento do produto é </a:t>
-            </a:r>
-            <a:r>
-              <a:rPr lang="pt-BR" baseline="0" dirty="0" err="1" smtClean="0"/>
-              <a:t>possivel</a:t>
-            </a:r>
-            <a:r>
-              <a:rPr lang="pt-BR" baseline="0" dirty="0" smtClean="0"/>
-              <a:t> negociar com o cliente para alterar algumas </a:t>
-            </a:r>
-            <a:r>
-              <a:rPr lang="pt-BR" baseline="0" dirty="0" err="1" smtClean="0"/>
-              <a:t>caracteriscas</a:t>
-            </a:r>
-            <a:r>
-              <a:rPr lang="pt-BR" baseline="0" dirty="0" smtClean="0"/>
-              <a:t> do contrato, como ilustrado por esta figura e criar </a:t>
-            </a:r>
-            <a:r>
-              <a:rPr lang="pt-BR" baseline="0" dirty="0" err="1" smtClean="0"/>
-              <a:t>prototipos</a:t>
-            </a:r>
-            <a:r>
-              <a:rPr lang="pt-BR" baseline="0" dirty="0" smtClean="0"/>
-              <a:t> para o cliente com o intuito de aumentar a validação do modelo.</a:t>
+              <a:t>.</a:t>
             </a:r>
             <a:endParaRPr lang="pt-BR" dirty="0"/>
           </a:p>
@@ -749,7 +718,7 @@
             <a:fld id="{C08094CF-D84A-4161-9F88-9244F515EB29}" type="slidenum">
               <a:rPr lang="pt-BR" smtClean="0"/>
               <a:pPr/>
-              <a:t>13</a:t>
+              <a:t>10</a:t>
             </a:fld>
             <a:endParaRPr lang="pt-BR"/>
           </a:p>
@@ -811,29 +780,80 @@
           <a:p>
             <a:r>
               <a:rPr lang="pt-BR" dirty="0" smtClean="0"/>
-              <a:t>O Diferencial do SDM em relação aos</a:t>
+              <a:t>Caso</a:t>
             </a:r>
             <a:r>
               <a:rPr lang="pt-BR" baseline="0" dirty="0" smtClean="0"/>
-              <a:t> demais jogos citados é de ter foco em </a:t>
+              <a:t> um </a:t>
             </a:r>
             <a:r>
               <a:rPr lang="pt-BR" baseline="0" dirty="0" err="1" smtClean="0"/>
-              <a:t>gestao</a:t>
+              <a:t>funcionario</a:t>
             </a:r>
             <a:r>
               <a:rPr lang="pt-BR" baseline="0" dirty="0" smtClean="0"/>
-              <a:t> de pessoas, </a:t>
+              <a:t> não possua uma especialização, é </a:t>
             </a:r>
             <a:r>
               <a:rPr lang="pt-BR" baseline="0" dirty="0" err="1" smtClean="0"/>
-              <a:t>consequentimente</a:t>
+              <a:t>possivel</a:t>
             </a:r>
             <a:r>
               <a:rPr lang="pt-BR" baseline="0" dirty="0" smtClean="0"/>
-              <a:t> em recursos humanos. Ter a passagem de tempo em tempo real, mas permitindo o jogador a pausar o jogo a qualquer momento. E ser desenvolvido em um ambiente totalmente 3D.</a:t>
-            </a:r>
-            <a:endParaRPr lang="pt-BR" dirty="0"/>
+              <a:t> </a:t>
+            </a:r>
+            <a:r>
+              <a:rPr lang="pt-BR" baseline="0" dirty="0" err="1" smtClean="0"/>
+              <a:t>coloca-lo</a:t>
+            </a:r>
+            <a:r>
+              <a:rPr lang="pt-BR" baseline="0" dirty="0" smtClean="0"/>
+              <a:t> em treinamento para adquiri-la.</a:t>
+            </a:r>
+          </a:p>
+          <a:p>
+            <a:r>
+              <a:rPr lang="pt-BR" baseline="0" dirty="0" smtClean="0"/>
+              <a:t>Um outro aspecto do SDM é a relação de horas de trabalho, moral e estamina. As horas de trabalho é utilizada para afetar a negativamente a estamina caso trabalhe mais que 40 horas semanais e positivamente </a:t>
+            </a:r>
+            <a:r>
+              <a:rPr lang="pt-BR" baseline="0" dirty="0" err="1" smtClean="0"/>
+              <a:t>quaso</a:t>
+            </a:r>
+            <a:r>
+              <a:rPr lang="pt-BR" baseline="0" dirty="0" smtClean="0"/>
+              <a:t> trabalhe menos. O moral é afetado por promoções, </a:t>
+            </a:r>
+            <a:r>
+              <a:rPr lang="pt-BR" baseline="0" dirty="0" err="1" smtClean="0"/>
+              <a:t>conclusao</a:t>
+            </a:r>
+            <a:r>
+              <a:rPr lang="pt-BR" baseline="0" dirty="0" smtClean="0"/>
+              <a:t> de projetos e falta de pagamento. O moral em conjunto com a estamina são utilizados para calcular o rendimento do </a:t>
+            </a:r>
+            <a:r>
+              <a:rPr lang="pt-BR" baseline="0" dirty="0" err="1" smtClean="0"/>
+              <a:t>funcionario</a:t>
+            </a:r>
+            <a:r>
+              <a:rPr lang="pt-BR" baseline="0" dirty="0" smtClean="0"/>
+              <a:t>.</a:t>
+            </a:r>
+          </a:p>
+          <a:p>
+            <a:r>
+              <a:rPr lang="pt-BR" baseline="0" dirty="0" smtClean="0"/>
+              <a:t>No exemplo desta figura, é mostrado o ganho de estamina dos </a:t>
+            </a:r>
+            <a:r>
+              <a:rPr lang="pt-BR" baseline="0" dirty="0" err="1" smtClean="0"/>
+              <a:t>funcionarios</a:t>
+            </a:r>
+            <a:r>
+              <a:rPr lang="pt-BR" baseline="0" dirty="0" smtClean="0"/>
+              <a:t> por estarem trabalhando menos horas.</a:t>
+            </a:r>
           </a:p>
         </p:txBody>
       </p:sp>
@@ -855,7 +875,7 @@
             <a:fld id="{C08094CF-D84A-4161-9F88-9244F515EB29}" type="slidenum">
               <a:rPr lang="pt-BR" smtClean="0"/>
               <a:pPr/>
-              <a:t>14</a:t>
+              <a:t>11</a:t>
             </a:fld>
             <a:endParaRPr lang="pt-BR"/>
           </a:p>
@@ -917,35 +937,89 @@
           <a:p>
             <a:r>
               <a:rPr lang="pt-BR" dirty="0" smtClean="0"/>
-              <a:t>Depois</a:t>
+              <a:t>No</a:t>
             </a:r>
             <a:r>
               <a:rPr lang="pt-BR" baseline="0" dirty="0" smtClean="0"/>
-              <a:t> que saiu a primeira </a:t>
+              <a:t> SDM é permitido fazer modificações na equipe do jogador </a:t>
             </a:r>
             <a:r>
               <a:rPr lang="pt-BR" baseline="0" dirty="0" err="1" smtClean="0"/>
-              <a:t>versao</a:t>
+              <a:t>atravez</a:t>
             </a:r>
             <a:r>
               <a:rPr lang="pt-BR" baseline="0" dirty="0" smtClean="0"/>
-              <a:t> do SDM, foi feita uma </a:t>
+              <a:t> de contratações e demissões. As </a:t>
             </a:r>
             <a:r>
               <a:rPr lang="pt-BR" baseline="0" dirty="0" err="1" smtClean="0"/>
-              <a:t>avaliacao</a:t>
+              <a:t>demissoes</a:t>
             </a:r>
             <a:r>
               <a:rPr lang="pt-BR" baseline="0" dirty="0" smtClean="0"/>
-              <a:t> com alguns </a:t>
+              <a:t> podem ser pelo jogador ou pela insatisfação do </a:t>
             </a:r>
             <a:r>
               <a:rPr lang="pt-BR" baseline="0" dirty="0" err="1" smtClean="0"/>
-              <a:t>voluntarios</a:t>
+              <a:t>funcionario</a:t>
             </a:r>
             <a:r>
               <a:rPr lang="pt-BR" baseline="0" dirty="0" smtClean="0"/>
-              <a:t> sobre o que eles acham do SDM.</a:t>
+              <a:t>. A tela de contratação exibida nesta figura mostra a lista de </a:t>
+            </a:r>
+            <a:r>
+              <a:rPr lang="pt-BR" baseline="0" dirty="0" err="1" smtClean="0"/>
+              <a:t>possiveis</a:t>
+            </a:r>
+            <a:r>
+              <a:rPr lang="pt-BR" baseline="0" dirty="0" smtClean="0"/>
+              <a:t> candidatos, que caso algum seja selecionado uma janela com as </a:t>
+            </a:r>
+            <a:r>
+              <a:rPr lang="pt-BR" baseline="0" dirty="0" err="1" smtClean="0"/>
+              <a:t>caracteristas</a:t>
+            </a:r>
+            <a:r>
+              <a:rPr lang="pt-BR" baseline="0" dirty="0" smtClean="0"/>
+              <a:t> dele será exibida. E do outro lado a equipe do jogador, onde deve escolher qual “</a:t>
+            </a:r>
+            <a:r>
+              <a:rPr lang="pt-BR" baseline="0" dirty="0" err="1" smtClean="0"/>
+              <a:t>slot</a:t>
+            </a:r>
+            <a:r>
+              <a:rPr lang="pt-BR" baseline="0" dirty="0" smtClean="0"/>
+              <a:t>” o novo candidato vai ocupar.</a:t>
+            </a:r>
+          </a:p>
+          <a:p>
+            <a:r>
+              <a:rPr lang="pt-BR" baseline="0" dirty="0" smtClean="0"/>
+              <a:t>Alem da contratação, ao decorrer no desenvolvimento do produto é </a:t>
+            </a:r>
+            <a:r>
+              <a:rPr lang="pt-BR" baseline="0" dirty="0" err="1" smtClean="0"/>
+              <a:t>possivel</a:t>
+            </a:r>
+            <a:r>
+              <a:rPr lang="pt-BR" baseline="0" dirty="0" smtClean="0"/>
+              <a:t> negociar com o cliente para alterar algumas </a:t>
+            </a:r>
+            <a:r>
+              <a:rPr lang="pt-BR" baseline="0" dirty="0" err="1" smtClean="0"/>
+              <a:t>caracteriscas</a:t>
+            </a:r>
+            <a:r>
+              <a:rPr lang="pt-BR" baseline="0" dirty="0" smtClean="0"/>
+              <a:t> do contrato, como ilustrado por esta figura e criar </a:t>
+            </a:r>
+            <a:r>
+              <a:rPr lang="pt-BR" baseline="0" dirty="0" err="1" smtClean="0"/>
+              <a:t>prototipos</a:t>
+            </a:r>
+            <a:r>
+              <a:rPr lang="pt-BR" baseline="0" dirty="0" smtClean="0"/>
+              <a:t> para o cliente com o intuito de aumentar a validação do modelo.</a:t>
             </a:r>
             <a:endParaRPr lang="pt-BR" dirty="0"/>
           </a:p>
@@ -969,7 +1043,7 @@
             <a:fld id="{C08094CF-D84A-4161-9F88-9244F515EB29}" type="slidenum">
               <a:rPr lang="pt-BR" smtClean="0"/>
               <a:pPr/>
-              <a:t>15</a:t>
+              <a:t>12</a:t>
             </a:fld>
             <a:endParaRPr lang="pt-BR"/>
           </a:p>
@@ -1031,64 +1105,29 @@
           <a:p>
             <a:r>
               <a:rPr lang="pt-BR" dirty="0" smtClean="0"/>
-              <a:t>O SDM tem como finalidade</a:t>
+              <a:t>O Diferencial do SDM em relação aos</a:t>
             </a:r>
             <a:r>
               <a:rPr lang="pt-BR" baseline="0" dirty="0" smtClean="0"/>
-              <a:t> em auxiliar no entendimento dos conceitos e ensinar a </a:t>
+              <a:t> demais jogos citados é de ter foco em </a:t>
             </a:r>
             <a:r>
               <a:rPr lang="pt-BR" baseline="0" dirty="0" err="1" smtClean="0"/>
-              <a:t>importancia</a:t>
+              <a:t>gestao</a:t>
             </a:r>
             <a:r>
               <a:rPr lang="pt-BR" baseline="0" dirty="0" smtClean="0"/>
-              <a:t> dos </a:t>
+              <a:t> de pessoas, </a:t>
             </a:r>
             <a:r>
               <a:rPr lang="pt-BR" baseline="0" dirty="0" err="1" smtClean="0"/>
-              <a:t>funcionarios</a:t>
+              <a:t>consequentimente</a:t>
             </a:r>
             <a:r>
               <a:rPr lang="pt-BR" baseline="0" dirty="0" smtClean="0"/>
-              <a:t> e seus papéis.</a:t>
-            </a:r>
-          </a:p>
-          <a:p>
-            <a:r>
-              <a:rPr lang="pt-BR" baseline="0" dirty="0" smtClean="0"/>
-              <a:t>Na atual versão do jogo, existe algumas limitações, como por exemplo não é </a:t>
-            </a:r>
-            <a:r>
-              <a:rPr lang="pt-BR" baseline="0" dirty="0" err="1" smtClean="0"/>
-              <a:t>possivel</a:t>
-            </a:r>
-            <a:r>
-              <a:rPr lang="pt-BR" baseline="0" dirty="0" smtClean="0"/>
-              <a:t> definir iterações que forneçam resultados de desempenho do </a:t>
-            </a:r>
-            <a:r>
-              <a:rPr lang="pt-BR" baseline="0" dirty="0" err="1" smtClean="0"/>
-              <a:t>periodo</a:t>
-            </a:r>
-            <a:r>
-              <a:rPr lang="pt-BR" baseline="0" dirty="0" smtClean="0"/>
-              <a:t> definido.</a:t>
-            </a:r>
-          </a:p>
-          <a:p>
-            <a:r>
-              <a:rPr lang="pt-BR" baseline="0" dirty="0" smtClean="0"/>
-              <a:t>Futuras modificações que podem ser feitas no SDM é a </a:t>
-            </a:r>
-            <a:r>
-              <a:rPr lang="pt-BR" baseline="0" dirty="0" err="1" smtClean="0"/>
-              <a:t>inclusao</a:t>
-            </a:r>
-            <a:r>
-              <a:rPr lang="pt-BR" baseline="0" dirty="0" smtClean="0"/>
-              <a:t> de iterações e aprofundamento das metodologias de trabalho, que na atual versão só é utilizado para distinção.</a:t>
-            </a:r>
+              <a:t> em recursos humanos. Ter a passagem de tempo em tempo real, mas permitindo o jogador a pausar o jogo a qualquer momento. E ser desenvolvido em um ambiente totalmente 3D.</a:t>
+            </a:r>
+            <a:endParaRPr lang="pt-BR" dirty="0"/>
           </a:p>
         </p:txBody>
       </p:sp>
@@ -1110,7 +1149,262 @@
             <a:fld id="{C08094CF-D84A-4161-9F88-9244F515EB29}" type="slidenum">
               <a:rPr lang="pt-BR" smtClean="0"/>
               <a:pPr/>
-              <a:t>16</a:t>
+              <a:t>13</a:t>
+            </a:fld>
+            <a:endParaRPr lang="pt-BR"/>
+          </a:p>
+        </p:txBody>
+      </p:sp>
+    </p:spTree>
+  </p:cSld>
+  <p:clrMapOvr>
+    <a:masterClrMapping/>
+  </p:clrMapOvr>
+</p:notes>
+</file>
+
+<file path=ppt/notesSlides/notesSlide14.xml><?xml version="1.0" encoding="utf-8"?>
+<p:notes xmlns:a="http://schemas.openxmlformats.org/drawingml/2006/main" xmlns:r="http://schemas.openxmlformats.org/officeDocument/2006/relationships" xmlns:p="http://schemas.openxmlformats.org/presentationml/2006/main">
+  <p:cSld>
+    <p:spTree>
+      <p:nvGrpSpPr>
+        <p:cNvPr id="1" name=""/>
+        <p:cNvGrpSpPr/>
+        <p:nvPr/>
+      </p:nvGrpSpPr>
+      <p:grpSpPr>
+        <a:xfrm>
+          <a:off x="0" y="0"/>
+          <a:ext cx="0" cy="0"/>
+          <a:chOff x="0" y="0"/>
+          <a:chExt cx="0" cy="0"/>
+        </a:xfrm>
+      </p:grpSpPr>
+      <p:sp>
+        <p:nvSpPr>
+          <p:cNvPr id="2" name="Slide Image Placeholder 1"/>
+          <p:cNvSpPr>
+            <a:spLocks noGrp="1" noRot="1" noChangeAspect="1"/>
+          </p:cNvSpPr>
+          <p:nvPr>
+            <p:ph type="sldImg"/>
+          </p:nvPr>
+        </p:nvSpPr>
+        <p:spPr/>
+      </p:sp>
+      <p:sp>
+        <p:nvSpPr>
+          <p:cNvPr id="3" name="Notes Placeholder 2"/>
+          <p:cNvSpPr>
+            <a:spLocks noGrp="1"/>
+          </p:cNvSpPr>
+          <p:nvPr>
+            <p:ph type="body" idx="1"/>
+          </p:nvPr>
+        </p:nvSpPr>
+        <p:spPr/>
+        <p:txBody>
+          <a:bodyPr>
+            <a:normAutofit/>
+          </a:bodyPr>
+          <a:lstStyle/>
+          <a:p>
+            <a:r>
+              <a:rPr lang="pt-BR" dirty="0" smtClean="0"/>
+              <a:t>Depois</a:t>
+            </a:r>
+            <a:r>
+              <a:rPr lang="pt-BR" baseline="0" dirty="0" smtClean="0"/>
+              <a:t> que saiu a primeira </a:t>
+            </a:r>
+            <a:r>
+              <a:rPr lang="pt-BR" baseline="0" dirty="0" err="1" smtClean="0"/>
+              <a:t>versao</a:t>
+            </a:r>
+            <a:r>
+              <a:rPr lang="pt-BR" baseline="0" dirty="0" smtClean="0"/>
+              <a:t> do SDM, foi feita uma </a:t>
+            </a:r>
+            <a:r>
+              <a:rPr lang="pt-BR" baseline="0" dirty="0" err="1" smtClean="0"/>
+              <a:t>avaliacao</a:t>
+            </a:r>
+            <a:r>
+              <a:rPr lang="pt-BR" baseline="0" dirty="0" smtClean="0"/>
+              <a:t> com alguns </a:t>
+            </a:r>
+            <a:r>
+              <a:rPr lang="pt-BR" baseline="0" dirty="0" err="1" smtClean="0"/>
+              <a:t>voluntarios</a:t>
+            </a:r>
+            <a:r>
+              <a:rPr lang="pt-BR" baseline="0" dirty="0" smtClean="0"/>
+              <a:t> sobre o que eles acham do SDM.</a:t>
+            </a:r>
+            <a:endParaRPr lang="pt-BR" dirty="0"/>
+          </a:p>
+        </p:txBody>
+      </p:sp>
+      <p:sp>
+        <p:nvSpPr>
+          <p:cNvPr id="4" name="Slide Number Placeholder 3"/>
+          <p:cNvSpPr>
+            <a:spLocks noGrp="1"/>
+          </p:cNvSpPr>
+          <p:nvPr>
+            <p:ph type="sldNum" sz="quarter" idx="10"/>
+          </p:nvPr>
+        </p:nvSpPr>
+        <p:spPr/>
+        <p:txBody>
+          <a:bodyPr/>
+          <a:lstStyle/>
+          <a:p>
+            <a:fld id="{C08094CF-D84A-4161-9F88-9244F515EB29}" type="slidenum">
+              <a:rPr lang="pt-BR" smtClean="0"/>
+              <a:pPr/>
+              <a:t>14</a:t>
+            </a:fld>
+            <a:endParaRPr lang="pt-BR"/>
+          </a:p>
+        </p:txBody>
+      </p:sp>
+    </p:spTree>
+  </p:cSld>
+  <p:clrMapOvr>
+    <a:masterClrMapping/>
+  </p:clrMapOvr>
+</p:notes>
+</file>
+
+<file path=ppt/notesSlides/notesSlide15.xml><?xml version="1.0" encoding="utf-8"?>
+<p:notes xmlns:a="http://schemas.openxmlformats.org/drawingml/2006/main" xmlns:r="http://schemas.openxmlformats.org/officeDocument/2006/relationships" xmlns:p="http://schemas.openxmlformats.org/presentationml/2006/main">
+  <p:cSld>
+    <p:spTree>
+      <p:nvGrpSpPr>
+        <p:cNvPr id="1" name=""/>
+        <p:cNvGrpSpPr/>
+        <p:nvPr/>
+      </p:nvGrpSpPr>
+      <p:grpSpPr>
+        <a:xfrm>
+          <a:off x="0" y="0"/>
+          <a:ext cx="0" cy="0"/>
+          <a:chOff x="0" y="0"/>
+          <a:chExt cx="0" cy="0"/>
+        </a:xfrm>
+      </p:grpSpPr>
+      <p:sp>
+        <p:nvSpPr>
+          <p:cNvPr id="2" name="Slide Image Placeholder 1"/>
+          <p:cNvSpPr>
+            <a:spLocks noGrp="1" noRot="1" noChangeAspect="1"/>
+          </p:cNvSpPr>
+          <p:nvPr>
+            <p:ph type="sldImg"/>
+          </p:nvPr>
+        </p:nvSpPr>
+        <p:spPr/>
+      </p:sp>
+      <p:sp>
+        <p:nvSpPr>
+          <p:cNvPr id="3" name="Notes Placeholder 2"/>
+          <p:cNvSpPr>
+            <a:spLocks noGrp="1"/>
+          </p:cNvSpPr>
+          <p:nvPr>
+            <p:ph type="body" idx="1"/>
+          </p:nvPr>
+        </p:nvSpPr>
+        <p:spPr/>
+        <p:txBody>
+          <a:bodyPr>
+            <a:normAutofit/>
+          </a:bodyPr>
+          <a:lstStyle/>
+          <a:p>
+            <a:r>
+              <a:rPr lang="pt-BR" dirty="0" smtClean="0"/>
+              <a:t>O SDM tem como finalidade</a:t>
+            </a:r>
+            <a:r>
+              <a:rPr lang="pt-BR" baseline="0" dirty="0" smtClean="0"/>
+              <a:t> em auxiliar no entendimento dos conceitos e ensinar a </a:t>
+            </a:r>
+            <a:r>
+              <a:rPr lang="pt-BR" baseline="0" dirty="0" err="1" smtClean="0"/>
+              <a:t>importancia</a:t>
+            </a:r>
+            <a:r>
+              <a:rPr lang="pt-BR" baseline="0" dirty="0" smtClean="0"/>
+              <a:t> dos </a:t>
+            </a:r>
+            <a:r>
+              <a:rPr lang="pt-BR" baseline="0" dirty="0" err="1" smtClean="0"/>
+              <a:t>funcionarios</a:t>
+            </a:r>
+            <a:r>
+              <a:rPr lang="pt-BR" baseline="0" dirty="0" smtClean="0"/>
+              <a:t> e seus papéis.</a:t>
+            </a:r>
+          </a:p>
+          <a:p>
+            <a:r>
+              <a:rPr lang="pt-BR" baseline="0" dirty="0" smtClean="0"/>
+              <a:t>Na atual versão do jogo, existe algumas limitações, como por exemplo não é </a:t>
+            </a:r>
+            <a:r>
+              <a:rPr lang="pt-BR" baseline="0" dirty="0" err="1" smtClean="0"/>
+              <a:t>possivel</a:t>
+            </a:r>
+            <a:r>
+              <a:rPr lang="pt-BR" baseline="0" dirty="0" smtClean="0"/>
+              <a:t> definir iterações que forneçam resultados de desempenho do </a:t>
+            </a:r>
+            <a:r>
+              <a:rPr lang="pt-BR" baseline="0" dirty="0" err="1" smtClean="0"/>
+              <a:t>periodo</a:t>
+            </a:r>
+            <a:r>
+              <a:rPr lang="pt-BR" baseline="0" dirty="0" smtClean="0"/>
+              <a:t> definido.</a:t>
+            </a:r>
+          </a:p>
+          <a:p>
+            <a:r>
+              <a:rPr lang="pt-BR" baseline="0" dirty="0" smtClean="0"/>
+              <a:t>Futuras modificações que podem ser feitas no SDM é a </a:t>
+            </a:r>
+            <a:r>
+              <a:rPr lang="pt-BR" baseline="0" dirty="0" err="1" smtClean="0"/>
+              <a:t>inclusao</a:t>
+            </a:r>
+            <a:r>
+              <a:rPr lang="pt-BR" baseline="0" dirty="0" smtClean="0"/>
+              <a:t> de iterações e aprofundamento das metodologias de trabalho, que na atual versão só é utilizado para distinção.</a:t>
+            </a:r>
+          </a:p>
+        </p:txBody>
+      </p:sp>
+      <p:sp>
+        <p:nvSpPr>
+          <p:cNvPr id="4" name="Slide Number Placeholder 3"/>
+          <p:cNvSpPr>
+            <a:spLocks noGrp="1"/>
+          </p:cNvSpPr>
+          <p:nvPr>
+            <p:ph type="sldNum" sz="quarter" idx="10"/>
+          </p:nvPr>
+        </p:nvSpPr>
+        <p:spPr/>
+        <p:txBody>
+          <a:bodyPr/>
+          <a:lstStyle/>
+          <a:p>
+            <a:fld id="{C08094CF-D84A-4161-9F88-9244F515EB29}" type="slidenum">
+              <a:rPr lang="pt-BR" smtClean="0"/>
+              <a:pPr/>
+              <a:t>15</a:t>
             </a:fld>
             <a:endParaRPr lang="pt-BR"/>
           </a:p>
@@ -2508,27 +2802,168 @@
           <a:p>
             <a:r>
               <a:rPr lang="pt-BR" dirty="0" smtClean="0"/>
-              <a:t>O SDM</a:t>
+              <a:t>Falar brevemente</a:t>
             </a:r>
             <a:r>
               <a:rPr lang="pt-BR" baseline="0" dirty="0" smtClean="0"/>
-              <a:t> pertence a categoria de jogos sérios, ou seja, é utilizado como uma ferramenta de aprendizado.</a:t>
-            </a:r>
-          </a:p>
-          <a:p>
+              <a:t> que já foram feitos outros jogos de ensino de ES (3 de cartas, onde foram baseados no </a:t>
+            </a:r>
+            <a:r>
+              <a:rPr lang="pt-BR" baseline="0" dirty="0" err="1" smtClean="0"/>
+              <a:t>PnP</a:t>
+            </a:r>
             <a:r>
               <a:rPr lang="pt-BR" baseline="0" dirty="0" smtClean="0"/>
-              <a:t>O objetivo deste jogo é auxiliar no aprendizado de conceitos e praticas de ES, especificamente de gestão de pessoas, que é um ponto importante para a produção de softwares de qualidade. Além disso o jogo também transmite a ideia que o cliente, quando contrata os </a:t>
-            </a:r>
-            <a:r>
-              <a:rPr lang="pt-BR" baseline="0" dirty="0" err="1" smtClean="0"/>
-              <a:t>serviçõs</a:t>
-            </a:r>
-            <a:r>
-              <a:rPr lang="pt-BR" baseline="0" dirty="0" smtClean="0"/>
-              <a:t> do jogador, possui requisitos que devem ser respeitados.</a:t>
-            </a:r>
-            <a:endParaRPr lang="pt-BR" dirty="0"/>
+              <a:t>, e dois de computador). O jogador tem </a:t>
+            </a:r>
+            <a:r>
+              <a:rPr lang="pt-BR" sz="1200" kern="1200" dirty="0" smtClean="0">
+                <a:solidFill>
+                  <a:schemeClr val="tx1"/>
+                </a:solidFill>
+                <a:latin typeface="+mn-lt"/>
+                <a:ea typeface="+mn-ea"/>
+                <a:cs typeface="+mn-cs"/>
+              </a:rPr>
+              <a:t>cargo de gerente de projetos.</a:t>
+            </a:r>
+          </a:p>
+          <a:p>
+            <a:endParaRPr lang="pt-BR" sz="1200" kern="1200" dirty="0" smtClean="0">
+              <a:solidFill>
+                <a:schemeClr val="tx1"/>
+              </a:solidFill>
+              <a:latin typeface="+mn-lt"/>
+              <a:ea typeface="+mn-ea"/>
+              <a:cs typeface="+mn-cs"/>
+            </a:endParaRPr>
+          </a:p>
+          <a:p>
+            <a:r>
+              <a:rPr lang="pt-BR" sz="1200" kern="1200" dirty="0" smtClean="0">
+                <a:solidFill>
+                  <a:schemeClr val="tx1"/>
+                </a:solidFill>
+                <a:latin typeface="+mn-lt"/>
+                <a:ea typeface="+mn-ea"/>
+                <a:cs typeface="+mn-cs"/>
+              </a:rPr>
+              <a:t>O</a:t>
+            </a:r>
+            <a:r>
+              <a:rPr lang="pt-BR" sz="1200" kern="1200" baseline="0" dirty="0" smtClean="0">
+                <a:solidFill>
+                  <a:schemeClr val="tx1"/>
+                </a:solidFill>
+                <a:latin typeface="+mn-lt"/>
+                <a:ea typeface="+mn-ea"/>
+                <a:cs typeface="+mn-cs"/>
+              </a:rPr>
+              <a:t> </a:t>
+            </a:r>
+            <a:r>
+              <a:rPr lang="pt-BR" sz="1200" kern="1200" baseline="0" dirty="0" err="1" smtClean="0">
+                <a:solidFill>
+                  <a:schemeClr val="tx1"/>
+                </a:solidFill>
+                <a:latin typeface="+mn-lt"/>
+                <a:ea typeface="+mn-ea"/>
+                <a:cs typeface="+mn-cs"/>
+              </a:rPr>
+              <a:t>PnP</a:t>
+            </a:r>
+            <a:r>
+              <a:rPr lang="pt-BR" sz="1200" kern="1200" baseline="0" dirty="0" smtClean="0">
+                <a:solidFill>
+                  <a:schemeClr val="tx1"/>
+                </a:solidFill>
+                <a:latin typeface="+mn-lt"/>
+                <a:ea typeface="+mn-ea"/>
+                <a:cs typeface="+mn-cs"/>
+              </a:rPr>
+              <a:t> simula </a:t>
+            </a:r>
+            <a:r>
+              <a:rPr lang="pt-BR" sz="1200" kern="1200" dirty="0" smtClean="0">
+                <a:solidFill>
+                  <a:schemeClr val="tx1"/>
+                </a:solidFill>
+                <a:latin typeface="+mn-lt"/>
+                <a:ea typeface="+mn-ea"/>
+                <a:cs typeface="+mn-cs"/>
+              </a:rPr>
+              <a:t>o processo de desenvolvimento</a:t>
+            </a:r>
+            <a:r>
+              <a:rPr lang="pt-BR" sz="1200" kern="1200" baseline="0" dirty="0" smtClean="0">
+                <a:solidFill>
+                  <a:schemeClr val="tx1"/>
+                </a:solidFill>
+                <a:latin typeface="+mn-lt"/>
+                <a:ea typeface="+mn-ea"/>
+                <a:cs typeface="+mn-cs"/>
+              </a:rPr>
+              <a:t> de software desde a concepção até a conclusão. O Simules é um melhoramento do </a:t>
+            </a:r>
+            <a:r>
+              <a:rPr lang="pt-BR" sz="1200" kern="1200" baseline="0" dirty="0" err="1" smtClean="0">
+                <a:solidFill>
+                  <a:schemeClr val="tx1"/>
+                </a:solidFill>
+                <a:latin typeface="+mn-lt"/>
+                <a:ea typeface="+mn-ea"/>
+                <a:cs typeface="+mn-cs"/>
+              </a:rPr>
+              <a:t>PnP</a:t>
+            </a:r>
+            <a:r>
+              <a:rPr lang="pt-BR" sz="1200" kern="1200" baseline="0" dirty="0" smtClean="0">
+                <a:solidFill>
+                  <a:schemeClr val="tx1"/>
+                </a:solidFill>
+                <a:latin typeface="+mn-lt"/>
+                <a:ea typeface="+mn-ea"/>
+                <a:cs typeface="+mn-cs"/>
+              </a:rPr>
+              <a:t>.</a:t>
+            </a:r>
+          </a:p>
+          <a:p>
+            <a:r>
+              <a:rPr lang="pt-BR" sz="1200" kern="1200" baseline="0" dirty="0" smtClean="0">
+                <a:solidFill>
+                  <a:schemeClr val="tx1"/>
+                </a:solidFill>
+                <a:latin typeface="+mn-lt"/>
+                <a:ea typeface="+mn-ea"/>
+                <a:cs typeface="+mn-cs"/>
+              </a:rPr>
+              <a:t>JEEES foi baseado no Simules e tem como objetivo passar conhecimentos de Gerencia de Configuração</a:t>
+            </a:r>
+          </a:p>
+          <a:p>
+            <a:r>
+              <a:rPr lang="pt-BR" sz="1200" kern="1200" baseline="0" dirty="0" err="1" smtClean="0">
+                <a:solidFill>
+                  <a:schemeClr val="tx1"/>
+                </a:solidFill>
+                <a:latin typeface="+mn-lt"/>
+                <a:ea typeface="+mn-ea"/>
+                <a:cs typeface="+mn-cs"/>
+              </a:rPr>
+              <a:t>SimSE</a:t>
+            </a:r>
+            <a:r>
+              <a:rPr lang="pt-BR" sz="1200" kern="1200" baseline="0" dirty="0" smtClean="0">
+                <a:solidFill>
+                  <a:schemeClr val="tx1"/>
+                </a:solidFill>
+                <a:latin typeface="+mn-lt"/>
+                <a:ea typeface="+mn-ea"/>
+                <a:cs typeface="+mn-cs"/>
+              </a:rPr>
+              <a:t> simula modelos de processos e o TIM é focado no gerenciamento de projetos.</a:t>
+            </a:r>
           </a:p>
         </p:txBody>
       </p:sp>
@@ -2550,7 +2985,7 @@
             <a:fld id="{C08094CF-D84A-4161-9F88-9244F515EB29}" type="slidenum">
               <a:rPr lang="pt-BR" smtClean="0"/>
               <a:pPr/>
-              <a:t>4</a:t>
+              <a:t>3</a:t>
             </a:fld>
             <a:endParaRPr lang="pt-BR"/>
           </a:p>
@@ -2612,67 +3047,25 @@
           <a:p>
             <a:r>
               <a:rPr lang="pt-BR" dirty="0" smtClean="0"/>
-              <a:t>Neste slide é ilustrado</a:t>
+              <a:t>O SDM</a:t>
             </a:r>
             <a:r>
               <a:rPr lang="pt-BR" baseline="0" dirty="0" smtClean="0"/>
-              <a:t> a interface do jogo SDM. A parte superior é </a:t>
+              <a:t> pertence a categoria de jogos sérios, ou seja, é utilizado como uma ferramenta de aprendizado.</a:t>
+            </a:r>
+          </a:p>
+          <a:p>
+            <a:r>
+              <a:rPr lang="pt-BR" baseline="0" dirty="0" smtClean="0"/>
+              <a:t>O objetivo deste jogo é auxiliar no aprendizado de conceitos e praticas de ES, especificamente de gestão de pessoas, que é um ponto importante para a produção de softwares de qualidade. Além disso o jogo também transmite a ideia que o cliente, quando contrata os </a:t>
             </a:r>
             <a:r>
               <a:rPr lang="pt-BR" baseline="0" dirty="0" err="1" smtClean="0"/>
-              <a:t>responsavel</a:t>
+              <a:t>serviçõs</a:t>
             </a:r>
             <a:r>
               <a:rPr lang="pt-BR" baseline="0" dirty="0" smtClean="0"/>
-              <a:t> pelo controle da equipe do jogador. O canto esquerdo exibe o resumo de cada </a:t>
-            </a:r>
-            <a:r>
-              <a:rPr lang="pt-BR" baseline="0" dirty="0" err="1" smtClean="0"/>
-              <a:t>funcionario</a:t>
-            </a:r>
-            <a:r>
-              <a:rPr lang="pt-BR" baseline="0" dirty="0" smtClean="0"/>
-              <a:t> e das </a:t>
-            </a:r>
-            <a:r>
-              <a:rPr lang="pt-BR" baseline="0" dirty="0" err="1" smtClean="0"/>
-              <a:t>dispesas</a:t>
-            </a:r>
-            <a:r>
-              <a:rPr lang="pt-BR" baseline="0" dirty="0" smtClean="0"/>
-              <a:t> do jogador. Os estados dos </a:t>
-            </a:r>
-            <a:r>
-              <a:rPr lang="pt-BR" baseline="0" dirty="0" err="1" smtClean="0"/>
-              <a:t>funcionarios</a:t>
-            </a:r>
-            <a:r>
-              <a:rPr lang="pt-BR" baseline="0" dirty="0" smtClean="0"/>
-              <a:t> </a:t>
-            </a:r>
-            <a:r>
-              <a:rPr lang="pt-BR" baseline="0" dirty="0" err="1" smtClean="0"/>
-              <a:t>tambem</a:t>
-            </a:r>
-            <a:r>
-              <a:rPr lang="pt-BR" baseline="0" dirty="0" smtClean="0"/>
-              <a:t> são exibidos </a:t>
-            </a:r>
-            <a:r>
-              <a:rPr lang="pt-BR" baseline="0" dirty="0" err="1" smtClean="0"/>
-              <a:t>atraves</a:t>
-            </a:r>
-            <a:r>
-              <a:rPr lang="pt-BR" baseline="0" dirty="0" smtClean="0"/>
-              <a:t> das barras que ficam em cima de cada </a:t>
-            </a:r>
-            <a:r>
-              <a:rPr lang="pt-BR" baseline="0" dirty="0" err="1" smtClean="0"/>
-              <a:t>funcionario</a:t>
-            </a:r>
-            <a:r>
-              <a:rPr lang="pt-BR" baseline="0" dirty="0" smtClean="0"/>
-              <a:t>. Em baixo estão as informações do projeto e o controle de passagem do tempo.</a:t>
+              <a:t> do jogador, possui requisitos que devem ser respeitados.</a:t>
             </a:r>
             <a:endParaRPr lang="pt-BR" dirty="0"/>
           </a:p>
@@ -2696,7 +3089,7 @@
             <a:fld id="{C08094CF-D84A-4161-9F88-9244F515EB29}" type="slidenum">
               <a:rPr lang="pt-BR" smtClean="0"/>
               <a:pPr/>
-              <a:t>5</a:t>
+              <a:t>4</a:t>
             </a:fld>
             <a:endParaRPr lang="pt-BR"/>
           </a:p>
@@ -2758,11 +3151,11 @@
           <a:p>
             <a:r>
               <a:rPr lang="pt-BR" dirty="0" smtClean="0"/>
-              <a:t>Estes papéis são de 6 tipos:</a:t>
+              <a:t>Neste slide é ilustrado</a:t>
             </a:r>
             <a:r>
               <a:rPr lang="pt-BR" baseline="0" dirty="0" smtClean="0"/>
-              <a:t> Analista, que é </a:t>
+              <a:t> a interface do jogo SDM. A parte superior é </a:t>
             </a:r>
             <a:r>
               <a:rPr lang="pt-BR" baseline="0" dirty="0" err="1" smtClean="0"/>
@@ -2770,39 +3163,55 @@
             </a:r>
             <a:r>
               <a:rPr lang="pt-BR" baseline="0" dirty="0" smtClean="0"/>
-              <a:t> em conversar com o cliente para validar o modelo do software que esta sendo desenvolvido; O </a:t>
+              <a:t> pelo controle da equipe do jogador. O canto esquerdo exibe o resumo de cada </a:t>
             </a:r>
             <a:r>
               <a:rPr lang="pt-BR" baseline="0" dirty="0" err="1" smtClean="0"/>
-              <a:t>arquireto</a:t>
+              <a:t>funcionario</a:t>
             </a:r>
             <a:r>
               <a:rPr lang="pt-BR" baseline="0" dirty="0" smtClean="0"/>
-              <a:t> que cria planos de testes.; O gerente; Marketing que auxilia o analista durante as validações e faz negociações com o cliente; Programador que desenvolve o software e insere </a:t>
+              <a:t> e das </a:t>
             </a:r>
             <a:r>
               <a:rPr lang="pt-BR" baseline="0" dirty="0" err="1" smtClean="0"/>
-              <a:t>bugs</a:t>
+              <a:t>dispesas</a:t>
             </a:r>
             <a:r>
               <a:rPr lang="pt-BR" baseline="0" dirty="0" smtClean="0"/>
-              <a:t>; e o testador que no SDM, é </a:t>
+              <a:t> do jogador. Os estados dos </a:t>
             </a:r>
             <a:r>
               <a:rPr lang="pt-BR" baseline="0" dirty="0" err="1" smtClean="0"/>
-              <a:t>responsavel</a:t>
+              <a:t>funcionarios</a:t>
             </a:r>
             <a:r>
               <a:rPr lang="pt-BR" baseline="0" dirty="0" smtClean="0"/>
-              <a:t> em remover os </a:t>
+              <a:t> </a:t>
             </a:r>
             <a:r>
               <a:rPr lang="pt-BR" baseline="0" dirty="0" err="1" smtClean="0"/>
-              <a:t>bugs</a:t>
+              <a:t>tambem</a:t>
             </a:r>
             <a:r>
               <a:rPr lang="pt-BR" baseline="0" dirty="0" smtClean="0"/>
-              <a:t> colocados pelo programador.</a:t>
+              <a:t> são exibidos </a:t>
+            </a:r>
+            <a:r>
+              <a:rPr lang="pt-BR" baseline="0" dirty="0" err="1" smtClean="0"/>
+              <a:t>atraves</a:t>
+            </a:r>
+            <a:r>
+              <a:rPr lang="pt-BR" baseline="0" dirty="0" smtClean="0"/>
+              <a:t> das barras que ficam em cima de cada </a:t>
+            </a:r>
+            <a:r>
+              <a:rPr lang="pt-BR" baseline="0" dirty="0" err="1" smtClean="0"/>
+              <a:t>funcionario</a:t>
+            </a:r>
+            <a:r>
+              <a:rPr lang="pt-BR" baseline="0" dirty="0" smtClean="0"/>
+              <a:t>. Em baixo estão as informações do projeto e o controle de passagem do tempo.</a:t>
             </a:r>
             <a:endParaRPr lang="pt-BR" dirty="0"/>
           </a:p>
@@ -2826,7 +3235,7 @@
             <a:fld id="{C08094CF-D84A-4161-9F88-9244F515EB29}" type="slidenum">
               <a:rPr lang="pt-BR" smtClean="0"/>
               <a:pPr/>
-              <a:t>6</a:t>
+              <a:t>5</a:t>
             </a:fld>
             <a:endParaRPr lang="pt-BR"/>
           </a:p>
@@ -2888,59 +3297,51 @@
           <a:p>
             <a:r>
               <a:rPr lang="pt-BR" dirty="0" smtClean="0"/>
-              <a:t>Além dos papéis, os </a:t>
-            </a:r>
-            <a:r>
-              <a:rPr lang="pt-BR" dirty="0" err="1" smtClean="0"/>
-              <a:t>funcionarios</a:t>
-            </a:r>
-            <a:r>
-              <a:rPr lang="pt-BR" dirty="0" smtClean="0"/>
-              <a:t> podem</a:t>
+              <a:t>Estes papéis são de 6 tipos:</a:t>
             </a:r>
             <a:r>
               <a:rPr lang="pt-BR" baseline="0" dirty="0" smtClean="0"/>
-              <a:t> desempenhar diferentes cargos na empresa, podendo ser </a:t>
+              <a:t> Analista, que é </a:t>
             </a:r>
             <a:r>
               <a:rPr lang="pt-BR" baseline="0" dirty="0" err="1" smtClean="0"/>
-              <a:t>junior</a:t>
+              <a:t>responsavel</a:t>
             </a:r>
             <a:r>
               <a:rPr lang="pt-BR" baseline="0" dirty="0" smtClean="0"/>
-              <a:t>, pleno ou </a:t>
+              <a:t> em conversar com o cliente para validar o modelo do software que esta sendo desenvolvido; O </a:t>
             </a:r>
             <a:r>
               <a:rPr lang="pt-BR" baseline="0" dirty="0" err="1" smtClean="0"/>
-              <a:t>senior</a:t>
+              <a:t>arquireto</a:t>
             </a:r>
             <a:r>
               <a:rPr lang="pt-BR" baseline="0" dirty="0" smtClean="0"/>
-              <a:t>. Estes cargos são utilizados para modificar o desempenho do </a:t>
+              <a:t> que cria planos de testes.; O gerente; Marketing que auxilia o analista durante as validações e faz negociações com o cliente; Programador que desenvolve o software e insere </a:t>
             </a:r>
             <a:r>
               <a:rPr lang="pt-BR" baseline="0" dirty="0" err="1" smtClean="0"/>
-              <a:t>funcionario</a:t>
+              <a:t>bugs</a:t>
             </a:r>
             <a:r>
               <a:rPr lang="pt-BR" baseline="0" dirty="0" smtClean="0"/>
-              <a:t> e </a:t>
+              <a:t>; e o testador que no SDM, é </a:t>
             </a:r>
             <a:r>
               <a:rPr lang="pt-BR" baseline="0" dirty="0" err="1" smtClean="0"/>
-              <a:t>consequentemente</a:t>
+              <a:t>responsavel</a:t>
             </a:r>
             <a:r>
               <a:rPr lang="pt-BR" baseline="0" dirty="0" smtClean="0"/>
-              <a:t> o </a:t>
+              <a:t> em remover os </a:t>
             </a:r>
             <a:r>
               <a:rPr lang="pt-BR" baseline="0" dirty="0" err="1" smtClean="0"/>
-              <a:t>salario</a:t>
+              <a:t>bugs</a:t>
             </a:r>
             <a:r>
               <a:rPr lang="pt-BR" baseline="0" dirty="0" smtClean="0"/>
-              <a:t>.</a:t>
+              <a:t> colocados pelo programador.</a:t>
             </a:r>
             <a:endParaRPr lang="pt-BR" dirty="0"/>
           </a:p>
@@ -2964,7 +3365,7 @@
             <a:fld id="{C08094CF-D84A-4161-9F88-9244F515EB29}" type="slidenum">
               <a:rPr lang="pt-BR" smtClean="0"/>
               <a:pPr/>
-              <a:t>7</a:t>
+              <a:t>6</a:t>
             </a:fld>
             <a:endParaRPr lang="pt-BR"/>
           </a:p>
@@ -3026,7 +3427,7 @@
           <a:p>
             <a:r>
               <a:rPr lang="pt-BR" dirty="0" smtClean="0"/>
-              <a:t>Para os atributos dos </a:t>
+              <a:t>Além dos papéis, os </a:t>
             </a:r>
             <a:r>
               <a:rPr lang="pt-BR" dirty="0" err="1" smtClean="0"/>
@@ -3034,33 +3435,27 @@
             </a:r>
             <a:r>
               <a:rPr lang="pt-BR" dirty="0" smtClean="0"/>
-              <a:t>, foi feito um estudo</a:t>
+              <a:t> podem</a:t>
             </a:r>
             <a:r>
               <a:rPr lang="pt-BR" baseline="0" dirty="0" smtClean="0"/>
-              <a:t> sobre </a:t>
+              <a:t> desempenhar diferentes cargos na empresa, podendo ser </a:t>
             </a:r>
             <a:r>
               <a:rPr lang="pt-BR" baseline="0" dirty="0" err="1" smtClean="0"/>
-              <a:t>possiveis</a:t>
+              <a:t>junior</a:t>
             </a:r>
             <a:r>
               <a:rPr lang="pt-BR" baseline="0" dirty="0" smtClean="0"/>
-              <a:t> </a:t>
+              <a:t>, pleno ou </a:t>
             </a:r>
             <a:r>
               <a:rPr lang="pt-BR" baseline="0" dirty="0" err="1" smtClean="0"/>
-              <a:t>caracteristicas</a:t>
+              <a:t>senior</a:t>
             </a:r>
             <a:r>
               <a:rPr lang="pt-BR" baseline="0" dirty="0" smtClean="0"/>
-              <a:t> de pessoas que desempenham os papeis presentes no SDM.</a:t>
-            </a:r>
-          </a:p>
-          <a:p>
-            <a:r>
-              <a:rPr lang="pt-BR" baseline="0" dirty="0" smtClean="0"/>
-              <a:t>Refinando os resultados encontrados por Santos e Russo, foram escolhidos 9 atributos que representariam o </a:t>
+              <a:t>. Estes cargos são utilizados para modificar o desempenho do </a:t>
             </a:r>
             <a:r>
               <a:rPr lang="pt-BR" baseline="0" dirty="0" err="1" smtClean="0"/>
@@ -3068,35 +3463,19 @@
             </a:r>
             <a:r>
               <a:rPr lang="pt-BR" baseline="0" dirty="0" smtClean="0"/>
-              <a:t>. Estes 9 atributos são utilizados para o calculo dos atributos de desempenho, que não são </a:t>
+              <a:t> e </a:t>
             </a:r>
             <a:r>
               <a:rPr lang="pt-BR" baseline="0" dirty="0" err="1" smtClean="0"/>
-              <a:t>visiveis</a:t>
+              <a:t>consequentemente</a:t>
             </a:r>
             <a:r>
               <a:rPr lang="pt-BR" baseline="0" dirty="0" smtClean="0"/>
-              <a:t> para o jogador. Como os </a:t>
+              <a:t> o </a:t>
             </a:r>
             <a:r>
               <a:rPr lang="pt-BR" baseline="0" dirty="0" err="1" smtClean="0"/>
-              <a:t>unicos</a:t>
-            </a:r>
-            <a:r>
-              <a:rPr lang="pt-BR" baseline="0" dirty="0" smtClean="0"/>
-              <a:t> atributos exibidos ao jogador são os humanos, cabe ao jogador analisar estes atributos e deduzir qual </a:t>
-            </a:r>
-            <a:r>
-              <a:rPr lang="pt-BR" baseline="0" dirty="0" err="1" smtClean="0"/>
-              <a:t>papél</a:t>
-            </a:r>
-            <a:r>
-              <a:rPr lang="pt-BR" baseline="0" dirty="0" smtClean="0"/>
-              <a:t> é mais adequado para o </a:t>
-            </a:r>
-            <a:r>
-              <a:rPr lang="pt-BR" baseline="0" dirty="0" err="1" smtClean="0"/>
-              <a:t>funcionario</a:t>
+              <a:t>salario</a:t>
             </a:r>
             <a:r>
               <a:rPr lang="pt-BR" baseline="0" dirty="0" smtClean="0"/>
@@ -3124,7 +3503,7 @@
             <a:fld id="{C08094CF-D84A-4161-9F88-9244F515EB29}" type="slidenum">
               <a:rPr lang="pt-BR" smtClean="0"/>
               <a:pPr/>
-              <a:t>8</a:t>
+              <a:t>7</a:t>
             </a:fld>
             <a:endParaRPr lang="pt-BR"/>
           </a:p>
@@ -3186,43 +3565,41 @@
           <a:p>
             <a:r>
               <a:rPr lang="pt-BR" dirty="0" smtClean="0"/>
-              <a:t>Além</a:t>
+              <a:t>Para os atributos dos </a:t>
+            </a:r>
+            <a:r>
+              <a:rPr lang="pt-BR" dirty="0" err="1" smtClean="0"/>
+              <a:t>funcionarios</a:t>
+            </a:r>
+            <a:r>
+              <a:rPr lang="pt-BR" dirty="0" smtClean="0"/>
+              <a:t>, foi feito um estudo</a:t>
             </a:r>
             <a:r>
               <a:rPr lang="pt-BR" baseline="0" dirty="0" smtClean="0"/>
-              <a:t> dos atributos, os </a:t>
+              <a:t> sobre </a:t>
             </a:r>
             <a:r>
               <a:rPr lang="pt-BR" baseline="0" dirty="0" err="1" smtClean="0"/>
-              <a:t>funcionarios</a:t>
+              <a:t>possiveis</a:t>
             </a:r>
             <a:r>
               <a:rPr lang="pt-BR" baseline="0" dirty="0" smtClean="0"/>
-              <a:t> possuem especializações. Estas </a:t>
+              <a:t> </a:t>
             </a:r>
             <a:r>
               <a:rPr lang="pt-BR" baseline="0" dirty="0" err="1" smtClean="0"/>
-              <a:t>especializacoes</a:t>
+              <a:t>caracteristicas</a:t>
             </a:r>
             <a:r>
               <a:rPr lang="pt-BR" baseline="0" dirty="0" smtClean="0"/>
-              <a:t> podem ser de 3 tipos: ferramentas, que são </a:t>
-            </a:r>
-            <a:r>
-              <a:rPr lang="pt-BR" baseline="0" dirty="0" err="1" smtClean="0"/>
-              <a:t>utilziadas</a:t>
-            </a:r>
+              <a:t> de pessoas que desempenham os papeis presentes no SDM.</a:t>
+            </a:r>
+          </a:p>
+          <a:p>
             <a:r>
               <a:rPr lang="pt-BR" baseline="0" dirty="0" smtClean="0"/>
-              <a:t> para </a:t>
-            </a:r>
-            <a:r>
-              <a:rPr lang="pt-BR" baseline="0" dirty="0" err="1" smtClean="0"/>
-              <a:t>auxilar</a:t>
-            </a:r>
-            <a:r>
-              <a:rPr lang="pt-BR" baseline="0" dirty="0" smtClean="0"/>
-              <a:t> o </a:t>
+              <a:t>Refinando os resultados encontrados por Santos e Russo, foram escolhidos 9 atributos que representariam o </a:t>
             </a:r>
             <a:r>
               <a:rPr lang="pt-BR" baseline="0" dirty="0" err="1" smtClean="0"/>
@@ -3230,7 +3607,31 @@
             </a:r>
             <a:r>
               <a:rPr lang="pt-BR" baseline="0" dirty="0" smtClean="0"/>
-              <a:t>; de linguagem de programação e metodologia que são utilizados para avaliar o desempenho do </a:t>
+              <a:t>. Estes 9 atributos são utilizados para o calculo dos atributos de desempenho, que não são </a:t>
+            </a:r>
+            <a:r>
+              <a:rPr lang="pt-BR" baseline="0" dirty="0" err="1" smtClean="0"/>
+              <a:t>visiveis</a:t>
+            </a:r>
+            <a:r>
+              <a:rPr lang="pt-BR" baseline="0" dirty="0" smtClean="0"/>
+              <a:t> para o jogador. Como os </a:t>
+            </a:r>
+            <a:r>
+              <a:rPr lang="pt-BR" baseline="0" dirty="0" err="1" smtClean="0"/>
+              <a:t>unicos</a:t>
+            </a:r>
+            <a:r>
+              <a:rPr lang="pt-BR" baseline="0" dirty="0" smtClean="0"/>
+              <a:t> atributos exibidos ao jogador são os humanos, cabe ao jogador analisar estes atributos e deduzir qual </a:t>
+            </a:r>
+            <a:r>
+              <a:rPr lang="pt-BR" baseline="0" dirty="0" err="1" smtClean="0"/>
+              <a:t>papél</a:t>
+            </a:r>
+            <a:r>
+              <a:rPr lang="pt-BR" baseline="0" dirty="0" smtClean="0"/>
+              <a:t> é mais adequado para o </a:t>
             </a:r>
             <a:r>
               <a:rPr lang="pt-BR" baseline="0" dirty="0" err="1" smtClean="0"/>
@@ -3262,7 +3663,7 @@
             <a:fld id="{C08094CF-D84A-4161-9F88-9244F515EB29}" type="slidenum">
               <a:rPr lang="pt-BR" smtClean="0"/>
               <a:pPr/>
-              <a:t>11</a:t>
+              <a:t>8</a:t>
             </a:fld>
             <a:endParaRPr lang="pt-BR"/>
           </a:p>
@@ -3323,12 +3724,59 @@
           <a:lstStyle/>
           <a:p>
             <a:r>
-              <a:rPr lang="pt-BR" dirty="0" smtClean="0"/>
-              <a:t>Caso</a:t>
+              <a:rPr lang="pt-BR" smtClean="0"/>
+              <a:t>Rascunho:</a:t>
+            </a:r>
+          </a:p>
+          <a:p>
+            <a:r>
+              <a:rPr lang="pt-BR" dirty="0" smtClean="0"/>
+              <a:t>No</a:t>
             </a:r>
             <a:r>
               <a:rPr lang="pt-BR" baseline="0" dirty="0" smtClean="0"/>
-              <a:t> um </a:t>
+              <a:t> SDM tanto os </a:t>
+            </a:r>
+            <a:r>
+              <a:rPr lang="pt-BR" baseline="0" dirty="0" err="1" smtClean="0"/>
+              <a:t>funcionarios</a:t>
+            </a:r>
+            <a:r>
+              <a:rPr lang="pt-BR" baseline="0" dirty="0" smtClean="0"/>
+              <a:t> quanto a empresa do jogador podem progredir com o passar do tempo de acordo com o desempenho.</a:t>
+            </a:r>
+          </a:p>
+          <a:p>
+            <a:endParaRPr lang="pt-BR" baseline="0" dirty="0" smtClean="0"/>
+          </a:p>
+          <a:p>
+            <a:r>
+              <a:rPr lang="pt-BR" baseline="0" dirty="0" smtClean="0"/>
+              <a:t>Os </a:t>
+            </a:r>
+            <a:r>
+              <a:rPr lang="pt-BR" baseline="0" dirty="0" err="1" smtClean="0"/>
+              <a:t>funcionarios</a:t>
+            </a:r>
+            <a:r>
+              <a:rPr lang="pt-BR" baseline="0" dirty="0" smtClean="0"/>
+              <a:t>, quando se termina um projeto, recebem uma quantia de pontos de </a:t>
+            </a:r>
+            <a:r>
+              <a:rPr lang="pt-BR" baseline="0" dirty="0" err="1" smtClean="0"/>
+              <a:t>experiencia</a:t>
+            </a:r>
+            <a:r>
+              <a:rPr lang="pt-BR" baseline="0" dirty="0" smtClean="0"/>
+              <a:t> (de acordo com a complexidade do projeto e do resultado final, se concluiu ou não). Quando um verto valor de </a:t>
+            </a:r>
+            <a:r>
+              <a:rPr lang="pt-BR" baseline="0" dirty="0" err="1" smtClean="0"/>
+              <a:t>experiencia</a:t>
+            </a:r>
+            <a:r>
+              <a:rPr lang="pt-BR" baseline="0" dirty="0" smtClean="0"/>
+              <a:t> é alcançado, o </a:t>
             </a:r>
             <a:r>
               <a:rPr lang="pt-BR" baseline="0" dirty="0" err="1" smtClean="0"/>
@@ -3336,68 +3784,66 @@
             </a:r>
             <a:r>
               <a:rPr lang="pt-BR" baseline="0" dirty="0" smtClean="0"/>
-              <a:t> não possua uma especialização, é </a:t>
+              <a:t> adquire um novo </a:t>
             </a:r>
             <a:r>
               <a:rPr lang="pt-BR" baseline="0" dirty="0" err="1" smtClean="0"/>
-              <a:t>possivel</a:t>
+              <a:t>level</a:t>
             </a:r>
             <a:r>
               <a:rPr lang="pt-BR" baseline="0" dirty="0" smtClean="0"/>
-              <a:t> </a:t>
+              <a:t>, ganhando pontos em atributos de acordo com o papel desempenhado. Note que todos os atributos podem ser afetados, já que o desempenho em cada papel é influenciado por todos os atributos, mas com pesos diferentes.</a:t>
+            </a:r>
+          </a:p>
+          <a:p>
+            <a:endParaRPr lang="pt-BR" baseline="0" dirty="0" smtClean="0"/>
+          </a:p>
+          <a:p>
+            <a:r>
+              <a:rPr lang="pt-BR" baseline="0" dirty="0" smtClean="0"/>
+              <a:t>A empresa </a:t>
             </a:r>
             <a:r>
               <a:rPr lang="pt-BR" baseline="0" dirty="0" err="1" smtClean="0"/>
-              <a:t>coloca-lo</a:t>
+              <a:t>tambem</a:t>
             </a:r>
             <a:r>
               <a:rPr lang="pt-BR" baseline="0" dirty="0" smtClean="0"/>
-              <a:t> em treinamento para adquiri-la.</a:t>
-            </a:r>
-          </a:p>
-          <a:p>
+              <a:t> ganha </a:t>
+            </a:r>
+            <a:r>
+              <a:rPr lang="pt-BR" baseline="0" dirty="0" err="1" smtClean="0"/>
+              <a:t>experiencia</a:t>
+            </a:r>
             <a:r>
               <a:rPr lang="pt-BR" baseline="0" dirty="0" smtClean="0"/>
-              <a:t>Um outro aspecto do SDM é a relação de horas de trabalho, moral e estamina. As horas de trabalho é utilizada para afetar a negativamente a estamina caso trabalhe mais que 40 horas semanais e positivamente </a:t>
+              <a:t> na conclusão de projetos, ou perde </a:t>
             </a:r>
             <a:r>
               <a:rPr lang="pt-BR" baseline="0" dirty="0" err="1" smtClean="0"/>
-              <a:t>quaso</a:t>
+              <a:t>experiencia</a:t>
             </a:r>
             <a:r>
               <a:rPr lang="pt-BR" baseline="0" dirty="0" smtClean="0"/>
-              <a:t> trabalhe menos. O moral é afetado por promoções, </a:t>
+              <a:t> caso não tenha conseguido concluir. Conforme a empresa sobe de </a:t>
             </a:r>
             <a:r>
               <a:rPr lang="pt-BR" baseline="0" dirty="0" err="1" smtClean="0"/>
-              <a:t>conclusao</a:t>
+              <a:t>nivel</a:t>
             </a:r>
             <a:r>
               <a:rPr lang="pt-BR" baseline="0" dirty="0" smtClean="0"/>
-              <a:t> de projetos e falta de pagamento. O moral em conjunto com a estamina são utilizados para calcular o rendimento do </a:t>
+              <a:t>, novos projetos (com mais complexidade) estarão </a:t>
             </a:r>
             <a:r>
               <a:rPr lang="pt-BR" baseline="0" dirty="0" err="1" smtClean="0"/>
-              <a:t>funcionario</a:t>
+              <a:t>disponiveis</a:t>
             </a:r>
             <a:r>
               <a:rPr lang="pt-BR" baseline="0" dirty="0" smtClean="0"/>
-              <a:t>.</a:t>
-            </a:r>
-          </a:p>
-          <a:p>
-            <a:r>
-              <a:rPr lang="pt-BR" baseline="0" dirty="0" smtClean="0"/>
-              <a:t>No exemplo desta figura, é mostrado o ganho de estamina dos </a:t>
-            </a:r>
-            <a:r>
-              <a:rPr lang="pt-BR" baseline="0" dirty="0" err="1" smtClean="0"/>
-              <a:t>funcionarios</a:t>
-            </a:r>
-            <a:r>
-              <a:rPr lang="pt-BR" baseline="0" dirty="0" smtClean="0"/>
-              <a:t> por estarem trabalhando menos horas.</a:t>
-            </a:r>
+              <a:t> para o jogador, onde estes são mais desafiadores, mas fornecem mais recursos para possibilitar uma equipe de desenvolvimento maior.</a:t>
+            </a:r>
+            <a:endParaRPr lang="pt-BR" dirty="0"/>
           </a:p>
         </p:txBody>
       </p:sp>
@@ -3419,7 +3865,7 @@
             <a:fld id="{C08094CF-D84A-4161-9F88-9244F515EB29}" type="slidenum">
               <a:rPr lang="pt-BR" smtClean="0"/>
               <a:pPr/>
-              <a:t>12</a:t>
+              <a:t>9</a:t>
             </a:fld>
             <a:endParaRPr lang="pt-BR"/>
           </a:p>
@@ -3615,7 +4061,7 @@
             <a:fld id="{6D9EE24F-E0DE-4DA1-9105-4F3C7EAC7004}" type="datetime1">
               <a:rPr lang="pt-BR" smtClean="0"/>
               <a:pPr/>
-              <a:t>13/10/2011</a:t>
+              <a:t>19/10/2011</a:t>
             </a:fld>
             <a:endParaRPr lang="pt-BR"/>
           </a:p>
@@ -3782,7 +4228,7 @@
             <a:fld id="{0F034B7C-B26C-4FD8-8AC7-000ADDE7D105}" type="datetime1">
               <a:rPr lang="pt-BR" smtClean="0"/>
               <a:pPr/>
-              <a:t>13/10/2011</a:t>
+              <a:t>19/10/2011</a:t>
             </a:fld>
             <a:endParaRPr lang="pt-BR"/>
           </a:p>
@@ -3959,7 +4405,7 @@
             <a:fld id="{A000051A-8B0B-43C8-BE21-E725CE790B54}" type="datetime1">
               <a:rPr lang="pt-BR" smtClean="0"/>
               <a:pPr/>
-              <a:t>13/10/2011</a:t>
+              <a:t>19/10/2011</a:t>
             </a:fld>
             <a:endParaRPr lang="pt-BR"/>
           </a:p>
@@ -4126,7 +4572,7 @@
             <a:fld id="{7A421BDB-495C-4BB5-AD49-58C300AE01CF}" type="datetime1">
               <a:rPr lang="pt-BR" smtClean="0"/>
               <a:pPr/>
-              <a:t>13/10/2011</a:t>
+              <a:t>19/10/2011</a:t>
             </a:fld>
             <a:endParaRPr lang="pt-BR"/>
           </a:p>
@@ -4369,7 +4815,7 @@
             <a:fld id="{D3F8C441-06B8-491B-8ED8-D1AF83395783}" type="datetime1">
               <a:rPr lang="pt-BR" smtClean="0"/>
               <a:pPr/>
-              <a:t>13/10/2011</a:t>
+              <a:t>19/10/2011</a:t>
             </a:fld>
             <a:endParaRPr lang="pt-BR"/>
           </a:p>
@@ -4654,7 +5100,7 @@
             <a:fld id="{45531767-6CF3-40F5-BBA2-043B826B2267}" type="datetime1">
               <a:rPr lang="pt-BR" smtClean="0"/>
               <a:pPr/>
-              <a:t>13/10/2011</a:t>
+              <a:t>19/10/2011</a:t>
             </a:fld>
             <a:endParaRPr lang="pt-BR"/>
           </a:p>
@@ -5073,7 +5519,7 @@
             <a:fld id="{EDD351A9-C1FF-4899-99DB-C6738D3C7571}" type="datetime1">
               <a:rPr lang="pt-BR" smtClean="0"/>
               <a:pPr/>
-              <a:t>13/10/2011</a:t>
+              <a:t>19/10/2011</a:t>
             </a:fld>
             <a:endParaRPr lang="pt-BR"/>
           </a:p>
@@ -5188,7 +5634,7 @@
             <a:fld id="{A3E5940B-4769-4153-8D5F-9FF733D34FF4}" type="datetime1">
               <a:rPr lang="pt-BR" smtClean="0"/>
               <a:pPr/>
-              <a:t>13/10/2011</a:t>
+              <a:t>19/10/2011</a:t>
             </a:fld>
             <a:endParaRPr lang="pt-BR"/>
           </a:p>
@@ -5280,7 +5726,7 @@
             <a:fld id="{C2FBDFD4-FA6C-48AF-81DB-D21C39C8F84C}" type="datetime1">
               <a:rPr lang="pt-BR" smtClean="0"/>
               <a:pPr/>
-              <a:t>13/10/2011</a:t>
+              <a:t>19/10/2011</a:t>
             </a:fld>
             <a:endParaRPr lang="pt-BR"/>
           </a:p>
@@ -5554,7 +6000,7 @@
             <a:fld id="{4BE47F20-0339-42AE-B0FF-033D3E7FC8FA}" type="datetime1">
               <a:rPr lang="pt-BR" smtClean="0"/>
               <a:pPr/>
-              <a:t>13/10/2011</a:t>
+              <a:t>19/10/2011</a:t>
             </a:fld>
             <a:endParaRPr lang="pt-BR"/>
           </a:p>
@@ -5804,7 +6250,7 @@
             <a:fld id="{4B99D162-A012-4A91-9D82-D9E2E9C8A2D2}" type="datetime1">
               <a:rPr lang="pt-BR" smtClean="0"/>
               <a:pPr/>
-              <a:t>13/10/2011</a:t>
+              <a:t>19/10/2011</a:t>
             </a:fld>
             <a:endParaRPr lang="pt-BR"/>
           </a:p>
@@ -6038,7 +6484,7 @@
             <a:fld id="{486B1B35-5594-478C-AA32-C02987ED0CAA}" type="datetime1">
               <a:rPr lang="pt-BR" smtClean="0"/>
               <a:pPr/>
-              <a:t>13/10/2011</a:t>
+              <a:t>19/10/2011</a:t>
             </a:fld>
             <a:endParaRPr lang="pt-BR"/>
           </a:p>
@@ -6444,12 +6890,8 @@
               <a:t> </a:t>
             </a:r>
             <a:r>
-              <a:rPr lang="pt-BR" dirty="0"/>
-              <a:t>JOGO DE ENSINO DE </a:t>
-            </a:r>
-            <a:r>
-              <a:rPr lang="pt-BR" dirty="0" smtClean="0"/>
-              <a:t>ENGENHARIA DE SOFTWARE</a:t>
+              <a:rPr lang="en-US" dirty="0" smtClean="0"/>
+              <a:t> An Educational Game for Software Engineering</a:t>
             </a:r>
             <a:endParaRPr lang="pt-BR" dirty="0"/>
           </a:p>
@@ -6467,13 +6909,13 @@
         </p:nvSpPr>
         <p:spPr>
           <a:xfrm>
-            <a:off x="1371600" y="3886200"/>
-            <a:ext cx="6400800" cy="2279104"/>
+            <a:off x="1371600" y="3284984"/>
+            <a:ext cx="6400800" cy="2880320"/>
           </a:xfrm>
         </p:spPr>
         <p:txBody>
           <a:bodyPr>
-            <a:normAutofit fontScale="85000" lnSpcReduction="10000"/>
+            <a:normAutofit fontScale="70000" lnSpcReduction="20000"/>
           </a:bodyPr>
           <a:lstStyle/>
           <a:p>
@@ -6496,8 +6938,12 @@
           </a:p>
           <a:p>
             <a:r>
-              <a:rPr lang="pt-BR" dirty="0" smtClean="0"/>
-              <a:t>Orientadores: </a:t>
+              <a:rPr lang="pt-BR" dirty="0" err="1" smtClean="0"/>
+              <a:t>Advisors</a:t>
+            </a:r>
+            <a:r>
+              <a:rPr lang="pt-BR" dirty="0" smtClean="0"/>
+              <a:t>: </a:t>
             </a:r>
           </a:p>
           <a:p>
@@ -6520,6 +6966,20 @@
               <a:rPr lang="pt-BR" dirty="0" smtClean="0"/>
               <a:t>Leonardo G. Paulino Murta</a:t>
             </a:r>
+          </a:p>
+          <a:p>
+            <a:endParaRPr lang="pt-BR" dirty="0" smtClean="0">
+              <a:hlinkClick r:id="rId3"/>
+            </a:endParaRPr>
+          </a:p>
+          <a:p>
+            <a:r>
+              <a:rPr lang="pt-BR" dirty="0" smtClean="0">
+                <a:hlinkClick r:id="rId3"/>
+              </a:rPr>
+              <a:t>http://www.ic.uff.br/~tkohwalter/sdm/index.html</a:t>
+            </a:r>
+            <a:endParaRPr lang="pt-BR" dirty="0" smtClean="0"/>
           </a:p>
           <a:p>
             <a:endParaRPr lang="pt-BR" dirty="0"/>
@@ -6593,232 +7053,6 @@
         </p:nvSpPr>
         <p:spPr/>
         <p:txBody>
-          <a:bodyPr/>
-          <a:lstStyle/>
-          <a:p>
-            <a:r>
-              <a:rPr lang="pt-BR" dirty="0" smtClean="0"/>
-              <a:t>LEVEL</a:t>
-            </a:r>
-          </a:p>
-          <a:p>
-            <a:endParaRPr lang="pt-BR" dirty="0" smtClean="0"/>
-          </a:p>
-          <a:p>
-            <a:pPr lvl="1"/>
-            <a:r>
-              <a:rPr lang="pt-BR" dirty="0" smtClean="0"/>
-              <a:t>FUNCIONÁRIOS</a:t>
-            </a:r>
-          </a:p>
-          <a:p>
-            <a:pPr lvl="2"/>
-            <a:r>
-              <a:rPr lang="pt-BR" dirty="0" smtClean="0"/>
-              <a:t>Atributos</a:t>
-            </a:r>
-          </a:p>
-          <a:p>
-            <a:pPr lvl="1"/>
-            <a:endParaRPr lang="pt-BR" dirty="0" smtClean="0"/>
-          </a:p>
-          <a:p>
-            <a:pPr lvl="1"/>
-            <a:r>
-              <a:rPr lang="pt-BR" dirty="0" smtClean="0"/>
-              <a:t>EMPRESA</a:t>
-            </a:r>
-          </a:p>
-          <a:p>
-            <a:pPr lvl="2"/>
-            <a:r>
-              <a:rPr lang="pt-BR" dirty="0" smtClean="0"/>
-              <a:t>Projetos</a:t>
-            </a:r>
-            <a:endParaRPr lang="pt-BR" dirty="0"/>
-          </a:p>
-        </p:txBody>
-      </p:sp>
-      <p:sp>
-        <p:nvSpPr>
-          <p:cNvPr id="4" name="Slide Number Placeholder 3"/>
-          <p:cNvSpPr>
-            <a:spLocks noGrp="1"/>
-          </p:cNvSpPr>
-          <p:nvPr>
-            <p:ph type="sldNum" sz="quarter" idx="12"/>
-          </p:nvPr>
-        </p:nvSpPr>
-        <p:spPr/>
-        <p:txBody>
-          <a:bodyPr/>
-          <a:lstStyle/>
-          <a:p>
-            <a:fld id="{3423915D-51A9-4757-B8AC-B60F99CD8957}" type="slidenum">
-              <a:rPr lang="pt-BR" smtClean="0"/>
-              <a:pPr/>
-              <a:t>10</a:t>
-            </a:fld>
-            <a:endParaRPr lang="pt-BR"/>
-          </a:p>
-        </p:txBody>
-      </p:sp>
-      <p:pic>
-        <p:nvPicPr>
-          <p:cNvPr id="6146" name="Picture 2"/>
-          <p:cNvPicPr>
-            <a:picLocks noChangeAspect="1" noChangeArrowheads="1"/>
-          </p:cNvPicPr>
-          <p:nvPr/>
-        </p:nvPicPr>
-        <p:blipFill>
-          <a:blip r:embed="rId2" cstate="print"/>
-          <a:srcRect/>
-          <a:stretch>
-            <a:fillRect/>
-          </a:stretch>
-        </p:blipFill>
-        <p:spPr bwMode="auto">
-          <a:xfrm>
-            <a:off x="6876256" y="1484784"/>
-            <a:ext cx="1905000" cy="2667000"/>
-          </a:xfrm>
-          <a:prstGeom prst="rect">
-            <a:avLst/>
-          </a:prstGeom>
-          <a:noFill/>
-          <a:ln w="9525">
-            <a:noFill/>
-            <a:miter lim="800000"/>
-            <a:headEnd/>
-            <a:tailEnd/>
-          </a:ln>
-        </p:spPr>
-      </p:pic>
-      <p:pic>
-        <p:nvPicPr>
-          <p:cNvPr id="6" name="Picture 2"/>
-          <p:cNvPicPr>
-            <a:picLocks noChangeAspect="1" noChangeArrowheads="1"/>
-          </p:cNvPicPr>
-          <p:nvPr/>
-        </p:nvPicPr>
-        <p:blipFill>
-          <a:blip r:embed="rId3" cstate="print"/>
-          <a:srcRect/>
-          <a:stretch>
-            <a:fillRect/>
-          </a:stretch>
-        </p:blipFill>
-        <p:spPr bwMode="auto">
-          <a:xfrm>
-            <a:off x="3995936" y="1340768"/>
-            <a:ext cx="2742835" cy="2880320"/>
-          </a:xfrm>
-          <a:prstGeom prst="rect">
-            <a:avLst/>
-          </a:prstGeom>
-          <a:noFill/>
-          <a:ln w="9525">
-            <a:noFill/>
-            <a:miter lim="800000"/>
-            <a:headEnd/>
-            <a:tailEnd/>
-          </a:ln>
-        </p:spPr>
-      </p:pic>
-      <p:pic>
-        <p:nvPicPr>
-          <p:cNvPr id="6147" name="Picture 3"/>
-          <p:cNvPicPr>
-            <a:picLocks noChangeAspect="1" noChangeArrowheads="1"/>
-          </p:cNvPicPr>
-          <p:nvPr/>
-        </p:nvPicPr>
-        <p:blipFill>
-          <a:blip r:embed="rId4" cstate="print"/>
-          <a:srcRect/>
-          <a:stretch>
-            <a:fillRect/>
-          </a:stretch>
-        </p:blipFill>
-        <p:spPr bwMode="auto">
-          <a:xfrm>
-            <a:off x="4860032" y="4437112"/>
-            <a:ext cx="2838450" cy="2085975"/>
-          </a:xfrm>
-          <a:prstGeom prst="rect">
-            <a:avLst/>
-          </a:prstGeom>
-          <a:noFill/>
-          <a:ln w="9525">
-            <a:noFill/>
-            <a:miter lim="800000"/>
-            <a:headEnd/>
-            <a:tailEnd/>
-          </a:ln>
-        </p:spPr>
-      </p:pic>
-    </p:spTree>
-  </p:cSld>
-  <p:clrMapOvr>
-    <a:masterClrMapping/>
-  </p:clrMapOvr>
-</p:sld>
-</file>
-
-<file path=ppt/slides/slide11.xml><?xml version="1.0" encoding="utf-8"?>
-<p:sld xmlns:a="http://schemas.openxmlformats.org/drawingml/2006/main" xmlns:r="http://schemas.openxmlformats.org/officeDocument/2006/relationships" xmlns:p="http://schemas.openxmlformats.org/presentationml/2006/main">
-  <p:cSld>
-    <p:spTree>
-      <p:nvGrpSpPr>
-        <p:cNvPr id="1" name=""/>
-        <p:cNvGrpSpPr/>
-        <p:nvPr/>
-      </p:nvGrpSpPr>
-      <p:grpSpPr>
-        <a:xfrm>
-          <a:off x="0" y="0"/>
-          <a:ext cx="0" cy="0"/>
-          <a:chOff x="0" y="0"/>
-          <a:chExt cx="0" cy="0"/>
-        </a:xfrm>
-      </p:grpSpPr>
-      <p:sp>
-        <p:nvSpPr>
-          <p:cNvPr id="2" name="Title 1"/>
-          <p:cNvSpPr>
-            <a:spLocks noGrp="1"/>
-          </p:cNvSpPr>
-          <p:nvPr>
-            <p:ph type="title"/>
-          </p:nvPr>
-        </p:nvSpPr>
-        <p:spPr/>
-        <p:txBody>
-          <a:bodyPr/>
-          <a:lstStyle/>
-          <a:p>
-            <a:r>
-              <a:rPr lang="pt-BR" dirty="0" smtClean="0"/>
-              <a:t>SDM</a:t>
-            </a:r>
-            <a:endParaRPr lang="pt-BR" dirty="0"/>
-          </a:p>
-        </p:txBody>
-      </p:sp>
-      <p:sp>
-        <p:nvSpPr>
-          <p:cNvPr id="3" name="Content Placeholder 2"/>
-          <p:cNvSpPr>
-            <a:spLocks noGrp="1"/>
-          </p:cNvSpPr>
-          <p:nvPr>
-            <p:ph idx="1"/>
-          </p:nvPr>
-        </p:nvSpPr>
-        <p:spPr/>
-        <p:txBody>
           <a:bodyPr>
             <a:normAutofit/>
           </a:bodyPr>
@@ -6826,7 +7060,7 @@
           <a:p>
             <a:r>
               <a:rPr lang="pt-BR" dirty="0" smtClean="0"/>
-              <a:t>FUNCIONÁRIOS</a:t>
+              <a:t>EMPLOYEES</a:t>
             </a:r>
           </a:p>
           <a:p>
@@ -6839,7 +7073,7 @@
             <a:pPr lvl="1"/>
             <a:r>
               <a:rPr lang="pt-BR" dirty="0" smtClean="0"/>
-              <a:t>ESPECIALIZAÇÕES</a:t>
+              <a:t>SPECIALIZATIONS</a:t>
             </a:r>
           </a:p>
           <a:p>
@@ -6850,7 +7084,7 @@
             <a:pPr lvl="2"/>
             <a:r>
               <a:rPr lang="pt-BR" dirty="0" smtClean="0"/>
-              <a:t>FERRAMENTAS</a:t>
+              <a:t>TOOLS</a:t>
             </a:r>
           </a:p>
           <a:p>
@@ -6861,7 +7095,7 @@
             <a:pPr lvl="2"/>
             <a:r>
               <a:rPr lang="pt-BR" dirty="0" smtClean="0"/>
-              <a:t>LINGUAGEM</a:t>
+              <a:t>LANGUAGE</a:t>
             </a:r>
           </a:p>
           <a:p>
@@ -6872,11 +7106,8 @@
             <a:pPr lvl="2"/>
             <a:r>
               <a:rPr lang="pt-BR" dirty="0" smtClean="0"/>
-              <a:t>METODOLOGIA</a:t>
-            </a:r>
-          </a:p>
-          <a:p>
-            <a:endParaRPr lang="pt-BR" dirty="0" smtClean="0"/>
+              <a:t>METHOLOGY</a:t>
+            </a:r>
           </a:p>
           <a:p>
             <a:endParaRPr lang="pt-BR" dirty="0"/>
@@ -6933,7 +7164,7 @@
             <a:fld id="{3423915D-51A9-4757-B8AC-B60F99CD8957}" type="slidenum">
               <a:rPr lang="pt-BR" smtClean="0"/>
               <a:pPr/>
-              <a:t>11</a:t>
+              <a:t>10</a:t>
             </a:fld>
             <a:endParaRPr lang="pt-BR"/>
           </a:p>
@@ -6954,7 +7185,7 @@
 </p:sld>
 </file>
 
-<file path=ppt/slides/slide12.xml><?xml version="1.0" encoding="utf-8"?>
+<file path=ppt/slides/slide11.xml><?xml version="1.0" encoding="utf-8"?>
 <p:sld xmlns:a="http://schemas.openxmlformats.org/drawingml/2006/main" xmlns:r="http://schemas.openxmlformats.org/officeDocument/2006/relationships" xmlns:p="http://schemas.openxmlformats.org/presentationml/2006/main">
   <p:cSld>
     <p:spTree>
@@ -7015,7 +7246,7 @@
           <a:p>
             <a:r>
               <a:rPr lang="pt-BR" dirty="0" smtClean="0"/>
-              <a:t>FUNCIONÁRIOS</a:t>
+              <a:t>EMPLOYEES</a:t>
             </a:r>
           </a:p>
           <a:p>
@@ -7025,7 +7256,7 @@
             <a:pPr lvl="1"/>
             <a:r>
               <a:rPr lang="pt-BR" dirty="0" smtClean="0"/>
-              <a:t>TREINAMENTO</a:t>
+              <a:t>TRAINING</a:t>
             </a:r>
           </a:p>
           <a:p>
@@ -7036,7 +7267,7 @@
             <a:pPr lvl="1"/>
             <a:r>
               <a:rPr lang="pt-BR" dirty="0" smtClean="0"/>
-              <a:t>HORAS DE TRABALHO</a:t>
+              <a:t>WORKING HOURS</a:t>
             </a:r>
           </a:p>
           <a:p>
@@ -7047,7 +7278,7 @@
             <a:pPr lvl="1"/>
             <a:r>
               <a:rPr lang="pt-BR" dirty="0" smtClean="0"/>
-              <a:t>MORAL</a:t>
+              <a:t>MORALE</a:t>
             </a:r>
           </a:p>
           <a:p>
@@ -7058,7 +7289,7 @@
             <a:pPr lvl="1"/>
             <a:r>
               <a:rPr lang="pt-BR" dirty="0" smtClean="0"/>
-              <a:t>ESTAMINA</a:t>
+              <a:t>STAMINA</a:t>
             </a:r>
           </a:p>
           <a:p>
@@ -7148,7 +7379,7 @@
             <a:fld id="{3423915D-51A9-4757-B8AC-B60F99CD8957}" type="slidenum">
               <a:rPr lang="pt-BR" smtClean="0"/>
               <a:pPr/>
-              <a:t>12</a:t>
+              <a:t>11</a:t>
             </a:fld>
             <a:endParaRPr lang="pt-BR"/>
           </a:p>
@@ -7169,7 +7400,7 @@
 </p:sld>
 </file>
 
-<file path=ppt/slides/slide13.xml><?xml version="1.0" encoding="utf-8"?>
+<file path=ppt/slides/slide12.xml><?xml version="1.0" encoding="utf-8"?>
 <p:sld xmlns:a="http://schemas.openxmlformats.org/drawingml/2006/main" xmlns:r="http://schemas.openxmlformats.org/officeDocument/2006/relationships" xmlns:p="http://schemas.openxmlformats.org/presentationml/2006/main">
   <p:cSld>
     <p:spTree>
@@ -7230,7 +7461,7 @@
           <a:p>
             <a:r>
               <a:rPr lang="pt-BR" dirty="0" smtClean="0"/>
-              <a:t>EQUIPE</a:t>
+              <a:t>STAFF</a:t>
             </a:r>
           </a:p>
           <a:p>
@@ -7240,7 +7471,7 @@
             <a:pPr lvl="1"/>
             <a:r>
               <a:rPr lang="pt-BR" dirty="0" smtClean="0"/>
-              <a:t>CONTRATAÇÃO</a:t>
+              <a:t>HIRING</a:t>
             </a:r>
           </a:p>
           <a:p>
@@ -7250,7 +7481,7 @@
           <a:p>
             <a:r>
               <a:rPr lang="pt-BR" dirty="0" smtClean="0"/>
-              <a:t>DESENVOLVIMENTO</a:t>
+              <a:t>DEVELOPMENT</a:t>
             </a:r>
           </a:p>
           <a:p>
@@ -7260,7 +7491,7 @@
             <a:pPr lvl="1"/>
             <a:r>
               <a:rPr lang="pt-BR" dirty="0" smtClean="0"/>
-              <a:t>PRODUTO</a:t>
+              <a:t>PRODUCT</a:t>
             </a:r>
           </a:p>
           <a:p>
@@ -7271,7 +7502,7 @@
             <a:pPr lvl="1"/>
             <a:r>
               <a:rPr lang="pt-BR" dirty="0" smtClean="0"/>
-              <a:t>NEGOCIAÇÃO</a:t>
+              <a:t>NEGOTIATION</a:t>
             </a:r>
           </a:p>
           <a:p>
@@ -7282,7 +7513,7 @@
             <a:pPr lvl="1"/>
             <a:r>
               <a:rPr lang="pt-BR" dirty="0" smtClean="0"/>
-              <a:t>PROTOTIPAÇÃO</a:t>
+              <a:t>PROTOTYPING</a:t>
             </a:r>
           </a:p>
         </p:txBody>
@@ -7401,6 +7632,141 @@
             <a:fld id="{3423915D-51A9-4757-B8AC-B60F99CD8957}" type="slidenum">
               <a:rPr lang="pt-BR" smtClean="0"/>
               <a:pPr/>
+              <a:t>12</a:t>
+            </a:fld>
+            <a:endParaRPr lang="pt-BR"/>
+          </a:p>
+        </p:txBody>
+      </p:sp>
+    </p:spTree>
+  </p:cSld>
+  <p:clrMapOvr>
+    <a:masterClrMapping/>
+  </p:clrMapOvr>
+  <p:timing>
+    <p:tnLst>
+      <p:par>
+        <p:cTn id="1" dur="indefinite" restart="never" nodeType="tmRoot"/>
+      </p:par>
+    </p:tnLst>
+  </p:timing>
+</p:sld>
+</file>
+
+<file path=ppt/slides/slide13.xml><?xml version="1.0" encoding="utf-8"?>
+<p:sld xmlns:a="http://schemas.openxmlformats.org/drawingml/2006/main" xmlns:r="http://schemas.openxmlformats.org/officeDocument/2006/relationships" xmlns:p="http://schemas.openxmlformats.org/presentationml/2006/main">
+  <p:cSld>
+    <p:spTree>
+      <p:nvGrpSpPr>
+        <p:cNvPr id="1" name=""/>
+        <p:cNvGrpSpPr/>
+        <p:nvPr/>
+      </p:nvGrpSpPr>
+      <p:grpSpPr>
+        <a:xfrm>
+          <a:off x="0" y="0"/>
+          <a:ext cx="0" cy="0"/>
+          <a:chOff x="0" y="0"/>
+          <a:chExt cx="0" cy="0"/>
+        </a:xfrm>
+      </p:grpSpPr>
+      <p:sp>
+        <p:nvSpPr>
+          <p:cNvPr id="2" name="Title 1"/>
+          <p:cNvSpPr>
+            <a:spLocks noGrp="1"/>
+          </p:cNvSpPr>
+          <p:nvPr>
+            <p:ph type="title"/>
+          </p:nvPr>
+        </p:nvSpPr>
+        <p:spPr/>
+        <p:txBody>
+          <a:bodyPr/>
+          <a:lstStyle/>
+          <a:p>
+            <a:r>
+              <a:rPr lang="pt-BR" dirty="0" smtClean="0"/>
+              <a:t>SDM</a:t>
+            </a:r>
+            <a:endParaRPr lang="pt-BR" dirty="0"/>
+          </a:p>
+        </p:txBody>
+      </p:sp>
+      <p:sp>
+        <p:nvSpPr>
+          <p:cNvPr id="3" name="Content Placeholder 2"/>
+          <p:cNvSpPr>
+            <a:spLocks noGrp="1"/>
+          </p:cNvSpPr>
+          <p:nvPr>
+            <p:ph idx="1"/>
+          </p:nvPr>
+        </p:nvSpPr>
+        <p:spPr/>
+        <p:txBody>
+          <a:bodyPr>
+            <a:normAutofit/>
+          </a:bodyPr>
+          <a:lstStyle/>
+          <a:p>
+            <a:r>
+              <a:rPr lang="pt-BR" dirty="0" smtClean="0"/>
+              <a:t>DIFERENTIAL</a:t>
+            </a:r>
+          </a:p>
+          <a:p>
+            <a:endParaRPr lang="pt-BR" dirty="0" smtClean="0"/>
+          </a:p>
+          <a:p>
+            <a:pPr lvl="1"/>
+            <a:r>
+              <a:rPr lang="pt-BR" dirty="0" smtClean="0"/>
+              <a:t>HUMAN RESOURCES</a:t>
+            </a:r>
+          </a:p>
+          <a:p>
+            <a:pPr lvl="1"/>
+            <a:endParaRPr lang="pt-BR" dirty="0" smtClean="0"/>
+          </a:p>
+          <a:p>
+            <a:pPr lvl="1"/>
+            <a:r>
+              <a:rPr lang="pt-BR" dirty="0" smtClean="0"/>
+              <a:t>PEOPLE MANAGEMENT</a:t>
+            </a:r>
+          </a:p>
+          <a:p>
+            <a:pPr lvl="1"/>
+            <a:endParaRPr lang="pt-BR" dirty="0" smtClean="0"/>
+          </a:p>
+          <a:p>
+            <a:pPr lvl="1"/>
+            <a:r>
+              <a:rPr lang="pt-BR" dirty="0" smtClean="0"/>
+              <a:t>REAL TIME</a:t>
+            </a:r>
+          </a:p>
+        </p:txBody>
+      </p:sp>
+      <p:sp>
+        <p:nvSpPr>
+          <p:cNvPr id="4" name="Espaço Reservado para Número de Slide 3"/>
+          <p:cNvSpPr>
+            <a:spLocks noGrp="1"/>
+          </p:cNvSpPr>
+          <p:nvPr>
+            <p:ph type="sldNum" sz="quarter" idx="12"/>
+          </p:nvPr>
+        </p:nvSpPr>
+        <p:spPr/>
+        <p:txBody>
+          <a:bodyPr/>
+          <a:lstStyle/>
+          <a:p>
+            <a:fld id="{3423915D-51A9-4757-B8AC-B60F99CD8957}" type="slidenum">
+              <a:rPr lang="pt-BR" smtClean="0"/>
+              <a:pPr/>
               <a:t>13</a:t>
             </a:fld>
             <a:endParaRPr lang="pt-BR"/>
@@ -7451,88 +7817,25 @@
         </p:nvSpPr>
         <p:spPr/>
         <p:txBody>
-          <a:bodyPr/>
-          <a:lstStyle/>
-          <a:p>
-            <a:r>
-              <a:rPr lang="pt-BR" dirty="0" smtClean="0"/>
-              <a:t>SDM</a:t>
-            </a:r>
+          <a:bodyPr>
+            <a:normAutofit fontScale="90000"/>
+          </a:bodyPr>
+          <a:lstStyle/>
+          <a:p>
+            <a:r>
+              <a:rPr lang="pt-BR" dirty="0" smtClean="0"/>
+              <a:t>PRELIMINARY ASSESSMENT </a:t>
+            </a:r>
+            <a:br>
+              <a:rPr lang="pt-BR" dirty="0" smtClean="0"/>
+            </a:br>
             <a:endParaRPr lang="pt-BR" dirty="0"/>
           </a:p>
         </p:txBody>
       </p:sp>
       <p:sp>
         <p:nvSpPr>
-          <p:cNvPr id="3" name="Content Placeholder 2"/>
-          <p:cNvSpPr>
-            <a:spLocks noGrp="1"/>
-          </p:cNvSpPr>
-          <p:nvPr>
-            <p:ph idx="1"/>
-          </p:nvPr>
-        </p:nvSpPr>
-        <p:spPr/>
-        <p:txBody>
-          <a:bodyPr>
-            <a:normAutofit lnSpcReduction="10000"/>
-          </a:bodyPr>
-          <a:lstStyle/>
-          <a:p>
-            <a:r>
-              <a:rPr lang="pt-BR" dirty="0" smtClean="0"/>
-              <a:t>DIFERENCIAL</a:t>
-            </a:r>
-          </a:p>
-          <a:p>
-            <a:endParaRPr lang="pt-BR" dirty="0" smtClean="0"/>
-          </a:p>
-          <a:p>
-            <a:pPr lvl="1"/>
-            <a:r>
-              <a:rPr lang="pt-BR" dirty="0" smtClean="0"/>
-              <a:t>RECURSOS HUMANOS</a:t>
-            </a:r>
-          </a:p>
-          <a:p>
-            <a:pPr lvl="1"/>
-            <a:endParaRPr lang="pt-BR" dirty="0" smtClean="0"/>
-          </a:p>
-          <a:p>
-            <a:pPr lvl="1"/>
-            <a:r>
-              <a:rPr lang="pt-BR" dirty="0" smtClean="0"/>
-              <a:t>GESTÃO DE PESSOAS</a:t>
-            </a:r>
-          </a:p>
-          <a:p>
-            <a:pPr lvl="1"/>
-            <a:endParaRPr lang="pt-BR" dirty="0" smtClean="0"/>
-          </a:p>
-          <a:p>
-            <a:pPr lvl="1"/>
-            <a:r>
-              <a:rPr lang="pt-BR" dirty="0" smtClean="0"/>
-              <a:t>TEMPO REAL</a:t>
-            </a:r>
-          </a:p>
-          <a:p>
-            <a:pPr lvl="1"/>
-            <a:endParaRPr lang="pt-BR" dirty="0" smtClean="0"/>
-          </a:p>
-          <a:p>
-            <a:pPr lvl="1"/>
-            <a:r>
-              <a:rPr lang="pt-BR" dirty="0" smtClean="0"/>
-              <a:t>3D</a:t>
-            </a:r>
-            <a:endParaRPr lang="pt-BR" dirty="0"/>
-          </a:p>
-        </p:txBody>
-      </p:sp>
-      <p:sp>
-        <p:nvSpPr>
-          <p:cNvPr id="4" name="Espaço Reservado para Número de Slide 3"/>
+          <p:cNvPr id="4" name="Slide Number Placeholder 3"/>
           <p:cNvSpPr>
             <a:spLocks noGrp="1"/>
           </p:cNvSpPr>
@@ -7549,90 +7852,6 @@
               <a:rPr lang="pt-BR" smtClean="0"/>
               <a:pPr/>
               <a:t>14</a:t>
-            </a:fld>
-            <a:endParaRPr lang="pt-BR"/>
-          </a:p>
-        </p:txBody>
-      </p:sp>
-    </p:spTree>
-  </p:cSld>
-  <p:clrMapOvr>
-    <a:masterClrMapping/>
-  </p:clrMapOvr>
-  <p:timing>
-    <p:tnLst>
-      <p:par>
-        <p:cTn id="1" dur="indefinite" restart="never" nodeType="tmRoot"/>
-      </p:par>
-    </p:tnLst>
-  </p:timing>
-</p:sld>
-</file>
-
-<file path=ppt/slides/slide15.xml><?xml version="1.0" encoding="utf-8"?>
-<p:sld xmlns:a="http://schemas.openxmlformats.org/drawingml/2006/main" xmlns:r="http://schemas.openxmlformats.org/officeDocument/2006/relationships" xmlns:p="http://schemas.openxmlformats.org/presentationml/2006/main">
-  <p:cSld>
-    <p:spTree>
-      <p:nvGrpSpPr>
-        <p:cNvPr id="1" name=""/>
-        <p:cNvGrpSpPr/>
-        <p:nvPr/>
-      </p:nvGrpSpPr>
-      <p:grpSpPr>
-        <a:xfrm>
-          <a:off x="0" y="0"/>
-          <a:ext cx="0" cy="0"/>
-          <a:chOff x="0" y="0"/>
-          <a:chExt cx="0" cy="0"/>
-        </a:xfrm>
-      </p:grpSpPr>
-      <p:sp>
-        <p:nvSpPr>
-          <p:cNvPr id="2" name="Title 1"/>
-          <p:cNvSpPr>
-            <a:spLocks noGrp="1"/>
-          </p:cNvSpPr>
-          <p:nvPr>
-            <p:ph type="title"/>
-          </p:nvPr>
-        </p:nvSpPr>
-        <p:spPr/>
-        <p:txBody>
-          <a:bodyPr>
-            <a:normAutofit fontScale="90000"/>
-          </a:bodyPr>
-          <a:lstStyle/>
-          <a:p>
-            <a:r>
-              <a:rPr lang="pt-BR" dirty="0" smtClean="0"/>
-              <a:t>AVALIAÇÃO PRELIMINAR</a:t>
-            </a:r>
-            <a:br>
-              <a:rPr lang="pt-BR" dirty="0" smtClean="0"/>
-            </a:br>
-            <a:endParaRPr lang="pt-BR" dirty="0"/>
-          </a:p>
-        </p:txBody>
-      </p:sp>
-      <p:sp>
-        <p:nvSpPr>
-          <p:cNvPr id="4" name="Slide Number Placeholder 3"/>
-          <p:cNvSpPr>
-            <a:spLocks noGrp="1"/>
-          </p:cNvSpPr>
-          <p:nvPr>
-            <p:ph type="sldNum" sz="quarter" idx="12"/>
-          </p:nvPr>
-        </p:nvSpPr>
-        <p:spPr/>
-        <p:txBody>
-          <a:bodyPr/>
-          <a:lstStyle/>
-          <a:p>
-            <a:fld id="{3423915D-51A9-4757-B8AC-B60F99CD8957}" type="slidenum">
-              <a:rPr lang="pt-BR" smtClean="0"/>
-              <a:pPr/>
-              <a:t>15</a:t>
             </a:fld>
             <a:endParaRPr lang="pt-BR"/>
           </a:p>
@@ -7712,6 +7931,148 @@
 </p:sld>
 </file>
 
+<file path=ppt/slides/slide15.xml><?xml version="1.0" encoding="utf-8"?>
+<p:sld xmlns:a="http://schemas.openxmlformats.org/drawingml/2006/main" xmlns:r="http://schemas.openxmlformats.org/officeDocument/2006/relationships" xmlns:p="http://schemas.openxmlformats.org/presentationml/2006/main">
+  <p:cSld>
+    <p:spTree>
+      <p:nvGrpSpPr>
+        <p:cNvPr id="1" name=""/>
+        <p:cNvGrpSpPr/>
+        <p:nvPr/>
+      </p:nvGrpSpPr>
+      <p:grpSpPr>
+        <a:xfrm>
+          <a:off x="0" y="0"/>
+          <a:ext cx="0" cy="0"/>
+          <a:chOff x="0" y="0"/>
+          <a:chExt cx="0" cy="0"/>
+        </a:xfrm>
+      </p:grpSpPr>
+      <p:sp>
+        <p:nvSpPr>
+          <p:cNvPr id="2" name="Title 1"/>
+          <p:cNvSpPr>
+            <a:spLocks noGrp="1"/>
+          </p:cNvSpPr>
+          <p:nvPr>
+            <p:ph type="title"/>
+          </p:nvPr>
+        </p:nvSpPr>
+        <p:spPr/>
+        <p:txBody>
+          <a:bodyPr/>
+          <a:lstStyle/>
+          <a:p>
+            <a:r>
+              <a:rPr lang="pt-BR" dirty="0" smtClean="0"/>
+              <a:t>SDM</a:t>
+            </a:r>
+            <a:endParaRPr lang="pt-BR" dirty="0"/>
+          </a:p>
+        </p:txBody>
+      </p:sp>
+      <p:sp>
+        <p:nvSpPr>
+          <p:cNvPr id="3" name="Content Placeholder 2"/>
+          <p:cNvSpPr>
+            <a:spLocks noGrp="1"/>
+          </p:cNvSpPr>
+          <p:nvPr>
+            <p:ph idx="1"/>
+          </p:nvPr>
+        </p:nvSpPr>
+        <p:spPr/>
+        <p:txBody>
+          <a:bodyPr/>
+          <a:lstStyle/>
+          <a:p>
+            <a:r>
+              <a:rPr lang="pt-BR" dirty="0" smtClean="0"/>
+              <a:t>CONCLUSION</a:t>
+            </a:r>
+          </a:p>
+          <a:p>
+            <a:pPr lvl="1"/>
+            <a:r>
+              <a:rPr lang="pt-BR" dirty="0" smtClean="0"/>
+              <a:t>UNDERSTANDING</a:t>
+            </a:r>
+          </a:p>
+          <a:p>
+            <a:pPr lvl="1"/>
+            <a:endParaRPr lang="pt-BR" dirty="0" smtClean="0"/>
+          </a:p>
+          <a:p>
+            <a:pPr lvl="1"/>
+            <a:r>
+              <a:rPr lang="pt-BR" dirty="0" smtClean="0"/>
+              <a:t>LEARNING</a:t>
+            </a:r>
+          </a:p>
+          <a:p>
+            <a:pPr lvl="1"/>
+            <a:endParaRPr lang="pt-BR" dirty="0" smtClean="0"/>
+          </a:p>
+          <a:p>
+            <a:pPr lvl="1"/>
+            <a:r>
+              <a:rPr lang="pt-BR" dirty="0" smtClean="0"/>
+              <a:t>LIMITATIONS</a:t>
+            </a:r>
+          </a:p>
+          <a:p>
+            <a:pPr lvl="1"/>
+            <a:endParaRPr lang="pt-BR" dirty="0" smtClean="0"/>
+          </a:p>
+          <a:p>
+            <a:pPr lvl="1"/>
+            <a:r>
+              <a:rPr lang="pt-BR" dirty="0" smtClean="0"/>
+              <a:t>FUTURE WORK</a:t>
+            </a:r>
+            <a:endParaRPr lang="pt-BR" dirty="0"/>
+          </a:p>
+        </p:txBody>
+      </p:sp>
+      <p:sp>
+        <p:nvSpPr>
+          <p:cNvPr id="4" name="Espaço Reservado para Número de Slide 3"/>
+          <p:cNvSpPr>
+            <a:spLocks noGrp="1"/>
+          </p:cNvSpPr>
+          <p:nvPr>
+            <p:ph type="sldNum" sz="quarter" idx="12"/>
+          </p:nvPr>
+        </p:nvSpPr>
+        <p:spPr/>
+        <p:txBody>
+          <a:bodyPr/>
+          <a:lstStyle/>
+          <a:p>
+            <a:fld id="{3423915D-51A9-4757-B8AC-B60F99CD8957}" type="slidenum">
+              <a:rPr lang="pt-BR" smtClean="0"/>
+              <a:pPr/>
+              <a:t>15</a:t>
+            </a:fld>
+            <a:endParaRPr lang="pt-BR"/>
+          </a:p>
+        </p:txBody>
+      </p:sp>
+    </p:spTree>
+  </p:cSld>
+  <p:clrMapOvr>
+    <a:masterClrMapping/>
+  </p:clrMapOvr>
+  <p:timing>
+    <p:tnLst>
+      <p:par>
+        <p:cTn id="1" dur="indefinite" restart="never" nodeType="tmRoot"/>
+      </p:par>
+    </p:tnLst>
+  </p:timing>
+</p:sld>
+</file>
+
 <file path=ppt/slides/slide16.xml><?xml version="1.0" encoding="utf-8"?>
 <p:sld xmlns:a="http://schemas.openxmlformats.org/drawingml/2006/main" xmlns:r="http://schemas.openxmlformats.org/officeDocument/2006/relationships" xmlns:p="http://schemas.openxmlformats.org/presentationml/2006/main">
   <p:cSld>
@@ -7736,148 +8097,6 @@
             <a:spLocks noGrp="1"/>
           </p:cNvSpPr>
           <p:nvPr>
-            <p:ph type="title"/>
-          </p:nvPr>
-        </p:nvSpPr>
-        <p:spPr/>
-        <p:txBody>
-          <a:bodyPr/>
-          <a:lstStyle/>
-          <a:p>
-            <a:r>
-              <a:rPr lang="pt-BR" dirty="0" smtClean="0"/>
-              <a:t>SDM</a:t>
-            </a:r>
-            <a:endParaRPr lang="pt-BR" dirty="0"/>
-          </a:p>
-        </p:txBody>
-      </p:sp>
-      <p:sp>
-        <p:nvSpPr>
-          <p:cNvPr id="3" name="Content Placeholder 2"/>
-          <p:cNvSpPr>
-            <a:spLocks noGrp="1"/>
-          </p:cNvSpPr>
-          <p:nvPr>
-            <p:ph idx="1"/>
-          </p:nvPr>
-        </p:nvSpPr>
-        <p:spPr/>
-        <p:txBody>
-          <a:bodyPr/>
-          <a:lstStyle/>
-          <a:p>
-            <a:r>
-              <a:rPr lang="pt-BR" dirty="0" smtClean="0"/>
-              <a:t>CONCLUSAO</a:t>
-            </a:r>
-          </a:p>
-          <a:p>
-            <a:pPr lvl="1"/>
-            <a:r>
-              <a:rPr lang="pt-BR" dirty="0" smtClean="0"/>
-              <a:t>ENTENDIMENTO</a:t>
-            </a:r>
-          </a:p>
-          <a:p>
-            <a:pPr lvl="1"/>
-            <a:endParaRPr lang="pt-BR" dirty="0" smtClean="0"/>
-          </a:p>
-          <a:p>
-            <a:pPr lvl="1"/>
-            <a:r>
-              <a:rPr lang="pt-BR" dirty="0" smtClean="0"/>
-              <a:t>APRENDIZADO</a:t>
-            </a:r>
-          </a:p>
-          <a:p>
-            <a:pPr lvl="1"/>
-            <a:endParaRPr lang="pt-BR" dirty="0" smtClean="0"/>
-          </a:p>
-          <a:p>
-            <a:pPr lvl="1"/>
-            <a:r>
-              <a:rPr lang="pt-BR" dirty="0" smtClean="0"/>
-              <a:t>LIMITAÇÕES</a:t>
-            </a:r>
-          </a:p>
-          <a:p>
-            <a:pPr lvl="1"/>
-            <a:endParaRPr lang="pt-BR" dirty="0" smtClean="0"/>
-          </a:p>
-          <a:p>
-            <a:pPr lvl="1"/>
-            <a:r>
-              <a:rPr lang="pt-BR" dirty="0" smtClean="0"/>
-              <a:t>TRABALHOS FUTUROS</a:t>
-            </a:r>
-            <a:endParaRPr lang="pt-BR" dirty="0"/>
-          </a:p>
-        </p:txBody>
-      </p:sp>
-      <p:sp>
-        <p:nvSpPr>
-          <p:cNvPr id="4" name="Espaço Reservado para Número de Slide 3"/>
-          <p:cNvSpPr>
-            <a:spLocks noGrp="1"/>
-          </p:cNvSpPr>
-          <p:nvPr>
-            <p:ph type="sldNum" sz="quarter" idx="12"/>
-          </p:nvPr>
-        </p:nvSpPr>
-        <p:spPr/>
-        <p:txBody>
-          <a:bodyPr/>
-          <a:lstStyle/>
-          <a:p>
-            <a:fld id="{3423915D-51A9-4757-B8AC-B60F99CD8957}" type="slidenum">
-              <a:rPr lang="pt-BR" smtClean="0"/>
-              <a:pPr/>
-              <a:t>16</a:t>
-            </a:fld>
-            <a:endParaRPr lang="pt-BR"/>
-          </a:p>
-        </p:txBody>
-      </p:sp>
-    </p:spTree>
-  </p:cSld>
-  <p:clrMapOvr>
-    <a:masterClrMapping/>
-  </p:clrMapOvr>
-  <p:timing>
-    <p:tnLst>
-      <p:par>
-        <p:cTn id="1" dur="indefinite" restart="never" nodeType="tmRoot"/>
-      </p:par>
-    </p:tnLst>
-  </p:timing>
-</p:sld>
-</file>
-
-<file path=ppt/slides/slide17.xml><?xml version="1.0" encoding="utf-8"?>
-<p:sld xmlns:a="http://schemas.openxmlformats.org/drawingml/2006/main" xmlns:r="http://schemas.openxmlformats.org/officeDocument/2006/relationships" xmlns:p="http://schemas.openxmlformats.org/presentationml/2006/main">
-  <p:cSld>
-    <p:spTree>
-      <p:nvGrpSpPr>
-        <p:cNvPr id="1" name=""/>
-        <p:cNvGrpSpPr/>
-        <p:nvPr/>
-      </p:nvGrpSpPr>
-      <p:grpSpPr>
-        <a:xfrm>
-          <a:off x="0" y="0"/>
-          <a:ext cx="0" cy="0"/>
-          <a:chOff x="0" y="0"/>
-          <a:chExt cx="0" cy="0"/>
-        </a:xfrm>
-      </p:grpSpPr>
-      <p:sp>
-        <p:nvSpPr>
-          <p:cNvPr id="2" name="Title 1"/>
-          <p:cNvSpPr>
-            <a:spLocks noGrp="1"/>
-          </p:cNvSpPr>
-          <p:nvPr>
             <p:ph type="ctrTitle"/>
           </p:nvPr>
         </p:nvSpPr>
@@ -7905,12 +8124,8 @@
               <a:t> </a:t>
             </a:r>
             <a:r>
-              <a:rPr lang="pt-BR" dirty="0"/>
-              <a:t>JOGO DE ENSINO DE </a:t>
-            </a:r>
-            <a:r>
-              <a:rPr lang="pt-BR" dirty="0" smtClean="0"/>
-              <a:t>ENGENHARIA DE SOFTWARE</a:t>
+              <a:rPr lang="en-US" dirty="0" smtClean="0"/>
+              <a:t> An Educational Game for Software Engineering</a:t>
             </a:r>
             <a:endParaRPr lang="pt-BR" dirty="0"/>
           </a:p>
@@ -7928,13 +8143,13 @@
         </p:nvSpPr>
         <p:spPr>
           <a:xfrm>
-            <a:off x="1371600" y="3886200"/>
-            <a:ext cx="6400800" cy="2279104"/>
+            <a:off x="1371600" y="3284984"/>
+            <a:ext cx="6400800" cy="2880320"/>
           </a:xfrm>
         </p:spPr>
         <p:txBody>
           <a:bodyPr>
-            <a:normAutofit fontScale="85000" lnSpcReduction="10000"/>
+            <a:normAutofit fontScale="70000" lnSpcReduction="20000"/>
           </a:bodyPr>
           <a:lstStyle/>
           <a:p>
@@ -7957,8 +8172,12 @@
           </a:p>
           <a:p>
             <a:r>
-              <a:rPr lang="pt-BR" dirty="0" smtClean="0"/>
-              <a:t>Orientadores: </a:t>
+              <a:rPr lang="pt-BR" dirty="0" err="1" smtClean="0"/>
+              <a:t>Advisors</a:t>
+            </a:r>
+            <a:r>
+              <a:rPr lang="pt-BR" dirty="0" smtClean="0"/>
+              <a:t>: </a:t>
             </a:r>
           </a:p>
           <a:p>
@@ -7981,6 +8200,18 @@
               <a:rPr lang="pt-BR" dirty="0" smtClean="0"/>
               <a:t>Leonardo G. Paulino Murta</a:t>
             </a:r>
+          </a:p>
+          <a:p>
+            <a:endParaRPr lang="pt-BR" dirty="0" smtClean="0"/>
+          </a:p>
+          <a:p>
+            <a:r>
+              <a:rPr lang="pt-BR" dirty="0" smtClean="0">
+                <a:hlinkClick r:id="rId2"/>
+              </a:rPr>
+              <a:t>http://www.ic.uff.br/~tkohwalter/sdm/index.html</a:t>
+            </a:r>
+            <a:endParaRPr lang="pt-BR" dirty="0" smtClean="0"/>
           </a:p>
           <a:p>
             <a:endParaRPr lang="pt-BR" dirty="0"/>
@@ -8036,7 +8267,7 @@
           <a:p>
             <a:r>
               <a:rPr lang="pt-BR" dirty="0" smtClean="0"/>
-              <a:t>MOTIVAÇÃO</a:t>
+              <a:t>MOTIVATION</a:t>
             </a:r>
             <a:endParaRPr lang="pt-BR" dirty="0"/>
           </a:p>
@@ -8059,7 +8290,7 @@
           <a:p>
             <a:r>
               <a:rPr lang="pt-BR" dirty="0" smtClean="0"/>
-              <a:t>AULAS TEORICAS</a:t>
+              <a:t>TEORIC CLASSES</a:t>
             </a:r>
           </a:p>
           <a:p>
@@ -8077,7 +8308,7 @@
           <a:p>
             <a:r>
               <a:rPr lang="pt-BR" dirty="0" smtClean="0"/>
-              <a:t>JOGOS</a:t>
+              <a:t>GAMES</a:t>
             </a:r>
           </a:p>
         </p:txBody>
@@ -8155,7 +8386,7 @@
           <a:p>
             <a:r>
               <a:rPr lang="pt-BR" dirty="0" smtClean="0"/>
-              <a:t>Trabalhos Relacionados</a:t>
+              <a:t>RELATED WORK</a:t>
             </a:r>
             <a:endParaRPr lang="pt-BR" dirty="0"/>
           </a:p>
@@ -8196,7 +8427,7 @@
           </p:nvPr>
         </p:nvPicPr>
         <p:blipFill>
-          <a:blip r:embed="rId2" cstate="print"/>
+          <a:blip r:embed="rId3" cstate="print"/>
           <a:srcRect/>
           <a:stretch>
             <a:fillRect/>
@@ -8228,7 +8459,7 @@
           <p:nvPr/>
         </p:nvPicPr>
         <p:blipFill>
-          <a:blip r:embed="rId3" cstate="print"/>
+          <a:blip r:embed="rId4" cstate="print"/>
           <a:srcRect/>
           <a:stretch>
             <a:fillRect/>
@@ -8260,7 +8491,7 @@
           <p:nvPr/>
         </p:nvPicPr>
         <p:blipFill>
-          <a:blip r:embed="rId4" cstate="print"/>
+          <a:blip r:embed="rId5" cstate="print"/>
           <a:srcRect/>
           <a:stretch>
             <a:fillRect/>
@@ -8292,7 +8523,7 @@
           <p:nvPr/>
         </p:nvPicPr>
         <p:blipFill>
-          <a:blip r:embed="rId5" cstate="print"/>
+          <a:blip r:embed="rId6" cstate="print"/>
           <a:srcRect/>
           <a:stretch>
             <a:fillRect/>
@@ -8443,7 +8674,7 @@
           <p:nvPr/>
         </p:nvPicPr>
         <p:blipFill>
-          <a:blip r:embed="rId6" cstate="print"/>
+          <a:blip r:embed="rId7" cstate="print"/>
           <a:srcRect/>
           <a:stretch>
             <a:fillRect/>
@@ -8563,7 +8794,7 @@
           <a:p>
             <a:r>
               <a:rPr lang="pt-BR" dirty="0" smtClean="0"/>
-              <a:t>JOGO SÉRIO</a:t>
+              <a:t>SERIOUS GAME</a:t>
             </a:r>
           </a:p>
           <a:p>
@@ -8572,7 +8803,7 @@
           <a:p>
             <a:r>
               <a:rPr lang="pt-BR" dirty="0" smtClean="0"/>
-              <a:t>OBJETIVOS:</a:t>
+              <a:t>OBJECTIVES:</a:t>
             </a:r>
           </a:p>
           <a:p>
@@ -8582,7 +8813,7 @@
             <a:pPr lvl="1"/>
             <a:r>
               <a:rPr lang="pt-BR" dirty="0" smtClean="0"/>
-              <a:t>APRENDIZADO</a:t>
+              <a:t>LEARNING</a:t>
             </a:r>
           </a:p>
           <a:p>
@@ -8593,7 +8824,7 @@
             <a:pPr lvl="1"/>
             <a:r>
               <a:rPr lang="pt-BR" dirty="0" smtClean="0"/>
-              <a:t>GESTÃO DE PESSOAS</a:t>
+              <a:t>PEOPLE MANAGEMENT</a:t>
             </a:r>
           </a:p>
           <a:p>
@@ -8603,8 +8834,12 @@
           <a:p>
             <a:pPr lvl="1"/>
             <a:r>
-              <a:rPr lang="pt-BR" dirty="0" smtClean="0"/>
-              <a:t>NECESSIDADES DO CLIENTE</a:t>
+              <a:rPr lang="pt-BR" dirty="0" err="1" smtClean="0"/>
+              <a:t>CLIENT’S</a:t>
+            </a:r>
+            <a:r>
+              <a:rPr lang="pt-BR" dirty="0" smtClean="0"/>
+              <a:t> NEED</a:t>
             </a:r>
             <a:endParaRPr lang="pt-BR" dirty="0"/>
           </a:p>
@@ -8824,7 +9059,7 @@
           <a:p>
             <a:r>
               <a:rPr lang="pt-BR" dirty="0" smtClean="0"/>
-              <a:t>FUNCIONÁRIOS</a:t>
+              <a:t>EMPLOYEES</a:t>
             </a:r>
           </a:p>
           <a:p>
@@ -8834,7 +9069,7 @@
             <a:pPr lvl="1"/>
             <a:r>
               <a:rPr lang="pt-BR" dirty="0" smtClean="0"/>
-              <a:t>PAPÉIS</a:t>
+              <a:t>ROLES</a:t>
             </a:r>
           </a:p>
           <a:p>
@@ -8845,7 +9080,7 @@
             <a:pPr lvl="2"/>
             <a:r>
               <a:rPr lang="pt-BR" dirty="0" smtClean="0"/>
-              <a:t>ANALISTA</a:t>
+              <a:t>ANALYST</a:t>
             </a:r>
           </a:p>
           <a:p>
@@ -8856,7 +9091,7 @@
             <a:pPr lvl="2"/>
             <a:r>
               <a:rPr lang="pt-BR" dirty="0" smtClean="0"/>
-              <a:t>ARQUITETO</a:t>
+              <a:t>ARCHITECT</a:t>
             </a:r>
           </a:p>
           <a:p>
@@ -8867,7 +9102,7 @@
             <a:pPr lvl="2"/>
             <a:r>
               <a:rPr lang="pt-BR" dirty="0" smtClean="0"/>
-              <a:t>GERENTE</a:t>
+              <a:t>MANAGER</a:t>
             </a:r>
           </a:p>
           <a:p>
@@ -8889,7 +9124,7 @@
             <a:pPr lvl="2"/>
             <a:r>
               <a:rPr lang="pt-BR" dirty="0" smtClean="0"/>
-              <a:t>PROGRAMADOR</a:t>
+              <a:t>PROGRAMMER</a:t>
             </a:r>
           </a:p>
           <a:p>
@@ -8900,7 +9135,7 @@
             <a:pPr lvl="2"/>
             <a:r>
               <a:rPr lang="pt-BR" dirty="0" smtClean="0"/>
-              <a:t>TESTADOR</a:t>
+              <a:t>TESTER</a:t>
             </a:r>
           </a:p>
         </p:txBody>
@@ -9035,7 +9270,7 @@
           <a:p>
             <a:r>
               <a:rPr lang="pt-BR" dirty="0" smtClean="0"/>
-              <a:t>FUNCIONÁRIOS</a:t>
+              <a:t>EMPLOYEES</a:t>
             </a:r>
           </a:p>
           <a:p>
@@ -9044,9 +9279,10 @@
           <a:p>
             <a:pPr lvl="1"/>
             <a:r>
-              <a:rPr lang="pt-BR" dirty="0" smtClean="0"/>
-              <a:t>CARGO</a:t>
-            </a:r>
+              <a:rPr lang="pt-BR" smtClean="0"/>
+              <a:t>GRADES</a:t>
+            </a:r>
+            <a:endParaRPr lang="pt-BR" dirty="0" smtClean="0"/>
           </a:p>
           <a:p>
             <a:pPr lvl="1"/>
@@ -9067,7 +9303,7 @@
             <a:pPr lvl="2"/>
             <a:r>
               <a:rPr lang="pt-BR" dirty="0" smtClean="0"/>
-              <a:t>PLENO</a:t>
+              <a:t>MID-LEVEL</a:t>
             </a:r>
           </a:p>
           <a:p>
@@ -9224,7 +9460,7 @@
           <a:p>
             <a:r>
               <a:rPr lang="pt-BR" dirty="0" smtClean="0"/>
-              <a:t>FUNCIONÁRIOS</a:t>
+              <a:t>EMPLOYEES</a:t>
             </a:r>
           </a:p>
           <a:p>
@@ -9237,7 +9473,7 @@
             <a:pPr lvl="1"/>
             <a:r>
               <a:rPr lang="pt-BR" dirty="0" smtClean="0"/>
-              <a:t>ATRIBUTOS</a:t>
+              <a:t>ATTRIBUTES</a:t>
             </a:r>
           </a:p>
           <a:p>
@@ -9246,7 +9482,15 @@
             </a:pPr>
             <a:r>
               <a:rPr lang="pt-BR" sz="1800" dirty="0" smtClean="0"/>
-              <a:t>(Santos 2005 e Russo 2007)</a:t>
+              <a:t>(Santos 2005 </a:t>
+            </a:r>
+            <a:r>
+              <a:rPr lang="pt-BR" sz="1800" dirty="0" err="1" smtClean="0"/>
+              <a:t>and</a:t>
+            </a:r>
+            <a:r>
+              <a:rPr lang="pt-BR" sz="1800" dirty="0" smtClean="0"/>
+              <a:t> Russo 2007)</a:t>
             </a:r>
             <a:endParaRPr lang="pt-BR" dirty="0" smtClean="0"/>
           </a:p>
@@ -9254,14 +9498,14 @@
             <a:pPr lvl="2"/>
             <a:r>
               <a:rPr lang="pt-BR" dirty="0" smtClean="0"/>
-              <a:t>HUMANOS</a:t>
+              <a:t>HUMAN</a:t>
             </a:r>
           </a:p>
           <a:p>
             <a:pPr lvl="3"/>
             <a:r>
               <a:rPr lang="pt-BR" dirty="0" smtClean="0"/>
-              <a:t>9 ATRIBUTOS</a:t>
+              <a:t>9 ATTRIBUTES</a:t>
             </a:r>
           </a:p>
           <a:p>
@@ -9272,14 +9516,14 @@
             <a:pPr lvl="2"/>
             <a:r>
               <a:rPr lang="pt-BR" dirty="0" smtClean="0"/>
-              <a:t>DESEMPENHO</a:t>
+              <a:t>PERFORMAMCE</a:t>
             </a:r>
           </a:p>
           <a:p>
             <a:pPr lvl="3"/>
             <a:r>
               <a:rPr lang="pt-BR" dirty="0" smtClean="0"/>
-              <a:t>6 ATRIBUTOS</a:t>
+              <a:t>6 ATTRIBUTES</a:t>
             </a:r>
           </a:p>
           <a:p>
@@ -9396,14 +9640,70 @@
         </p:nvSpPr>
         <p:spPr/>
         <p:txBody>
-          <a:bodyPr>
-            <a:normAutofit fontScale="90000"/>
-          </a:bodyPr>
-          <a:lstStyle/>
-          <a:p>
-            <a:r>
-              <a:rPr lang="pt-BR" dirty="0" smtClean="0"/>
-              <a:t>RELAÇÃO ATRIBUTOS HUMANOS E DESEMPENHO</a:t>
+          <a:bodyPr/>
+          <a:lstStyle/>
+          <a:p>
+            <a:r>
+              <a:rPr lang="pt-BR" dirty="0" smtClean="0"/>
+              <a:t>SDM</a:t>
+            </a:r>
+            <a:endParaRPr lang="pt-BR" dirty="0"/>
+          </a:p>
+        </p:txBody>
+      </p:sp>
+      <p:sp>
+        <p:nvSpPr>
+          <p:cNvPr id="3" name="Content Placeholder 2"/>
+          <p:cNvSpPr>
+            <a:spLocks noGrp="1"/>
+          </p:cNvSpPr>
+          <p:nvPr>
+            <p:ph idx="1"/>
+          </p:nvPr>
+        </p:nvSpPr>
+        <p:spPr/>
+        <p:txBody>
+          <a:bodyPr/>
+          <a:lstStyle/>
+          <a:p>
+            <a:r>
+              <a:rPr lang="pt-BR" dirty="0" smtClean="0"/>
+              <a:t>LEVEL</a:t>
+            </a:r>
+          </a:p>
+          <a:p>
+            <a:endParaRPr lang="pt-BR" dirty="0" smtClean="0"/>
+          </a:p>
+          <a:p>
+            <a:pPr lvl="1"/>
+            <a:r>
+              <a:rPr lang="pt-BR" dirty="0" smtClean="0"/>
+              <a:t>EMPLOYEES</a:t>
+            </a:r>
+          </a:p>
+          <a:p>
+            <a:pPr lvl="2"/>
+            <a:r>
+              <a:rPr lang="pt-BR" dirty="0" smtClean="0"/>
+              <a:t>ATTRIBUTES</a:t>
+            </a:r>
+          </a:p>
+          <a:p>
+            <a:pPr lvl="1"/>
+            <a:endParaRPr lang="pt-BR" dirty="0" smtClean="0"/>
+          </a:p>
+          <a:p>
+            <a:pPr lvl="1"/>
+            <a:r>
+              <a:rPr lang="pt-BR" dirty="0" smtClean="0"/>
+              <a:t>COMPANY</a:t>
+            </a:r>
+          </a:p>
+          <a:p>
+            <a:pPr lvl="2"/>
+            <a:r>
+              <a:rPr lang="pt-BR" dirty="0" smtClean="0"/>
+              <a:t>PROJECTS</a:t>
             </a:r>
             <a:endParaRPr lang="pt-BR" dirty="0"/>
           </a:p>
@@ -9435,16 +9735,14 @@
       </p:sp>
       <p:pic>
         <p:nvPicPr>
-          <p:cNvPr id="2050" name="Picture 2"/>
+          <p:cNvPr id="6146" name="Picture 2"/>
           <p:cNvPicPr>
-            <a:picLocks noGrp="1" noChangeAspect="1" noChangeArrowheads="1"/>
+            <a:picLocks noChangeAspect="1" noChangeArrowheads="1"/>
           </p:cNvPicPr>
-          <p:nvPr>
-            <p:ph idx="1"/>
-          </p:nvPr>
+          <p:nvPr/>
         </p:nvPicPr>
         <p:blipFill>
-          <a:blip r:embed="rId2" cstate="print"/>
+          <a:blip r:embed="rId3" cstate="print"/>
           <a:srcRect/>
           <a:stretch>
             <a:fillRect/>
@@ -9452,8 +9750,72 @@
         </p:blipFill>
         <p:spPr bwMode="auto">
           <a:xfrm>
-            <a:off x="441325" y="2605087"/>
-            <a:ext cx="8296275" cy="2314575"/>
+            <a:off x="6876256" y="1484784"/>
+            <a:ext cx="1905000" cy="2667000"/>
+          </a:xfrm>
+          <a:prstGeom prst="rect">
+            <a:avLst/>
+          </a:prstGeom>
+          <a:noFill/>
+          <a:ln w="9525">
+            <a:noFill/>
+            <a:miter lim="800000"/>
+            <a:headEnd/>
+            <a:tailEnd/>
+          </a:ln>
+        </p:spPr>
+      </p:pic>
+      <p:pic>
+        <p:nvPicPr>
+          <p:cNvPr id="6" name="Picture 2"/>
+          <p:cNvPicPr>
+            <a:picLocks noChangeAspect="1" noChangeArrowheads="1"/>
+          </p:cNvPicPr>
+          <p:nvPr/>
+        </p:nvPicPr>
+        <p:blipFill>
+          <a:blip r:embed="rId4" cstate="print"/>
+          <a:srcRect/>
+          <a:stretch>
+            <a:fillRect/>
+          </a:stretch>
+        </p:blipFill>
+        <p:spPr bwMode="auto">
+          <a:xfrm>
+            <a:off x="3995936" y="1340768"/>
+            <a:ext cx="2742835" cy="2880320"/>
+          </a:xfrm>
+          <a:prstGeom prst="rect">
+            <a:avLst/>
+          </a:prstGeom>
+          <a:noFill/>
+          <a:ln w="9525">
+            <a:noFill/>
+            <a:miter lim="800000"/>
+            <a:headEnd/>
+            <a:tailEnd/>
+          </a:ln>
+        </p:spPr>
+      </p:pic>
+      <p:pic>
+        <p:nvPicPr>
+          <p:cNvPr id="6147" name="Picture 3"/>
+          <p:cNvPicPr>
+            <a:picLocks noChangeAspect="1" noChangeArrowheads="1"/>
+          </p:cNvPicPr>
+          <p:nvPr/>
+        </p:nvPicPr>
+        <p:blipFill>
+          <a:blip r:embed="rId5" cstate="print"/>
+          <a:srcRect/>
+          <a:stretch>
+            <a:fillRect/>
+          </a:stretch>
+        </p:blipFill>
+        <p:spPr bwMode="auto">
+          <a:xfrm>
+            <a:off x="4860032" y="4437112"/>
+            <a:ext cx="2838450" cy="2085975"/>
           </a:xfrm>
           <a:prstGeom prst="rect">
             <a:avLst/>

--- a/docs/Apresentação/SDM - Apresentação SBGames.pptx
+++ b/docs/Apresentação/SDM - Apresentação SBGames.pptx
@@ -5,16 +5,16 @@
     <p:sldMasterId id="2147483648" r:id="rId1"/>
   </p:sldMasterIdLst>
   <p:notesMasterIdLst>
-    <p:notesMasterId r:id="rId18"/>
+    <p:notesMasterId r:id="rId24"/>
   </p:notesMasterIdLst>
   <p:sldIdLst>
     <p:sldId id="256" r:id="rId2"/>
     <p:sldId id="270" r:id="rId3"/>
     <p:sldId id="278" r:id="rId4"/>
     <p:sldId id="269" r:id="rId5"/>
-    <p:sldId id="267" r:id="rId6"/>
-    <p:sldId id="264" r:id="rId7"/>
-    <p:sldId id="271" r:id="rId8"/>
+    <p:sldId id="283" r:id="rId6"/>
+    <p:sldId id="289" r:id="rId7"/>
+    <p:sldId id="264" r:id="rId8"/>
     <p:sldId id="272" r:id="rId9"/>
     <p:sldId id="279" r:id="rId10"/>
     <p:sldId id="273" r:id="rId11"/>
@@ -23,7 +23,13 @@
     <p:sldId id="266" r:id="rId14"/>
     <p:sldId id="276" r:id="rId15"/>
     <p:sldId id="268" r:id="rId16"/>
-    <p:sldId id="275" r:id="rId17"/>
+    <p:sldId id="280" r:id="rId17"/>
+    <p:sldId id="275" r:id="rId18"/>
+    <p:sldId id="285" r:id="rId19"/>
+    <p:sldId id="282" r:id="rId20"/>
+    <p:sldId id="287" r:id="rId21"/>
+    <p:sldId id="286" r:id="rId22"/>
+    <p:sldId id="288" r:id="rId23"/>
   </p:sldIdLst>
   <p:sldSz cx="9144000" cy="6858000" type="screen4x3"/>
   <p:notesSz cx="6858000" cy="9144000"/>
@@ -208,7 +214,7 @@
             <a:fld id="{451EA883-6A43-4C6F-99C1-D5EA532ECC09}" type="datetimeFigureOut">
               <a:rPr lang="pt-BR" smtClean="0"/>
               <a:pPr/>
-              <a:t>19/10/2011</a:t>
+              <a:t>31/10/2011</a:t>
             </a:fld>
             <a:endParaRPr lang="pt-BR"/>
           </a:p>
@@ -642,43 +648,27 @@
           <a:p>
             <a:r>
               <a:rPr lang="pt-BR" dirty="0" smtClean="0"/>
-              <a:t>Além</a:t>
+              <a:t>No</a:t>
             </a:r>
             <a:r>
               <a:rPr lang="pt-BR" baseline="0" dirty="0" smtClean="0"/>
-              <a:t> dos atributos, os </a:t>
+              <a:t> SDM é permitido fazer modificações na equipe do jogador </a:t>
             </a:r>
             <a:r>
               <a:rPr lang="pt-BR" baseline="0" dirty="0" err="1" smtClean="0"/>
-              <a:t>funcionarios</a:t>
+              <a:t>atravez</a:t>
             </a:r>
             <a:r>
               <a:rPr lang="pt-BR" baseline="0" dirty="0" smtClean="0"/>
-              <a:t> possuem especializações. Estas </a:t>
+              <a:t> de contratações e demissões. As </a:t>
             </a:r>
             <a:r>
               <a:rPr lang="pt-BR" baseline="0" dirty="0" err="1" smtClean="0"/>
-              <a:t>especializacoes</a:t>
+              <a:t>demissoes</a:t>
             </a:r>
             <a:r>
               <a:rPr lang="pt-BR" baseline="0" dirty="0" smtClean="0"/>
-              <a:t> podem ser de 3 tipos: ferramentas, que são </a:t>
-            </a:r>
-            <a:r>
-              <a:rPr lang="pt-BR" baseline="0" dirty="0" err="1" smtClean="0"/>
-              <a:t>utilziadas</a:t>
-            </a:r>
-            <a:r>
-              <a:rPr lang="pt-BR" baseline="0" dirty="0" smtClean="0"/>
-              <a:t> para </a:t>
-            </a:r>
-            <a:r>
-              <a:rPr lang="pt-BR" baseline="0" dirty="0" err="1" smtClean="0"/>
-              <a:t>auxilar</a:t>
-            </a:r>
-            <a:r>
-              <a:rPr lang="pt-BR" baseline="0" dirty="0" smtClean="0"/>
-              <a:t> o </a:t>
+              <a:t> podem ser pelo jogador ou pela insatisfação do </a:t>
             </a:r>
             <a:r>
               <a:rPr lang="pt-BR" baseline="0" dirty="0" err="1" smtClean="0"/>
@@ -686,15 +676,61 @@
             </a:r>
             <a:r>
               <a:rPr lang="pt-BR" baseline="0" dirty="0" smtClean="0"/>
-              <a:t>; de linguagem de programação e metodologia que são utilizados para avaliar o desempenho do </a:t>
+              <a:t>. A tela de contratação exibida nesta figura mostra a lista de </a:t>
             </a:r>
             <a:r>
               <a:rPr lang="pt-BR" baseline="0" dirty="0" err="1" smtClean="0"/>
-              <a:t>funcionario</a:t>
+              <a:t>possiveis</a:t>
             </a:r>
             <a:r>
               <a:rPr lang="pt-BR" baseline="0" dirty="0" smtClean="0"/>
-              <a:t>.</a:t>
+              <a:t> candidatos, que caso algum seja selecionado uma janela com as </a:t>
+            </a:r>
+            <a:r>
+              <a:rPr lang="pt-BR" baseline="0" dirty="0" err="1" smtClean="0"/>
+              <a:t>caracteristas</a:t>
+            </a:r>
+            <a:r>
+              <a:rPr lang="pt-BR" baseline="0" dirty="0" smtClean="0"/>
+              <a:t> dele será exibida. E do outro lado a equipe do jogador, onde deve escolher qual “</a:t>
+            </a:r>
+            <a:r>
+              <a:rPr lang="pt-BR" baseline="0" dirty="0" err="1" smtClean="0"/>
+              <a:t>slot</a:t>
+            </a:r>
+            <a:r>
+              <a:rPr lang="pt-BR" baseline="0" dirty="0" smtClean="0"/>
+              <a:t>” o novo candidato vai ocupar.</a:t>
+            </a:r>
+          </a:p>
+          <a:p>
+            <a:r>
+              <a:rPr lang="pt-BR" baseline="0" dirty="0" smtClean="0"/>
+              <a:t>Alem da contratação, ao decorrer no desenvolvimento do produto é </a:t>
+            </a:r>
+            <a:r>
+              <a:rPr lang="pt-BR" baseline="0" dirty="0" err="1" smtClean="0"/>
+              <a:t>possivel</a:t>
+            </a:r>
+            <a:r>
+              <a:rPr lang="pt-BR" baseline="0" dirty="0" smtClean="0"/>
+              <a:t> negociar com o cliente para alterar algumas </a:t>
+            </a:r>
+            <a:r>
+              <a:rPr lang="pt-BR" baseline="0" dirty="0" err="1" smtClean="0"/>
+              <a:t>caracteriscas</a:t>
+            </a:r>
+            <a:r>
+              <a:rPr lang="pt-BR" baseline="0" dirty="0" smtClean="0"/>
+              <a:t> do contrato, como ilustrado por esta figura e criar </a:t>
+            </a:r>
+            <a:r>
+              <a:rPr lang="pt-BR" baseline="0" dirty="0" err="1" smtClean="0"/>
+              <a:t>prototipos</a:t>
+            </a:r>
+            <a:r>
+              <a:rPr lang="pt-BR" baseline="0" dirty="0" smtClean="0"/>
+              <a:t> para o cliente com o intuito de aumentar a validação do modelo.</a:t>
             </a:r>
             <a:endParaRPr lang="pt-BR" dirty="0"/>
           </a:p>
@@ -718,7 +754,7 @@
             <a:fld id="{C08094CF-D84A-4161-9F88-9244F515EB29}" type="slidenum">
               <a:rPr lang="pt-BR" smtClean="0"/>
               <a:pPr/>
-              <a:t>10</a:t>
+              <a:t>12</a:t>
             </a:fld>
             <a:endParaRPr lang="pt-BR"/>
           </a:p>
@@ -780,80 +816,29 @@
           <a:p>
             <a:r>
               <a:rPr lang="pt-BR" dirty="0" smtClean="0"/>
-              <a:t>Caso</a:t>
+              <a:t>O Diferencial do SDM em relação aos</a:t>
             </a:r>
             <a:r>
               <a:rPr lang="pt-BR" baseline="0" dirty="0" smtClean="0"/>
-              <a:t> um </a:t>
+              <a:t> demais jogos citados é de ter foco em </a:t>
             </a:r>
             <a:r>
               <a:rPr lang="pt-BR" baseline="0" dirty="0" err="1" smtClean="0"/>
-              <a:t>funcionario</a:t>
+              <a:t>gestao</a:t>
             </a:r>
             <a:r>
               <a:rPr lang="pt-BR" baseline="0" dirty="0" smtClean="0"/>
-              <a:t> não possua uma especialização, é </a:t>
+              <a:t> de pessoas, </a:t>
             </a:r>
             <a:r>
               <a:rPr lang="pt-BR" baseline="0" dirty="0" err="1" smtClean="0"/>
-              <a:t>possivel</a:t>
+              <a:t>consequentimente</a:t>
             </a:r>
             <a:r>
               <a:rPr lang="pt-BR" baseline="0" dirty="0" smtClean="0"/>
-              <a:t> </a:t>
-            </a:r>
-            <a:r>
-              <a:rPr lang="pt-BR" baseline="0" dirty="0" err="1" smtClean="0"/>
-              <a:t>coloca-lo</a:t>
-            </a:r>
-            <a:r>
-              <a:rPr lang="pt-BR" baseline="0" dirty="0" smtClean="0"/>
-              <a:t> em treinamento para adquiri-la.</a:t>
-            </a:r>
-          </a:p>
-          <a:p>
-            <a:r>
-              <a:rPr lang="pt-BR" baseline="0" dirty="0" smtClean="0"/>
-              <a:t>Um outro aspecto do SDM é a relação de horas de trabalho, moral e estamina. As horas de trabalho é utilizada para afetar a negativamente a estamina caso trabalhe mais que 40 horas semanais e positivamente </a:t>
-            </a:r>
-            <a:r>
-              <a:rPr lang="pt-BR" baseline="0" dirty="0" err="1" smtClean="0"/>
-              <a:t>quaso</a:t>
-            </a:r>
-            <a:r>
-              <a:rPr lang="pt-BR" baseline="0" dirty="0" smtClean="0"/>
-              <a:t> trabalhe menos. O moral é afetado por promoções, </a:t>
-            </a:r>
-            <a:r>
-              <a:rPr lang="pt-BR" baseline="0" dirty="0" err="1" smtClean="0"/>
-              <a:t>conclusao</a:t>
-            </a:r>
-            <a:r>
-              <a:rPr lang="pt-BR" baseline="0" dirty="0" smtClean="0"/>
-              <a:t> de projetos e falta de pagamento. O moral em conjunto com a estamina são utilizados para calcular o rendimento do </a:t>
-            </a:r>
-            <a:r>
-              <a:rPr lang="pt-BR" baseline="0" dirty="0" err="1" smtClean="0"/>
-              <a:t>funcionario</a:t>
-            </a:r>
-            <a:r>
-              <a:rPr lang="pt-BR" baseline="0" dirty="0" smtClean="0"/>
-              <a:t>.</a:t>
-            </a:r>
-          </a:p>
-          <a:p>
-            <a:r>
-              <a:rPr lang="pt-BR" baseline="0" dirty="0" smtClean="0"/>
-              <a:t>No exemplo desta figura, é mostrado o ganho de estamina dos </a:t>
-            </a:r>
-            <a:r>
-              <a:rPr lang="pt-BR" baseline="0" dirty="0" err="1" smtClean="0"/>
-              <a:t>funcionarios</a:t>
-            </a:r>
-            <a:r>
-              <a:rPr lang="pt-BR" baseline="0" dirty="0" smtClean="0"/>
-              <a:t> por estarem trabalhando menos horas.</a:t>
-            </a:r>
+              <a:t> em recursos humanos. Ter a passagem de tempo em tempo real, mas permitindo o jogador a pausar o jogo a qualquer momento. E ser desenvolvido em um ambiente totalmente 3D.</a:t>
+            </a:r>
+            <a:endParaRPr lang="pt-BR" dirty="0"/>
           </a:p>
         </p:txBody>
       </p:sp>
@@ -875,7 +860,7 @@
             <a:fld id="{C08094CF-D84A-4161-9F88-9244F515EB29}" type="slidenum">
               <a:rPr lang="pt-BR" smtClean="0"/>
               <a:pPr/>
-              <a:t>11</a:t>
+              <a:t>13</a:t>
             </a:fld>
             <a:endParaRPr lang="pt-BR"/>
           </a:p>
@@ -937,89 +922,48 @@
           <a:p>
             <a:r>
               <a:rPr lang="pt-BR" dirty="0" smtClean="0"/>
-              <a:t>No</a:t>
+              <a:t>Depois</a:t>
             </a:r>
             <a:r>
               <a:rPr lang="pt-BR" baseline="0" dirty="0" smtClean="0"/>
-              <a:t> SDM é permitido fazer modificações na equipe do jogador </a:t>
+              <a:t> que saiu a primeira </a:t>
             </a:r>
             <a:r>
               <a:rPr lang="pt-BR" baseline="0" dirty="0" err="1" smtClean="0"/>
-              <a:t>atravez</a:t>
+              <a:t>versao</a:t>
             </a:r>
             <a:r>
               <a:rPr lang="pt-BR" baseline="0" dirty="0" smtClean="0"/>
-              <a:t> de contratações e demissões. As </a:t>
+              <a:t> do SDM, foi feita uma </a:t>
             </a:r>
             <a:r>
               <a:rPr lang="pt-BR" baseline="0" dirty="0" err="1" smtClean="0"/>
-              <a:t>demissoes</a:t>
+              <a:t>avaliacao</a:t>
             </a:r>
             <a:r>
               <a:rPr lang="pt-BR" baseline="0" dirty="0" smtClean="0"/>
-              <a:t> podem ser pelo jogador ou pela insatisfação do </a:t>
+              <a:t> com alguns </a:t>
             </a:r>
             <a:r>
               <a:rPr lang="pt-BR" baseline="0" dirty="0" err="1" smtClean="0"/>
-              <a:t>funcionario</a:t>
+              <a:t>voluntarios</a:t>
             </a:r>
             <a:r>
               <a:rPr lang="pt-BR" baseline="0" dirty="0" smtClean="0"/>
-              <a:t>. A tela de contratação exibida nesta figura mostra a lista de </a:t>
-            </a:r>
-            <a:r>
-              <a:rPr lang="pt-BR" baseline="0" dirty="0" err="1" smtClean="0"/>
-              <a:t>possiveis</a:t>
+              <a:t> sobre o que eles acham do SDM</a:t>
             </a:r>
             <a:r>
               <a:rPr lang="pt-BR" baseline="0" dirty="0" smtClean="0"/>
-              <a:t> candidatos, que caso algum seja selecionado uma janela com as </a:t>
-            </a:r>
-            <a:r>
-              <a:rPr lang="pt-BR" baseline="0" dirty="0" err="1" smtClean="0"/>
-              <a:t>caracteristas</a:t>
-            </a:r>
+              <a:t>.</a:t>
+            </a:r>
+          </a:p>
+          <a:p>
+            <a:endParaRPr lang="pt-BR" baseline="0" dirty="0" smtClean="0"/>
+          </a:p>
+          <a:p>
             <a:r>
               <a:rPr lang="pt-BR" baseline="0" dirty="0" smtClean="0"/>
-              <a:t> dele será exibida. E do outro lado a equipe do jogador, onde deve escolher qual “</a:t>
-            </a:r>
-            <a:r>
-              <a:rPr lang="pt-BR" baseline="0" dirty="0" err="1" smtClean="0"/>
-              <a:t>slot</a:t>
-            </a:r>
-            <a:r>
-              <a:rPr lang="pt-BR" baseline="0" dirty="0" smtClean="0"/>
-              <a:t>” o novo candidato vai ocupar.</a:t>
-            </a:r>
-          </a:p>
-          <a:p>
-            <a:r>
-              <a:rPr lang="pt-BR" baseline="0" dirty="0" smtClean="0"/>
-              <a:t>Alem da contratação, ao decorrer no desenvolvimento do produto é </a:t>
-            </a:r>
-            <a:r>
-              <a:rPr lang="pt-BR" baseline="0" dirty="0" err="1" smtClean="0"/>
-              <a:t>possivel</a:t>
-            </a:r>
-            <a:r>
-              <a:rPr lang="pt-BR" baseline="0" dirty="0" smtClean="0"/>
-              <a:t> negociar com o cliente para alterar algumas </a:t>
-            </a:r>
-            <a:r>
-              <a:rPr lang="pt-BR" baseline="0" dirty="0" err="1" smtClean="0"/>
-              <a:t>caracteriscas</a:t>
-            </a:r>
-            <a:r>
-              <a:rPr lang="pt-BR" baseline="0" dirty="0" smtClean="0"/>
-              <a:t> do contrato, como ilustrado por esta figura e criar </a:t>
-            </a:r>
-            <a:r>
-              <a:rPr lang="pt-BR" baseline="0" dirty="0" err="1" smtClean="0"/>
-              <a:t>prototipos</a:t>
-            </a:r>
-            <a:r>
-              <a:rPr lang="pt-BR" baseline="0" dirty="0" smtClean="0"/>
-              <a:t> para o cliente com o intuito de aumentar a validação do modelo.</a:t>
+              <a:t>Falar dos resultados de obtidos, especificamente o publico e se aprendeu algo novo</a:t>
             </a:r>
             <a:endParaRPr lang="pt-BR" dirty="0"/>
           </a:p>
@@ -1043,7 +987,7 @@
             <a:fld id="{C08094CF-D84A-4161-9F88-9244F515EB29}" type="slidenum">
               <a:rPr lang="pt-BR" smtClean="0"/>
               <a:pPr/>
-              <a:t>12</a:t>
+              <a:t>14</a:t>
             </a:fld>
             <a:endParaRPr lang="pt-BR"/>
           </a:p>
@@ -1105,29 +1049,64 @@
           <a:p>
             <a:r>
               <a:rPr lang="pt-BR" dirty="0" smtClean="0"/>
-              <a:t>O Diferencial do SDM em relação aos</a:t>
+              <a:t>O SDM tem como finalidade</a:t>
             </a:r>
             <a:r>
               <a:rPr lang="pt-BR" baseline="0" dirty="0" smtClean="0"/>
-              <a:t> demais jogos citados é de ter foco em </a:t>
+              <a:t> em auxiliar no entendimento dos conceitos e ensinar a </a:t>
             </a:r>
             <a:r>
               <a:rPr lang="pt-BR" baseline="0" dirty="0" err="1" smtClean="0"/>
-              <a:t>gestao</a:t>
+              <a:t>importancia</a:t>
             </a:r>
             <a:r>
               <a:rPr lang="pt-BR" baseline="0" dirty="0" smtClean="0"/>
-              <a:t> de pessoas, </a:t>
+              <a:t> dos </a:t>
             </a:r>
             <a:r>
               <a:rPr lang="pt-BR" baseline="0" dirty="0" err="1" smtClean="0"/>
-              <a:t>consequentimente</a:t>
+              <a:t>funcionarios</a:t>
             </a:r>
             <a:r>
               <a:rPr lang="pt-BR" baseline="0" dirty="0" smtClean="0"/>
-              <a:t> em recursos humanos. Ter a passagem de tempo em tempo real, mas permitindo o jogador a pausar o jogo a qualquer momento. E ser desenvolvido em um ambiente totalmente 3D.</a:t>
-            </a:r>
-            <a:endParaRPr lang="pt-BR" dirty="0"/>
+              <a:t> e seus papéis.</a:t>
+            </a:r>
+          </a:p>
+          <a:p>
+            <a:r>
+              <a:rPr lang="pt-BR" baseline="0" dirty="0" smtClean="0"/>
+              <a:t>Na atual versão do jogo, existe algumas limitações, como por exemplo não é </a:t>
+            </a:r>
+            <a:r>
+              <a:rPr lang="pt-BR" baseline="0" dirty="0" err="1" smtClean="0"/>
+              <a:t>possivel</a:t>
+            </a:r>
+            <a:r>
+              <a:rPr lang="pt-BR" baseline="0" dirty="0" smtClean="0"/>
+              <a:t> definir iterações que forneçam resultados de desempenho do </a:t>
+            </a:r>
+            <a:r>
+              <a:rPr lang="pt-BR" baseline="0" dirty="0" err="1" smtClean="0"/>
+              <a:t>periodo</a:t>
+            </a:r>
+            <a:r>
+              <a:rPr lang="pt-BR" baseline="0" dirty="0" smtClean="0"/>
+              <a:t> definido.</a:t>
+            </a:r>
+          </a:p>
+          <a:p>
+            <a:r>
+              <a:rPr lang="pt-BR" baseline="0" dirty="0" smtClean="0"/>
+              <a:t>Futuras modificações que podem ser feitas no SDM é a </a:t>
+            </a:r>
+            <a:r>
+              <a:rPr lang="pt-BR" baseline="0" dirty="0" err="1" smtClean="0"/>
+              <a:t>inclusao</a:t>
+            </a:r>
+            <a:r>
+              <a:rPr lang="pt-BR" baseline="0" dirty="0" smtClean="0"/>
+              <a:t> de iterações e aprofundamento das metodologias de trabalho, que na atual versão só é utilizado para distinção.</a:t>
+            </a:r>
           </a:p>
         </p:txBody>
       </p:sp>
@@ -1149,7 +1128,7 @@
             <a:fld id="{C08094CF-D84A-4161-9F88-9244F515EB29}" type="slidenum">
               <a:rPr lang="pt-BR" smtClean="0"/>
               <a:pPr/>
-              <a:t>13</a:t>
+              <a:t>15</a:t>
             </a:fld>
             <a:endParaRPr lang="pt-BR"/>
           </a:p>
@@ -1211,35 +1190,59 @@
           <a:p>
             <a:r>
               <a:rPr lang="pt-BR" dirty="0" smtClean="0"/>
-              <a:t>Depois</a:t>
+              <a:t>Além dos papéis, os </a:t>
+            </a:r>
+            <a:r>
+              <a:rPr lang="pt-BR" dirty="0" err="1" smtClean="0"/>
+              <a:t>funcionarios</a:t>
+            </a:r>
+            <a:r>
+              <a:rPr lang="pt-BR" dirty="0" smtClean="0"/>
+              <a:t> podem</a:t>
             </a:r>
             <a:r>
               <a:rPr lang="pt-BR" baseline="0" dirty="0" smtClean="0"/>
-              <a:t> que saiu a primeira </a:t>
+              <a:t> desempenhar diferentes cargos na empresa, podendo ser </a:t>
             </a:r>
             <a:r>
               <a:rPr lang="pt-BR" baseline="0" dirty="0" err="1" smtClean="0"/>
-              <a:t>versao</a:t>
+              <a:t>junior</a:t>
             </a:r>
             <a:r>
               <a:rPr lang="pt-BR" baseline="0" dirty="0" smtClean="0"/>
-              <a:t> do SDM, foi feita uma </a:t>
+              <a:t>, pleno ou </a:t>
             </a:r>
             <a:r>
               <a:rPr lang="pt-BR" baseline="0" dirty="0" err="1" smtClean="0"/>
-              <a:t>avaliacao</a:t>
+              <a:t>senior</a:t>
             </a:r>
             <a:r>
               <a:rPr lang="pt-BR" baseline="0" dirty="0" smtClean="0"/>
-              <a:t> com alguns </a:t>
+              <a:t>. Estes cargos são utilizados para modificar o desempenho do </a:t>
             </a:r>
             <a:r>
               <a:rPr lang="pt-BR" baseline="0" dirty="0" err="1" smtClean="0"/>
-              <a:t>voluntarios</a:t>
+              <a:t>funcionario</a:t>
             </a:r>
             <a:r>
               <a:rPr lang="pt-BR" baseline="0" dirty="0" smtClean="0"/>
-              <a:t> sobre o que eles acham do SDM.</a:t>
+              <a:t> e </a:t>
+            </a:r>
+            <a:r>
+              <a:rPr lang="pt-BR" baseline="0" dirty="0" err="1" smtClean="0"/>
+              <a:t>consequentemente</a:t>
+            </a:r>
+            <a:r>
+              <a:rPr lang="pt-BR" baseline="0" dirty="0" smtClean="0"/>
+              <a:t> o </a:t>
+            </a:r>
+            <a:r>
+              <a:rPr lang="pt-BR" baseline="0" dirty="0" err="1" smtClean="0"/>
+              <a:t>salario</a:t>
+            </a:r>
+            <a:r>
+              <a:rPr lang="pt-BR" baseline="0" dirty="0" smtClean="0"/>
+              <a:t>.</a:t>
             </a:r>
             <a:endParaRPr lang="pt-BR" dirty="0"/>
           </a:p>
@@ -1263,7 +1266,7 @@
             <a:fld id="{C08094CF-D84A-4161-9F88-9244F515EB29}" type="slidenum">
               <a:rPr lang="pt-BR" smtClean="0"/>
               <a:pPr/>
-              <a:t>14</a:t>
+              <a:t>18</a:t>
             </a:fld>
             <a:endParaRPr lang="pt-BR"/>
           </a:p>
@@ -1325,19 +1328,11 @@
           <a:p>
             <a:r>
               <a:rPr lang="pt-BR" dirty="0" smtClean="0"/>
-              <a:t>O SDM tem como finalidade</a:t>
+              <a:t>Este diagrama ilustra</a:t>
             </a:r>
             <a:r>
               <a:rPr lang="pt-BR" baseline="0" dirty="0" smtClean="0"/>
-              <a:t> em auxiliar no entendimento dos conceitos e ensinar a </a:t>
-            </a:r>
-            <a:r>
-              <a:rPr lang="pt-BR" baseline="0" dirty="0" err="1" smtClean="0"/>
-              <a:t>importancia</a:t>
-            </a:r>
-            <a:r>
-              <a:rPr lang="pt-BR" baseline="0" dirty="0" smtClean="0"/>
-              <a:t> dos </a:t>
+              <a:t> o SDM, podendo perceber que a gestão de pessoas é um ponto fundamental do SDM. Os </a:t>
             </a:r>
             <a:r>
               <a:rPr lang="pt-BR" baseline="0" dirty="0" err="1" smtClean="0"/>
@@ -1345,44 +1340,17 @@
             </a:r>
             <a:r>
               <a:rPr lang="pt-BR" baseline="0" dirty="0" smtClean="0"/>
-              <a:t> e seus papéis.</a:t>
-            </a:r>
-          </a:p>
-          <a:p>
+              <a:t> possuem atributos, especializações e podem fazer treinamentos para adquirir novas especializações. Além disso existem diversos papéis que um </a:t>
+            </a:r>
+            <a:r>
+              <a:rPr lang="pt-BR" baseline="0" dirty="0" err="1" smtClean="0"/>
+              <a:t>funcionario</a:t>
+            </a:r>
             <a:r>
               <a:rPr lang="pt-BR" baseline="0" dirty="0" smtClean="0"/>
-              <a:t>Na atual versão do jogo, existe algumas limitações, como por exemplo não é </a:t>
-            </a:r>
-            <a:r>
-              <a:rPr lang="pt-BR" baseline="0" dirty="0" err="1" smtClean="0"/>
-              <a:t>possivel</a:t>
-            </a:r>
-            <a:r>
-              <a:rPr lang="pt-BR" baseline="0" dirty="0" smtClean="0"/>
-              <a:t> definir iterações que forneçam resultados de desempenho do </a:t>
-            </a:r>
-            <a:r>
-              <a:rPr lang="pt-BR" baseline="0" dirty="0" err="1" smtClean="0"/>
-              <a:t>periodo</a:t>
-            </a:r>
-            <a:r>
-              <a:rPr lang="pt-BR" baseline="0" dirty="0" smtClean="0"/>
-              <a:t> definido.</a:t>
-            </a:r>
-          </a:p>
-          <a:p>
-            <a:r>
-              <a:rPr lang="pt-BR" baseline="0" dirty="0" smtClean="0"/>
-              <a:t>Futuras modificações que podem ser feitas no SDM é a </a:t>
-            </a:r>
-            <a:r>
-              <a:rPr lang="pt-BR" baseline="0" dirty="0" err="1" smtClean="0"/>
-              <a:t>inclusao</a:t>
-            </a:r>
-            <a:r>
-              <a:rPr lang="pt-BR" baseline="0" dirty="0" smtClean="0"/>
-              <a:t> de iterações e aprofundamento das metodologias de trabalho, que na atual versão só é utilizado para distinção.</a:t>
-            </a:r>
+              <a:t> pode desempenhar.</a:t>
+            </a:r>
+            <a:endParaRPr lang="pt-BR" dirty="0"/>
           </a:p>
         </p:txBody>
       </p:sp>
@@ -1404,7 +1372,7 @@
             <a:fld id="{C08094CF-D84A-4161-9F88-9244F515EB29}" type="slidenum">
               <a:rPr lang="pt-BR" smtClean="0"/>
               <a:pPr/>
-              <a:t>15</a:t>
+              <a:t>21</a:t>
             </a:fld>
             <a:endParaRPr lang="pt-BR"/>
           </a:p>
@@ -3151,11 +3119,11 @@
           <a:p>
             <a:r>
               <a:rPr lang="pt-BR" dirty="0" smtClean="0"/>
-              <a:t>Neste slide é ilustrado</a:t>
+              <a:t>Estes papéis são de 6 tipos:</a:t>
             </a:r>
             <a:r>
               <a:rPr lang="pt-BR" baseline="0" dirty="0" smtClean="0"/>
-              <a:t> a interface do jogo SDM. A parte superior é </a:t>
+              <a:t> Analista, que é </a:t>
             </a:r>
             <a:r>
               <a:rPr lang="pt-BR" baseline="0" dirty="0" err="1" smtClean="0"/>
@@ -3163,55 +3131,39 @@
             </a:r>
             <a:r>
               <a:rPr lang="pt-BR" baseline="0" dirty="0" smtClean="0"/>
-              <a:t> pelo controle da equipe do jogador. O canto esquerdo exibe o resumo de cada </a:t>
+              <a:t> em conversar com o cliente para validar o modelo do software que esta sendo desenvolvido; O </a:t>
             </a:r>
             <a:r>
               <a:rPr lang="pt-BR" baseline="0" dirty="0" err="1" smtClean="0"/>
-              <a:t>funcionario</a:t>
+              <a:t>arquireto</a:t>
             </a:r>
             <a:r>
               <a:rPr lang="pt-BR" baseline="0" dirty="0" smtClean="0"/>
-              <a:t> e das </a:t>
+              <a:t> que cria planos de testes.; O gerente; Marketing que auxilia o analista durante as validações e faz negociações com o cliente; Programador que desenvolve o software e insere </a:t>
             </a:r>
             <a:r>
               <a:rPr lang="pt-BR" baseline="0" dirty="0" err="1" smtClean="0"/>
-              <a:t>dispesas</a:t>
+              <a:t>bugs</a:t>
             </a:r>
             <a:r>
               <a:rPr lang="pt-BR" baseline="0" dirty="0" smtClean="0"/>
-              <a:t> do jogador. Os estados dos </a:t>
+              <a:t>; e o testador que no SDM, é </a:t>
             </a:r>
             <a:r>
               <a:rPr lang="pt-BR" baseline="0" dirty="0" err="1" smtClean="0"/>
-              <a:t>funcionarios</a:t>
+              <a:t>responsavel</a:t>
             </a:r>
             <a:r>
               <a:rPr lang="pt-BR" baseline="0" dirty="0" smtClean="0"/>
-              <a:t> </a:t>
+              <a:t> em remover os </a:t>
             </a:r>
             <a:r>
               <a:rPr lang="pt-BR" baseline="0" dirty="0" err="1" smtClean="0"/>
-              <a:t>tambem</a:t>
+              <a:t>bugs</a:t>
             </a:r>
             <a:r>
               <a:rPr lang="pt-BR" baseline="0" dirty="0" smtClean="0"/>
-              <a:t> são exibidos </a:t>
-            </a:r>
-            <a:r>
-              <a:rPr lang="pt-BR" baseline="0" dirty="0" err="1" smtClean="0"/>
-              <a:t>atraves</a:t>
-            </a:r>
-            <a:r>
-              <a:rPr lang="pt-BR" baseline="0" dirty="0" smtClean="0"/>
-              <a:t> das barras que ficam em cima de cada </a:t>
-            </a:r>
-            <a:r>
-              <a:rPr lang="pt-BR" baseline="0" dirty="0" err="1" smtClean="0"/>
-              <a:t>funcionario</a:t>
-            </a:r>
-            <a:r>
-              <a:rPr lang="pt-BR" baseline="0" dirty="0" smtClean="0"/>
-              <a:t>. Em baixo estão as informações do projeto e o controle de passagem do tempo.</a:t>
+              <a:t> colocados pelo programador.</a:t>
             </a:r>
             <a:endParaRPr lang="pt-BR" dirty="0"/>
           </a:p>
@@ -3235,7 +3187,7 @@
             <a:fld id="{C08094CF-D84A-4161-9F88-9244F515EB29}" type="slidenum">
               <a:rPr lang="pt-BR" smtClean="0"/>
               <a:pPr/>
-              <a:t>5</a:t>
+              <a:t>7</a:t>
             </a:fld>
             <a:endParaRPr lang="pt-BR"/>
           </a:p>
@@ -3297,51 +3249,81 @@
           <a:p>
             <a:r>
               <a:rPr lang="pt-BR" dirty="0" smtClean="0"/>
-              <a:t>Estes papéis são de 6 tipos:</a:t>
+              <a:t>Para os atributos dos </a:t>
+            </a:r>
+            <a:r>
+              <a:rPr lang="pt-BR" dirty="0" err="1" smtClean="0"/>
+              <a:t>funcionarios</a:t>
+            </a:r>
+            <a:r>
+              <a:rPr lang="pt-BR" dirty="0" smtClean="0"/>
+              <a:t>, foi feito um estudo</a:t>
             </a:r>
             <a:r>
               <a:rPr lang="pt-BR" baseline="0" dirty="0" smtClean="0"/>
-              <a:t> Analista, que é </a:t>
+              <a:t> sobre </a:t>
             </a:r>
             <a:r>
               <a:rPr lang="pt-BR" baseline="0" dirty="0" err="1" smtClean="0"/>
-              <a:t>responsavel</a:t>
+              <a:t>possiveis</a:t>
             </a:r>
             <a:r>
               <a:rPr lang="pt-BR" baseline="0" dirty="0" smtClean="0"/>
-              <a:t> em conversar com o cliente para validar o modelo do software que esta sendo desenvolvido; O </a:t>
+              <a:t> </a:t>
             </a:r>
             <a:r>
               <a:rPr lang="pt-BR" baseline="0" dirty="0" err="1" smtClean="0"/>
-              <a:t>arquireto</a:t>
+              <a:t>caracteristicas</a:t>
             </a:r>
             <a:r>
               <a:rPr lang="pt-BR" baseline="0" dirty="0" smtClean="0"/>
-              <a:t> que cria planos de testes.; O gerente; Marketing que auxilia o analista durante as validações e faz negociações com o cliente; Programador que desenvolve o software e insere </a:t>
+              <a:t> de pessoas que desempenham os papeis presentes no SDM.</a:t>
+            </a:r>
+          </a:p>
+          <a:p>
+            <a:r>
+              <a:rPr lang="pt-BR" baseline="0" dirty="0" smtClean="0"/>
+              <a:t>Refinando os resultados encontrados por Santos e Russo, foram escolhidos 9 atributos que representariam o </a:t>
             </a:r>
             <a:r>
               <a:rPr lang="pt-BR" baseline="0" dirty="0" err="1" smtClean="0"/>
-              <a:t>bugs</a:t>
+              <a:t>funcionario</a:t>
             </a:r>
             <a:r>
               <a:rPr lang="pt-BR" baseline="0" dirty="0" smtClean="0"/>
-              <a:t>; e o testador que no SDM, é </a:t>
+              <a:t>. Estes 9 atributos são utilizados para o calculo dos atributos de desempenho, que não são </a:t>
             </a:r>
             <a:r>
               <a:rPr lang="pt-BR" baseline="0" dirty="0" err="1" smtClean="0"/>
-              <a:t>responsavel</a:t>
+              <a:t>visiveis</a:t>
             </a:r>
             <a:r>
               <a:rPr lang="pt-BR" baseline="0" dirty="0" smtClean="0"/>
-              <a:t> em remover os </a:t>
+              <a:t> para o jogador. Como os </a:t>
             </a:r>
             <a:r>
               <a:rPr lang="pt-BR" baseline="0" dirty="0" err="1" smtClean="0"/>
-              <a:t>bugs</a:t>
+              <a:t>unicos</a:t>
             </a:r>
             <a:r>
               <a:rPr lang="pt-BR" baseline="0" dirty="0" smtClean="0"/>
-              <a:t> colocados pelo programador.</a:t>
+              <a:t> atributos exibidos ao jogador são os humanos, cabe ao jogador analisar estes atributos e deduzir qual </a:t>
+            </a:r>
+            <a:r>
+              <a:rPr lang="pt-BR" baseline="0" dirty="0" err="1" smtClean="0"/>
+              <a:t>papél</a:t>
+            </a:r>
+            <a:r>
+              <a:rPr lang="pt-BR" baseline="0" dirty="0" smtClean="0"/>
+              <a:t> é mais adequado para o </a:t>
+            </a:r>
+            <a:r>
+              <a:rPr lang="pt-BR" baseline="0" dirty="0" err="1" smtClean="0"/>
+              <a:t>funcionario</a:t>
+            </a:r>
+            <a:r>
+              <a:rPr lang="pt-BR" baseline="0" dirty="0" smtClean="0"/>
+              <a:t>.</a:t>
             </a:r>
             <a:endParaRPr lang="pt-BR" dirty="0"/>
           </a:p>
@@ -3365,7 +3347,7 @@
             <a:fld id="{C08094CF-D84A-4161-9F88-9244F515EB29}" type="slidenum">
               <a:rPr lang="pt-BR" smtClean="0"/>
               <a:pPr/>
-              <a:t>6</a:t>
+              <a:t>8</a:t>
             </a:fld>
             <a:endParaRPr lang="pt-BR"/>
           </a:p>
@@ -3426,36 +3408,59 @@
           <a:lstStyle/>
           <a:p>
             <a:r>
-              <a:rPr lang="pt-BR" dirty="0" smtClean="0"/>
-              <a:t>Além dos papéis, os </a:t>
-            </a:r>
-            <a:r>
-              <a:rPr lang="pt-BR" dirty="0" err="1" smtClean="0"/>
+              <a:rPr lang="pt-BR" smtClean="0"/>
+              <a:t>Rascunho:</a:t>
+            </a:r>
+          </a:p>
+          <a:p>
+            <a:r>
+              <a:rPr lang="pt-BR" dirty="0" smtClean="0"/>
+              <a:t>No</a:t>
+            </a:r>
+            <a:r>
+              <a:rPr lang="pt-BR" baseline="0" dirty="0" smtClean="0"/>
+              <a:t> SDM tanto os </a:t>
+            </a:r>
+            <a:r>
+              <a:rPr lang="pt-BR" baseline="0" dirty="0" err="1" smtClean="0"/>
               <a:t>funcionarios</a:t>
             </a:r>
             <a:r>
-              <a:rPr lang="pt-BR" dirty="0" smtClean="0"/>
-              <a:t> podem</a:t>
-            </a:r>
-            <a:r>
               <a:rPr lang="pt-BR" baseline="0" dirty="0" smtClean="0"/>
-              <a:t> desempenhar diferentes cargos na empresa, podendo ser </a:t>
+              <a:t> quanto a empresa do jogador podem progredir com o passar do tempo de acordo com o desempenho.</a:t>
+            </a:r>
+          </a:p>
+          <a:p>
+            <a:endParaRPr lang="pt-BR" baseline="0" dirty="0" smtClean="0"/>
+          </a:p>
+          <a:p>
+            <a:r>
+              <a:rPr lang="pt-BR" baseline="0" dirty="0" smtClean="0"/>
+              <a:t>Os </a:t>
             </a:r>
             <a:r>
               <a:rPr lang="pt-BR" baseline="0" dirty="0" err="1" smtClean="0"/>
-              <a:t>junior</a:t>
+              <a:t>funcionarios</a:t>
             </a:r>
             <a:r>
               <a:rPr lang="pt-BR" baseline="0" dirty="0" smtClean="0"/>
-              <a:t>, pleno ou </a:t>
+              <a:t>, quando se termina um projeto, recebem uma quantia de pontos de </a:t>
             </a:r>
             <a:r>
               <a:rPr lang="pt-BR" baseline="0" dirty="0" err="1" smtClean="0"/>
-              <a:t>senior</a:t>
+              <a:t>experiencia</a:t>
             </a:r>
             <a:r>
               <a:rPr lang="pt-BR" baseline="0" dirty="0" smtClean="0"/>
-              <a:t>. Estes cargos são utilizados para modificar o desempenho do </a:t>
+              <a:t> (de acordo com a complexidade do projeto e do resultado final, se concluiu ou não). Quando um verto valor de </a:t>
+            </a:r>
+            <a:r>
+              <a:rPr lang="pt-BR" baseline="0" dirty="0" err="1" smtClean="0"/>
+              <a:t>experiencia</a:t>
+            </a:r>
+            <a:r>
+              <a:rPr lang="pt-BR" baseline="0" dirty="0" smtClean="0"/>
+              <a:t> é alcançado, o </a:t>
             </a:r>
             <a:r>
               <a:rPr lang="pt-BR" baseline="0" dirty="0" err="1" smtClean="0"/>
@@ -3463,23 +3468,64 @@
             </a:r>
             <a:r>
               <a:rPr lang="pt-BR" baseline="0" dirty="0" smtClean="0"/>
-              <a:t> e </a:t>
+              <a:t> adquire um novo </a:t>
             </a:r>
             <a:r>
               <a:rPr lang="pt-BR" baseline="0" dirty="0" err="1" smtClean="0"/>
-              <a:t>consequentemente</a:t>
+              <a:t>level</a:t>
             </a:r>
             <a:r>
               <a:rPr lang="pt-BR" baseline="0" dirty="0" smtClean="0"/>
-              <a:t> o </a:t>
+              <a:t>, ganhando pontos em atributos de acordo com o papel desempenhado. Note que todos os atributos podem ser afetados, já que o desempenho em cada papel é influenciado por todos os atributos, mas com pesos diferentes.</a:t>
+            </a:r>
+          </a:p>
+          <a:p>
+            <a:endParaRPr lang="pt-BR" baseline="0" dirty="0" smtClean="0"/>
+          </a:p>
+          <a:p>
+            <a:r>
+              <a:rPr lang="pt-BR" baseline="0" dirty="0" smtClean="0"/>
+              <a:t>A empresa </a:t>
             </a:r>
             <a:r>
               <a:rPr lang="pt-BR" baseline="0" dirty="0" err="1" smtClean="0"/>
-              <a:t>salario</a:t>
+              <a:t>tambem</a:t>
             </a:r>
             <a:r>
               <a:rPr lang="pt-BR" baseline="0" dirty="0" smtClean="0"/>
-              <a:t>.</a:t>
+              <a:t> ganha </a:t>
+            </a:r>
+            <a:r>
+              <a:rPr lang="pt-BR" baseline="0" dirty="0" err="1" smtClean="0"/>
+              <a:t>experiencia</a:t>
+            </a:r>
+            <a:r>
+              <a:rPr lang="pt-BR" baseline="0" dirty="0" smtClean="0"/>
+              <a:t> na conclusão de projetos, ou perde </a:t>
+            </a:r>
+            <a:r>
+              <a:rPr lang="pt-BR" baseline="0" dirty="0" err="1" smtClean="0"/>
+              <a:t>experiencia</a:t>
+            </a:r>
+            <a:r>
+              <a:rPr lang="pt-BR" baseline="0" dirty="0" smtClean="0"/>
+              <a:t> caso não tenha conseguido concluir. Conforme a empresa sobe de </a:t>
+            </a:r>
+            <a:r>
+              <a:rPr lang="pt-BR" baseline="0" dirty="0" err="1" smtClean="0"/>
+              <a:t>nivel</a:t>
+            </a:r>
+            <a:r>
+              <a:rPr lang="pt-BR" baseline="0" dirty="0" smtClean="0"/>
+              <a:t>, novos projetos (com mais complexidade) estarão </a:t>
+            </a:r>
+            <a:r>
+              <a:rPr lang="pt-BR" baseline="0" dirty="0" err="1" smtClean="0"/>
+              <a:t>disponiveis</a:t>
+            </a:r>
+            <a:r>
+              <a:rPr lang="pt-BR" baseline="0" dirty="0" smtClean="0"/>
+              <a:t> para o jogador, onde estes são mais desafiadores, mas fornecem mais recursos para possibilitar uma equipe de desenvolvimento maior.</a:t>
             </a:r>
             <a:endParaRPr lang="pt-BR" dirty="0"/>
           </a:p>
@@ -3503,7 +3549,7 @@
             <a:fld id="{C08094CF-D84A-4161-9F88-9244F515EB29}" type="slidenum">
               <a:rPr lang="pt-BR" smtClean="0"/>
               <a:pPr/>
-              <a:t>7</a:t>
+              <a:t>9</a:t>
             </a:fld>
             <a:endParaRPr lang="pt-BR"/>
           </a:p>
@@ -3565,41 +3611,43 @@
           <a:p>
             <a:r>
               <a:rPr lang="pt-BR" dirty="0" smtClean="0"/>
-              <a:t>Para os atributos dos </a:t>
-            </a:r>
-            <a:r>
-              <a:rPr lang="pt-BR" dirty="0" err="1" smtClean="0"/>
+              <a:t>Além</a:t>
+            </a:r>
+            <a:r>
+              <a:rPr lang="pt-BR" baseline="0" dirty="0" smtClean="0"/>
+              <a:t> dos atributos, os </a:t>
+            </a:r>
+            <a:r>
+              <a:rPr lang="pt-BR" baseline="0" dirty="0" err="1" smtClean="0"/>
               <a:t>funcionarios</a:t>
             </a:r>
             <a:r>
-              <a:rPr lang="pt-BR" dirty="0" smtClean="0"/>
-              <a:t>, foi feito um estudo</a:t>
-            </a:r>
-            <a:r>
               <a:rPr lang="pt-BR" baseline="0" dirty="0" smtClean="0"/>
-              <a:t> sobre </a:t>
+              <a:t> possuem especializações. Estas </a:t>
             </a:r>
             <a:r>
               <a:rPr lang="pt-BR" baseline="0" dirty="0" err="1" smtClean="0"/>
-              <a:t>possiveis</a:t>
+              <a:t>especializacoes</a:t>
             </a:r>
             <a:r>
               <a:rPr lang="pt-BR" baseline="0" dirty="0" smtClean="0"/>
-              <a:t> </a:t>
+              <a:t> podem ser de 3 tipos: ferramentas, que são </a:t>
             </a:r>
             <a:r>
               <a:rPr lang="pt-BR" baseline="0" dirty="0" err="1" smtClean="0"/>
-              <a:t>caracteristicas</a:t>
+              <a:t>utilziadas</a:t>
             </a:r>
             <a:r>
               <a:rPr lang="pt-BR" baseline="0" dirty="0" smtClean="0"/>
-              <a:t> de pessoas que desempenham os papeis presentes no SDM.</a:t>
-            </a:r>
-          </a:p>
-          <a:p>
+              <a:t> para </a:t>
+            </a:r>
+            <a:r>
+              <a:rPr lang="pt-BR" baseline="0" dirty="0" err="1" smtClean="0"/>
+              <a:t>auxilar</a:t>
+            </a:r>
             <a:r>
               <a:rPr lang="pt-BR" baseline="0" dirty="0" smtClean="0"/>
-              <a:t>Refinando os resultados encontrados por Santos e Russo, foram escolhidos 9 atributos que representariam o </a:t>
+              <a:t> o </a:t>
             </a:r>
             <a:r>
               <a:rPr lang="pt-BR" baseline="0" dirty="0" err="1" smtClean="0"/>
@@ -3607,31 +3655,7 @@
             </a:r>
             <a:r>
               <a:rPr lang="pt-BR" baseline="0" dirty="0" smtClean="0"/>
-              <a:t>. Estes 9 atributos são utilizados para o calculo dos atributos de desempenho, que não são </a:t>
-            </a:r>
-            <a:r>
-              <a:rPr lang="pt-BR" baseline="0" dirty="0" err="1" smtClean="0"/>
-              <a:t>visiveis</a:t>
-            </a:r>
-            <a:r>
-              <a:rPr lang="pt-BR" baseline="0" dirty="0" smtClean="0"/>
-              <a:t> para o jogador. Como os </a:t>
-            </a:r>
-            <a:r>
-              <a:rPr lang="pt-BR" baseline="0" dirty="0" err="1" smtClean="0"/>
-              <a:t>unicos</a:t>
-            </a:r>
-            <a:r>
-              <a:rPr lang="pt-BR" baseline="0" dirty="0" smtClean="0"/>
-              <a:t> atributos exibidos ao jogador são os humanos, cabe ao jogador analisar estes atributos e deduzir qual </a:t>
-            </a:r>
-            <a:r>
-              <a:rPr lang="pt-BR" baseline="0" dirty="0" err="1" smtClean="0"/>
-              <a:t>papél</a:t>
-            </a:r>
-            <a:r>
-              <a:rPr lang="pt-BR" baseline="0" dirty="0" smtClean="0"/>
-              <a:t> é mais adequado para o </a:t>
+              <a:t>; de linguagem de programação e metodologia que são utilizados para avaliar o desempenho do </a:t>
             </a:r>
             <a:r>
               <a:rPr lang="pt-BR" baseline="0" dirty="0" err="1" smtClean="0"/>
@@ -3663,7 +3687,7 @@
             <a:fld id="{C08094CF-D84A-4161-9F88-9244F515EB29}" type="slidenum">
               <a:rPr lang="pt-BR" smtClean="0"/>
               <a:pPr/>
-              <a:t>8</a:t>
+              <a:t>10</a:t>
             </a:fld>
             <a:endParaRPr lang="pt-BR"/>
           </a:p>
@@ -3724,18 +3748,72 @@
           <a:lstStyle/>
           <a:p>
             <a:r>
-              <a:rPr lang="pt-BR" smtClean="0"/>
-              <a:t>Rascunho:</a:t>
-            </a:r>
-          </a:p>
-          <a:p>
-            <a:r>
-              <a:rPr lang="pt-BR" dirty="0" smtClean="0"/>
-              <a:t>No</a:t>
+              <a:rPr lang="pt-BR" dirty="0" smtClean="0"/>
+              <a:t>Caso</a:t>
             </a:r>
             <a:r>
               <a:rPr lang="pt-BR" baseline="0" dirty="0" smtClean="0"/>
-              <a:t> SDM tanto os </a:t>
+              <a:t> um </a:t>
+            </a:r>
+            <a:r>
+              <a:rPr lang="pt-BR" baseline="0" dirty="0" err="1" smtClean="0"/>
+              <a:t>funcionario</a:t>
+            </a:r>
+            <a:r>
+              <a:rPr lang="pt-BR" baseline="0" dirty="0" smtClean="0"/>
+              <a:t> não possua uma especialização, é </a:t>
+            </a:r>
+            <a:r>
+              <a:rPr lang="pt-BR" baseline="0" dirty="0" err="1" smtClean="0"/>
+              <a:t>possivel</a:t>
+            </a:r>
+            <a:r>
+              <a:rPr lang="pt-BR" baseline="0" dirty="0" smtClean="0"/>
+              <a:t> </a:t>
+            </a:r>
+            <a:r>
+              <a:rPr lang="pt-BR" baseline="0" dirty="0" err="1" smtClean="0"/>
+              <a:t>coloca-lo</a:t>
+            </a:r>
+            <a:r>
+              <a:rPr lang="pt-BR" baseline="0" dirty="0" smtClean="0"/>
+              <a:t> em treinamento para adquiri-la.</a:t>
+            </a:r>
+          </a:p>
+          <a:p>
+            <a:r>
+              <a:rPr lang="pt-BR" baseline="0" dirty="0" smtClean="0"/>
+              <a:t>Um outro aspecto do SDM é a relação de horas de trabalho, moral e estamina. As horas de trabalho é utilizada para afetar a negativamente a estamina caso trabalhe mais que 40 horas semanais e positivamente </a:t>
+            </a:r>
+            <a:r>
+              <a:rPr lang="pt-BR" baseline="0" dirty="0" err="1" smtClean="0"/>
+              <a:t>quaso</a:t>
+            </a:r>
+            <a:r>
+              <a:rPr lang="pt-BR" baseline="0" dirty="0" smtClean="0"/>
+              <a:t> trabalhe menos. O moral é afetado por promoções, </a:t>
+            </a:r>
+            <a:r>
+              <a:rPr lang="pt-BR" baseline="0" dirty="0" err="1" smtClean="0"/>
+              <a:t>conclusao</a:t>
+            </a:r>
+            <a:r>
+              <a:rPr lang="pt-BR" baseline="0" dirty="0" smtClean="0"/>
+              <a:t> de projetos e falta de pagamento. O moral em conjunto com a estamina são utilizados para calcular o rendimento do </a:t>
+            </a:r>
+            <a:r>
+              <a:rPr lang="pt-BR" baseline="0" dirty="0" err="1" smtClean="0"/>
+              <a:t>funcionario</a:t>
+            </a:r>
+            <a:r>
+              <a:rPr lang="pt-BR" baseline="0" dirty="0" smtClean="0"/>
+              <a:t>.</a:t>
+            </a:r>
+          </a:p>
+          <a:p>
+            <a:r>
+              <a:rPr lang="pt-BR" baseline="0" dirty="0" smtClean="0"/>
+              <a:t>No exemplo desta figura, é mostrado o ganho de estamina dos </a:t>
             </a:r>
             <a:r>
               <a:rPr lang="pt-BR" baseline="0" dirty="0" err="1" smtClean="0"/>
@@ -3743,107 +3821,8 @@
             </a:r>
             <a:r>
               <a:rPr lang="pt-BR" baseline="0" dirty="0" smtClean="0"/>
-              <a:t> quanto a empresa do jogador podem progredir com o passar do tempo de acordo com o desempenho.</a:t>
-            </a:r>
-          </a:p>
-          <a:p>
-            <a:endParaRPr lang="pt-BR" baseline="0" dirty="0" smtClean="0"/>
-          </a:p>
-          <a:p>
-            <a:r>
-              <a:rPr lang="pt-BR" baseline="0" dirty="0" smtClean="0"/>
-              <a:t>Os </a:t>
-            </a:r>
-            <a:r>
-              <a:rPr lang="pt-BR" baseline="0" dirty="0" err="1" smtClean="0"/>
-              <a:t>funcionarios</a:t>
-            </a:r>
-            <a:r>
-              <a:rPr lang="pt-BR" baseline="0" dirty="0" smtClean="0"/>
-              <a:t>, quando se termina um projeto, recebem uma quantia de pontos de </a:t>
-            </a:r>
-            <a:r>
-              <a:rPr lang="pt-BR" baseline="0" dirty="0" err="1" smtClean="0"/>
-              <a:t>experiencia</a:t>
-            </a:r>
-            <a:r>
-              <a:rPr lang="pt-BR" baseline="0" dirty="0" smtClean="0"/>
-              <a:t> (de acordo com a complexidade do projeto e do resultado final, se concluiu ou não). Quando um verto valor de </a:t>
-            </a:r>
-            <a:r>
-              <a:rPr lang="pt-BR" baseline="0" dirty="0" err="1" smtClean="0"/>
-              <a:t>experiencia</a:t>
-            </a:r>
-            <a:r>
-              <a:rPr lang="pt-BR" baseline="0" dirty="0" smtClean="0"/>
-              <a:t> é alcançado, o </a:t>
-            </a:r>
-            <a:r>
-              <a:rPr lang="pt-BR" baseline="0" dirty="0" err="1" smtClean="0"/>
-              <a:t>funcionario</a:t>
-            </a:r>
-            <a:r>
-              <a:rPr lang="pt-BR" baseline="0" dirty="0" smtClean="0"/>
-              <a:t> adquire um novo </a:t>
-            </a:r>
-            <a:r>
-              <a:rPr lang="pt-BR" baseline="0" dirty="0" err="1" smtClean="0"/>
-              <a:t>level</a:t>
-            </a:r>
-            <a:r>
-              <a:rPr lang="pt-BR" baseline="0" dirty="0" smtClean="0"/>
-              <a:t>, ganhando pontos em atributos de acordo com o papel desempenhado. Note que todos os atributos podem ser afetados, já que o desempenho em cada papel é influenciado por todos os atributos, mas com pesos diferentes.</a:t>
-            </a:r>
-          </a:p>
-          <a:p>
-            <a:endParaRPr lang="pt-BR" baseline="0" dirty="0" smtClean="0"/>
-          </a:p>
-          <a:p>
-            <a:r>
-              <a:rPr lang="pt-BR" baseline="0" dirty="0" smtClean="0"/>
-              <a:t>A empresa </a:t>
-            </a:r>
-            <a:r>
-              <a:rPr lang="pt-BR" baseline="0" dirty="0" err="1" smtClean="0"/>
-              <a:t>tambem</a:t>
-            </a:r>
-            <a:r>
-              <a:rPr lang="pt-BR" baseline="0" dirty="0" smtClean="0"/>
-              <a:t> ganha </a:t>
-            </a:r>
-            <a:r>
-              <a:rPr lang="pt-BR" baseline="0" dirty="0" err="1" smtClean="0"/>
-              <a:t>experiencia</a:t>
-            </a:r>
-            <a:r>
-              <a:rPr lang="pt-BR" baseline="0" dirty="0" smtClean="0"/>
-              <a:t> na conclusão de projetos, ou perde </a:t>
-            </a:r>
-            <a:r>
-              <a:rPr lang="pt-BR" baseline="0" dirty="0" err="1" smtClean="0"/>
-              <a:t>experiencia</a:t>
-            </a:r>
-            <a:r>
-              <a:rPr lang="pt-BR" baseline="0" dirty="0" smtClean="0"/>
-              <a:t> caso não tenha conseguido concluir. Conforme a empresa sobe de </a:t>
-            </a:r>
-            <a:r>
-              <a:rPr lang="pt-BR" baseline="0" dirty="0" err="1" smtClean="0"/>
-              <a:t>nivel</a:t>
-            </a:r>
-            <a:r>
-              <a:rPr lang="pt-BR" baseline="0" dirty="0" smtClean="0"/>
-              <a:t>, novos projetos (com mais complexidade) estarão </a:t>
-            </a:r>
-            <a:r>
-              <a:rPr lang="pt-BR" baseline="0" dirty="0" err="1" smtClean="0"/>
-              <a:t>disponiveis</a:t>
-            </a:r>
-            <a:r>
-              <a:rPr lang="pt-BR" baseline="0" dirty="0" smtClean="0"/>
-              <a:t> para o jogador, onde estes são mais desafiadores, mas fornecem mais recursos para possibilitar uma equipe de desenvolvimento maior.</a:t>
-            </a:r>
-            <a:endParaRPr lang="pt-BR" dirty="0"/>
+              <a:t> por estarem trabalhando menos horas.</a:t>
+            </a:r>
           </a:p>
         </p:txBody>
       </p:sp>
@@ -3865,7 +3844,7 @@
             <a:fld id="{C08094CF-D84A-4161-9F88-9244F515EB29}" type="slidenum">
               <a:rPr lang="pt-BR" smtClean="0"/>
               <a:pPr/>
-              <a:t>9</a:t>
+              <a:t>11</a:t>
             </a:fld>
             <a:endParaRPr lang="pt-BR"/>
           </a:p>
@@ -4061,7 +4040,7 @@
             <a:fld id="{6D9EE24F-E0DE-4DA1-9105-4F3C7EAC7004}" type="datetime1">
               <a:rPr lang="pt-BR" smtClean="0"/>
               <a:pPr/>
-              <a:t>19/10/2011</a:t>
+              <a:t>31/10/2011</a:t>
             </a:fld>
             <a:endParaRPr lang="pt-BR"/>
           </a:p>
@@ -4228,7 +4207,7 @@
             <a:fld id="{0F034B7C-B26C-4FD8-8AC7-000ADDE7D105}" type="datetime1">
               <a:rPr lang="pt-BR" smtClean="0"/>
               <a:pPr/>
-              <a:t>19/10/2011</a:t>
+              <a:t>31/10/2011</a:t>
             </a:fld>
             <a:endParaRPr lang="pt-BR"/>
           </a:p>
@@ -4405,7 +4384,7 @@
             <a:fld id="{A000051A-8B0B-43C8-BE21-E725CE790B54}" type="datetime1">
               <a:rPr lang="pt-BR" smtClean="0"/>
               <a:pPr/>
-              <a:t>19/10/2011</a:t>
+              <a:t>31/10/2011</a:t>
             </a:fld>
             <a:endParaRPr lang="pt-BR"/>
           </a:p>
@@ -4572,7 +4551,7 @@
             <a:fld id="{7A421BDB-495C-4BB5-AD49-58C300AE01CF}" type="datetime1">
               <a:rPr lang="pt-BR" smtClean="0"/>
               <a:pPr/>
-              <a:t>19/10/2011</a:t>
+              <a:t>31/10/2011</a:t>
             </a:fld>
             <a:endParaRPr lang="pt-BR"/>
           </a:p>
@@ -4815,7 +4794,7 @@
             <a:fld id="{D3F8C441-06B8-491B-8ED8-D1AF83395783}" type="datetime1">
               <a:rPr lang="pt-BR" smtClean="0"/>
               <a:pPr/>
-              <a:t>19/10/2011</a:t>
+              <a:t>31/10/2011</a:t>
             </a:fld>
             <a:endParaRPr lang="pt-BR"/>
           </a:p>
@@ -5100,7 +5079,7 @@
             <a:fld id="{45531767-6CF3-40F5-BBA2-043B826B2267}" type="datetime1">
               <a:rPr lang="pt-BR" smtClean="0"/>
               <a:pPr/>
-              <a:t>19/10/2011</a:t>
+              <a:t>31/10/2011</a:t>
             </a:fld>
             <a:endParaRPr lang="pt-BR"/>
           </a:p>
@@ -5519,7 +5498,7 @@
             <a:fld id="{EDD351A9-C1FF-4899-99DB-C6738D3C7571}" type="datetime1">
               <a:rPr lang="pt-BR" smtClean="0"/>
               <a:pPr/>
-              <a:t>19/10/2011</a:t>
+              <a:t>31/10/2011</a:t>
             </a:fld>
             <a:endParaRPr lang="pt-BR"/>
           </a:p>
@@ -5634,7 +5613,7 @@
             <a:fld id="{A3E5940B-4769-4153-8D5F-9FF733D34FF4}" type="datetime1">
               <a:rPr lang="pt-BR" smtClean="0"/>
               <a:pPr/>
-              <a:t>19/10/2011</a:t>
+              <a:t>31/10/2011</a:t>
             </a:fld>
             <a:endParaRPr lang="pt-BR"/>
           </a:p>
@@ -5726,7 +5705,7 @@
             <a:fld id="{C2FBDFD4-FA6C-48AF-81DB-D21C39C8F84C}" type="datetime1">
               <a:rPr lang="pt-BR" smtClean="0"/>
               <a:pPr/>
-              <a:t>19/10/2011</a:t>
+              <a:t>31/10/2011</a:t>
             </a:fld>
             <a:endParaRPr lang="pt-BR"/>
           </a:p>
@@ -6000,7 +5979,7 @@
             <a:fld id="{4BE47F20-0339-42AE-B0FF-033D3E7FC8FA}" type="datetime1">
               <a:rPr lang="pt-BR" smtClean="0"/>
               <a:pPr/>
-              <a:t>19/10/2011</a:t>
+              <a:t>31/10/2011</a:t>
             </a:fld>
             <a:endParaRPr lang="pt-BR"/>
           </a:p>
@@ -6250,7 +6229,7 @@
             <a:fld id="{4B99D162-A012-4A91-9D82-D9E2E9C8A2D2}" type="datetime1">
               <a:rPr lang="pt-BR" smtClean="0"/>
               <a:pPr/>
-              <a:t>19/10/2011</a:t>
+              <a:t>31/10/2011</a:t>
             </a:fld>
             <a:endParaRPr lang="pt-BR"/>
           </a:p>
@@ -6484,7 +6463,7 @@
             <a:fld id="{486B1B35-5594-478C-AA32-C02987ED0CAA}" type="datetime1">
               <a:rPr lang="pt-BR" smtClean="0"/>
               <a:pPr/>
-              <a:t>19/10/2011</a:t>
+              <a:t>31/10/2011</a:t>
             </a:fld>
             <a:endParaRPr lang="pt-BR"/>
           </a:p>
@@ -6915,36 +6894,26 @@
         </p:spPr>
         <p:txBody>
           <a:bodyPr>
-            <a:normAutofit fontScale="70000" lnSpcReduction="20000"/>
+            <a:normAutofit/>
           </a:bodyPr>
           <a:lstStyle/>
           <a:p>
-            <a:r>
-              <a:rPr lang="pt-BR" dirty="0" err="1" smtClean="0"/>
+            <a:endParaRPr lang="pt-BR" b="1" dirty="0" smtClean="0"/>
+          </a:p>
+          <a:p>
+            <a:r>
+              <a:rPr lang="pt-BR" b="1" dirty="0" err="1" smtClean="0"/>
               <a:t>Troy</a:t>
             </a:r>
             <a:r>
-              <a:rPr lang="pt-BR" dirty="0" smtClean="0"/>
+              <a:rPr lang="pt-BR" b="1" dirty="0" smtClean="0"/>
               <a:t> Costa </a:t>
             </a:r>
             <a:r>
-              <a:rPr lang="pt-BR" dirty="0" err="1" smtClean="0"/>
+              <a:rPr lang="pt-BR" b="1" dirty="0" err="1" smtClean="0"/>
               <a:t>Kohwalter</a:t>
             </a:r>
-            <a:endParaRPr lang="pt-BR" dirty="0"/>
-          </a:p>
-          <a:p>
-            <a:endParaRPr lang="pt-BR" dirty="0" smtClean="0"/>
-          </a:p>
-          <a:p>
-            <a:r>
-              <a:rPr lang="pt-BR" dirty="0" err="1" smtClean="0"/>
-              <a:t>Advisors</a:t>
-            </a:r>
-            <a:r>
-              <a:rPr lang="pt-BR" dirty="0" smtClean="0"/>
-              <a:t>: </a:t>
-            </a:r>
+            <a:endParaRPr lang="pt-BR" b="1" dirty="0" smtClean="0"/>
           </a:p>
           <a:p>
             <a:r>
@@ -6971,15 +6940,6 @@
             <a:endParaRPr lang="pt-BR" dirty="0" smtClean="0">
               <a:hlinkClick r:id="rId3"/>
             </a:endParaRPr>
-          </a:p>
-          <a:p>
-            <a:r>
-              <a:rPr lang="pt-BR" dirty="0" smtClean="0">
-                <a:hlinkClick r:id="rId3"/>
-              </a:rPr>
-              <a:t>http://www.ic.uff.br/~tkohwalter/sdm/index.html</a:t>
-            </a:r>
-            <a:endParaRPr lang="pt-BR" dirty="0" smtClean="0"/>
           </a:p>
           <a:p>
             <a:endParaRPr lang="pt-BR" dirty="0"/>
@@ -7385,6 +7345,38 @@
           </a:p>
         </p:txBody>
       </p:sp>
+      <p:pic>
+        <p:nvPicPr>
+          <p:cNvPr id="2050" name="Picture 2"/>
+          <p:cNvPicPr>
+            <a:picLocks noChangeAspect="1" noChangeArrowheads="1"/>
+          </p:cNvPicPr>
+          <p:nvPr/>
+        </p:nvPicPr>
+        <p:blipFill>
+          <a:blip r:embed="rId5" cstate="print"/>
+          <a:srcRect/>
+          <a:stretch>
+            <a:fillRect/>
+          </a:stretch>
+        </p:blipFill>
+        <p:spPr bwMode="auto">
+          <a:xfrm>
+            <a:off x="6300192" y="3645024"/>
+            <a:ext cx="1076325" cy="762000"/>
+          </a:xfrm>
+          <a:prstGeom prst="rect">
+            <a:avLst/>
+          </a:prstGeom>
+          <a:noFill/>
+          <a:ln w="9525">
+            <a:noFill/>
+            <a:miter lim="800000"/>
+            <a:headEnd/>
+            <a:tailEnd/>
+          </a:ln>
+        </p:spPr>
+      </p:pic>
     </p:spTree>
   </p:cSld>
   <p:clrMapOvr>
@@ -7965,9 +7957,8 @@
           <a:p>
             <a:r>
               <a:rPr lang="pt-BR" dirty="0" smtClean="0"/>
-              <a:t>SDM</a:t>
-            </a:r>
-            <a:endParaRPr lang="pt-BR" dirty="0"/>
+              <a:t>CONCLUSION</a:t>
+            </a:r>
           </a:p>
         </p:txBody>
       </p:sp>
@@ -7986,51 +7977,50 @@
           <a:bodyPr/>
           <a:lstStyle/>
           <a:p>
-            <a:r>
-              <a:rPr lang="pt-BR" dirty="0" smtClean="0"/>
-              <a:t>CONCLUSION</a:t>
+            <a:endParaRPr lang="pt-BR" dirty="0" smtClean="0"/>
+          </a:p>
+          <a:p>
+            <a:r>
+              <a:rPr lang="pt-BR" dirty="0" smtClean="0"/>
+              <a:t>UNDERSTANDING AND LEARNING</a:t>
             </a:r>
           </a:p>
           <a:p>
             <a:pPr lvl="1"/>
             <a:r>
               <a:rPr lang="pt-BR" dirty="0" smtClean="0"/>
-              <a:t>UNDERSTANDING</a:t>
-            </a:r>
+              <a:t>EMPLOYEE AND ROLES</a:t>
+            </a:r>
+            <a:endParaRPr lang="pt-BR" dirty="0" smtClean="0"/>
           </a:p>
           <a:p>
             <a:pPr lvl="1"/>
             <a:endParaRPr lang="pt-BR" dirty="0" smtClean="0"/>
           </a:p>
           <a:p>
+            <a:r>
+              <a:rPr lang="pt-BR" dirty="0" smtClean="0"/>
+              <a:t>LIMITATIONS</a:t>
+            </a:r>
+          </a:p>
+          <a:p>
             <a:pPr lvl="1"/>
             <a:r>
               <a:rPr lang="pt-BR" dirty="0" smtClean="0"/>
-              <a:t>LEARNING</a:t>
-            </a:r>
+              <a:t>CHANGE ITERATION PERIOD</a:t>
+            </a:r>
+          </a:p>
+          <a:p>
+            <a:pPr lvl="1"/>
+            <a:r>
+              <a:rPr lang="pt-BR" dirty="0" smtClean="0"/>
+              <a:t>METHOLOGY</a:t>
+            </a:r>
+            <a:endParaRPr lang="pt-BR" dirty="0" smtClean="0"/>
           </a:p>
           <a:p>
             <a:pPr lvl="1"/>
             <a:endParaRPr lang="pt-BR" dirty="0" smtClean="0"/>
-          </a:p>
-          <a:p>
-            <a:pPr lvl="1"/>
-            <a:r>
-              <a:rPr lang="pt-BR" dirty="0" smtClean="0"/>
-              <a:t>LIMITATIONS</a:t>
-            </a:r>
-          </a:p>
-          <a:p>
-            <a:pPr lvl="1"/>
-            <a:endParaRPr lang="pt-BR" dirty="0" smtClean="0"/>
-          </a:p>
-          <a:p>
-            <a:pPr lvl="1"/>
-            <a:r>
-              <a:rPr lang="pt-BR" dirty="0" smtClean="0"/>
-              <a:t>FUTURE WORK</a:t>
-            </a:r>
-            <a:endParaRPr lang="pt-BR" dirty="0"/>
           </a:p>
         </p:txBody>
       </p:sp>
@@ -8097,6 +8087,122 @@
             <a:spLocks noGrp="1"/>
           </p:cNvSpPr>
           <p:nvPr>
+            <p:ph type="title"/>
+          </p:nvPr>
+        </p:nvSpPr>
+        <p:spPr/>
+        <p:txBody>
+          <a:bodyPr/>
+          <a:lstStyle/>
+          <a:p>
+            <a:r>
+              <a:rPr lang="pt-BR" dirty="0" smtClean="0"/>
+              <a:t>FUTURE WORK</a:t>
+            </a:r>
+            <a:endParaRPr lang="pt-BR" dirty="0"/>
+          </a:p>
+        </p:txBody>
+      </p:sp>
+      <p:sp>
+        <p:nvSpPr>
+          <p:cNvPr id="3" name="Content Placeholder 2"/>
+          <p:cNvSpPr>
+            <a:spLocks noGrp="1"/>
+          </p:cNvSpPr>
+          <p:nvPr>
+            <p:ph idx="1"/>
+          </p:nvPr>
+        </p:nvSpPr>
+        <p:spPr/>
+        <p:txBody>
+          <a:bodyPr/>
+          <a:lstStyle/>
+          <a:p>
+            <a:endParaRPr lang="pt-BR" dirty="0" smtClean="0"/>
+          </a:p>
+          <a:p>
+            <a:r>
+              <a:rPr lang="pt-BR" dirty="0" smtClean="0"/>
+              <a:t>MULTIPLE OFFICES</a:t>
+            </a:r>
+          </a:p>
+          <a:p>
+            <a:endParaRPr lang="pt-BR" dirty="0" smtClean="0"/>
+          </a:p>
+          <a:p>
+            <a:r>
+              <a:rPr lang="pt-BR" dirty="0" smtClean="0"/>
+              <a:t>COMPANY REPUTATION</a:t>
+            </a:r>
+          </a:p>
+          <a:p>
+            <a:endParaRPr lang="pt-BR" dirty="0" smtClean="0"/>
+          </a:p>
+          <a:p>
+            <a:r>
+              <a:rPr lang="pt-BR" dirty="0" smtClean="0"/>
+              <a:t>STORYTELLING</a:t>
+            </a:r>
+            <a:endParaRPr lang="pt-BR" dirty="0" smtClean="0"/>
+          </a:p>
+        </p:txBody>
+      </p:sp>
+      <p:sp>
+        <p:nvSpPr>
+          <p:cNvPr id="4" name="Slide Number Placeholder 3"/>
+          <p:cNvSpPr>
+            <a:spLocks noGrp="1"/>
+          </p:cNvSpPr>
+          <p:nvPr>
+            <p:ph type="sldNum" sz="quarter" idx="12"/>
+          </p:nvPr>
+        </p:nvSpPr>
+        <p:spPr/>
+        <p:txBody>
+          <a:bodyPr/>
+          <a:lstStyle/>
+          <a:p>
+            <a:fld id="{3423915D-51A9-4757-B8AC-B60F99CD8957}" type="slidenum">
+              <a:rPr lang="pt-BR" smtClean="0"/>
+              <a:pPr/>
+              <a:t>16</a:t>
+            </a:fld>
+            <a:endParaRPr lang="pt-BR"/>
+          </a:p>
+        </p:txBody>
+      </p:sp>
+    </p:spTree>
+  </p:cSld>
+  <p:clrMapOvr>
+    <a:masterClrMapping/>
+  </p:clrMapOvr>
+</p:sld>
+</file>
+
+<file path=ppt/slides/slide17.xml><?xml version="1.0" encoding="utf-8"?>
+<p:sld xmlns:a="http://schemas.openxmlformats.org/drawingml/2006/main" xmlns:r="http://schemas.openxmlformats.org/officeDocument/2006/relationships" xmlns:p="http://schemas.openxmlformats.org/presentationml/2006/main">
+  <p:cSld>
+    <p:spTree>
+      <p:nvGrpSpPr>
+        <p:cNvPr id="1" name=""/>
+        <p:cNvGrpSpPr/>
+        <p:nvPr/>
+      </p:nvGrpSpPr>
+      <p:grpSpPr>
+        <a:xfrm>
+          <a:off x="0" y="0"/>
+          <a:ext cx="0" cy="0"/>
+          <a:chOff x="0" y="0"/>
+          <a:chExt cx="0" cy="0"/>
+        </a:xfrm>
+      </p:grpSpPr>
+      <p:sp>
+        <p:nvSpPr>
+          <p:cNvPr id="2" name="Title 1"/>
+          <p:cNvSpPr>
+            <a:spLocks noGrp="1"/>
+          </p:cNvSpPr>
+          <p:nvPr>
             <p:ph type="ctrTitle"/>
           </p:nvPr>
         </p:nvSpPr>
@@ -8149,36 +8255,23 @@
         </p:spPr>
         <p:txBody>
           <a:bodyPr>
-            <a:normAutofit fontScale="70000" lnSpcReduction="20000"/>
+            <a:normAutofit fontScale="92500" lnSpcReduction="20000"/>
           </a:bodyPr>
           <a:lstStyle/>
           <a:p>
             <a:r>
-              <a:rPr lang="pt-BR" dirty="0" err="1" smtClean="0"/>
+              <a:rPr lang="pt-BR" b="1" dirty="0" err="1" smtClean="0"/>
               <a:t>Troy</a:t>
             </a:r>
             <a:r>
-              <a:rPr lang="pt-BR" dirty="0" smtClean="0"/>
+              <a:rPr lang="pt-BR" b="1" dirty="0" smtClean="0"/>
               <a:t> Costa </a:t>
             </a:r>
             <a:r>
-              <a:rPr lang="pt-BR" dirty="0" err="1" smtClean="0"/>
+              <a:rPr lang="pt-BR" b="1" dirty="0" err="1" smtClean="0"/>
               <a:t>Kohwalter</a:t>
             </a:r>
-            <a:endParaRPr lang="pt-BR" dirty="0"/>
-          </a:p>
-          <a:p>
-            <a:endParaRPr lang="pt-BR" dirty="0" smtClean="0"/>
-          </a:p>
-          <a:p>
-            <a:r>
-              <a:rPr lang="pt-BR" dirty="0" err="1" smtClean="0"/>
-              <a:t>Advisors</a:t>
-            </a:r>
-            <a:r>
-              <a:rPr lang="pt-BR" dirty="0" smtClean="0"/>
-              <a:t>: </a:t>
-            </a:r>
+            <a:endParaRPr lang="pt-BR" b="1" dirty="0" smtClean="0"/>
           </a:p>
           <a:p>
             <a:r>
@@ -8206,10 +8299,16 @@
           </a:p>
           <a:p>
             <a:r>
+              <a:rPr lang="pt-BR" dirty="0" smtClean="0"/>
+              <a:t>Game Access:</a:t>
+            </a:r>
+          </a:p>
+          <a:p>
+            <a:r>
               <a:rPr lang="pt-BR" dirty="0" smtClean="0">
                 <a:hlinkClick r:id="rId2"/>
               </a:rPr>
-              <a:t>http://www.ic.uff.br/~tkohwalter/sdm/index.html</a:t>
+              <a:t>http://www.ic.uff.br/~tkohwalter/sdm/</a:t>
             </a:r>
             <a:endParaRPr lang="pt-BR" dirty="0" smtClean="0"/>
           </a:p>
@@ -8230,6 +8329,332 @@
       </p:par>
     </p:tnLst>
   </p:timing>
+</p:sld>
+</file>
+
+<file path=ppt/slides/slide18.xml><?xml version="1.0" encoding="utf-8"?>
+<p:sld xmlns:a="http://schemas.openxmlformats.org/drawingml/2006/main" xmlns:r="http://schemas.openxmlformats.org/officeDocument/2006/relationships" xmlns:p="http://schemas.openxmlformats.org/presentationml/2006/main">
+  <p:cSld>
+    <p:spTree>
+      <p:nvGrpSpPr>
+        <p:cNvPr id="1" name=""/>
+        <p:cNvGrpSpPr/>
+        <p:nvPr/>
+      </p:nvGrpSpPr>
+      <p:grpSpPr>
+        <a:xfrm>
+          <a:off x="0" y="0"/>
+          <a:ext cx="0" cy="0"/>
+          <a:chOff x="0" y="0"/>
+          <a:chExt cx="0" cy="0"/>
+        </a:xfrm>
+      </p:grpSpPr>
+      <p:sp>
+        <p:nvSpPr>
+          <p:cNvPr id="2" name="Title 1"/>
+          <p:cNvSpPr>
+            <a:spLocks noGrp="1"/>
+          </p:cNvSpPr>
+          <p:nvPr>
+            <p:ph type="title"/>
+          </p:nvPr>
+        </p:nvSpPr>
+        <p:spPr/>
+        <p:txBody>
+          <a:bodyPr/>
+          <a:lstStyle/>
+          <a:p>
+            <a:r>
+              <a:rPr lang="pt-BR" dirty="0" smtClean="0"/>
+              <a:t>SDM</a:t>
+            </a:r>
+            <a:endParaRPr lang="pt-BR" dirty="0"/>
+          </a:p>
+        </p:txBody>
+      </p:sp>
+      <p:sp>
+        <p:nvSpPr>
+          <p:cNvPr id="3" name="Content Placeholder 2"/>
+          <p:cNvSpPr>
+            <a:spLocks noGrp="1"/>
+          </p:cNvSpPr>
+          <p:nvPr>
+            <p:ph idx="1"/>
+          </p:nvPr>
+        </p:nvSpPr>
+        <p:spPr/>
+        <p:txBody>
+          <a:bodyPr>
+            <a:normAutofit/>
+          </a:bodyPr>
+          <a:lstStyle/>
+          <a:p>
+            <a:r>
+              <a:rPr lang="pt-BR" dirty="0" smtClean="0"/>
+              <a:t>EMPLOYEES</a:t>
+            </a:r>
+          </a:p>
+          <a:p>
+            <a:endParaRPr lang="pt-BR" dirty="0" smtClean="0"/>
+          </a:p>
+          <a:p>
+            <a:pPr lvl="1"/>
+            <a:r>
+              <a:rPr lang="pt-BR" smtClean="0"/>
+              <a:t>GRADES</a:t>
+            </a:r>
+            <a:endParaRPr lang="pt-BR" dirty="0" smtClean="0"/>
+          </a:p>
+          <a:p>
+            <a:pPr lvl="1"/>
+            <a:endParaRPr lang="pt-BR" dirty="0" smtClean="0"/>
+          </a:p>
+          <a:p>
+            <a:pPr lvl="2"/>
+            <a:r>
+              <a:rPr lang="pt-BR" dirty="0" smtClean="0"/>
+              <a:t>JUNIOR</a:t>
+            </a:r>
+          </a:p>
+          <a:p>
+            <a:pPr lvl="2"/>
+            <a:endParaRPr lang="pt-BR" dirty="0" smtClean="0"/>
+          </a:p>
+          <a:p>
+            <a:pPr lvl="2"/>
+            <a:r>
+              <a:rPr lang="pt-BR" dirty="0" smtClean="0"/>
+              <a:t>MID-LEVEL</a:t>
+            </a:r>
+          </a:p>
+          <a:p>
+            <a:pPr lvl="2"/>
+            <a:endParaRPr lang="pt-BR" dirty="0" smtClean="0"/>
+          </a:p>
+          <a:p>
+            <a:pPr lvl="2"/>
+            <a:r>
+              <a:rPr lang="pt-BR" dirty="0" smtClean="0"/>
+              <a:t>SENIOR</a:t>
+            </a:r>
+          </a:p>
+          <a:p>
+            <a:pPr>
+              <a:buNone/>
+            </a:pPr>
+            <a:endParaRPr lang="pt-BR" dirty="0" smtClean="0"/>
+          </a:p>
+          <a:p>
+            <a:endParaRPr lang="pt-BR" dirty="0"/>
+          </a:p>
+        </p:txBody>
+      </p:sp>
+      <p:sp>
+        <p:nvSpPr>
+          <p:cNvPr id="6" name="Espaço Reservado para Número de Slide 5"/>
+          <p:cNvSpPr>
+            <a:spLocks noGrp="1"/>
+          </p:cNvSpPr>
+          <p:nvPr>
+            <p:ph type="sldNum" sz="quarter" idx="12"/>
+          </p:nvPr>
+        </p:nvSpPr>
+        <p:spPr/>
+        <p:txBody>
+          <a:bodyPr/>
+          <a:lstStyle/>
+          <a:p>
+            <a:fld id="{3423915D-51A9-4757-B8AC-B60F99CD8957}" type="slidenum">
+              <a:rPr lang="pt-BR" smtClean="0"/>
+              <a:pPr/>
+              <a:t>18</a:t>
+            </a:fld>
+            <a:endParaRPr lang="pt-BR"/>
+          </a:p>
+        </p:txBody>
+      </p:sp>
+      <p:pic>
+        <p:nvPicPr>
+          <p:cNvPr id="7" name="Picture 3"/>
+          <p:cNvPicPr>
+            <a:picLocks noChangeAspect="1" noChangeArrowheads="1"/>
+          </p:cNvPicPr>
+          <p:nvPr/>
+        </p:nvPicPr>
+        <p:blipFill>
+          <a:blip r:embed="rId3" cstate="print"/>
+          <a:srcRect/>
+          <a:stretch>
+            <a:fillRect/>
+          </a:stretch>
+        </p:blipFill>
+        <p:spPr bwMode="auto">
+          <a:xfrm>
+            <a:off x="3851920" y="2276872"/>
+            <a:ext cx="4738010" cy="2952328"/>
+          </a:xfrm>
+          <a:prstGeom prst="rect">
+            <a:avLst/>
+          </a:prstGeom>
+          <a:noFill/>
+          <a:ln w="9525">
+            <a:noFill/>
+            <a:miter lim="800000"/>
+            <a:headEnd/>
+            <a:tailEnd/>
+          </a:ln>
+        </p:spPr>
+      </p:pic>
+    </p:spTree>
+  </p:cSld>
+  <p:clrMapOvr>
+    <a:masterClrMapping/>
+  </p:clrMapOvr>
+  <p:timing>
+    <p:tnLst>
+      <p:par>
+        <p:cTn id="1" dur="indefinite" restart="never" nodeType="tmRoot"/>
+      </p:par>
+    </p:tnLst>
+  </p:timing>
+</p:sld>
+</file>
+
+<file path=ppt/slides/slide19.xml><?xml version="1.0" encoding="utf-8"?>
+<p:sld xmlns:a="http://schemas.openxmlformats.org/drawingml/2006/main" xmlns:r="http://schemas.openxmlformats.org/officeDocument/2006/relationships" xmlns:p="http://schemas.openxmlformats.org/presentationml/2006/main">
+  <p:cSld>
+    <p:spTree>
+      <p:nvGrpSpPr>
+        <p:cNvPr id="1" name=""/>
+        <p:cNvGrpSpPr/>
+        <p:nvPr/>
+      </p:nvGrpSpPr>
+      <p:grpSpPr>
+        <a:xfrm>
+          <a:off x="0" y="0"/>
+          <a:ext cx="0" cy="0"/>
+          <a:chOff x="0" y="0"/>
+          <a:chExt cx="0" cy="0"/>
+        </a:xfrm>
+      </p:grpSpPr>
+      <p:sp>
+        <p:nvSpPr>
+          <p:cNvPr id="2" name="Title 1"/>
+          <p:cNvSpPr>
+            <a:spLocks noGrp="1"/>
+          </p:cNvSpPr>
+          <p:nvPr>
+            <p:ph type="title"/>
+          </p:nvPr>
+        </p:nvSpPr>
+        <p:spPr/>
+        <p:txBody>
+          <a:bodyPr/>
+          <a:lstStyle/>
+          <a:p>
+            <a:r>
+              <a:rPr lang="pt-BR" dirty="0" smtClean="0"/>
+              <a:t>ITERATIONS</a:t>
+            </a:r>
+            <a:endParaRPr lang="pt-BR" dirty="0"/>
+          </a:p>
+        </p:txBody>
+      </p:sp>
+      <p:sp>
+        <p:nvSpPr>
+          <p:cNvPr id="4" name="Slide Number Placeholder 3"/>
+          <p:cNvSpPr>
+            <a:spLocks noGrp="1"/>
+          </p:cNvSpPr>
+          <p:nvPr>
+            <p:ph type="sldNum" sz="quarter" idx="12"/>
+          </p:nvPr>
+        </p:nvSpPr>
+        <p:spPr/>
+        <p:txBody>
+          <a:bodyPr/>
+          <a:lstStyle/>
+          <a:p>
+            <a:fld id="{3423915D-51A9-4757-B8AC-B60F99CD8957}" type="slidenum">
+              <a:rPr lang="pt-BR" smtClean="0"/>
+              <a:pPr/>
+              <a:t>19</a:t>
+            </a:fld>
+            <a:endParaRPr lang="pt-BR"/>
+          </a:p>
+        </p:txBody>
+      </p:sp>
+      <p:pic>
+        <p:nvPicPr>
+          <p:cNvPr id="1026" name="Picture 2"/>
+          <p:cNvPicPr>
+            <a:picLocks noGrp="1" noChangeAspect="1" noChangeArrowheads="1"/>
+          </p:cNvPicPr>
+          <p:nvPr>
+            <p:ph idx="1"/>
+          </p:nvPr>
+        </p:nvPicPr>
+        <p:blipFill>
+          <a:blip r:embed="rId2" cstate="print"/>
+          <a:srcRect/>
+          <a:stretch>
+            <a:fillRect/>
+          </a:stretch>
+        </p:blipFill>
+        <p:spPr bwMode="auto">
+          <a:xfrm>
+            <a:off x="2123728" y="1533370"/>
+            <a:ext cx="4850904" cy="2255670"/>
+          </a:xfrm>
+          <a:prstGeom prst="rect">
+            <a:avLst/>
+          </a:prstGeom>
+          <a:noFill/>
+          <a:ln w="9525">
+            <a:noFill/>
+            <a:miter lim="800000"/>
+            <a:headEnd/>
+            <a:tailEnd/>
+          </a:ln>
+        </p:spPr>
+      </p:pic>
+      <p:pic>
+        <p:nvPicPr>
+          <p:cNvPr id="1027" name="Picture 3"/>
+          <p:cNvPicPr>
+            <a:picLocks noChangeAspect="1" noChangeArrowheads="1"/>
+          </p:cNvPicPr>
+          <p:nvPr/>
+        </p:nvPicPr>
+        <p:blipFill>
+          <a:blip r:embed="rId3" cstate="print"/>
+          <a:srcRect/>
+          <a:stretch>
+            <a:fillRect/>
+          </a:stretch>
+        </p:blipFill>
+        <p:spPr bwMode="auto">
+          <a:xfrm>
+            <a:off x="2123728" y="3934258"/>
+            <a:ext cx="4824536" cy="2231046"/>
+          </a:xfrm>
+          <a:prstGeom prst="rect">
+            <a:avLst/>
+          </a:prstGeom>
+          <a:noFill/>
+          <a:ln w="9525">
+            <a:noFill/>
+            <a:miter lim="800000"/>
+            <a:headEnd/>
+            <a:tailEnd/>
+          </a:ln>
+        </p:spPr>
+      </p:pic>
+    </p:spTree>
+  </p:cSld>
+  <p:clrMapOvr>
+    <a:masterClrMapping/>
+  </p:clrMapOvr>
 </p:sld>
 </file>
 
@@ -8285,12 +8710,14 @@
         </p:nvSpPr>
         <p:spPr/>
         <p:txBody>
-          <a:bodyPr/>
-          <a:lstStyle/>
-          <a:p>
-            <a:r>
-              <a:rPr lang="pt-BR" dirty="0" smtClean="0"/>
-              <a:t>TEORIC CLASSES</a:t>
+          <a:bodyPr>
+            <a:normAutofit fontScale="92500" lnSpcReduction="10000"/>
+          </a:bodyPr>
+          <a:lstStyle/>
+          <a:p>
+            <a:r>
+              <a:rPr lang="pt-BR" dirty="0" smtClean="0"/>
+              <a:t>THEORIC CLASSES</a:t>
             </a:r>
           </a:p>
           <a:p>
@@ -8299,17 +8726,48 @@
           <a:p>
             <a:r>
               <a:rPr lang="pt-BR" dirty="0" smtClean="0"/>
-              <a:t>TRABALHOS PRATICOS</a:t>
-            </a:r>
-          </a:p>
-          <a:p>
+              <a:t>PRATICAL WORK</a:t>
+            </a:r>
+          </a:p>
+          <a:p>
+            <a:endParaRPr lang="pt-BR" dirty="0" smtClean="0"/>
+          </a:p>
+          <a:p>
+            <a:r>
+              <a:rPr lang="pt-BR" dirty="0" smtClean="0"/>
+              <a:t>GAME</a:t>
+            </a:r>
+          </a:p>
+          <a:p>
+            <a:pPr lvl="1"/>
+            <a:r>
+              <a:rPr lang="pt-BR" dirty="0" smtClean="0"/>
+              <a:t>EDUCATION </a:t>
+            </a:r>
+          </a:p>
+          <a:p>
+            <a:pPr lvl="1"/>
+            <a:r>
+              <a:rPr lang="pt-BR" dirty="0" smtClean="0"/>
+              <a:t>TRAINING</a:t>
+            </a:r>
+          </a:p>
+          <a:p>
+            <a:pPr lvl="1"/>
+            <a:endParaRPr lang="pt-BR" dirty="0" smtClean="0"/>
+          </a:p>
+          <a:p>
+            <a:r>
+              <a:rPr lang="pt-BR" dirty="0" smtClean="0"/>
+              <a:t>GAMEFICATION</a:t>
+            </a:r>
+            <a:endParaRPr lang="pt-BR" dirty="0" smtClean="0"/>
+          </a:p>
+          <a:p>
+            <a:pPr>
+              <a:buNone/>
+            </a:pPr>
             <a:endParaRPr lang="pt-BR" dirty="0"/>
-          </a:p>
-          <a:p>
-            <a:r>
-              <a:rPr lang="pt-BR" dirty="0" smtClean="0"/>
-              <a:t>GAMES</a:t>
-            </a:r>
           </a:p>
         </p:txBody>
       </p:sp>
@@ -8334,6 +8792,382 @@
               <a:t>2</a:t>
             </a:fld>
             <a:endParaRPr lang="pt-BR"/>
+          </a:p>
+        </p:txBody>
+      </p:sp>
+    </p:spTree>
+  </p:cSld>
+  <p:clrMapOvr>
+    <a:masterClrMapping/>
+  </p:clrMapOvr>
+  <p:timing>
+    <p:tnLst>
+      <p:par>
+        <p:cTn id="1" dur="indefinite" restart="never" nodeType="tmRoot"/>
+      </p:par>
+    </p:tnLst>
+  </p:timing>
+</p:sld>
+</file>
+
+<file path=ppt/slides/slide20.xml><?xml version="1.0" encoding="utf-8"?>
+<p:sld xmlns:a="http://schemas.openxmlformats.org/drawingml/2006/main" xmlns:r="http://schemas.openxmlformats.org/officeDocument/2006/relationships" xmlns:p="http://schemas.openxmlformats.org/presentationml/2006/main">
+  <p:cSld>
+    <p:spTree>
+      <p:nvGrpSpPr>
+        <p:cNvPr id="1" name=""/>
+        <p:cNvGrpSpPr/>
+        <p:nvPr/>
+      </p:nvGrpSpPr>
+      <p:grpSpPr>
+        <a:xfrm>
+          <a:off x="0" y="0"/>
+          <a:ext cx="0" cy="0"/>
+          <a:chOff x="0" y="0"/>
+          <a:chExt cx="0" cy="0"/>
+        </a:xfrm>
+      </p:grpSpPr>
+      <p:sp>
+        <p:nvSpPr>
+          <p:cNvPr id="2" name="Title 1"/>
+          <p:cNvSpPr>
+            <a:spLocks noGrp="1"/>
+          </p:cNvSpPr>
+          <p:nvPr>
+            <p:ph type="title"/>
+          </p:nvPr>
+        </p:nvSpPr>
+        <p:spPr/>
+        <p:txBody>
+          <a:bodyPr>
+            <a:normAutofit fontScale="90000"/>
+          </a:bodyPr>
+          <a:lstStyle/>
+          <a:p>
+            <a:r>
+              <a:rPr lang="pt-BR" dirty="0" smtClean="0"/>
+              <a:t>HUMAN ATTRIBUTES X PERFORMANCE</a:t>
+            </a:r>
+            <a:endParaRPr lang="pt-BR" dirty="0"/>
+          </a:p>
+        </p:txBody>
+      </p:sp>
+      <p:sp>
+        <p:nvSpPr>
+          <p:cNvPr id="4" name="Slide Number Placeholder 3"/>
+          <p:cNvSpPr>
+            <a:spLocks noGrp="1"/>
+          </p:cNvSpPr>
+          <p:nvPr>
+            <p:ph type="sldNum" sz="quarter" idx="12"/>
+          </p:nvPr>
+        </p:nvSpPr>
+        <p:spPr/>
+        <p:txBody>
+          <a:bodyPr/>
+          <a:lstStyle/>
+          <a:p>
+            <a:fld id="{3423915D-51A9-4757-B8AC-B60F99CD8957}" type="slidenum">
+              <a:rPr lang="pt-BR" smtClean="0"/>
+              <a:pPr/>
+              <a:t>20</a:t>
+            </a:fld>
+            <a:endParaRPr lang="pt-BR"/>
+          </a:p>
+        </p:txBody>
+      </p:sp>
+      <p:pic>
+        <p:nvPicPr>
+          <p:cNvPr id="1028" name="Picture 4"/>
+          <p:cNvPicPr>
+            <a:picLocks noGrp="1" noChangeAspect="1" noChangeArrowheads="1"/>
+          </p:cNvPicPr>
+          <p:nvPr>
+            <p:ph idx="1"/>
+          </p:nvPr>
+        </p:nvPicPr>
+        <p:blipFill>
+          <a:blip r:embed="rId2" cstate="print"/>
+          <a:srcRect/>
+          <a:stretch>
+            <a:fillRect/>
+          </a:stretch>
+        </p:blipFill>
+        <p:spPr bwMode="auto">
+          <a:xfrm>
+            <a:off x="395536" y="2574467"/>
+            <a:ext cx="8388424" cy="2375602"/>
+          </a:xfrm>
+          <a:prstGeom prst="rect">
+            <a:avLst/>
+          </a:prstGeom>
+          <a:noFill/>
+          <a:ln w="9525">
+            <a:noFill/>
+            <a:miter lim="800000"/>
+            <a:headEnd/>
+            <a:tailEnd/>
+          </a:ln>
+        </p:spPr>
+      </p:pic>
+    </p:spTree>
+  </p:cSld>
+  <p:clrMapOvr>
+    <a:masterClrMapping/>
+  </p:clrMapOvr>
+</p:sld>
+</file>
+
+<file path=ppt/slides/slide21.xml><?xml version="1.0" encoding="utf-8"?>
+<p:sld xmlns:a="http://schemas.openxmlformats.org/drawingml/2006/main" xmlns:r="http://schemas.openxmlformats.org/officeDocument/2006/relationships" xmlns:p="http://schemas.openxmlformats.org/presentationml/2006/main">
+  <p:cSld>
+    <p:spTree>
+      <p:nvGrpSpPr>
+        <p:cNvPr id="1" name=""/>
+        <p:cNvGrpSpPr/>
+        <p:nvPr/>
+      </p:nvGrpSpPr>
+      <p:grpSpPr>
+        <a:xfrm>
+          <a:off x="0" y="0"/>
+          <a:ext cx="0" cy="0"/>
+          <a:chOff x="0" y="0"/>
+          <a:chExt cx="0" cy="0"/>
+        </a:xfrm>
+      </p:grpSpPr>
+      <p:sp>
+        <p:nvSpPr>
+          <p:cNvPr id="2" name="Title 1"/>
+          <p:cNvSpPr>
+            <a:spLocks noGrp="1"/>
+          </p:cNvSpPr>
+          <p:nvPr>
+            <p:ph type="title"/>
+          </p:nvPr>
+        </p:nvSpPr>
+        <p:spPr/>
+        <p:txBody>
+          <a:bodyPr>
+            <a:normAutofit/>
+          </a:bodyPr>
+          <a:lstStyle/>
+          <a:p>
+            <a:r>
+              <a:rPr lang="pt-BR" dirty="0" smtClean="0"/>
+              <a:t>SDM</a:t>
+            </a:r>
+            <a:endParaRPr lang="pt-BR" dirty="0"/>
+          </a:p>
+        </p:txBody>
+      </p:sp>
+      <p:pic>
+        <p:nvPicPr>
+          <p:cNvPr id="6148" name="Picture 4"/>
+          <p:cNvPicPr>
+            <a:picLocks noGrp="1" noChangeAspect="1" noChangeArrowheads="1"/>
+          </p:cNvPicPr>
+          <p:nvPr>
+            <p:ph idx="1"/>
+          </p:nvPr>
+        </p:nvPicPr>
+        <p:blipFill>
+          <a:blip r:embed="rId3" cstate="print"/>
+          <a:srcRect/>
+          <a:stretch>
+            <a:fillRect/>
+          </a:stretch>
+        </p:blipFill>
+        <p:spPr bwMode="auto">
+          <a:xfrm>
+            <a:off x="467544" y="1196752"/>
+            <a:ext cx="7735181" cy="5483152"/>
+          </a:xfrm>
+          <a:prstGeom prst="rect">
+            <a:avLst/>
+          </a:prstGeom>
+          <a:noFill/>
+          <a:ln w="9525">
+            <a:noFill/>
+            <a:miter lim="800000"/>
+            <a:headEnd/>
+            <a:tailEnd/>
+          </a:ln>
+        </p:spPr>
+      </p:pic>
+      <p:sp>
+        <p:nvSpPr>
+          <p:cNvPr id="4" name="Espaço Reservado para Número de Slide 3"/>
+          <p:cNvSpPr>
+            <a:spLocks noGrp="1"/>
+          </p:cNvSpPr>
+          <p:nvPr>
+            <p:ph type="sldNum" sz="quarter" idx="12"/>
+          </p:nvPr>
+        </p:nvSpPr>
+        <p:spPr/>
+        <p:txBody>
+          <a:bodyPr/>
+          <a:lstStyle/>
+          <a:p>
+            <a:fld id="{3423915D-51A9-4757-B8AC-B60F99CD8957}" type="slidenum">
+              <a:rPr lang="pt-BR" smtClean="0"/>
+              <a:pPr/>
+              <a:t>21</a:t>
+            </a:fld>
+            <a:endParaRPr lang="pt-BR"/>
+          </a:p>
+        </p:txBody>
+      </p:sp>
+    </p:spTree>
+  </p:cSld>
+  <p:clrMapOvr>
+    <a:masterClrMapping/>
+  </p:clrMapOvr>
+  <p:timing>
+    <p:tnLst>
+      <p:par>
+        <p:cTn id="1" dur="indefinite" restart="never" nodeType="tmRoot"/>
+      </p:par>
+    </p:tnLst>
+  </p:timing>
+</p:sld>
+</file>
+
+<file path=ppt/slides/slide22.xml><?xml version="1.0" encoding="utf-8"?>
+<p:sld xmlns:a="http://schemas.openxmlformats.org/drawingml/2006/main" xmlns:r="http://schemas.openxmlformats.org/officeDocument/2006/relationships" xmlns:p="http://schemas.openxmlformats.org/presentationml/2006/main">
+  <p:cSld>
+    <p:spTree>
+      <p:nvGrpSpPr>
+        <p:cNvPr id="1" name=""/>
+        <p:cNvGrpSpPr/>
+        <p:nvPr/>
+      </p:nvGrpSpPr>
+      <p:grpSpPr>
+        <a:xfrm>
+          <a:off x="0" y="0"/>
+          <a:ext cx="0" cy="0"/>
+          <a:chOff x="0" y="0"/>
+          <a:chExt cx="0" cy="0"/>
+        </a:xfrm>
+      </p:grpSpPr>
+      <p:sp>
+        <p:nvSpPr>
+          <p:cNvPr id="2" name="Title 1"/>
+          <p:cNvSpPr>
+            <a:spLocks noGrp="1"/>
+          </p:cNvSpPr>
+          <p:nvPr>
+            <p:ph type="ctrTitle"/>
+          </p:nvPr>
+        </p:nvSpPr>
+        <p:spPr>
+          <a:xfrm>
+            <a:off x="683568" y="1340768"/>
+            <a:ext cx="7772400" cy="1470025"/>
+          </a:xfrm>
+        </p:spPr>
+        <p:txBody>
+          <a:bodyPr>
+            <a:normAutofit fontScale="90000"/>
+          </a:bodyPr>
+          <a:lstStyle/>
+          <a:p>
+            <a:r>
+              <a:rPr lang="pt-BR" dirty="0" smtClean="0"/>
+              <a:t>SDM </a:t>
+            </a:r>
+            <a:br>
+              <a:rPr lang="pt-BR" dirty="0" smtClean="0"/>
+            </a:br>
+            <a:r>
+              <a:rPr lang="pt-BR" dirty="0" smtClean="0"/>
+              <a:t> </a:t>
+            </a:r>
+            <a:r>
+              <a:rPr lang="en-US" dirty="0" smtClean="0"/>
+              <a:t> An Educational Game for Software Engineering</a:t>
+            </a:r>
+            <a:endParaRPr lang="pt-BR" dirty="0"/>
+          </a:p>
+        </p:txBody>
+      </p:sp>
+      <p:sp>
+        <p:nvSpPr>
+          <p:cNvPr id="3" name="Subtitle 2"/>
+          <p:cNvSpPr>
+            <a:spLocks noGrp="1"/>
+          </p:cNvSpPr>
+          <p:nvPr>
+            <p:ph type="subTitle" idx="1"/>
+          </p:nvPr>
+        </p:nvSpPr>
+        <p:spPr>
+          <a:xfrm>
+            <a:off x="1371600" y="3284984"/>
+            <a:ext cx="6400800" cy="2880320"/>
+          </a:xfrm>
+        </p:spPr>
+        <p:txBody>
+          <a:bodyPr>
+            <a:normAutofit fontScale="92500" lnSpcReduction="20000"/>
+          </a:bodyPr>
+          <a:lstStyle/>
+          <a:p>
+            <a:r>
+              <a:rPr lang="pt-BR" b="1" dirty="0" err="1" smtClean="0"/>
+              <a:t>Troy</a:t>
+            </a:r>
+            <a:r>
+              <a:rPr lang="pt-BR" b="1" dirty="0" smtClean="0"/>
+              <a:t> Costa </a:t>
+            </a:r>
+            <a:r>
+              <a:rPr lang="pt-BR" b="1" dirty="0" err="1" smtClean="0"/>
+              <a:t>Kohwalter</a:t>
+            </a:r>
+            <a:endParaRPr lang="pt-BR" b="1" dirty="0" smtClean="0"/>
+          </a:p>
+          <a:p>
+            <a:r>
+              <a:rPr lang="pt-BR" dirty="0" err="1" smtClean="0"/>
+              <a:t>Esteban</a:t>
+            </a:r>
+            <a:r>
+              <a:rPr lang="pt-BR" dirty="0" smtClean="0"/>
+              <a:t> W. Gonzalez </a:t>
+            </a:r>
+            <a:r>
+              <a:rPr lang="pt-BR" dirty="0" err="1" smtClean="0"/>
+              <a:t>Clua</a:t>
+            </a:r>
+            <a:endParaRPr lang="pt-BR" dirty="0" smtClean="0"/>
+          </a:p>
+          <a:p>
+            <a:r>
+              <a:rPr lang="pt-BR" dirty="0" smtClean="0"/>
+              <a:t>Leonardo G. Paulino Murta</a:t>
+            </a:r>
+          </a:p>
+          <a:p>
+            <a:endParaRPr lang="pt-BR" dirty="0" smtClean="0"/>
+          </a:p>
+          <a:p>
+            <a:r>
+              <a:rPr lang="pt-BR" dirty="0" smtClean="0"/>
+              <a:t>Game Access:</a:t>
+            </a:r>
+          </a:p>
+          <a:p>
+            <a:r>
+              <a:rPr lang="pt-BR" dirty="0" smtClean="0">
+                <a:hlinkClick r:id="rId2"/>
+              </a:rPr>
+              <a:t>http://www.ic.uff.br/~tkohwalter/sdm/</a:t>
+            </a:r>
+            <a:endParaRPr lang="pt-BR" dirty="0" smtClean="0"/>
+          </a:p>
+          <a:p>
+            <a:endParaRPr lang="pt-BR" dirty="0"/>
           </a:p>
         </p:txBody>
       </p:sp>
@@ -8794,8 +9628,13 @@
           <a:p>
             <a:r>
               <a:rPr lang="pt-BR" dirty="0" smtClean="0"/>
-              <a:t>SERIOUS GAME</a:t>
-            </a:r>
+              <a:t>SERIOUS </a:t>
+            </a:r>
+            <a:r>
+              <a:rPr lang="pt-BR" dirty="0" smtClean="0"/>
+              <a:t>GAME</a:t>
+            </a:r>
+            <a:endParaRPr lang="pt-BR" dirty="0" smtClean="0"/>
           </a:p>
           <a:p>
             <a:endParaRPr lang="pt-BR" dirty="0"/>
@@ -8906,7 +9745,145 @@
       </p:grpSpPr>
       <p:sp>
         <p:nvSpPr>
-          <p:cNvPr id="4" name="Espaço Reservado para Número de Slide 3"/>
+          <p:cNvPr id="2" name="Title 1"/>
+          <p:cNvSpPr>
+            <a:spLocks noGrp="1"/>
+          </p:cNvSpPr>
+          <p:nvPr>
+            <p:ph type="title"/>
+          </p:nvPr>
+        </p:nvSpPr>
+        <p:spPr/>
+        <p:txBody>
+          <a:bodyPr/>
+          <a:lstStyle/>
+          <a:p>
+            <a:r>
+              <a:rPr lang="pt-BR" dirty="0" smtClean="0"/>
+              <a:t>GAMEFICATION</a:t>
+            </a:r>
+            <a:endParaRPr lang="pt-BR" dirty="0"/>
+          </a:p>
+        </p:txBody>
+      </p:sp>
+      <p:sp>
+        <p:nvSpPr>
+          <p:cNvPr id="3" name="Content Placeholder 2"/>
+          <p:cNvSpPr>
+            <a:spLocks noGrp="1"/>
+          </p:cNvSpPr>
+          <p:nvPr>
+            <p:ph idx="1"/>
+          </p:nvPr>
+        </p:nvSpPr>
+        <p:spPr/>
+        <p:txBody>
+          <a:bodyPr>
+            <a:normAutofit fontScale="55000" lnSpcReduction="20000"/>
+          </a:bodyPr>
+          <a:lstStyle/>
+          <a:p>
+            <a:r>
+              <a:rPr lang="pt-BR" dirty="0" smtClean="0"/>
+              <a:t>COUNTDOWN</a:t>
+            </a:r>
+          </a:p>
+          <a:p>
+            <a:pPr lvl="1"/>
+            <a:r>
+              <a:rPr lang="pt-BR" dirty="0" smtClean="0"/>
+              <a:t>PROJECT DEADLINE</a:t>
+            </a:r>
+          </a:p>
+          <a:p>
+            <a:endParaRPr lang="pt-BR" dirty="0" smtClean="0"/>
+          </a:p>
+          <a:p>
+            <a:r>
+              <a:rPr lang="pt-BR" dirty="0" smtClean="0"/>
+              <a:t>INFINITE GAMEPLAY</a:t>
+            </a:r>
+          </a:p>
+          <a:p>
+            <a:pPr lvl="1"/>
+            <a:r>
+              <a:rPr lang="pt-BR" dirty="0" smtClean="0"/>
+              <a:t>RANDOM PROJECT GENERATION</a:t>
+            </a:r>
+          </a:p>
+          <a:p>
+            <a:endParaRPr lang="pt-BR" dirty="0" smtClean="0"/>
+          </a:p>
+          <a:p>
+            <a:r>
+              <a:rPr lang="pt-BR" dirty="0" smtClean="0"/>
+              <a:t>LEVEL</a:t>
+            </a:r>
+          </a:p>
+          <a:p>
+            <a:pPr lvl="1"/>
+            <a:r>
+              <a:rPr lang="pt-BR" dirty="0" smtClean="0"/>
+              <a:t>EMPLOYEE AND COMPANY EARN EXPERIENCE POINTS</a:t>
+            </a:r>
+          </a:p>
+          <a:p>
+            <a:endParaRPr lang="pt-BR" dirty="0" smtClean="0"/>
+          </a:p>
+          <a:p>
+            <a:r>
+              <a:rPr lang="pt-BR" dirty="0" smtClean="0"/>
+              <a:t>LOSS AVERGION</a:t>
+            </a:r>
+          </a:p>
+          <a:p>
+            <a:pPr lvl="1"/>
+            <a:r>
+              <a:rPr lang="pt-BR" dirty="0" err="1" smtClean="0"/>
+              <a:t>COMPANY’S</a:t>
+            </a:r>
+            <a:r>
+              <a:rPr lang="pt-BR" dirty="0" smtClean="0"/>
+              <a:t> EXPERIENCE POINT LOSS ON FAILURE</a:t>
+            </a:r>
+          </a:p>
+          <a:p>
+            <a:endParaRPr lang="pt-BR" dirty="0" smtClean="0"/>
+          </a:p>
+          <a:p>
+            <a:r>
+              <a:rPr lang="pt-BR" dirty="0" smtClean="0"/>
+              <a:t>PROGRESSION</a:t>
+            </a:r>
+          </a:p>
+          <a:p>
+            <a:pPr lvl="1"/>
+            <a:r>
+              <a:rPr lang="pt-BR" dirty="0" smtClean="0"/>
+              <a:t>EXPERIENCE BAR</a:t>
+            </a:r>
+          </a:p>
+          <a:p>
+            <a:endParaRPr lang="pt-BR" dirty="0" smtClean="0"/>
+          </a:p>
+          <a:p>
+            <a:r>
+              <a:rPr lang="pt-BR" dirty="0" smtClean="0"/>
+              <a:t>REWARD SCHEDULES</a:t>
+            </a:r>
+          </a:p>
+          <a:p>
+            <a:pPr lvl="1"/>
+            <a:r>
+              <a:rPr lang="pt-BR" dirty="0" smtClean="0"/>
+              <a:t>MONTHLY PAYMENT WHILE ON SCHEDULE</a:t>
+            </a:r>
+          </a:p>
+        </p:txBody>
+      </p:sp>
+      <p:sp>
+        <p:nvSpPr>
+          <p:cNvPr id="4" name="Slide Number Placeholder 3"/>
           <p:cNvSpPr>
             <a:spLocks noGrp="1"/>
           </p:cNvSpPr>
@@ -8924,77 +9901,15 @@
               <a:pPr/>
               <a:t>5</a:t>
             </a:fld>
-            <a:endParaRPr lang="pt-BR" dirty="0"/>
-          </a:p>
-        </p:txBody>
-      </p:sp>
-      <p:sp>
-        <p:nvSpPr>
-          <p:cNvPr id="2" name="Title 1"/>
-          <p:cNvSpPr>
-            <a:spLocks noGrp="1"/>
-          </p:cNvSpPr>
-          <p:nvPr>
-            <p:ph type="title"/>
-          </p:nvPr>
-        </p:nvSpPr>
-        <p:spPr/>
-        <p:txBody>
-          <a:bodyPr/>
-          <a:lstStyle/>
-          <a:p>
-            <a:r>
-              <a:rPr lang="pt-BR" dirty="0" smtClean="0"/>
-              <a:t>SDM</a:t>
-            </a:r>
-            <a:endParaRPr lang="pt-BR" dirty="0"/>
-          </a:p>
-        </p:txBody>
-      </p:sp>
-      <p:pic>
-        <p:nvPicPr>
-          <p:cNvPr id="3075" name="Picture 3"/>
-          <p:cNvPicPr>
-            <a:picLocks noChangeAspect="1" noChangeArrowheads="1"/>
-          </p:cNvPicPr>
-          <p:nvPr/>
-        </p:nvPicPr>
-        <p:blipFill>
-          <a:blip r:embed="rId3" cstate="print"/>
-          <a:srcRect/>
-          <a:stretch>
-            <a:fillRect/>
-          </a:stretch>
-        </p:blipFill>
-        <p:spPr bwMode="auto">
-          <a:xfrm>
-            <a:off x="0" y="-22023"/>
-            <a:ext cx="9144000" cy="6880023"/>
-          </a:xfrm>
-          <a:prstGeom prst="rect">
-            <a:avLst/>
-          </a:prstGeom>
-          <a:noFill/>
-          <a:ln w="9525">
-            <a:noFill/>
-            <a:miter lim="800000"/>
-            <a:headEnd/>
-            <a:tailEnd/>
-          </a:ln>
-        </p:spPr>
-      </p:pic>
+            <a:endParaRPr lang="pt-BR"/>
+          </a:p>
+        </p:txBody>
+      </p:sp>
     </p:spTree>
   </p:cSld>
   <p:clrMapOvr>
     <a:masterClrMapping/>
   </p:clrMapOvr>
-  <p:timing>
-    <p:tnLst>
-      <p:par>
-        <p:cTn id="1" dur="indefinite" restart="never" nodeType="tmRoot"/>
-      </p:par>
-    </p:tnLst>
-  </p:timing>
 </p:sld>
 </file>
 
@@ -9027,16 +9942,10 @@
         </p:nvSpPr>
         <p:spPr/>
         <p:txBody>
-          <a:bodyPr>
-            <a:normAutofit/>
-          </a:bodyPr>
-          <a:lstStyle/>
-          <a:p>
-            <a:r>
-              <a:rPr lang="pt-BR" dirty="0" smtClean="0"/>
-              <a:t>SDM</a:t>
-            </a:r>
-            <a:endParaRPr lang="pt-BR" dirty="0"/>
+          <a:bodyPr/>
+          <a:lstStyle/>
+          <a:p>
+            <a:endParaRPr lang="pt-BR"/>
           </a:p>
         </p:txBody>
       </p:sp>
@@ -9052,97 +9961,16 @@
         </p:nvSpPr>
         <p:spPr/>
         <p:txBody>
-          <a:bodyPr>
-            <a:normAutofit fontScale="70000" lnSpcReduction="20000"/>
-          </a:bodyPr>
-          <a:lstStyle/>
-          <a:p>
-            <a:r>
-              <a:rPr lang="pt-BR" dirty="0" smtClean="0"/>
-              <a:t>EMPLOYEES</a:t>
-            </a:r>
-          </a:p>
-          <a:p>
-            <a:endParaRPr lang="pt-BR" dirty="0" smtClean="0"/>
-          </a:p>
-          <a:p>
-            <a:pPr lvl="1"/>
-            <a:r>
-              <a:rPr lang="pt-BR" dirty="0" smtClean="0"/>
-              <a:t>ROLES</a:t>
-            </a:r>
-          </a:p>
-          <a:p>
-            <a:pPr lvl="1"/>
-            <a:endParaRPr lang="pt-BR" dirty="0" smtClean="0"/>
-          </a:p>
-          <a:p>
-            <a:pPr lvl="2"/>
-            <a:r>
-              <a:rPr lang="pt-BR" dirty="0" smtClean="0"/>
-              <a:t>ANALYST</a:t>
-            </a:r>
-          </a:p>
-          <a:p>
-            <a:pPr lvl="2"/>
-            <a:endParaRPr lang="pt-BR" dirty="0" smtClean="0"/>
-          </a:p>
-          <a:p>
-            <a:pPr lvl="2"/>
-            <a:r>
-              <a:rPr lang="pt-BR" dirty="0" smtClean="0"/>
-              <a:t>ARCHITECT</a:t>
-            </a:r>
-          </a:p>
-          <a:p>
-            <a:pPr lvl="2"/>
-            <a:endParaRPr lang="pt-BR" dirty="0" smtClean="0"/>
-          </a:p>
-          <a:p>
-            <a:pPr lvl="2"/>
-            <a:r>
-              <a:rPr lang="pt-BR" dirty="0" smtClean="0"/>
-              <a:t>MANAGER</a:t>
-            </a:r>
-          </a:p>
-          <a:p>
-            <a:pPr lvl="2"/>
-            <a:endParaRPr lang="pt-BR" dirty="0" smtClean="0"/>
-          </a:p>
-          <a:p>
-            <a:pPr lvl="2"/>
-            <a:r>
-              <a:rPr lang="pt-BR" dirty="0" smtClean="0"/>
-              <a:t>MARKETING</a:t>
-            </a:r>
-          </a:p>
-          <a:p>
-            <a:pPr lvl="2"/>
-            <a:endParaRPr lang="pt-BR" dirty="0" smtClean="0"/>
-          </a:p>
-          <a:p>
-            <a:pPr lvl="2"/>
-            <a:r>
-              <a:rPr lang="pt-BR" dirty="0" smtClean="0"/>
-              <a:t>PROGRAMMER</a:t>
-            </a:r>
-          </a:p>
-          <a:p>
-            <a:pPr lvl="2"/>
-            <a:endParaRPr lang="pt-BR" dirty="0" smtClean="0"/>
-          </a:p>
-          <a:p>
-            <a:pPr lvl="2"/>
-            <a:r>
-              <a:rPr lang="pt-BR" dirty="0" smtClean="0"/>
-              <a:t>TESTER</a:t>
-            </a:r>
-          </a:p>
-        </p:txBody>
-      </p:sp>
-      <p:sp>
-        <p:nvSpPr>
-          <p:cNvPr id="5" name="Espaço Reservado para Número de Slide 4"/>
+          <a:bodyPr/>
+          <a:lstStyle/>
+          <a:p>
+            <a:endParaRPr lang="pt-BR"/>
+          </a:p>
+        </p:txBody>
+      </p:sp>
+      <p:sp>
+        <p:nvSpPr>
+          <p:cNvPr id="4" name="Slide Number Placeholder 3"/>
           <p:cNvSpPr>
             <a:spLocks noGrp="1"/>
           </p:cNvSpPr>
@@ -9166,14 +9994,14 @@
       </p:sp>
       <p:pic>
         <p:nvPicPr>
-          <p:cNvPr id="4099" name="Picture 3"/>
+          <p:cNvPr id="3074" name="Picture 2"/>
           <p:cNvPicPr>
             <a:picLocks noChangeAspect="1" noChangeArrowheads="1"/>
           </p:cNvPicPr>
           <p:nvPr/>
         </p:nvPicPr>
         <p:blipFill>
-          <a:blip r:embed="rId3" cstate="print"/>
+          <a:blip r:embed="rId2" cstate="print"/>
           <a:srcRect/>
           <a:stretch>
             <a:fillRect/>
@@ -9181,8 +10009,8 @@
         </p:blipFill>
         <p:spPr bwMode="auto">
           <a:xfrm>
-            <a:off x="3851920" y="2276872"/>
-            <a:ext cx="4738010" cy="2952328"/>
+            <a:off x="44132" y="0"/>
+            <a:ext cx="9099868" cy="6858000"/>
           </a:xfrm>
           <a:prstGeom prst="rect">
             <a:avLst/>
@@ -9240,29 +10068,6 @@
         </p:nvSpPr>
         <p:spPr/>
         <p:txBody>
-          <a:bodyPr/>
-          <a:lstStyle/>
-          <a:p>
-            <a:r>
-              <a:rPr lang="pt-BR" dirty="0" smtClean="0"/>
-              <a:t>SDM</a:t>
-            </a:r>
-            <a:endParaRPr lang="pt-BR" dirty="0"/>
-          </a:p>
-        </p:txBody>
-      </p:sp>
-      <p:sp>
-        <p:nvSpPr>
-          <p:cNvPr id="3" name="Content Placeholder 2"/>
-          <p:cNvSpPr>
-            <a:spLocks noGrp="1"/>
-          </p:cNvSpPr>
-          <p:nvPr>
-            <p:ph idx="1"/>
-          </p:nvPr>
-        </p:nvSpPr>
-        <p:spPr/>
-        <p:txBody>
           <a:bodyPr>
             <a:normAutofit/>
           </a:bodyPr>
@@ -9270,6 +10075,31 @@
           <a:p>
             <a:r>
               <a:rPr lang="pt-BR" dirty="0" smtClean="0"/>
+              <a:t>SDM</a:t>
+            </a:r>
+            <a:endParaRPr lang="pt-BR" dirty="0"/>
+          </a:p>
+        </p:txBody>
+      </p:sp>
+      <p:sp>
+        <p:nvSpPr>
+          <p:cNvPr id="3" name="Content Placeholder 2"/>
+          <p:cNvSpPr>
+            <a:spLocks noGrp="1"/>
+          </p:cNvSpPr>
+          <p:nvPr>
+            <p:ph idx="1"/>
+          </p:nvPr>
+        </p:nvSpPr>
+        <p:spPr/>
+        <p:txBody>
+          <a:bodyPr>
+            <a:normAutofit fontScale="70000" lnSpcReduction="20000"/>
+          </a:bodyPr>
+          <a:lstStyle/>
+          <a:p>
+            <a:r>
+              <a:rPr lang="pt-BR" dirty="0" smtClean="0"/>
               <a:t>EMPLOYEES</a:t>
             </a:r>
           </a:p>
@@ -9279,10 +10109,9 @@
           <a:p>
             <a:pPr lvl="1"/>
             <a:r>
-              <a:rPr lang="pt-BR" smtClean="0"/>
-              <a:t>GRADES</a:t>
-            </a:r>
-            <a:endParaRPr lang="pt-BR" dirty="0" smtClean="0"/>
+              <a:rPr lang="pt-BR" dirty="0" smtClean="0"/>
+              <a:t>ROLES</a:t>
+            </a:r>
           </a:p>
           <a:p>
             <a:pPr lvl="1"/>
@@ -9292,7 +10121,7 @@
             <a:pPr lvl="2"/>
             <a:r>
               <a:rPr lang="pt-BR" dirty="0" smtClean="0"/>
-              <a:t>JUNIOR</a:t>
+              <a:t>ANALYST</a:t>
             </a:r>
           </a:p>
           <a:p>
@@ -9303,7 +10132,7 @@
             <a:pPr lvl="2"/>
             <a:r>
               <a:rPr lang="pt-BR" dirty="0" smtClean="0"/>
-              <a:t>MID-LEVEL</a:t>
+              <a:t>ARCHITECT</a:t>
             </a:r>
           </a:p>
           <a:p>
@@ -9314,23 +10143,47 @@
             <a:pPr lvl="2"/>
             <a:r>
               <a:rPr lang="pt-BR" dirty="0" smtClean="0"/>
-              <a:t>SENIOR</a:t>
-            </a:r>
-          </a:p>
-          <a:p>
-            <a:pPr>
-              <a:buNone/>
-            </a:pPr>
+              <a:t>MANAGER</a:t>
+            </a:r>
+          </a:p>
+          <a:p>
+            <a:pPr lvl="2"/>
             <a:endParaRPr lang="pt-BR" dirty="0" smtClean="0"/>
           </a:p>
           <a:p>
-            <a:endParaRPr lang="pt-BR" dirty="0"/>
-          </a:p>
-        </p:txBody>
-      </p:sp>
-      <p:sp>
-        <p:nvSpPr>
-          <p:cNvPr id="6" name="Espaço Reservado para Número de Slide 5"/>
+            <a:pPr lvl="2"/>
+            <a:r>
+              <a:rPr lang="pt-BR" dirty="0" smtClean="0"/>
+              <a:t>MARKETING</a:t>
+            </a:r>
+          </a:p>
+          <a:p>
+            <a:pPr lvl="2"/>
+            <a:endParaRPr lang="pt-BR" dirty="0" smtClean="0"/>
+          </a:p>
+          <a:p>
+            <a:pPr lvl="2"/>
+            <a:r>
+              <a:rPr lang="pt-BR" dirty="0" smtClean="0"/>
+              <a:t>PROGRAMMER</a:t>
+            </a:r>
+          </a:p>
+          <a:p>
+            <a:pPr lvl="2"/>
+            <a:endParaRPr lang="pt-BR" dirty="0" smtClean="0"/>
+          </a:p>
+          <a:p>
+            <a:pPr lvl="2"/>
+            <a:r>
+              <a:rPr lang="pt-BR" dirty="0" smtClean="0"/>
+              <a:t>TESTER</a:t>
+            </a:r>
+          </a:p>
+        </p:txBody>
+      </p:sp>
+      <p:sp>
+        <p:nvSpPr>
+          <p:cNvPr id="5" name="Espaço Reservado para Número de Slide 4"/>
           <p:cNvSpPr>
             <a:spLocks noGrp="1"/>
           </p:cNvSpPr>
@@ -9354,7 +10207,7 @@
       </p:sp>
       <p:pic>
         <p:nvPicPr>
-          <p:cNvPr id="7" name="Picture 3"/>
+          <p:cNvPr id="4099" name="Picture 3"/>
           <p:cNvPicPr>
             <a:picLocks noChangeAspect="1" noChangeArrowheads="1"/>
           </p:cNvPicPr>
@@ -9516,8 +10369,9 @@
             <a:pPr lvl="2"/>
             <a:r>
               <a:rPr lang="pt-BR" dirty="0" smtClean="0"/>
-              <a:t>PERFORMAMCE</a:t>
-            </a:r>
+              <a:t>PERFORMANCE</a:t>
+            </a:r>
+            <a:endParaRPr lang="pt-BR" dirty="0" smtClean="0"/>
           </a:p>
           <a:p>
             <a:pPr lvl="3"/>
@@ -9750,8 +10604,8 @@
         </p:blipFill>
         <p:spPr bwMode="auto">
           <a:xfrm>
-            <a:off x="6876256" y="1484784"/>
-            <a:ext cx="1905000" cy="2667000"/>
+            <a:off x="7020272" y="3284984"/>
+            <a:ext cx="1616968" cy="2263755"/>
           </a:xfrm>
           <a:prstGeom prst="rect">
             <a:avLst/>
@@ -9782,7 +10636,7 @@
         </p:blipFill>
         <p:spPr bwMode="auto">
           <a:xfrm>
-            <a:off x="3995936" y="1340768"/>
+            <a:off x="3779912" y="1412776"/>
             <a:ext cx="2742835" cy="2880320"/>
           </a:xfrm>
           <a:prstGeom prst="rect">
@@ -9814,8 +10668,8 @@
         </p:blipFill>
         <p:spPr bwMode="auto">
           <a:xfrm>
-            <a:off x="4860032" y="4437112"/>
-            <a:ext cx="2838450" cy="2085975"/>
+            <a:off x="6516216" y="1412776"/>
+            <a:ext cx="2478410" cy="1821382"/>
           </a:xfrm>
           <a:prstGeom prst="rect">
             <a:avLst/>

--- a/docs/Apresentação/SDM - Apresentação SBGames.pptx
+++ b/docs/Apresentação/SDM - Apresentação SBGames.pptx
@@ -17,15 +17,15 @@
     <p:sldId id="264" r:id="rId8"/>
     <p:sldId id="272" r:id="rId9"/>
     <p:sldId id="279" r:id="rId10"/>
-    <p:sldId id="273" r:id="rId11"/>
-    <p:sldId id="274" r:id="rId12"/>
-    <p:sldId id="265" r:id="rId13"/>
+    <p:sldId id="274" r:id="rId11"/>
+    <p:sldId id="265" r:id="rId12"/>
+    <p:sldId id="276" r:id="rId13"/>
     <p:sldId id="266" r:id="rId14"/>
-    <p:sldId id="276" r:id="rId15"/>
-    <p:sldId id="268" r:id="rId16"/>
-    <p:sldId id="280" r:id="rId17"/>
-    <p:sldId id="275" r:id="rId18"/>
-    <p:sldId id="285" r:id="rId19"/>
+    <p:sldId id="268" r:id="rId15"/>
+    <p:sldId id="280" r:id="rId16"/>
+    <p:sldId id="275" r:id="rId17"/>
+    <p:sldId id="285" r:id="rId18"/>
+    <p:sldId id="291" r:id="rId19"/>
     <p:sldId id="282" r:id="rId20"/>
     <p:sldId id="287" r:id="rId21"/>
     <p:sldId id="286" r:id="rId22"/>
@@ -214,7 +214,7 @@
             <a:fld id="{451EA883-6A43-4C6F-99C1-D5EA532ECC09}" type="datetimeFigureOut">
               <a:rPr lang="pt-BR" smtClean="0"/>
               <a:pPr/>
-              <a:t>31/10/2011</a:t>
+              <a:t>03/11/2011</a:t>
             </a:fld>
             <a:endParaRPr lang="pt-BR"/>
           </a:p>
@@ -532,29 +532,54 @@
             </a:r>
             <a:r>
               <a:rPr lang="pt-BR" dirty="0" err="1" smtClean="0"/>
-              <a:t>Troy</a:t>
+              <a:t>Kohwalter</a:t>
             </a:r>
             <a:r>
               <a:rPr lang="pt-BR" dirty="0" smtClean="0"/>
               <a:t> </a:t>
             </a:r>
             <a:r>
-              <a:rPr lang="pt-BR" dirty="0" err="1" smtClean="0"/>
-              <a:t>Kohwalter</a:t>
-            </a:r>
-            <a:r>
-              <a:rPr lang="pt-BR" dirty="0" smtClean="0"/>
-              <a:t> e vou apresentar o SDM.</a:t>
-            </a:r>
-          </a:p>
-          <a:p>
-            <a:r>
-              <a:rPr lang="pt-BR" dirty="0" smtClean="0"/>
-              <a:t>Os</a:t>
+              <a:rPr lang="pt-BR" dirty="0" smtClean="0"/>
+              <a:t>e </a:t>
+            </a:r>
+            <a:r>
+              <a:rPr lang="pt-BR" dirty="0" smtClean="0"/>
+              <a:t>vou fazer</a:t>
             </a:r>
             <a:r>
               <a:rPr lang="pt-BR" baseline="0" dirty="0" smtClean="0"/>
-              <a:t> meus orientadores neste trabalho foram o </a:t>
+              <a:t> a</a:t>
+            </a:r>
+            <a:r>
+              <a:rPr lang="pt-BR" dirty="0" smtClean="0"/>
+              <a:t> apresentação</a:t>
+            </a:r>
+            <a:r>
+              <a:rPr lang="pt-BR" baseline="0" dirty="0" smtClean="0"/>
+              <a:t> referente ao </a:t>
+            </a:r>
+            <a:r>
+              <a:rPr lang="pt-BR" baseline="0" dirty="0" err="1" smtClean="0"/>
+              <a:t>paper</a:t>
+            </a:r>
+            <a:r>
+              <a:rPr lang="pt-BR" dirty="0" smtClean="0"/>
+              <a:t> SDM um jogo educacional para o ensino de ES.</a:t>
+            </a:r>
+            <a:endParaRPr lang="pt-BR" dirty="0" smtClean="0"/>
+          </a:p>
+          <a:p>
+            <a:r>
+              <a:rPr lang="pt-BR" dirty="0" smtClean="0"/>
+              <a:t>Outros autores envolvidos </a:t>
+            </a:r>
+            <a:r>
+              <a:rPr lang="pt-BR" baseline="0" dirty="0" smtClean="0"/>
+              <a:t>neste </a:t>
+            </a:r>
+            <a:r>
+              <a:rPr lang="pt-BR" baseline="0" dirty="0" smtClean="0"/>
+              <a:t>trabalho foram o </a:t>
             </a:r>
             <a:r>
               <a:rPr lang="pt-BR" baseline="0" dirty="0" err="1" smtClean="0"/>
@@ -562,7 +587,11 @@
             </a:r>
             <a:r>
               <a:rPr lang="pt-BR" baseline="0" dirty="0" smtClean="0"/>
-              <a:t> e o Leonardo, ambos professores da UFF.</a:t>
+              <a:t> e o </a:t>
+            </a:r>
+            <a:r>
+              <a:rPr lang="pt-BR" baseline="0" dirty="0" smtClean="0"/>
+              <a:t>Leonardo.</a:t>
             </a:r>
             <a:endParaRPr lang="pt-BR" dirty="0"/>
           </a:p>
@@ -648,27 +677,19 @@
           <a:p>
             <a:r>
               <a:rPr lang="pt-BR" dirty="0" smtClean="0"/>
-              <a:t>No</a:t>
+              <a:t>Durante o desenvolvimento</a:t>
             </a:r>
             <a:r>
               <a:rPr lang="pt-BR" baseline="0" dirty="0" smtClean="0"/>
-              <a:t> SDM é permitido fazer modificações na equipe do jogador </a:t>
+              <a:t> é </a:t>
             </a:r>
             <a:r>
               <a:rPr lang="pt-BR" baseline="0" dirty="0" err="1" smtClean="0"/>
-              <a:t>atravez</a:t>
+              <a:t>possivel</a:t>
             </a:r>
             <a:r>
               <a:rPr lang="pt-BR" baseline="0" dirty="0" smtClean="0"/>
-              <a:t> de contratações e demissões. As </a:t>
-            </a:r>
-            <a:r>
-              <a:rPr lang="pt-BR" baseline="0" dirty="0" err="1" smtClean="0"/>
-              <a:t>demissoes</a:t>
-            </a:r>
-            <a:r>
-              <a:rPr lang="pt-BR" baseline="0" dirty="0" smtClean="0"/>
-              <a:t> podem ser pelo jogador ou pela insatisfação do </a:t>
+              <a:t> treinar um </a:t>
             </a:r>
             <a:r>
               <a:rPr lang="pt-BR" baseline="0" dirty="0" err="1" smtClean="0"/>
@@ -676,63 +697,73 @@
             </a:r>
             <a:r>
               <a:rPr lang="pt-BR" baseline="0" dirty="0" smtClean="0"/>
-              <a:t>. A tela de contratação exibida nesta figura mostra a lista de </a:t>
+              <a:t> para adquirir uma nova especialização.</a:t>
+            </a:r>
+          </a:p>
+          <a:p>
+            <a:r>
+              <a:rPr lang="pt-BR" baseline="0" dirty="0" smtClean="0"/>
+              <a:t>O jogador </a:t>
             </a:r>
             <a:r>
               <a:rPr lang="pt-BR" baseline="0" dirty="0" err="1" smtClean="0"/>
-              <a:t>possiveis</a:t>
+              <a:t>tambem</a:t>
             </a:r>
             <a:r>
               <a:rPr lang="pt-BR" baseline="0" dirty="0" smtClean="0"/>
-              <a:t> candidatos, que caso algum seja selecionado uma janela com as </a:t>
+              <a:t> pode alterar a carga </a:t>
             </a:r>
             <a:r>
               <a:rPr lang="pt-BR" baseline="0" dirty="0" err="1" smtClean="0"/>
-              <a:t>caracteristas</a:t>
+              <a:t>horaria</a:t>
             </a:r>
             <a:r>
               <a:rPr lang="pt-BR" baseline="0" dirty="0" smtClean="0"/>
-              <a:t> dele será exibida. E do outro lado a equipe do jogador, onde deve escolher qual “</a:t>
+              <a:t> de cada </a:t>
             </a:r>
             <a:r>
               <a:rPr lang="pt-BR" baseline="0" dirty="0" err="1" smtClean="0"/>
-              <a:t>slot</a:t>
+              <a:t>funcionario</a:t>
             </a:r>
             <a:r>
               <a:rPr lang="pt-BR" baseline="0" dirty="0" smtClean="0"/>
-              <a:t>” o novo candidato vai ocupar.</a:t>
+              <a:t>.</a:t>
             </a:r>
           </a:p>
           <a:p>
             <a:r>
               <a:rPr lang="pt-BR" baseline="0" dirty="0" smtClean="0"/>
-              <a:t>Alem da contratação, ao decorrer no desenvolvimento do produto é </a:t>
+              <a:t>2 outros fatores são utilizados para determinar o rendimento do </a:t>
             </a:r>
             <a:r>
               <a:rPr lang="pt-BR" baseline="0" dirty="0" err="1" smtClean="0"/>
-              <a:t>possivel</a:t>
+              <a:t>funcionario</a:t>
             </a:r>
             <a:r>
               <a:rPr lang="pt-BR" baseline="0" dirty="0" smtClean="0"/>
-              <a:t> negociar com o cliente para alterar algumas </a:t>
+              <a:t>. O moral, que representa a vontade do </a:t>
             </a:r>
             <a:r>
               <a:rPr lang="pt-BR" baseline="0" dirty="0" err="1" smtClean="0"/>
-              <a:t>caracteriscas</a:t>
+              <a:t>funcionario</a:t>
             </a:r>
             <a:r>
               <a:rPr lang="pt-BR" baseline="0" dirty="0" smtClean="0"/>
-              <a:t> do contrato, como ilustrado por esta figura e criar </a:t>
+              <a:t> em trabalhar, que caso esteja baixa pode pedir demissão, e Estamina que representa o grau de </a:t>
             </a:r>
             <a:r>
               <a:rPr lang="pt-BR" baseline="0" dirty="0" err="1" smtClean="0"/>
-              <a:t>prototipos</a:t>
+              <a:t>cançasso</a:t>
             </a:r>
             <a:r>
               <a:rPr lang="pt-BR" baseline="0" dirty="0" smtClean="0"/>
-              <a:t> para o cliente com o intuito de aumentar a validação do modelo.</a:t>
-            </a:r>
-            <a:endParaRPr lang="pt-BR" dirty="0"/>
+              <a:t>. A estamina é afetada pelas horas </a:t>
+            </a:r>
+            <a:r>
+              <a:rPr lang="pt-BR" baseline="0" smtClean="0"/>
+              <a:t>de trabalho</a:t>
+            </a:r>
+            <a:endParaRPr lang="pt-BR" dirty="0" smtClean="0"/>
           </a:p>
         </p:txBody>
       </p:sp>
@@ -754,7 +785,7 @@
             <a:fld id="{C08094CF-D84A-4161-9F88-9244F515EB29}" type="slidenum">
               <a:rPr lang="pt-BR" smtClean="0"/>
               <a:pPr/>
-              <a:t>12</a:t>
+              <a:t>10</a:t>
             </a:fld>
             <a:endParaRPr lang="pt-BR"/>
           </a:p>
@@ -816,27 +847,89 @@
           <a:p>
             <a:r>
               <a:rPr lang="pt-BR" dirty="0" smtClean="0"/>
-              <a:t>O Diferencial do SDM em relação aos</a:t>
+              <a:t>No</a:t>
             </a:r>
             <a:r>
               <a:rPr lang="pt-BR" baseline="0" dirty="0" smtClean="0"/>
-              <a:t> demais jogos citados é de ter foco em </a:t>
+              <a:t> SDM é permitido fazer modificações na equipe do jogador </a:t>
             </a:r>
             <a:r>
               <a:rPr lang="pt-BR" baseline="0" dirty="0" err="1" smtClean="0"/>
-              <a:t>gestao</a:t>
+              <a:t>atravez</a:t>
             </a:r>
             <a:r>
               <a:rPr lang="pt-BR" baseline="0" dirty="0" smtClean="0"/>
-              <a:t> de pessoas, </a:t>
+              <a:t> de contratações e demissões. As </a:t>
             </a:r>
             <a:r>
               <a:rPr lang="pt-BR" baseline="0" dirty="0" err="1" smtClean="0"/>
-              <a:t>consequentimente</a:t>
+              <a:t>demissoes</a:t>
             </a:r>
             <a:r>
               <a:rPr lang="pt-BR" baseline="0" dirty="0" smtClean="0"/>
-              <a:t> em recursos humanos. Ter a passagem de tempo em tempo real, mas permitindo o jogador a pausar o jogo a qualquer momento. E ser desenvolvido em um ambiente totalmente 3D.</a:t>
+              <a:t> podem ser pelo jogador ou pela insatisfação do </a:t>
+            </a:r>
+            <a:r>
+              <a:rPr lang="pt-BR" baseline="0" dirty="0" err="1" smtClean="0"/>
+              <a:t>funcionario</a:t>
+            </a:r>
+            <a:r>
+              <a:rPr lang="pt-BR" baseline="0" dirty="0" smtClean="0"/>
+              <a:t>. A tela de contratação exibida nesta figura mostra a lista de </a:t>
+            </a:r>
+            <a:r>
+              <a:rPr lang="pt-BR" baseline="0" dirty="0" err="1" smtClean="0"/>
+              <a:t>possiveis</a:t>
+            </a:r>
+            <a:r>
+              <a:rPr lang="pt-BR" baseline="0" dirty="0" smtClean="0"/>
+              <a:t> candidatos, que caso algum seja selecionado uma janela com as </a:t>
+            </a:r>
+            <a:r>
+              <a:rPr lang="pt-BR" baseline="0" dirty="0" err="1" smtClean="0"/>
+              <a:t>caracteristas</a:t>
+            </a:r>
+            <a:r>
+              <a:rPr lang="pt-BR" baseline="0" dirty="0" smtClean="0"/>
+              <a:t> dele será exibida. E do outro lado a equipe do jogador, onde deve escolher qual “</a:t>
+            </a:r>
+            <a:r>
+              <a:rPr lang="pt-BR" baseline="0" dirty="0" err="1" smtClean="0"/>
+              <a:t>slot</a:t>
+            </a:r>
+            <a:r>
+              <a:rPr lang="pt-BR" baseline="0" dirty="0" smtClean="0"/>
+              <a:t>” o novo candidato vai ocupar.</a:t>
+            </a:r>
+          </a:p>
+          <a:p>
+            <a:r>
+              <a:rPr lang="pt-BR" baseline="0" dirty="0" smtClean="0"/>
+              <a:t>Alem da contratação, ao decorrer no desenvolvimento do produto é </a:t>
+            </a:r>
+            <a:r>
+              <a:rPr lang="pt-BR" baseline="0" dirty="0" err="1" smtClean="0"/>
+              <a:t>possivel</a:t>
+            </a:r>
+            <a:r>
+              <a:rPr lang="pt-BR" baseline="0" dirty="0" smtClean="0"/>
+              <a:t> negociar com o cliente para alterar algumas </a:t>
+            </a:r>
+            <a:r>
+              <a:rPr lang="pt-BR" baseline="0" dirty="0" err="1" smtClean="0"/>
+              <a:t>caracteriscas</a:t>
+            </a:r>
+            <a:r>
+              <a:rPr lang="pt-BR" baseline="0" dirty="0" smtClean="0"/>
+              <a:t> do contrato, como ilustrado por esta figura e criar </a:t>
+            </a:r>
+            <a:r>
+              <a:rPr lang="pt-BR" baseline="0" dirty="0" err="1" smtClean="0"/>
+              <a:t>prototipos</a:t>
+            </a:r>
+            <a:r>
+              <a:rPr lang="pt-BR" baseline="0" dirty="0" smtClean="0"/>
+              <a:t> para o cliente com o intuito de aumentar a validação do modelo.</a:t>
             </a:r>
             <a:endParaRPr lang="pt-BR" dirty="0"/>
           </a:p>
@@ -860,7 +953,7 @@
             <a:fld id="{C08094CF-D84A-4161-9F88-9244F515EB29}" type="slidenum">
               <a:rPr lang="pt-BR" smtClean="0"/>
               <a:pPr/>
-              <a:t>13</a:t>
+              <a:t>11</a:t>
             </a:fld>
             <a:endParaRPr lang="pt-BR"/>
           </a:p>
@@ -950,11 +1043,7 @@
             </a:r>
             <a:r>
               <a:rPr lang="pt-BR" baseline="0" dirty="0" smtClean="0"/>
-              <a:t> sobre o que eles acham do SDM</a:t>
-            </a:r>
-            <a:r>
-              <a:rPr lang="pt-BR" baseline="0" dirty="0" smtClean="0"/>
-              <a:t>.</a:t>
+              <a:t> sobre o que eles acham do SDM.</a:t>
             </a:r>
           </a:p>
           <a:p>
@@ -987,7 +1076,7 @@
             <a:fld id="{C08094CF-D84A-4161-9F88-9244F515EB29}" type="slidenum">
               <a:rPr lang="pt-BR" smtClean="0"/>
               <a:pPr/>
-              <a:t>14</a:t>
+              <a:t>12</a:t>
             </a:fld>
             <a:endParaRPr lang="pt-BR"/>
           </a:p>
@@ -1049,64 +1138,29 @@
           <a:p>
             <a:r>
               <a:rPr lang="pt-BR" dirty="0" smtClean="0"/>
-              <a:t>O SDM tem como finalidade</a:t>
+              <a:t>O Diferencial do SDM em relação aos</a:t>
             </a:r>
             <a:r>
               <a:rPr lang="pt-BR" baseline="0" dirty="0" smtClean="0"/>
-              <a:t> em auxiliar no entendimento dos conceitos e ensinar a </a:t>
+              <a:t> demais jogos citados é de ter foco em </a:t>
             </a:r>
             <a:r>
               <a:rPr lang="pt-BR" baseline="0" dirty="0" err="1" smtClean="0"/>
-              <a:t>importancia</a:t>
+              <a:t>gestao</a:t>
             </a:r>
             <a:r>
               <a:rPr lang="pt-BR" baseline="0" dirty="0" smtClean="0"/>
-              <a:t> dos </a:t>
+              <a:t> de pessoas, </a:t>
             </a:r>
             <a:r>
               <a:rPr lang="pt-BR" baseline="0" dirty="0" err="1" smtClean="0"/>
-              <a:t>funcionarios</a:t>
+              <a:t>consequentimente</a:t>
             </a:r>
             <a:r>
               <a:rPr lang="pt-BR" baseline="0" dirty="0" smtClean="0"/>
-              <a:t> e seus papéis.</a:t>
-            </a:r>
-          </a:p>
-          <a:p>
-            <a:r>
-              <a:rPr lang="pt-BR" baseline="0" dirty="0" smtClean="0"/>
-              <a:t>Na atual versão do jogo, existe algumas limitações, como por exemplo não é </a:t>
-            </a:r>
-            <a:r>
-              <a:rPr lang="pt-BR" baseline="0" dirty="0" err="1" smtClean="0"/>
-              <a:t>possivel</a:t>
-            </a:r>
-            <a:r>
-              <a:rPr lang="pt-BR" baseline="0" dirty="0" smtClean="0"/>
-              <a:t> definir iterações que forneçam resultados de desempenho do </a:t>
-            </a:r>
-            <a:r>
-              <a:rPr lang="pt-BR" baseline="0" dirty="0" err="1" smtClean="0"/>
-              <a:t>periodo</a:t>
-            </a:r>
-            <a:r>
-              <a:rPr lang="pt-BR" baseline="0" dirty="0" smtClean="0"/>
-              <a:t> definido.</a:t>
-            </a:r>
-          </a:p>
-          <a:p>
-            <a:r>
-              <a:rPr lang="pt-BR" baseline="0" dirty="0" smtClean="0"/>
-              <a:t>Futuras modificações que podem ser feitas no SDM é a </a:t>
-            </a:r>
-            <a:r>
-              <a:rPr lang="pt-BR" baseline="0" dirty="0" err="1" smtClean="0"/>
-              <a:t>inclusao</a:t>
-            </a:r>
-            <a:r>
-              <a:rPr lang="pt-BR" baseline="0" dirty="0" smtClean="0"/>
-              <a:t> de iterações e aprofundamento das metodologias de trabalho, que na atual versão só é utilizado para distinção.</a:t>
-            </a:r>
+              <a:t> em recursos humanos. Ter a passagem de tempo em tempo real, mas permitindo o jogador a pausar o jogo a qualquer momento. E ser desenvolvido em um ambiente totalmente 3D.</a:t>
+            </a:r>
+            <a:endParaRPr lang="pt-BR" dirty="0"/>
           </a:p>
         </p:txBody>
       </p:sp>
@@ -1128,7 +1182,7 @@
             <a:fld id="{C08094CF-D84A-4161-9F88-9244F515EB29}" type="slidenum">
               <a:rPr lang="pt-BR" smtClean="0"/>
               <a:pPr/>
-              <a:t>15</a:t>
+              <a:t>13</a:t>
             </a:fld>
             <a:endParaRPr lang="pt-BR"/>
           </a:p>
@@ -1190,61 +1244,64 @@
           <a:p>
             <a:r>
               <a:rPr lang="pt-BR" dirty="0" smtClean="0"/>
-              <a:t>Além dos papéis, os </a:t>
-            </a:r>
-            <a:r>
-              <a:rPr lang="pt-BR" dirty="0" err="1" smtClean="0"/>
+              <a:t>O SDM tem como finalidade</a:t>
+            </a:r>
+            <a:r>
+              <a:rPr lang="pt-BR" baseline="0" dirty="0" smtClean="0"/>
+              <a:t> em auxiliar no entendimento dos conceitos e ensinar a </a:t>
+            </a:r>
+            <a:r>
+              <a:rPr lang="pt-BR" baseline="0" dirty="0" err="1" smtClean="0"/>
+              <a:t>importancia</a:t>
+            </a:r>
+            <a:r>
+              <a:rPr lang="pt-BR" baseline="0" dirty="0" smtClean="0"/>
+              <a:t> dos </a:t>
+            </a:r>
+            <a:r>
+              <a:rPr lang="pt-BR" baseline="0" dirty="0" err="1" smtClean="0"/>
               <a:t>funcionarios</a:t>
             </a:r>
             <a:r>
-              <a:rPr lang="pt-BR" dirty="0" smtClean="0"/>
-              <a:t> podem</a:t>
-            </a:r>
-            <a:r>
               <a:rPr lang="pt-BR" baseline="0" dirty="0" smtClean="0"/>
-              <a:t> desempenhar diferentes cargos na empresa, podendo ser </a:t>
+              <a:t> e seus papéis.</a:t>
+            </a:r>
+          </a:p>
+          <a:p>
+            <a:r>
+              <a:rPr lang="pt-BR" baseline="0" dirty="0" smtClean="0"/>
+              <a:t>Na atual versão do jogo, existe algumas limitações, como por exemplo não é </a:t>
             </a:r>
             <a:r>
               <a:rPr lang="pt-BR" baseline="0" dirty="0" err="1" smtClean="0"/>
-              <a:t>junior</a:t>
+              <a:t>possivel</a:t>
             </a:r>
             <a:r>
               <a:rPr lang="pt-BR" baseline="0" dirty="0" smtClean="0"/>
-              <a:t>, pleno ou </a:t>
+              <a:t> definir iterações que forneçam resultados de desempenho do </a:t>
             </a:r>
             <a:r>
               <a:rPr lang="pt-BR" baseline="0" dirty="0" err="1" smtClean="0"/>
-              <a:t>senior</a:t>
+              <a:t>periodo</a:t>
             </a:r>
             <a:r>
               <a:rPr lang="pt-BR" baseline="0" dirty="0" smtClean="0"/>
-              <a:t>. Estes cargos são utilizados para modificar o desempenho do </a:t>
+              <a:t> definido.</a:t>
+            </a:r>
+          </a:p>
+          <a:p>
+            <a:r>
+              <a:rPr lang="pt-BR" baseline="0" dirty="0" smtClean="0"/>
+              <a:t>Futuras modificações que podem ser feitas no SDM é a </a:t>
             </a:r>
             <a:r>
               <a:rPr lang="pt-BR" baseline="0" dirty="0" err="1" smtClean="0"/>
-              <a:t>funcionario</a:t>
+              <a:t>inclusao</a:t>
             </a:r>
             <a:r>
               <a:rPr lang="pt-BR" baseline="0" dirty="0" smtClean="0"/>
-              <a:t> e </a:t>
-            </a:r>
-            <a:r>
-              <a:rPr lang="pt-BR" baseline="0" dirty="0" err="1" smtClean="0"/>
-              <a:t>consequentemente</a:t>
-            </a:r>
-            <a:r>
-              <a:rPr lang="pt-BR" baseline="0" dirty="0" smtClean="0"/>
-              <a:t> o </a:t>
-            </a:r>
-            <a:r>
-              <a:rPr lang="pt-BR" baseline="0" dirty="0" err="1" smtClean="0"/>
-              <a:t>salario</a:t>
-            </a:r>
-            <a:r>
-              <a:rPr lang="pt-BR" baseline="0" dirty="0" smtClean="0"/>
-              <a:t>.</a:t>
-            </a:r>
-            <a:endParaRPr lang="pt-BR" dirty="0"/>
+              <a:t> de iterações e aprofundamento das metodologias de trabalho, que na atual versão só é utilizado para distinção.</a:t>
+            </a:r>
           </a:p>
         </p:txBody>
       </p:sp>
@@ -1266,7 +1323,7 @@
             <a:fld id="{C08094CF-D84A-4161-9F88-9244F515EB29}" type="slidenum">
               <a:rPr lang="pt-BR" smtClean="0"/>
               <a:pPr/>
-              <a:t>18</a:t>
+              <a:t>14</a:t>
             </a:fld>
             <a:endParaRPr lang="pt-BR"/>
           </a:p>
@@ -1328,6 +1385,282 @@
           <a:p>
             <a:r>
               <a:rPr lang="pt-BR" dirty="0" smtClean="0"/>
+              <a:t>Além dos papéis, os </a:t>
+            </a:r>
+            <a:r>
+              <a:rPr lang="pt-BR" dirty="0" err="1" smtClean="0"/>
+              <a:t>funcionarios</a:t>
+            </a:r>
+            <a:r>
+              <a:rPr lang="pt-BR" dirty="0" smtClean="0"/>
+              <a:t> podem</a:t>
+            </a:r>
+            <a:r>
+              <a:rPr lang="pt-BR" baseline="0" dirty="0" smtClean="0"/>
+              <a:t> desempenhar diferentes cargos na empresa, podendo ser </a:t>
+            </a:r>
+            <a:r>
+              <a:rPr lang="pt-BR" baseline="0" dirty="0" err="1" smtClean="0"/>
+              <a:t>junior</a:t>
+            </a:r>
+            <a:r>
+              <a:rPr lang="pt-BR" baseline="0" dirty="0" smtClean="0"/>
+              <a:t>, pleno ou </a:t>
+            </a:r>
+            <a:r>
+              <a:rPr lang="pt-BR" baseline="0" dirty="0" err="1" smtClean="0"/>
+              <a:t>senior</a:t>
+            </a:r>
+            <a:r>
+              <a:rPr lang="pt-BR" baseline="0" dirty="0" smtClean="0"/>
+              <a:t>. Estes cargos são utilizados para modificar o desempenho do </a:t>
+            </a:r>
+            <a:r>
+              <a:rPr lang="pt-BR" baseline="0" dirty="0" err="1" smtClean="0"/>
+              <a:t>funcionario</a:t>
+            </a:r>
+            <a:r>
+              <a:rPr lang="pt-BR" baseline="0" dirty="0" smtClean="0"/>
+              <a:t> e </a:t>
+            </a:r>
+            <a:r>
+              <a:rPr lang="pt-BR" baseline="0" dirty="0" err="1" smtClean="0"/>
+              <a:t>consequentemente</a:t>
+            </a:r>
+            <a:r>
+              <a:rPr lang="pt-BR" baseline="0" dirty="0" smtClean="0"/>
+              <a:t> o </a:t>
+            </a:r>
+            <a:r>
+              <a:rPr lang="pt-BR" baseline="0" dirty="0" err="1" smtClean="0"/>
+              <a:t>salario</a:t>
+            </a:r>
+            <a:r>
+              <a:rPr lang="pt-BR" baseline="0" dirty="0" smtClean="0"/>
+              <a:t>.</a:t>
+            </a:r>
+            <a:endParaRPr lang="pt-BR" dirty="0"/>
+          </a:p>
+        </p:txBody>
+      </p:sp>
+      <p:sp>
+        <p:nvSpPr>
+          <p:cNvPr id="4" name="Slide Number Placeholder 3"/>
+          <p:cNvSpPr>
+            <a:spLocks noGrp="1"/>
+          </p:cNvSpPr>
+          <p:nvPr>
+            <p:ph type="sldNum" sz="quarter" idx="10"/>
+          </p:nvPr>
+        </p:nvSpPr>
+        <p:spPr/>
+        <p:txBody>
+          <a:bodyPr/>
+          <a:lstStyle/>
+          <a:p>
+            <a:fld id="{C08094CF-D84A-4161-9F88-9244F515EB29}" type="slidenum">
+              <a:rPr lang="pt-BR" smtClean="0"/>
+              <a:pPr/>
+              <a:t>17</a:t>
+            </a:fld>
+            <a:endParaRPr lang="pt-BR"/>
+          </a:p>
+        </p:txBody>
+      </p:sp>
+    </p:spTree>
+  </p:cSld>
+  <p:clrMapOvr>
+    <a:masterClrMapping/>
+  </p:clrMapOvr>
+</p:notes>
+</file>
+
+<file path=ppt/notesSlides/notesSlide16.xml><?xml version="1.0" encoding="utf-8"?>
+<p:notes xmlns:a="http://schemas.openxmlformats.org/drawingml/2006/main" xmlns:r="http://schemas.openxmlformats.org/officeDocument/2006/relationships" xmlns:p="http://schemas.openxmlformats.org/presentationml/2006/main">
+  <p:cSld>
+    <p:spTree>
+      <p:nvGrpSpPr>
+        <p:cNvPr id="1" name=""/>
+        <p:cNvGrpSpPr/>
+        <p:nvPr/>
+      </p:nvGrpSpPr>
+      <p:grpSpPr>
+        <a:xfrm>
+          <a:off x="0" y="0"/>
+          <a:ext cx="0" cy="0"/>
+          <a:chOff x="0" y="0"/>
+          <a:chExt cx="0" cy="0"/>
+        </a:xfrm>
+      </p:grpSpPr>
+      <p:sp>
+        <p:nvSpPr>
+          <p:cNvPr id="2" name="Slide Image Placeholder 1"/>
+          <p:cNvSpPr>
+            <a:spLocks noGrp="1" noRot="1" noChangeAspect="1"/>
+          </p:cNvSpPr>
+          <p:nvPr>
+            <p:ph type="sldImg"/>
+          </p:nvPr>
+        </p:nvSpPr>
+        <p:spPr/>
+      </p:sp>
+      <p:sp>
+        <p:nvSpPr>
+          <p:cNvPr id="3" name="Notes Placeholder 2"/>
+          <p:cNvSpPr>
+            <a:spLocks noGrp="1"/>
+          </p:cNvSpPr>
+          <p:nvPr>
+            <p:ph type="body" idx="1"/>
+          </p:nvPr>
+        </p:nvSpPr>
+        <p:spPr/>
+        <p:txBody>
+          <a:bodyPr>
+            <a:normAutofit/>
+          </a:bodyPr>
+          <a:lstStyle/>
+          <a:p>
+            <a:r>
+              <a:rPr lang="pt-BR" dirty="0" smtClean="0"/>
+              <a:t>Além</a:t>
+            </a:r>
+            <a:r>
+              <a:rPr lang="pt-BR" baseline="0" dirty="0" smtClean="0"/>
+              <a:t> dos atributos, os </a:t>
+            </a:r>
+            <a:r>
+              <a:rPr lang="pt-BR" baseline="0" dirty="0" err="1" smtClean="0"/>
+              <a:t>funcionarios</a:t>
+            </a:r>
+            <a:r>
+              <a:rPr lang="pt-BR" baseline="0" dirty="0" smtClean="0"/>
+              <a:t> possuem especializações. Estas </a:t>
+            </a:r>
+            <a:r>
+              <a:rPr lang="pt-BR" baseline="0" dirty="0" err="1" smtClean="0"/>
+              <a:t>especializacoes</a:t>
+            </a:r>
+            <a:r>
+              <a:rPr lang="pt-BR" baseline="0" dirty="0" smtClean="0"/>
+              <a:t> podem ser de 3 tipos: ferramentas, que são </a:t>
+            </a:r>
+            <a:r>
+              <a:rPr lang="pt-BR" baseline="0" dirty="0" err="1" smtClean="0"/>
+              <a:t>utilziadas</a:t>
+            </a:r>
+            <a:r>
+              <a:rPr lang="pt-BR" baseline="0" dirty="0" smtClean="0"/>
+              <a:t> para </a:t>
+            </a:r>
+            <a:r>
+              <a:rPr lang="pt-BR" baseline="0" dirty="0" err="1" smtClean="0"/>
+              <a:t>auxilar</a:t>
+            </a:r>
+            <a:r>
+              <a:rPr lang="pt-BR" baseline="0" dirty="0" smtClean="0"/>
+              <a:t> o </a:t>
+            </a:r>
+            <a:r>
+              <a:rPr lang="pt-BR" baseline="0" dirty="0" err="1" smtClean="0"/>
+              <a:t>funcionario</a:t>
+            </a:r>
+            <a:r>
+              <a:rPr lang="pt-BR" baseline="0" dirty="0" smtClean="0"/>
+              <a:t>; de linguagem de programação e metodologia que são utilizados para avaliar o desempenho do </a:t>
+            </a:r>
+            <a:r>
+              <a:rPr lang="pt-BR" baseline="0" dirty="0" err="1" smtClean="0"/>
+              <a:t>funcionario</a:t>
+            </a:r>
+            <a:r>
+              <a:rPr lang="pt-BR" baseline="0" dirty="0" smtClean="0"/>
+              <a:t>.</a:t>
+            </a:r>
+            <a:endParaRPr lang="pt-BR" dirty="0"/>
+          </a:p>
+        </p:txBody>
+      </p:sp>
+      <p:sp>
+        <p:nvSpPr>
+          <p:cNvPr id="4" name="Slide Number Placeholder 3"/>
+          <p:cNvSpPr>
+            <a:spLocks noGrp="1"/>
+          </p:cNvSpPr>
+          <p:nvPr>
+            <p:ph type="sldNum" sz="quarter" idx="10"/>
+          </p:nvPr>
+        </p:nvSpPr>
+        <p:spPr/>
+        <p:txBody>
+          <a:bodyPr/>
+          <a:lstStyle/>
+          <a:p>
+            <a:fld id="{C08094CF-D84A-4161-9F88-9244F515EB29}" type="slidenum">
+              <a:rPr lang="pt-BR" smtClean="0"/>
+              <a:pPr/>
+              <a:t>18</a:t>
+            </a:fld>
+            <a:endParaRPr lang="pt-BR"/>
+          </a:p>
+        </p:txBody>
+      </p:sp>
+    </p:spTree>
+  </p:cSld>
+  <p:clrMapOvr>
+    <a:masterClrMapping/>
+  </p:clrMapOvr>
+</p:notes>
+</file>
+
+<file path=ppt/notesSlides/notesSlide17.xml><?xml version="1.0" encoding="utf-8"?>
+<p:notes xmlns:a="http://schemas.openxmlformats.org/drawingml/2006/main" xmlns:r="http://schemas.openxmlformats.org/officeDocument/2006/relationships" xmlns:p="http://schemas.openxmlformats.org/presentationml/2006/main">
+  <p:cSld>
+    <p:spTree>
+      <p:nvGrpSpPr>
+        <p:cNvPr id="1" name=""/>
+        <p:cNvGrpSpPr/>
+        <p:nvPr/>
+      </p:nvGrpSpPr>
+      <p:grpSpPr>
+        <a:xfrm>
+          <a:off x="0" y="0"/>
+          <a:ext cx="0" cy="0"/>
+          <a:chOff x="0" y="0"/>
+          <a:chExt cx="0" cy="0"/>
+        </a:xfrm>
+      </p:grpSpPr>
+      <p:sp>
+        <p:nvSpPr>
+          <p:cNvPr id="2" name="Slide Image Placeholder 1"/>
+          <p:cNvSpPr>
+            <a:spLocks noGrp="1" noRot="1" noChangeAspect="1"/>
+          </p:cNvSpPr>
+          <p:nvPr>
+            <p:ph type="sldImg"/>
+          </p:nvPr>
+        </p:nvSpPr>
+        <p:spPr/>
+      </p:sp>
+      <p:sp>
+        <p:nvSpPr>
+          <p:cNvPr id="3" name="Notes Placeholder 2"/>
+          <p:cNvSpPr>
+            <a:spLocks noGrp="1"/>
+          </p:cNvSpPr>
+          <p:nvPr>
+            <p:ph type="body" idx="1"/>
+          </p:nvPr>
+        </p:nvSpPr>
+        <p:spPr/>
+        <p:txBody>
+          <a:bodyPr>
+            <a:normAutofit/>
+          </a:bodyPr>
+          <a:lstStyle/>
+          <a:p>
+            <a:r>
+              <a:rPr lang="pt-BR" dirty="0" smtClean="0"/>
               <a:t>Este diagrama ilustra</a:t>
             </a:r>
             <a:r>
@@ -1507,21 +1840,10 @@
                 <a:ea typeface="+mn-ea"/>
                 <a:cs typeface="+mn-cs"/>
               </a:rPr>
-              <a:t> </a:t>
-            </a:r>
-            <a:r>
-              <a:rPr lang="en-US" sz="1200" kern="1200" dirty="0" err="1" smtClean="0">
-                <a:solidFill>
-                  <a:schemeClr val="tx1"/>
-                </a:solidFill>
-                <a:latin typeface="+mn-lt"/>
-                <a:ea typeface="+mn-ea"/>
-                <a:cs typeface="+mn-cs"/>
-              </a:rPr>
-              <a:t>na</a:t>
-            </a:r>
-            <a:r>
-              <a:rPr lang="en-US" sz="1200" kern="1200" dirty="0" smtClean="0">
+              <a:t> a</a:t>
+            </a:r>
+            <a:r>
+              <a:rPr lang="en-US" sz="1200" kern="1200" baseline="0" dirty="0" smtClean="0">
                 <a:solidFill>
                   <a:schemeClr val="tx1"/>
                 </a:solidFill>
@@ -1532,7 +1854,7 @@
               <a:t> </a:t>
             </a:r>
             <a:r>
-              <a:rPr lang="en-US" sz="1200" kern="1200" dirty="0" err="1" smtClean="0">
+              <a:rPr lang="en-US" sz="1200" kern="1200" baseline="0" dirty="0" err="1" smtClean="0">
                 <a:solidFill>
                   <a:schemeClr val="tx1"/>
                 </a:solidFill>
@@ -1540,10 +1862,10 @@
                 <a:ea typeface="+mn-ea"/>
                 <a:cs typeface="+mn-cs"/>
               </a:rPr>
-              <a:t>criaçao</a:t>
-            </a:r>
-            <a:r>
-              <a:rPr lang="en-US" sz="1200" kern="1200" dirty="0" smtClean="0">
+              <a:t>criacao</a:t>
+            </a:r>
+            <a:r>
+              <a:rPr lang="en-US" sz="1200" kern="1200" baseline="0" dirty="0" smtClean="0">
                 <a:solidFill>
                   <a:schemeClr val="tx1"/>
                 </a:solidFill>
@@ -1554,7 +1876,7 @@
               <a:t> do SDM </a:t>
             </a:r>
             <a:r>
-              <a:rPr lang="en-US" sz="1200" kern="1200" dirty="0" err="1" smtClean="0">
+              <a:rPr lang="en-US" sz="1200" kern="1200" baseline="0" dirty="0" err="1" smtClean="0">
                 <a:solidFill>
                   <a:schemeClr val="tx1"/>
                 </a:solidFill>
@@ -1565,7 +1887,7 @@
               <a:t>foi</a:t>
             </a:r>
             <a:r>
-              <a:rPr lang="en-US" sz="1200" kern="1200" dirty="0" smtClean="0">
+              <a:rPr lang="en-US" sz="1200" kern="1200" baseline="0" dirty="0" smtClean="0">
                 <a:solidFill>
                   <a:schemeClr val="tx1"/>
                 </a:solidFill>
@@ -1576,7 +1898,7 @@
               <a:t> </a:t>
             </a:r>
             <a:r>
-              <a:rPr lang="en-US" sz="1200" kern="1200" dirty="0" err="1" smtClean="0">
+              <a:rPr lang="en-US" sz="1200" kern="1200" baseline="0" dirty="0" err="1" smtClean="0">
                 <a:solidFill>
                   <a:schemeClr val="tx1"/>
                 </a:solidFill>
@@ -1584,10 +1906,10 @@
                 <a:ea typeface="+mn-ea"/>
                 <a:cs typeface="+mn-cs"/>
               </a:rPr>
-              <a:t>os</a:t>
-            </a:r>
-            <a:r>
-              <a:rPr lang="en-US" sz="1200" kern="1200" dirty="0" smtClean="0">
+              <a:t>que</a:t>
+            </a:r>
+            <a:r>
+              <a:rPr lang="en-US" sz="1200" kern="1200" baseline="0" dirty="0" smtClean="0">
                 <a:solidFill>
                   <a:schemeClr val="tx1"/>
                 </a:solidFill>
@@ -1598,7 +1920,7 @@
               <a:t> </a:t>
             </a:r>
             <a:r>
-              <a:rPr lang="en-US" sz="1200" kern="1200" dirty="0" err="1" smtClean="0">
+              <a:rPr lang="en-US" sz="1200" kern="1200" baseline="0" dirty="0" err="1" smtClean="0">
                 <a:solidFill>
                   <a:schemeClr val="tx1"/>
                 </a:solidFill>
@@ -1606,10 +1928,32 @@
                 <a:ea typeface="+mn-ea"/>
                 <a:cs typeface="+mn-cs"/>
               </a:rPr>
-              <a:t>varios</a:t>
-            </a:r>
-            <a:r>
-              <a:rPr lang="en-US" sz="1200" kern="1200" dirty="0" smtClean="0">
+              <a:t>durantes</a:t>
+            </a:r>
+            <a:r>
+              <a:rPr lang="en-US" sz="1200" kern="1200" baseline="0" dirty="0" smtClean="0">
+                <a:solidFill>
+                  <a:schemeClr val="tx1"/>
+                </a:solidFill>
+                <a:latin typeface="+mn-lt"/>
+                <a:ea typeface="+mn-ea"/>
+                <a:cs typeface="+mn-cs"/>
+              </a:rPr>
+              <a:t> as </a:t>
+            </a:r>
+            <a:r>
+              <a:rPr lang="en-US" sz="1200" kern="1200" baseline="0" dirty="0" err="1" smtClean="0">
+                <a:solidFill>
+                  <a:schemeClr val="tx1"/>
+                </a:solidFill>
+                <a:latin typeface="+mn-lt"/>
+                <a:ea typeface="+mn-ea"/>
+                <a:cs typeface="+mn-cs"/>
+              </a:rPr>
+              <a:t>aulas</a:t>
+            </a:r>
+            <a:r>
+              <a:rPr lang="en-US" sz="1200" kern="1200" baseline="0" dirty="0" smtClean="0">
                 <a:solidFill>
                   <a:schemeClr val="tx1"/>
                 </a:solidFill>
@@ -1620,7 +1964,51 @@
               <a:t> </a:t>
             </a:r>
             <a:r>
-              <a:rPr lang="en-US" sz="1200" kern="1200" dirty="0" err="1" smtClean="0">
+              <a:rPr lang="en-US" sz="1200" kern="1200" baseline="0" dirty="0" err="1" smtClean="0">
+                <a:solidFill>
+                  <a:schemeClr val="tx1"/>
+                </a:solidFill>
+                <a:latin typeface="+mn-lt"/>
+                <a:ea typeface="+mn-ea"/>
+                <a:cs typeface="+mn-cs"/>
+              </a:rPr>
+              <a:t>teoricas</a:t>
+            </a:r>
+            <a:r>
+              <a:rPr lang="en-US" sz="1200" kern="1200" baseline="0" dirty="0" smtClean="0">
+                <a:solidFill>
+                  <a:schemeClr val="tx1"/>
+                </a:solidFill>
+                <a:latin typeface="+mn-lt"/>
+                <a:ea typeface="+mn-ea"/>
+                <a:cs typeface="+mn-cs"/>
+              </a:rPr>
+              <a:t> de ES, </a:t>
+            </a:r>
+            <a:r>
+              <a:rPr lang="en-US" sz="1200" kern="1200" baseline="0" dirty="0" err="1" smtClean="0">
+                <a:solidFill>
+                  <a:schemeClr val="tx1"/>
+                </a:solidFill>
+                <a:latin typeface="+mn-lt"/>
+                <a:ea typeface="+mn-ea"/>
+                <a:cs typeface="+mn-cs"/>
+              </a:rPr>
+              <a:t>muitos</a:t>
+            </a:r>
+            <a:r>
+              <a:rPr lang="en-US" sz="1200" kern="1200" baseline="0" dirty="0" smtClean="0">
+                <a:solidFill>
+                  <a:schemeClr val="tx1"/>
+                </a:solidFill>
+                <a:latin typeface="+mn-lt"/>
+                <a:ea typeface="+mn-ea"/>
+                <a:cs typeface="+mn-cs"/>
+              </a:rPr>
+              <a:t> </a:t>
+            </a:r>
+            <a:r>
+              <a:rPr lang="en-US" sz="1200" kern="1200" baseline="0" dirty="0" err="1" smtClean="0">
                 <a:solidFill>
                   <a:schemeClr val="tx1"/>
                 </a:solidFill>
@@ -1631,7 +2019,7 @@
               <a:t>conceitos</a:t>
             </a:r>
             <a:r>
-              <a:rPr lang="en-US" sz="1200" kern="1200" dirty="0" smtClean="0">
+              <a:rPr lang="en-US" sz="1200" kern="1200" baseline="0" dirty="0" smtClean="0">
                 <a:solidFill>
                   <a:schemeClr val="tx1"/>
                 </a:solidFill>
@@ -1642,7 +2030,29 @@
               <a:t> </a:t>
             </a:r>
             <a:r>
-              <a:rPr lang="en-US" sz="1200" kern="1200" dirty="0" err="1" smtClean="0">
+              <a:rPr lang="en-US" sz="1200" kern="1200" baseline="0" dirty="0" err="1" smtClean="0">
+                <a:solidFill>
+                  <a:schemeClr val="tx1"/>
+                </a:solidFill>
+                <a:latin typeface="+mn-lt"/>
+                <a:ea typeface="+mn-ea"/>
+                <a:cs typeface="+mn-cs"/>
+              </a:rPr>
+              <a:t>sao</a:t>
+            </a:r>
+            <a:r>
+              <a:rPr lang="en-US" sz="1200" kern="1200" baseline="0" dirty="0" smtClean="0">
+                <a:solidFill>
+                  <a:schemeClr val="tx1"/>
+                </a:solidFill>
+                <a:latin typeface="+mn-lt"/>
+                <a:ea typeface="+mn-ea"/>
+                <a:cs typeface="+mn-cs"/>
+              </a:rPr>
+              <a:t> </a:t>
+            </a:r>
+            <a:r>
+              <a:rPr lang="en-US" sz="1200" kern="1200" baseline="0" dirty="0" err="1" smtClean="0">
                 <a:solidFill>
                   <a:schemeClr val="tx1"/>
                 </a:solidFill>
@@ -1653,7 +2063,7 @@
               <a:t>apresentados</a:t>
             </a:r>
             <a:r>
-              <a:rPr lang="en-US" sz="1200" kern="1200" dirty="0" smtClean="0">
+              <a:rPr lang="en-US" sz="1200" kern="1200" baseline="0" dirty="0" smtClean="0">
                 <a:solidFill>
                   <a:schemeClr val="tx1"/>
                 </a:solidFill>
@@ -1664,7 +2074,7 @@
               <a:t> </a:t>
             </a:r>
             <a:r>
-              <a:rPr lang="en-US" sz="1200" kern="1200" dirty="0" err="1" smtClean="0">
+              <a:rPr lang="en-US" sz="1200" kern="1200" baseline="0" dirty="0" err="1" smtClean="0">
                 <a:solidFill>
                   <a:schemeClr val="tx1"/>
                 </a:solidFill>
@@ -1672,10 +2082,10 @@
                 <a:ea typeface="+mn-ea"/>
                 <a:cs typeface="+mn-cs"/>
               </a:rPr>
-              <a:t>nas</a:t>
-            </a:r>
-            <a:r>
-              <a:rPr lang="en-US" sz="1200" kern="1200" dirty="0" smtClean="0">
+              <a:t>ao</a:t>
+            </a:r>
+            <a:r>
+              <a:rPr lang="en-US" sz="1200" kern="1200" baseline="0" dirty="0" smtClean="0">
                 <a:solidFill>
                   <a:schemeClr val="tx1"/>
                 </a:solidFill>
@@ -1686,7 +2096,7 @@
               <a:t> </a:t>
             </a:r>
             <a:r>
-              <a:rPr lang="en-US" sz="1200" kern="1200" dirty="0" err="1" smtClean="0">
+              <a:rPr lang="en-US" sz="1200" kern="1200" baseline="0" dirty="0" err="1" smtClean="0">
                 <a:solidFill>
                   <a:schemeClr val="tx1"/>
                 </a:solidFill>
@@ -1694,10 +2104,32 @@
                 <a:ea typeface="+mn-ea"/>
                 <a:cs typeface="+mn-cs"/>
               </a:rPr>
-              <a:t>aulas</a:t>
-            </a:r>
-            <a:r>
-              <a:rPr lang="en-US" sz="1200" kern="1200" dirty="0" smtClean="0">
+              <a:t>aluno</a:t>
+            </a:r>
+            <a:r>
+              <a:rPr lang="en-US" sz="1200" kern="1200" baseline="0" dirty="0" smtClean="0">
+                <a:solidFill>
+                  <a:schemeClr val="tx1"/>
+                </a:solidFill>
+                <a:latin typeface="+mn-lt"/>
+                <a:ea typeface="+mn-ea"/>
+                <a:cs typeface="+mn-cs"/>
+              </a:rPr>
+              <a:t>, </a:t>
+            </a:r>
+            <a:r>
+              <a:rPr lang="en-US" sz="1200" kern="1200" baseline="0" dirty="0" err="1" smtClean="0">
+                <a:solidFill>
+                  <a:schemeClr val="tx1"/>
+                </a:solidFill>
+                <a:latin typeface="+mn-lt"/>
+                <a:ea typeface="+mn-ea"/>
+                <a:cs typeface="+mn-cs"/>
+              </a:rPr>
+              <a:t>mas</a:t>
+            </a:r>
+            <a:r>
+              <a:rPr lang="en-US" sz="1200" kern="1200" baseline="0" dirty="0" smtClean="0">
                 <a:solidFill>
                   <a:schemeClr val="tx1"/>
                 </a:solidFill>
@@ -1708,7 +2140,7 @@
               <a:t> </a:t>
             </a:r>
             <a:r>
-              <a:rPr lang="en-US" sz="1200" kern="1200" dirty="0" err="1" smtClean="0">
+              <a:rPr lang="en-US" sz="1200" kern="1200" baseline="0" dirty="0" err="1" smtClean="0">
                 <a:solidFill>
                   <a:schemeClr val="tx1"/>
                 </a:solidFill>
@@ -1716,40 +2148,7 @@
                 <a:ea typeface="+mn-ea"/>
                 <a:cs typeface="+mn-cs"/>
               </a:rPr>
-              <a:t>teoricas</a:t>
-            </a:r>
-            <a:r>
-              <a:rPr lang="en-US" sz="1200" kern="1200" dirty="0" smtClean="0">
-                <a:solidFill>
-                  <a:schemeClr val="tx1"/>
-                </a:solidFill>
-                <a:latin typeface="+mn-lt"/>
-                <a:ea typeface="+mn-ea"/>
-                <a:cs typeface="+mn-cs"/>
-              </a:rPr>
-              <a:t> de</a:t>
-            </a:r>
-            <a:r>
-              <a:rPr lang="en-US" sz="1200" kern="1200" baseline="0" dirty="0" smtClean="0">
-                <a:solidFill>
-                  <a:schemeClr val="tx1"/>
-                </a:solidFill>
-                <a:latin typeface="+mn-lt"/>
-                <a:ea typeface="+mn-ea"/>
-                <a:cs typeface="+mn-cs"/>
-              </a:rPr>
-              <a:t> ES e </a:t>
-            </a:r>
-            <a:r>
-              <a:rPr lang="en-US" sz="1200" kern="1200" baseline="0" dirty="0" err="1" smtClean="0">
-                <a:solidFill>
-                  <a:schemeClr val="tx1"/>
-                </a:solidFill>
-                <a:latin typeface="+mn-lt"/>
-                <a:ea typeface="+mn-ea"/>
-                <a:cs typeface="+mn-cs"/>
-              </a:rPr>
-              <a:t>os</a:t>
+              <a:t>poucos</a:t>
             </a:r>
             <a:r>
               <a:rPr lang="en-US" sz="1200" kern="1200" baseline="0" dirty="0" smtClean="0">
@@ -1771,7 +2170,7 @@
                 <a:ea typeface="+mn-ea"/>
                 <a:cs typeface="+mn-cs"/>
               </a:rPr>
-              <a:t>poucos</a:t>
+              <a:t>trabalhos</a:t>
             </a:r>
             <a:r>
               <a:rPr lang="en-US" sz="1200" kern="1200" baseline="0" dirty="0" smtClean="0">
@@ -1793,7 +2192,7 @@
                 <a:ea typeface="+mn-ea"/>
                 <a:cs typeface="+mn-cs"/>
               </a:rPr>
-              <a:t>trabalhos</a:t>
+              <a:t>praticos</a:t>
             </a:r>
             <a:r>
               <a:rPr lang="en-US" sz="1200" kern="1200" baseline="0" dirty="0" smtClean="0">
@@ -1815,7 +2214,7 @@
                 <a:ea typeface="+mn-ea"/>
                 <a:cs typeface="+mn-cs"/>
               </a:rPr>
-              <a:t>praticos</a:t>
+              <a:t>sao</a:t>
             </a:r>
             <a:r>
               <a:rPr lang="en-US" sz="1200" kern="1200" baseline="0" dirty="0" smtClean="0">
@@ -1848,12 +2247,10 @@
                 <a:ea typeface="+mn-ea"/>
                 <a:cs typeface="+mn-cs"/>
               </a:rPr>
-              <a:t>.</a:t>
-            </a:r>
-          </a:p>
-          <a:p>
-            <a:r>
-              <a:rPr lang="en-US" sz="1200" kern="1200" baseline="0" dirty="0" smtClean="0">
+              <a:t> com o </a:t>
+            </a:r>
+            <a:r>
+              <a:rPr lang="en-US" sz="1200" kern="1200" baseline="0" dirty="0" err="1" smtClean="0">
                 <a:solidFill>
                   <a:schemeClr val="tx1"/>
                 </a:solidFill>
@@ -1861,7 +2258,62 @@
                 <a:ea typeface="+mn-ea"/>
                 <a:cs typeface="+mn-cs"/>
               </a:rPr>
-              <a:t>Estes </a:t>
+              <a:t>intuito</a:t>
+            </a:r>
+            <a:r>
+              <a:rPr lang="en-US" sz="1200" kern="1200" baseline="0" dirty="0" smtClean="0">
+                <a:solidFill>
+                  <a:schemeClr val="tx1"/>
+                </a:solidFill>
+                <a:latin typeface="+mn-lt"/>
+                <a:ea typeface="+mn-ea"/>
+                <a:cs typeface="+mn-cs"/>
+              </a:rPr>
+              <a:t> de </a:t>
+            </a:r>
+            <a:r>
+              <a:rPr lang="en-US" sz="1200" kern="1200" baseline="0" dirty="0" err="1" smtClean="0">
+                <a:solidFill>
+                  <a:schemeClr val="tx1"/>
+                </a:solidFill>
+                <a:latin typeface="+mn-lt"/>
+                <a:ea typeface="+mn-ea"/>
+                <a:cs typeface="+mn-cs"/>
+              </a:rPr>
+              <a:t>auxiliar</a:t>
+            </a:r>
+            <a:r>
+              <a:rPr lang="en-US" sz="1200" kern="1200" baseline="0" dirty="0" smtClean="0">
+                <a:solidFill>
+                  <a:schemeClr val="tx1"/>
+                </a:solidFill>
+                <a:latin typeface="+mn-lt"/>
+                <a:ea typeface="+mn-ea"/>
+                <a:cs typeface="+mn-cs"/>
+              </a:rPr>
+              <a:t> no </a:t>
+            </a:r>
+            <a:r>
+              <a:rPr lang="en-US" sz="1200" kern="1200" baseline="0" dirty="0" err="1" smtClean="0">
+                <a:solidFill>
+                  <a:schemeClr val="tx1"/>
+                </a:solidFill>
+                <a:latin typeface="+mn-lt"/>
+                <a:ea typeface="+mn-ea"/>
+                <a:cs typeface="+mn-cs"/>
+              </a:rPr>
+              <a:t>entendimento</a:t>
+            </a:r>
+            <a:r>
+              <a:rPr lang="en-US" sz="1200" kern="1200" baseline="0" dirty="0" smtClean="0">
+                <a:solidFill>
+                  <a:schemeClr val="tx1"/>
+                </a:solidFill>
+                <a:latin typeface="+mn-lt"/>
+                <a:ea typeface="+mn-ea"/>
+                <a:cs typeface="+mn-cs"/>
+              </a:rPr>
+              <a:t>. Estes </a:t>
             </a:r>
             <a:r>
               <a:rPr lang="en-US" sz="1200" kern="1200" baseline="0" dirty="0" err="1" smtClean="0">
@@ -1894,7 +2346,7 @@
                 <a:ea typeface="+mn-ea"/>
                 <a:cs typeface="+mn-cs"/>
               </a:rPr>
-              <a:t>praticos</a:t>
+              <a:t>normalmente</a:t>
             </a:r>
             <a:r>
               <a:rPr lang="en-US" sz="1200" kern="1200" baseline="0" dirty="0" smtClean="0">
@@ -1916,7 +2368,7 @@
                 <a:ea typeface="+mn-ea"/>
                 <a:cs typeface="+mn-cs"/>
               </a:rPr>
-              <a:t>ajudam</a:t>
+              <a:t>não</a:t>
             </a:r>
             <a:r>
               <a:rPr lang="en-US" sz="1200" kern="1200" baseline="0" dirty="0" smtClean="0">
@@ -1938,7 +2390,63 @@
                 <a:ea typeface="+mn-ea"/>
                 <a:cs typeface="+mn-cs"/>
               </a:rPr>
-              <a:t>na</a:t>
+              <a:t>estimulam</a:t>
+            </a:r>
+            <a:r>
+              <a:rPr lang="en-US" sz="1200" kern="1200" baseline="0" dirty="0" smtClean="0">
+                <a:solidFill>
+                  <a:schemeClr val="tx1"/>
+                </a:solidFill>
+                <a:latin typeface="+mn-lt"/>
+                <a:ea typeface="+mn-ea"/>
+                <a:cs typeface="+mn-cs"/>
+              </a:rPr>
+              <a:t> o </a:t>
+            </a:r>
+            <a:r>
+              <a:rPr lang="en-US" sz="1200" kern="1200" baseline="0" dirty="0" err="1" smtClean="0">
+                <a:solidFill>
+                  <a:schemeClr val="tx1"/>
+                </a:solidFill>
+                <a:latin typeface="+mn-lt"/>
+                <a:ea typeface="+mn-ea"/>
+                <a:cs typeface="+mn-cs"/>
+              </a:rPr>
+              <a:t>aluno</a:t>
+            </a:r>
+            <a:r>
+              <a:rPr lang="en-US" sz="1200" kern="1200" baseline="0" dirty="0" smtClean="0">
+                <a:solidFill>
+                  <a:schemeClr val="tx1"/>
+                </a:solidFill>
+                <a:latin typeface="+mn-lt"/>
+                <a:ea typeface="+mn-ea"/>
+                <a:cs typeface="+mn-cs"/>
+              </a:rPr>
+              <a:t>.</a:t>
+            </a:r>
+          </a:p>
+          <a:p>
+            <a:endParaRPr lang="en-US" sz="1200" kern="1200" baseline="0" dirty="0" smtClean="0">
+              <a:solidFill>
+                <a:schemeClr val="tx1"/>
+              </a:solidFill>
+              <a:latin typeface="+mn-lt"/>
+              <a:ea typeface="+mn-ea"/>
+              <a:cs typeface="+mn-cs"/>
+            </a:endParaRPr>
+          </a:p>
+          <a:p>
+            <a:r>
+              <a:rPr lang="en-US" sz="1200" kern="1200" baseline="0" dirty="0" err="1" smtClean="0">
+                <a:solidFill>
+                  <a:schemeClr val="tx1"/>
+                </a:solidFill>
+                <a:latin typeface="+mn-lt"/>
+                <a:ea typeface="+mn-ea"/>
+                <a:cs typeface="+mn-cs"/>
+              </a:rPr>
+              <a:t>Decidimos</a:t>
             </a:r>
             <a:r>
               <a:rPr lang="en-US" sz="1200" kern="1200" baseline="0" dirty="0" smtClean="0">
@@ -1960,29 +2468,7 @@
                 <a:ea typeface="+mn-ea"/>
                 <a:cs typeface="+mn-cs"/>
               </a:rPr>
-              <a:t>fixacao</a:t>
-            </a:r>
-            <a:r>
-              <a:rPr lang="en-US" sz="1200" kern="1200" baseline="0" dirty="0" smtClean="0">
-                <a:solidFill>
-                  <a:schemeClr val="tx1"/>
-                </a:solidFill>
-                <a:latin typeface="+mn-lt"/>
-                <a:ea typeface="+mn-ea"/>
-                <a:cs typeface="+mn-cs"/>
-              </a:rPr>
-              <a:t> do </a:t>
-            </a:r>
-            <a:r>
-              <a:rPr lang="en-US" sz="1200" kern="1200" baseline="0" dirty="0" err="1" smtClean="0">
-                <a:solidFill>
-                  <a:schemeClr val="tx1"/>
-                </a:solidFill>
-                <a:latin typeface="+mn-lt"/>
-                <a:ea typeface="+mn-ea"/>
-                <a:cs typeface="+mn-cs"/>
-              </a:rPr>
-              <a:t>conteudo</a:t>
+              <a:t>então</a:t>
             </a:r>
             <a:r>
               <a:rPr lang="en-US" sz="1200" kern="1200" baseline="0" dirty="0" smtClean="0">
@@ -2004,7 +2490,29 @@
                 <a:ea typeface="+mn-ea"/>
                 <a:cs typeface="+mn-cs"/>
               </a:rPr>
-              <a:t>aprendido</a:t>
+              <a:t>desenvolver</a:t>
+            </a:r>
+            <a:r>
+              <a:rPr lang="en-US" sz="1200" kern="1200" baseline="0" dirty="0" smtClean="0">
+                <a:solidFill>
+                  <a:schemeClr val="tx1"/>
+                </a:solidFill>
+                <a:latin typeface="+mn-lt"/>
+                <a:ea typeface="+mn-ea"/>
+                <a:cs typeface="+mn-cs"/>
+              </a:rPr>
+              <a:t> um </a:t>
+            </a:r>
+            <a:r>
+              <a:rPr lang="en-US" sz="1200" kern="1200" baseline="0" dirty="0" err="1" smtClean="0">
+                <a:solidFill>
+                  <a:schemeClr val="tx1"/>
+                </a:solidFill>
+                <a:latin typeface="+mn-lt"/>
+                <a:ea typeface="+mn-ea"/>
+                <a:cs typeface="+mn-cs"/>
+              </a:rPr>
+              <a:t>jogo</a:t>
             </a:r>
             <a:r>
               <a:rPr lang="en-US" sz="1200" kern="1200" baseline="0" dirty="0" smtClean="0">
@@ -2026,7 +2534,7 @@
                 <a:ea typeface="+mn-ea"/>
                 <a:cs typeface="+mn-cs"/>
               </a:rPr>
-              <a:t>nas</a:t>
+              <a:t>que</a:t>
             </a:r>
             <a:r>
               <a:rPr lang="en-US" sz="1200" kern="1200" baseline="0" dirty="0" smtClean="0">
@@ -2048,29 +2556,7 @@
                 <a:ea typeface="+mn-ea"/>
                 <a:cs typeface="+mn-cs"/>
               </a:rPr>
-              <a:t>aulas</a:t>
-            </a:r>
-            <a:r>
-              <a:rPr lang="en-US" sz="1200" kern="1200" baseline="0" dirty="0" smtClean="0">
-                <a:solidFill>
-                  <a:schemeClr val="tx1"/>
-                </a:solidFill>
-                <a:latin typeface="+mn-lt"/>
-                <a:ea typeface="+mn-ea"/>
-                <a:cs typeface="+mn-cs"/>
-              </a:rPr>
-              <a:t>, </a:t>
-            </a:r>
-            <a:r>
-              <a:rPr lang="en-US" sz="1200" kern="1200" baseline="0" dirty="0" err="1" smtClean="0">
-                <a:solidFill>
-                  <a:schemeClr val="tx1"/>
-                </a:solidFill>
-                <a:latin typeface="+mn-lt"/>
-                <a:ea typeface="+mn-ea"/>
-                <a:cs typeface="+mn-cs"/>
-              </a:rPr>
-              <a:t>mas</a:t>
+              <a:t>seja</a:t>
             </a:r>
             <a:r>
               <a:rPr lang="en-US" sz="1200" kern="1200" baseline="0" dirty="0" smtClean="0">
@@ -2092,7 +2578,7 @@
                 <a:ea typeface="+mn-ea"/>
                 <a:cs typeface="+mn-cs"/>
               </a:rPr>
-              <a:t>muitas</a:t>
+              <a:t>capaz</a:t>
             </a:r>
             <a:r>
               <a:rPr lang="en-US" sz="1200" kern="1200" baseline="0" dirty="0" smtClean="0">
@@ -2103,7 +2589,7 @@
                 <a:ea typeface="+mn-ea"/>
                 <a:cs typeface="+mn-cs"/>
               </a:rPr>
-              <a:t> das </a:t>
+              <a:t> de </a:t>
             </a:r>
             <a:r>
               <a:rPr lang="en-US" sz="1200" kern="1200" baseline="0" dirty="0" err="1" smtClean="0">
@@ -2114,7 +2600,73 @@
                 <a:ea typeface="+mn-ea"/>
                 <a:cs typeface="+mn-cs"/>
               </a:rPr>
-              <a:t>vezes</a:t>
+              <a:t>auxiliar</a:t>
+            </a:r>
+            <a:r>
+              <a:rPr lang="en-US" sz="1200" kern="1200" baseline="0" dirty="0" smtClean="0">
+                <a:solidFill>
+                  <a:schemeClr val="tx1"/>
+                </a:solidFill>
+                <a:latin typeface="+mn-lt"/>
+                <a:ea typeface="+mn-ea"/>
+                <a:cs typeface="+mn-cs"/>
+              </a:rPr>
+              <a:t> no </a:t>
+            </a:r>
+            <a:r>
+              <a:rPr lang="en-US" sz="1200" kern="1200" baseline="0" dirty="0" err="1" smtClean="0">
+                <a:solidFill>
+                  <a:schemeClr val="tx1"/>
+                </a:solidFill>
+                <a:latin typeface="+mn-lt"/>
+                <a:ea typeface="+mn-ea"/>
+                <a:cs typeface="+mn-cs"/>
+              </a:rPr>
+              <a:t>entendimento</a:t>
+            </a:r>
+            <a:r>
+              <a:rPr lang="en-US" sz="1200" kern="1200" baseline="0" dirty="0" smtClean="0">
+                <a:solidFill>
+                  <a:schemeClr val="tx1"/>
+                </a:solidFill>
+                <a:latin typeface="+mn-lt"/>
+                <a:ea typeface="+mn-ea"/>
+                <a:cs typeface="+mn-cs"/>
+              </a:rPr>
+              <a:t> dos </a:t>
+            </a:r>
+            <a:r>
+              <a:rPr lang="en-US" sz="1200" kern="1200" baseline="0" dirty="0" err="1" smtClean="0">
+                <a:solidFill>
+                  <a:schemeClr val="tx1"/>
+                </a:solidFill>
+                <a:latin typeface="+mn-lt"/>
+                <a:ea typeface="+mn-ea"/>
+                <a:cs typeface="+mn-cs"/>
+              </a:rPr>
+              <a:t>conceitos</a:t>
+            </a:r>
+            <a:r>
+              <a:rPr lang="en-US" sz="1200" kern="1200" baseline="0" dirty="0" smtClean="0">
+                <a:solidFill>
+                  <a:schemeClr val="tx1"/>
+                </a:solidFill>
+                <a:latin typeface="+mn-lt"/>
+                <a:ea typeface="+mn-ea"/>
+                <a:cs typeface="+mn-cs"/>
+              </a:rPr>
+              <a:t> e </a:t>
+            </a:r>
+            <a:r>
+              <a:rPr lang="en-US" sz="1200" kern="1200" baseline="0" dirty="0" err="1" smtClean="0">
+                <a:solidFill>
+                  <a:schemeClr val="tx1"/>
+                </a:solidFill>
+                <a:latin typeface="+mn-lt"/>
+                <a:ea typeface="+mn-ea"/>
+                <a:cs typeface="+mn-cs"/>
+              </a:rPr>
+              <a:t>ao</a:t>
             </a:r>
             <a:r>
               <a:rPr lang="en-US" sz="1200" kern="1200" baseline="0" dirty="0" smtClean="0">
@@ -2136,7 +2688,51 @@
                 <a:ea typeface="+mn-ea"/>
                 <a:cs typeface="+mn-cs"/>
               </a:rPr>
-              <a:t>sao</a:t>
+              <a:t>mesmo</a:t>
+            </a:r>
+            <a:r>
+              <a:rPr lang="en-US" sz="1200" kern="1200" baseline="0" dirty="0" smtClean="0">
+                <a:solidFill>
+                  <a:schemeClr val="tx1"/>
+                </a:solidFill>
+                <a:latin typeface="+mn-lt"/>
+                <a:ea typeface="+mn-ea"/>
+                <a:cs typeface="+mn-cs"/>
+              </a:rPr>
+              <a:t> tempo </a:t>
+            </a:r>
+            <a:r>
+              <a:rPr lang="en-US" sz="1200" kern="1200" baseline="0" dirty="0" err="1" smtClean="0">
+                <a:solidFill>
+                  <a:schemeClr val="tx1"/>
+                </a:solidFill>
+                <a:latin typeface="+mn-lt"/>
+                <a:ea typeface="+mn-ea"/>
+                <a:cs typeface="+mn-cs"/>
+              </a:rPr>
+              <a:t>manter</a:t>
+            </a:r>
+            <a:r>
+              <a:rPr lang="en-US" sz="1200" kern="1200" baseline="0" dirty="0" smtClean="0">
+                <a:solidFill>
+                  <a:schemeClr val="tx1"/>
+                </a:solidFill>
+                <a:latin typeface="+mn-lt"/>
+                <a:ea typeface="+mn-ea"/>
+                <a:cs typeface="+mn-cs"/>
+              </a:rPr>
+              <a:t> o </a:t>
+            </a:r>
+            <a:r>
+              <a:rPr lang="en-US" sz="1200" kern="1200" baseline="0" dirty="0" err="1" smtClean="0">
+                <a:solidFill>
+                  <a:schemeClr val="tx1"/>
+                </a:solidFill>
+                <a:latin typeface="+mn-lt"/>
+                <a:ea typeface="+mn-ea"/>
+                <a:cs typeface="+mn-cs"/>
+              </a:rPr>
+              <a:t>aluno</a:t>
             </a:r>
             <a:r>
               <a:rPr lang="en-US" sz="1200" kern="1200" baseline="0" dirty="0" smtClean="0">
@@ -2158,7 +2754,7 @@
                 <a:ea typeface="+mn-ea"/>
                 <a:cs typeface="+mn-cs"/>
               </a:rPr>
-              <a:t>trabalhos</a:t>
+              <a:t>estimulado</a:t>
             </a:r>
             <a:r>
               <a:rPr lang="en-US" sz="1200" kern="1200" baseline="0" dirty="0" smtClean="0">
@@ -2169,517 +2765,9 @@
                 <a:ea typeface="+mn-ea"/>
                 <a:cs typeface="+mn-cs"/>
               </a:rPr>
-              <a:t> </a:t>
-            </a:r>
-            <a:r>
-              <a:rPr lang="en-US" sz="1200" kern="1200" baseline="0" dirty="0" err="1" smtClean="0">
-                <a:solidFill>
-                  <a:schemeClr val="tx1"/>
-                </a:solidFill>
-                <a:latin typeface="+mn-lt"/>
-                <a:ea typeface="+mn-ea"/>
-                <a:cs typeface="+mn-cs"/>
-              </a:rPr>
-              <a:t>pequenos</a:t>
-            </a:r>
-            <a:r>
-              <a:rPr lang="en-US" sz="1200" kern="1200" baseline="0" dirty="0" smtClean="0">
-                <a:solidFill>
-                  <a:schemeClr val="tx1"/>
-                </a:solidFill>
-                <a:latin typeface="+mn-lt"/>
-                <a:ea typeface="+mn-ea"/>
-                <a:cs typeface="+mn-cs"/>
-              </a:rPr>
-              <a:t> e </a:t>
-            </a:r>
-            <a:r>
-              <a:rPr lang="en-US" sz="1200" kern="1200" baseline="0" dirty="0" err="1" smtClean="0">
-                <a:solidFill>
-                  <a:schemeClr val="tx1"/>
-                </a:solidFill>
-                <a:latin typeface="+mn-lt"/>
-                <a:ea typeface="+mn-ea"/>
-                <a:cs typeface="+mn-cs"/>
-              </a:rPr>
-              <a:t>nem</a:t>
-            </a:r>
-            <a:r>
-              <a:rPr lang="en-US" sz="1200" kern="1200" baseline="0" dirty="0" smtClean="0">
-                <a:solidFill>
-                  <a:schemeClr val="tx1"/>
-                </a:solidFill>
-                <a:latin typeface="+mn-lt"/>
-                <a:ea typeface="+mn-ea"/>
-                <a:cs typeface="+mn-cs"/>
-              </a:rPr>
-              <a:t> </a:t>
-            </a:r>
-            <a:r>
-              <a:rPr lang="en-US" sz="1200" kern="1200" baseline="0" dirty="0" err="1" smtClean="0">
-                <a:solidFill>
-                  <a:schemeClr val="tx1"/>
-                </a:solidFill>
-                <a:latin typeface="+mn-lt"/>
-                <a:ea typeface="+mn-ea"/>
-                <a:cs typeface="+mn-cs"/>
-              </a:rPr>
-              <a:t>sempre</a:t>
-            </a:r>
-            <a:r>
-              <a:rPr lang="en-US" sz="1200" kern="1200" baseline="0" dirty="0" smtClean="0">
-                <a:solidFill>
-                  <a:schemeClr val="tx1"/>
-                </a:solidFill>
-                <a:latin typeface="+mn-lt"/>
-                <a:ea typeface="+mn-ea"/>
-                <a:cs typeface="+mn-cs"/>
-              </a:rPr>
-              <a:t> </a:t>
-            </a:r>
-            <a:r>
-              <a:rPr lang="en-US" sz="1200" kern="1200" baseline="0" dirty="0" err="1" smtClean="0">
-                <a:solidFill>
-                  <a:schemeClr val="tx1"/>
-                </a:solidFill>
-                <a:latin typeface="+mn-lt"/>
-                <a:ea typeface="+mn-ea"/>
-                <a:cs typeface="+mn-cs"/>
-              </a:rPr>
-              <a:t>estimulam</a:t>
-            </a:r>
-            <a:r>
-              <a:rPr lang="en-US" sz="1200" kern="1200" baseline="0" dirty="0" smtClean="0">
-                <a:solidFill>
-                  <a:schemeClr val="tx1"/>
-                </a:solidFill>
-                <a:latin typeface="+mn-lt"/>
-                <a:ea typeface="+mn-ea"/>
-                <a:cs typeface="+mn-cs"/>
-              </a:rPr>
-              <a:t> o </a:t>
-            </a:r>
-            <a:r>
-              <a:rPr lang="en-US" sz="1200" kern="1200" baseline="0" dirty="0" err="1" smtClean="0">
-                <a:solidFill>
-                  <a:schemeClr val="tx1"/>
-                </a:solidFill>
-                <a:latin typeface="+mn-lt"/>
-                <a:ea typeface="+mn-ea"/>
-                <a:cs typeface="+mn-cs"/>
-              </a:rPr>
-              <a:t>aluno</a:t>
-            </a:r>
-            <a:r>
-              <a:rPr lang="en-US" sz="1200" kern="1200" baseline="0" dirty="0" smtClean="0">
-                <a:solidFill>
-                  <a:schemeClr val="tx1"/>
-                </a:solidFill>
-                <a:latin typeface="+mn-lt"/>
-                <a:ea typeface="+mn-ea"/>
-                <a:cs typeface="+mn-cs"/>
-              </a:rPr>
-              <a:t>.</a:t>
-            </a:r>
-          </a:p>
-          <a:p>
-            <a:r>
-              <a:rPr lang="en-US" sz="1200" kern="1200" baseline="0" dirty="0" err="1" smtClean="0">
-                <a:solidFill>
-                  <a:schemeClr val="tx1"/>
-                </a:solidFill>
-                <a:latin typeface="+mn-lt"/>
-                <a:ea typeface="+mn-ea"/>
-                <a:cs typeface="+mn-cs"/>
-              </a:rPr>
-              <a:t>Eu</a:t>
-            </a:r>
-            <a:r>
-              <a:rPr lang="en-US" sz="1200" kern="1200" baseline="0" dirty="0" smtClean="0">
-                <a:solidFill>
-                  <a:schemeClr val="tx1"/>
-                </a:solidFill>
-                <a:latin typeface="+mn-lt"/>
-                <a:ea typeface="+mn-ea"/>
-                <a:cs typeface="+mn-cs"/>
-              </a:rPr>
-              <a:t> </a:t>
-            </a:r>
-            <a:r>
-              <a:rPr lang="en-US" sz="1200" kern="1200" baseline="0" dirty="0" err="1" smtClean="0">
-                <a:solidFill>
-                  <a:schemeClr val="tx1"/>
-                </a:solidFill>
-                <a:latin typeface="+mn-lt"/>
-                <a:ea typeface="+mn-ea"/>
-                <a:cs typeface="+mn-cs"/>
-              </a:rPr>
-              <a:t>particulamente</a:t>
-            </a:r>
-            <a:r>
-              <a:rPr lang="en-US" sz="1200" kern="1200" baseline="0" dirty="0" smtClean="0">
-                <a:solidFill>
-                  <a:schemeClr val="tx1"/>
-                </a:solidFill>
-                <a:latin typeface="+mn-lt"/>
-                <a:ea typeface="+mn-ea"/>
-                <a:cs typeface="+mn-cs"/>
-              </a:rPr>
-              <a:t> </a:t>
-            </a:r>
-            <a:r>
-              <a:rPr lang="en-US" sz="1200" kern="1200" baseline="0" dirty="0" err="1" smtClean="0">
-                <a:solidFill>
-                  <a:schemeClr val="tx1"/>
-                </a:solidFill>
-                <a:latin typeface="+mn-lt"/>
-                <a:ea typeface="+mn-ea"/>
-                <a:cs typeface="+mn-cs"/>
-              </a:rPr>
-              <a:t>adoro</a:t>
-            </a:r>
-            <a:r>
-              <a:rPr lang="en-US" sz="1200" kern="1200" baseline="0" dirty="0" smtClean="0">
-                <a:solidFill>
-                  <a:schemeClr val="tx1"/>
-                </a:solidFill>
-                <a:latin typeface="+mn-lt"/>
-                <a:ea typeface="+mn-ea"/>
-                <a:cs typeface="+mn-cs"/>
-              </a:rPr>
-              <a:t> </a:t>
-            </a:r>
-            <a:r>
-              <a:rPr lang="en-US" sz="1200" kern="1200" baseline="0" dirty="0" err="1" smtClean="0">
-                <a:solidFill>
-                  <a:schemeClr val="tx1"/>
-                </a:solidFill>
-                <a:latin typeface="+mn-lt"/>
-                <a:ea typeface="+mn-ea"/>
-                <a:cs typeface="+mn-cs"/>
-              </a:rPr>
-              <a:t>jogos</a:t>
-            </a:r>
-            <a:r>
-              <a:rPr lang="en-US" sz="1200" kern="1200" baseline="0" dirty="0" smtClean="0">
-                <a:solidFill>
-                  <a:schemeClr val="tx1"/>
-                </a:solidFill>
-                <a:latin typeface="+mn-lt"/>
-                <a:ea typeface="+mn-ea"/>
-                <a:cs typeface="+mn-cs"/>
-              </a:rPr>
-              <a:t>, e </a:t>
-            </a:r>
-            <a:r>
-              <a:rPr lang="en-US" sz="1200" kern="1200" baseline="0" dirty="0" err="1" smtClean="0">
-                <a:solidFill>
-                  <a:schemeClr val="tx1"/>
-                </a:solidFill>
-                <a:latin typeface="+mn-lt"/>
-                <a:ea typeface="+mn-ea"/>
-                <a:cs typeface="+mn-cs"/>
-              </a:rPr>
-              <a:t>eles</a:t>
-            </a:r>
-            <a:r>
-              <a:rPr lang="en-US" sz="1200" kern="1200" baseline="0" dirty="0" smtClean="0">
-                <a:solidFill>
-                  <a:schemeClr val="tx1"/>
-                </a:solidFill>
-                <a:latin typeface="+mn-lt"/>
-                <a:ea typeface="+mn-ea"/>
-                <a:cs typeface="+mn-cs"/>
-              </a:rPr>
-              <a:t> </a:t>
-            </a:r>
-            <a:r>
-              <a:rPr lang="en-US" sz="1200" kern="1200" baseline="0" dirty="0" err="1" smtClean="0">
-                <a:solidFill>
-                  <a:schemeClr val="tx1"/>
-                </a:solidFill>
-                <a:latin typeface="+mn-lt"/>
-                <a:ea typeface="+mn-ea"/>
-                <a:cs typeface="+mn-cs"/>
-              </a:rPr>
-              <a:t>são</a:t>
-            </a:r>
-            <a:r>
-              <a:rPr lang="en-US" sz="1200" kern="1200" baseline="0" dirty="0" smtClean="0">
-                <a:solidFill>
-                  <a:schemeClr val="tx1"/>
-                </a:solidFill>
-                <a:latin typeface="+mn-lt"/>
-                <a:ea typeface="+mn-ea"/>
-                <a:cs typeface="+mn-cs"/>
-              </a:rPr>
-              <a:t> o </a:t>
-            </a:r>
-            <a:r>
-              <a:rPr lang="en-US" sz="1200" kern="1200" baseline="0" dirty="0" err="1" smtClean="0">
-                <a:solidFill>
-                  <a:schemeClr val="tx1"/>
-                </a:solidFill>
-                <a:latin typeface="+mn-lt"/>
-                <a:ea typeface="+mn-ea"/>
-                <a:cs typeface="+mn-cs"/>
-              </a:rPr>
-              <a:t>passatempo</a:t>
-            </a:r>
-            <a:r>
-              <a:rPr lang="en-US" sz="1200" kern="1200" baseline="0" dirty="0" smtClean="0">
-                <a:solidFill>
-                  <a:schemeClr val="tx1"/>
-                </a:solidFill>
-                <a:latin typeface="+mn-lt"/>
-                <a:ea typeface="+mn-ea"/>
-                <a:cs typeface="+mn-cs"/>
-              </a:rPr>
-              <a:t> </a:t>
-            </a:r>
-            <a:r>
-              <a:rPr lang="en-US" sz="1200" kern="1200" baseline="0" dirty="0" err="1" smtClean="0">
-                <a:solidFill>
-                  <a:schemeClr val="tx1"/>
-                </a:solidFill>
-                <a:latin typeface="+mn-lt"/>
-                <a:ea typeface="+mn-ea"/>
-                <a:cs typeface="+mn-cs"/>
-              </a:rPr>
-              <a:t>mais</a:t>
-            </a:r>
-            <a:r>
-              <a:rPr lang="en-US" sz="1200" kern="1200" baseline="0" dirty="0" smtClean="0">
-                <a:solidFill>
-                  <a:schemeClr val="tx1"/>
-                </a:solidFill>
-                <a:latin typeface="+mn-lt"/>
-                <a:ea typeface="+mn-ea"/>
-                <a:cs typeface="+mn-cs"/>
-              </a:rPr>
-              <a:t> </a:t>
-            </a:r>
-            <a:r>
-              <a:rPr lang="en-US" sz="1200" kern="1200" baseline="0" dirty="0" err="1" smtClean="0">
-                <a:solidFill>
-                  <a:schemeClr val="tx1"/>
-                </a:solidFill>
-                <a:latin typeface="+mn-lt"/>
-                <a:ea typeface="+mn-ea"/>
-                <a:cs typeface="+mn-cs"/>
-              </a:rPr>
-              <a:t>atraente</a:t>
-            </a:r>
-            <a:r>
-              <a:rPr lang="en-US" sz="1200" kern="1200" baseline="0" dirty="0" smtClean="0">
-                <a:solidFill>
-                  <a:schemeClr val="tx1"/>
-                </a:solidFill>
-                <a:latin typeface="+mn-lt"/>
-                <a:ea typeface="+mn-ea"/>
-                <a:cs typeface="+mn-cs"/>
-              </a:rPr>
-              <a:t>. Os </a:t>
-            </a:r>
-            <a:r>
-              <a:rPr lang="en-US" sz="1200" kern="1200" baseline="0" dirty="0" err="1" smtClean="0">
-                <a:solidFill>
-                  <a:schemeClr val="tx1"/>
-                </a:solidFill>
-                <a:latin typeface="+mn-lt"/>
-                <a:ea typeface="+mn-ea"/>
-                <a:cs typeface="+mn-cs"/>
-              </a:rPr>
-              <a:t>jogos</a:t>
-            </a:r>
-            <a:r>
-              <a:rPr lang="en-US" sz="1200" kern="1200" baseline="0" dirty="0" smtClean="0">
-                <a:solidFill>
-                  <a:schemeClr val="tx1"/>
-                </a:solidFill>
-                <a:latin typeface="+mn-lt"/>
-                <a:ea typeface="+mn-ea"/>
-                <a:cs typeface="+mn-cs"/>
-              </a:rPr>
-              <a:t> </a:t>
-            </a:r>
-            <a:r>
-              <a:rPr lang="en-US" sz="1200" kern="1200" baseline="0" dirty="0" err="1" smtClean="0">
-                <a:solidFill>
-                  <a:schemeClr val="tx1"/>
-                </a:solidFill>
-                <a:latin typeface="+mn-lt"/>
-                <a:ea typeface="+mn-ea"/>
-                <a:cs typeface="+mn-cs"/>
-              </a:rPr>
-              <a:t>possuem</a:t>
-            </a:r>
-            <a:r>
-              <a:rPr lang="en-US" sz="1200" kern="1200" baseline="0" dirty="0" smtClean="0">
-                <a:solidFill>
-                  <a:schemeClr val="tx1"/>
-                </a:solidFill>
-                <a:latin typeface="+mn-lt"/>
-                <a:ea typeface="+mn-ea"/>
-                <a:cs typeface="+mn-cs"/>
-              </a:rPr>
-              <a:t> </a:t>
-            </a:r>
-            <a:r>
-              <a:rPr lang="en-US" sz="1200" kern="1200" baseline="0" dirty="0" err="1" smtClean="0">
-                <a:solidFill>
-                  <a:schemeClr val="tx1"/>
-                </a:solidFill>
-                <a:latin typeface="+mn-lt"/>
-                <a:ea typeface="+mn-ea"/>
-                <a:cs typeface="+mn-cs"/>
-              </a:rPr>
-              <a:t>regras</a:t>
-            </a:r>
-            <a:r>
-              <a:rPr lang="en-US" sz="1200" kern="1200" baseline="0" dirty="0" smtClean="0">
-                <a:solidFill>
-                  <a:schemeClr val="tx1"/>
-                </a:solidFill>
-                <a:latin typeface="+mn-lt"/>
-                <a:ea typeface="+mn-ea"/>
-                <a:cs typeface="+mn-cs"/>
-              </a:rPr>
-              <a:t>, </a:t>
-            </a:r>
-            <a:r>
-              <a:rPr lang="en-US" sz="1200" kern="1200" baseline="0" dirty="0" err="1" smtClean="0">
-                <a:solidFill>
-                  <a:schemeClr val="tx1"/>
-                </a:solidFill>
-                <a:latin typeface="+mn-lt"/>
-                <a:ea typeface="+mn-ea"/>
-                <a:cs typeface="+mn-cs"/>
-              </a:rPr>
-              <a:t>objetivos</a:t>
-            </a:r>
-            <a:r>
-              <a:rPr lang="en-US" sz="1200" kern="1200" baseline="0" dirty="0" smtClean="0">
-                <a:solidFill>
-                  <a:schemeClr val="tx1"/>
-                </a:solidFill>
-                <a:latin typeface="+mn-lt"/>
-                <a:ea typeface="+mn-ea"/>
-                <a:cs typeface="+mn-cs"/>
-              </a:rPr>
-              <a:t>, </a:t>
-            </a:r>
-            <a:r>
-              <a:rPr lang="en-US" sz="1200" kern="1200" baseline="0" dirty="0" err="1" smtClean="0">
-                <a:solidFill>
-                  <a:schemeClr val="tx1"/>
-                </a:solidFill>
-                <a:latin typeface="+mn-lt"/>
-                <a:ea typeface="+mn-ea"/>
-                <a:cs typeface="+mn-cs"/>
-              </a:rPr>
-              <a:t>sao</a:t>
-            </a:r>
-            <a:r>
-              <a:rPr lang="en-US" sz="1200" kern="1200" baseline="0" dirty="0" smtClean="0">
-                <a:solidFill>
-                  <a:schemeClr val="tx1"/>
-                </a:solidFill>
-                <a:latin typeface="+mn-lt"/>
-                <a:ea typeface="+mn-ea"/>
-                <a:cs typeface="+mn-cs"/>
-              </a:rPr>
-              <a:t> </a:t>
-            </a:r>
-            <a:r>
-              <a:rPr lang="en-US" sz="1200" kern="1200" baseline="0" dirty="0" err="1" smtClean="0">
-                <a:solidFill>
-                  <a:schemeClr val="tx1"/>
-                </a:solidFill>
-                <a:latin typeface="+mn-lt"/>
-                <a:ea typeface="+mn-ea"/>
-                <a:cs typeface="+mn-cs"/>
-              </a:rPr>
-              <a:t>interativos</a:t>
-            </a:r>
-            <a:r>
-              <a:rPr lang="en-US" sz="1200" kern="1200" baseline="0" dirty="0" smtClean="0">
-                <a:solidFill>
-                  <a:schemeClr val="tx1"/>
-                </a:solidFill>
-                <a:latin typeface="+mn-lt"/>
-                <a:ea typeface="+mn-ea"/>
-                <a:cs typeface="+mn-cs"/>
-              </a:rPr>
-              <a:t>, </a:t>
-            </a:r>
-            <a:r>
-              <a:rPr lang="en-US" sz="1200" kern="1200" baseline="0" dirty="0" err="1" smtClean="0">
-                <a:solidFill>
-                  <a:schemeClr val="tx1"/>
-                </a:solidFill>
-                <a:latin typeface="+mn-lt"/>
-                <a:ea typeface="+mn-ea"/>
-                <a:cs typeface="+mn-cs"/>
-              </a:rPr>
-              <a:t>fornecem</a:t>
-            </a:r>
-            <a:r>
-              <a:rPr lang="en-US" sz="1200" kern="1200" baseline="0" dirty="0" smtClean="0">
-                <a:solidFill>
-                  <a:schemeClr val="tx1"/>
-                </a:solidFill>
-                <a:latin typeface="+mn-lt"/>
-                <a:ea typeface="+mn-ea"/>
-                <a:cs typeface="+mn-cs"/>
-              </a:rPr>
-              <a:t> </a:t>
-            </a:r>
-            <a:r>
-              <a:rPr lang="en-US" sz="1200" kern="1200" baseline="0" dirty="0" err="1" smtClean="0">
-                <a:solidFill>
-                  <a:schemeClr val="tx1"/>
-                </a:solidFill>
-                <a:latin typeface="+mn-lt"/>
-                <a:ea typeface="+mn-ea"/>
-                <a:cs typeface="+mn-cs"/>
-              </a:rPr>
-              <a:t>entretenimento</a:t>
-            </a:r>
-            <a:r>
-              <a:rPr lang="en-US" sz="1200" kern="1200" baseline="0" dirty="0" smtClean="0">
-                <a:solidFill>
-                  <a:schemeClr val="tx1"/>
-                </a:solidFill>
-                <a:latin typeface="+mn-lt"/>
-                <a:ea typeface="+mn-ea"/>
-                <a:cs typeface="+mn-cs"/>
-              </a:rPr>
-              <a:t> e </a:t>
-            </a:r>
-            <a:r>
-              <a:rPr lang="en-US" sz="1200" kern="1200" baseline="0" dirty="0" err="1" smtClean="0">
-                <a:solidFill>
-                  <a:schemeClr val="tx1"/>
-                </a:solidFill>
-                <a:latin typeface="+mn-lt"/>
-                <a:ea typeface="+mn-ea"/>
-                <a:cs typeface="+mn-cs"/>
-              </a:rPr>
-              <a:t>aprendizado</a:t>
-            </a:r>
-            <a:r>
-              <a:rPr lang="en-US" sz="1200" kern="1200" baseline="0" dirty="0" smtClean="0">
-                <a:solidFill>
-                  <a:schemeClr val="tx1"/>
-                </a:solidFill>
-                <a:latin typeface="+mn-lt"/>
-                <a:ea typeface="+mn-ea"/>
-                <a:cs typeface="+mn-cs"/>
-              </a:rPr>
-              <a:t>.</a:t>
-            </a:r>
-            <a:endParaRPr lang="en-US" sz="1200" kern="1200" dirty="0" smtClean="0">
+              <a:t>. </a:t>
+            </a:r>
+            <a:endParaRPr lang="en-US" sz="1200" kern="1200" baseline="0" dirty="0" smtClean="0">
               <a:solidFill>
                 <a:schemeClr val="tx1"/>
               </a:solidFill>
@@ -2768,24 +2856,25 @@
           </a:bodyPr>
           <a:lstStyle/>
           <a:p>
-            <a:r>
-              <a:rPr lang="pt-BR" dirty="0" smtClean="0"/>
-              <a:t>Falar brevemente</a:t>
-            </a:r>
-            <a:r>
-              <a:rPr lang="pt-BR" baseline="0" dirty="0" smtClean="0"/>
-              <a:t> que já foram feitos outros jogos de ensino de ES (3 de cartas, onde foram baseados no </a:t>
-            </a:r>
-            <a:r>
-              <a:rPr lang="pt-BR" baseline="0" dirty="0" err="1" smtClean="0"/>
-              <a:t>PnP</a:t>
-            </a:r>
-            <a:r>
-              <a:rPr lang="pt-BR" baseline="0" dirty="0" smtClean="0"/>
-              <a:t>, e dois de computador). O jogador tem </a:t>
-            </a:r>
-            <a:r>
-              <a:rPr lang="pt-BR" sz="1200" kern="1200" dirty="0" smtClean="0">
+            <a:pPr marL="0" marR="0" indent="0" algn="l" defTabSz="914400" rtl="0" eaLnBrk="1" fontAlgn="auto" latinLnBrk="0" hangingPunct="1">
+              <a:lnSpc>
+                <a:spcPct val="100000"/>
+              </a:lnSpc>
+              <a:spcBef>
+                <a:spcPts val="0"/>
+              </a:spcBef>
+              <a:spcAft>
+                <a:spcPts val="0"/>
+              </a:spcAft>
+              <a:buClrTx/>
+              <a:buSzTx/>
+              <a:buFontTx/>
+              <a:buNone/>
+              <a:tabLst/>
+              <a:defRPr/>
+            </a:pPr>
+            <a:r>
+              <a:rPr lang="pt-BR" sz="1200" kern="1200" baseline="0" dirty="0" err="1" smtClean="0">
                 <a:solidFill>
                   <a:schemeClr val="tx1"/>
                 </a:solidFill>
@@ -2793,7 +2882,18 @@
                 <a:ea typeface="+mn-ea"/>
                 <a:cs typeface="+mn-cs"/>
               </a:rPr>
-              <a:t>cargo de gerente de projetos.</a:t>
+              <a:t>SimSE</a:t>
+            </a:r>
+            <a:r>
+              <a:rPr lang="pt-BR" sz="1200" kern="1200" baseline="0" dirty="0" smtClean="0">
+                <a:solidFill>
+                  <a:schemeClr val="tx1"/>
+                </a:solidFill>
+                <a:latin typeface="+mn-lt"/>
+                <a:ea typeface="+mn-ea"/>
+                <a:cs typeface="+mn-cs"/>
+              </a:rPr>
+              <a:t> simula modelos de processos e o TIM é focado no gerenciamento de projetos.</a:t>
             </a:r>
           </a:p>
           <a:p>
@@ -2897,6 +2997,16 @@
             </a:r>
           </a:p>
           <a:p>
+            <a:endParaRPr lang="pt-BR" sz="1200" kern="1200" baseline="0" dirty="0" smtClean="0">
+              <a:solidFill>
+                <a:schemeClr val="tx1"/>
+              </a:solidFill>
+              <a:latin typeface="+mn-lt"/>
+              <a:ea typeface="+mn-ea"/>
+              <a:cs typeface="+mn-cs"/>
+            </a:endParaRPr>
+          </a:p>
+          <a:p>
             <a:r>
               <a:rPr lang="pt-BR" sz="1200" kern="1200" baseline="0" dirty="0" smtClean="0">
                 <a:solidFill>
@@ -2906,12 +3016,10 @@
                 <a:ea typeface="+mn-ea"/>
                 <a:cs typeface="+mn-cs"/>
               </a:rPr>
-              <a:t>JEEES foi baseado no Simules e tem como objetivo passar conhecimentos de Gerencia de Configuração</a:t>
-            </a:r>
-          </a:p>
-          <a:p>
-            <a:r>
-              <a:rPr lang="pt-BR" sz="1200" kern="1200" baseline="0" dirty="0" err="1" smtClean="0">
+              <a:t>JEEES foi baseado no Simules e tem como objetivo passar conhecimentos de Gerencia de </a:t>
+            </a:r>
+            <a:r>
+              <a:rPr lang="pt-BR" sz="1200" kern="1200" baseline="0" dirty="0" smtClean="0">
                 <a:solidFill>
                   <a:schemeClr val="tx1"/>
                 </a:solidFill>
@@ -2919,19 +3027,16 @@
                 <a:ea typeface="+mn-ea"/>
                 <a:cs typeface="+mn-cs"/>
               </a:rPr>
-              <a:t>SimSE</a:t>
-            </a:r>
-            <a:r>
-              <a:rPr lang="pt-BR" sz="1200" kern="1200" baseline="0" dirty="0" smtClean="0">
-                <a:solidFill>
-                  <a:schemeClr val="tx1"/>
-                </a:solidFill>
-                <a:latin typeface="+mn-lt"/>
-                <a:ea typeface="+mn-ea"/>
-                <a:cs typeface="+mn-cs"/>
-              </a:rPr>
-              <a:t> simula modelos de processos e o TIM é focado no gerenciamento de projetos.</a:t>
-            </a:r>
+              <a:t>Configuração</a:t>
+            </a:r>
+            <a:endParaRPr lang="pt-BR" sz="1200" kern="1200" baseline="0" dirty="0" smtClean="0">
+              <a:solidFill>
+                <a:schemeClr val="tx1"/>
+              </a:solidFill>
+              <a:latin typeface="+mn-lt"/>
+              <a:ea typeface="+mn-ea"/>
+              <a:cs typeface="+mn-cs"/>
+            </a:endParaRPr>
           </a:p>
         </p:txBody>
       </p:sp>
@@ -3015,25 +3120,23 @@
           <a:p>
             <a:r>
               <a:rPr lang="pt-BR" dirty="0" smtClean="0"/>
-              <a:t>O SDM</a:t>
+              <a:t>Assim como os demais jogos, o SDM </a:t>
+            </a:r>
+            <a:r>
+              <a:rPr lang="pt-BR" dirty="0" err="1" smtClean="0"/>
+              <a:t>partence</a:t>
             </a:r>
             <a:r>
               <a:rPr lang="pt-BR" baseline="0" dirty="0" smtClean="0"/>
-              <a:t> pertence a categoria de jogos sérios, ou seja, é utilizado como uma ferramenta de aprendizado.</a:t>
-            </a:r>
-          </a:p>
-          <a:p>
+              <a:t> a categoria de jogos </a:t>
+            </a:r>
+            <a:r>
+              <a:rPr lang="pt-BR" baseline="0" dirty="0" err="1" smtClean="0"/>
+              <a:t>serios</a:t>
+            </a:r>
             <a:r>
               <a:rPr lang="pt-BR" baseline="0" dirty="0" smtClean="0"/>
-              <a:t>O objetivo deste jogo é auxiliar no aprendizado de conceitos e praticas de ES, especificamente de gestão de pessoas, que é um ponto importante para a produção de softwares de qualidade. Além disso o jogo também transmite a ideia que o cliente, quando contrata os </a:t>
-            </a:r>
-            <a:r>
-              <a:rPr lang="pt-BR" baseline="0" dirty="0" err="1" smtClean="0"/>
-              <a:t>serviçõs</a:t>
-            </a:r>
-            <a:r>
-              <a:rPr lang="pt-BR" baseline="0" dirty="0" smtClean="0"/>
-              <a:t> do jogador, possui requisitos que devem ser respeitados.</a:t>
+              <a:t>, sendo utilizado como uma ferramenta de aprendizado, cujo foco é em gestão de pessoas, um fator importante para o desenvolvimento de softwares de qualidade.</a:t>
             </a:r>
             <a:endParaRPr lang="pt-BR" dirty="0"/>
           </a:p>
@@ -3119,51 +3222,100 @@
           <a:p>
             <a:r>
               <a:rPr lang="pt-BR" dirty="0" smtClean="0"/>
-              <a:t>Estes papéis são de 6 tipos:</a:t>
+              <a:t>Para manter o aluno estimulado, algumas </a:t>
+            </a:r>
+            <a:r>
+              <a:rPr lang="pt-BR" dirty="0" err="1" smtClean="0"/>
+              <a:t>tecnicas</a:t>
             </a:r>
             <a:r>
               <a:rPr lang="pt-BR" baseline="0" dirty="0" smtClean="0"/>
-              <a:t> Analista, que é </a:t>
+              <a:t> de jogos foram incorporadas no SDM.</a:t>
+            </a:r>
+          </a:p>
+          <a:p>
+            <a:r>
+              <a:rPr lang="pt-BR" baseline="0" dirty="0" smtClean="0"/>
+              <a:t>O </a:t>
             </a:r>
             <a:r>
               <a:rPr lang="pt-BR" baseline="0" dirty="0" err="1" smtClean="0"/>
-              <a:t>responsavel</a:t>
+              <a:t>countdown</a:t>
             </a:r>
             <a:r>
               <a:rPr lang="pt-BR" baseline="0" dirty="0" smtClean="0"/>
-              <a:t> em conversar com o cliente para validar o modelo do software que esta sendo desenvolvido; O </a:t>
+              <a:t>, no SDM, é realizado </a:t>
             </a:r>
             <a:r>
               <a:rPr lang="pt-BR" baseline="0" dirty="0" err="1" smtClean="0"/>
-              <a:t>arquireto</a:t>
+              <a:t>atraves</a:t>
             </a:r>
             <a:r>
               <a:rPr lang="pt-BR" baseline="0" dirty="0" smtClean="0"/>
-              <a:t> que cria planos de testes.; O gerente; Marketing que auxilia o analista durante as validações e faz negociações com o cliente; Programador que desenvolve o software e insere </a:t>
+              <a:t> dos deadlines dos projetos.</a:t>
+            </a:r>
+          </a:p>
+          <a:p>
+            <a:r>
+              <a:rPr lang="pt-BR" baseline="0" dirty="0" smtClean="0"/>
+              <a:t>Quando o jogador termina um projeto, novos projetos estarão </a:t>
             </a:r>
             <a:r>
               <a:rPr lang="pt-BR" baseline="0" dirty="0" err="1" smtClean="0"/>
-              <a:t>bugs</a:t>
+              <a:t>disponiveis</a:t>
             </a:r>
             <a:r>
               <a:rPr lang="pt-BR" baseline="0" dirty="0" smtClean="0"/>
-              <a:t>; e o testador que no SDM, é </a:t>
+              <a:t>. Estes projetos são gerados randomicamente, seguindo algumas restrições.</a:t>
+            </a:r>
+          </a:p>
+          <a:p>
+            <a:endParaRPr lang="pt-BR" baseline="0" dirty="0" smtClean="0"/>
+          </a:p>
+          <a:p>
+            <a:r>
+              <a:rPr lang="pt-BR" baseline="0" dirty="0" smtClean="0"/>
+              <a:t>Alem disso, conforme projetos são </a:t>
             </a:r>
             <a:r>
               <a:rPr lang="pt-BR" baseline="0" dirty="0" err="1" smtClean="0"/>
-              <a:t>responsavel</a:t>
+              <a:t>concluidos</a:t>
             </a:r>
             <a:r>
               <a:rPr lang="pt-BR" baseline="0" dirty="0" smtClean="0"/>
-              <a:t> em remover os </a:t>
+              <a:t>, os </a:t>
             </a:r>
             <a:r>
               <a:rPr lang="pt-BR" baseline="0" dirty="0" err="1" smtClean="0"/>
-              <a:t>bugs</a:t>
+              <a:t>funcionarios</a:t>
             </a:r>
             <a:r>
               <a:rPr lang="pt-BR" baseline="0" dirty="0" smtClean="0"/>
-              <a:t> colocados pelo programador.</a:t>
+              <a:t> e a empresa do jogador adquirem </a:t>
+            </a:r>
+            <a:r>
+              <a:rPr lang="pt-BR" baseline="0" dirty="0" err="1" smtClean="0"/>
+              <a:t>experiencia</a:t>
+            </a:r>
+            <a:r>
+              <a:rPr lang="pt-BR" baseline="0" dirty="0" smtClean="0"/>
+              <a:t>, que quando alcançado um determinado valor eles ganham um </a:t>
+            </a:r>
+            <a:r>
+              <a:rPr lang="pt-BR" baseline="0" dirty="0" err="1" smtClean="0"/>
+              <a:t>nivel</a:t>
+            </a:r>
+            <a:r>
+              <a:rPr lang="pt-BR" baseline="0" dirty="0" smtClean="0"/>
+              <a:t>. No entanto, a empresa tanto ganha </a:t>
+            </a:r>
+            <a:r>
+              <a:rPr lang="pt-BR" baseline="0" dirty="0" err="1" smtClean="0"/>
+              <a:t>experiencia</a:t>
+            </a:r>
+            <a:r>
+              <a:rPr lang="pt-BR" baseline="0" dirty="0" smtClean="0"/>
+              <a:t> quando se conclui um projeto quanto perde quando o jogador fracassa.</a:t>
             </a:r>
             <a:endParaRPr lang="pt-BR" dirty="0"/>
           </a:p>
@@ -3187,7 +3339,7 @@
             <a:fld id="{C08094CF-D84A-4161-9F88-9244F515EB29}" type="slidenum">
               <a:rPr lang="pt-BR" smtClean="0"/>
               <a:pPr/>
-              <a:t>7</a:t>
+              <a:t>5</a:t>
             </a:fld>
             <a:endParaRPr lang="pt-BR"/>
           </a:p>
@@ -3249,27 +3401,55 @@
           <a:p>
             <a:r>
               <a:rPr lang="pt-BR" dirty="0" smtClean="0"/>
-              <a:t>Para os atributos dos </a:t>
+              <a:t>Esta figura ilustra a interface </a:t>
             </a:r>
             <a:r>
               <a:rPr lang="pt-BR" dirty="0" err="1" smtClean="0"/>
-              <a:t>funcionarios</a:t>
-            </a:r>
-            <a:r>
-              <a:rPr lang="pt-BR" dirty="0" smtClean="0"/>
-              <a:t>, foi feito um estudo</a:t>
+              <a:t>grafica</a:t>
             </a:r>
             <a:r>
               <a:rPr lang="pt-BR" baseline="0" dirty="0" smtClean="0"/>
-              <a:t> sobre </a:t>
+              <a:t> do SDM.</a:t>
+            </a:r>
+          </a:p>
+          <a:p>
+            <a:r>
+              <a:rPr lang="pt-BR" baseline="0" dirty="0" smtClean="0"/>
+              <a:t>No canto superior encontram-se os itens referentes ao gerenciamento da equipe do jogador. Permitindo alterar a metodologia de trabalho, a linguagem de programação e </a:t>
             </a:r>
             <a:r>
               <a:rPr lang="pt-BR" baseline="0" dirty="0" err="1" smtClean="0"/>
-              <a:t>possiveis</a:t>
+              <a:t>iteragir</a:t>
             </a:r>
             <a:r>
               <a:rPr lang="pt-BR" baseline="0" dirty="0" smtClean="0"/>
-              <a:t> </a:t>
+              <a:t> com cada membro da equipe.</a:t>
+            </a:r>
+          </a:p>
+          <a:p>
+            <a:endParaRPr lang="pt-BR" baseline="0" dirty="0" smtClean="0"/>
+          </a:p>
+          <a:p>
+            <a:r>
+              <a:rPr lang="pt-BR" baseline="0" dirty="0" smtClean="0"/>
+              <a:t>No canto esquerdo da imagem encontra-se um resumo das despesas que o jogador tem com cada </a:t>
+            </a:r>
+            <a:r>
+              <a:rPr lang="pt-BR" baseline="0" dirty="0" err="1" smtClean="0"/>
+              <a:t>funcionario</a:t>
+            </a:r>
+            <a:r>
+              <a:rPr lang="pt-BR" baseline="0" dirty="0" smtClean="0"/>
+              <a:t> e o estado destes, em relação ao moral e estamina.</a:t>
+            </a:r>
+          </a:p>
+          <a:p>
+            <a:endParaRPr lang="pt-BR" baseline="0" dirty="0" smtClean="0"/>
+          </a:p>
+          <a:p>
+            <a:r>
+              <a:rPr lang="pt-BR" baseline="0" dirty="0" smtClean="0"/>
+              <a:t>No canto inferior encontra-se as </a:t>
             </a:r>
             <a:r>
               <a:rPr lang="pt-BR" baseline="0" dirty="0" err="1" smtClean="0"/>
@@ -3277,53 +3457,23 @@
             </a:r>
             <a:r>
               <a:rPr lang="pt-BR" baseline="0" dirty="0" smtClean="0"/>
-              <a:t> de pessoas que desempenham os papeis presentes no SDM.</a:t>
-            </a:r>
-          </a:p>
-          <a:p>
+              <a:t> do projeto em andamento, incluindo o deadline, % </a:t>
+            </a:r>
+            <a:r>
+              <a:rPr lang="pt-BR" baseline="0" dirty="0" err="1" smtClean="0"/>
+              <a:t>concluido</a:t>
+            </a:r>
             <a:r>
               <a:rPr lang="pt-BR" baseline="0" dirty="0" smtClean="0"/>
-              <a:t>Refinando os resultados encontrados por Santos e Russo, foram escolhidos 9 atributos que representariam o </a:t>
+              <a:t> e a validação do modelo. </a:t>
             </a:r>
             <a:r>
               <a:rPr lang="pt-BR" baseline="0" dirty="0" err="1" smtClean="0"/>
-              <a:t>funcionario</a:t>
+              <a:t>Tambem</a:t>
             </a:r>
             <a:r>
               <a:rPr lang="pt-BR" baseline="0" dirty="0" smtClean="0"/>
-              <a:t>. Estes 9 atributos são utilizados para o calculo dos atributos de desempenho, que não são </a:t>
-            </a:r>
-            <a:r>
-              <a:rPr lang="pt-BR" baseline="0" dirty="0" err="1" smtClean="0"/>
-              <a:t>visiveis</a:t>
-            </a:r>
-            <a:r>
-              <a:rPr lang="pt-BR" baseline="0" dirty="0" smtClean="0"/>
-              <a:t> para o jogador. Como os </a:t>
-            </a:r>
-            <a:r>
-              <a:rPr lang="pt-BR" baseline="0" dirty="0" err="1" smtClean="0"/>
-              <a:t>unicos</a:t>
-            </a:r>
-            <a:r>
-              <a:rPr lang="pt-BR" baseline="0" dirty="0" smtClean="0"/>
-              <a:t> atributos exibidos ao jogador são os humanos, cabe ao jogador analisar estes atributos e deduzir qual </a:t>
-            </a:r>
-            <a:r>
-              <a:rPr lang="pt-BR" baseline="0" dirty="0" err="1" smtClean="0"/>
-              <a:t>papél</a:t>
-            </a:r>
-            <a:r>
-              <a:rPr lang="pt-BR" baseline="0" dirty="0" smtClean="0"/>
-              <a:t> é mais adequado para o </a:t>
-            </a:r>
-            <a:r>
-              <a:rPr lang="pt-BR" baseline="0" dirty="0" err="1" smtClean="0"/>
-              <a:t>funcionario</a:t>
-            </a:r>
-            <a:r>
-              <a:rPr lang="pt-BR" baseline="0" dirty="0" smtClean="0"/>
-              <a:t>.</a:t>
+              <a:t> encontra-se o controle de passagem de tempo.</a:t>
             </a:r>
             <a:endParaRPr lang="pt-BR" dirty="0"/>
           </a:p>
@@ -3347,7 +3497,7 @@
             <a:fld id="{C08094CF-D84A-4161-9F88-9244F515EB29}" type="slidenum">
               <a:rPr lang="pt-BR" smtClean="0"/>
               <a:pPr/>
-              <a:t>8</a:t>
+              <a:t>6</a:t>
             </a:fld>
             <a:endParaRPr lang="pt-BR"/>
           </a:p>
@@ -3408,18 +3558,20 @@
           <a:lstStyle/>
           <a:p>
             <a:r>
-              <a:rPr lang="pt-BR" smtClean="0"/>
-              <a:t>Rascunho:</a:t>
-            </a:r>
-          </a:p>
-          <a:p>
-            <a:r>
-              <a:rPr lang="pt-BR" dirty="0" smtClean="0"/>
-              <a:t>No</a:t>
+              <a:rPr lang="pt-BR" dirty="0" smtClean="0"/>
+              <a:t>Como o enfoque do SDM é</a:t>
             </a:r>
             <a:r>
               <a:rPr lang="pt-BR" baseline="0" dirty="0" smtClean="0"/>
-              <a:t> SDM tanto os </a:t>
+              <a:t> em </a:t>
+            </a:r>
+            <a:r>
+              <a:rPr lang="pt-BR" baseline="0" dirty="0" err="1" smtClean="0"/>
+              <a:t>gestao</a:t>
+            </a:r>
+            <a:r>
+              <a:rPr lang="pt-BR" baseline="0" dirty="0" smtClean="0"/>
+              <a:t> de pessoas, os </a:t>
             </a:r>
             <a:r>
               <a:rPr lang="pt-BR" baseline="0" dirty="0" err="1" smtClean="0"/>
@@ -3427,40 +3579,13 @@
             </a:r>
             <a:r>
               <a:rPr lang="pt-BR" baseline="0" dirty="0" smtClean="0"/>
-              <a:t> quanto a empresa do jogador podem progredir com o passar do tempo de acordo com o desempenho.</a:t>
-            </a:r>
-          </a:p>
-          <a:p>
-            <a:endParaRPr lang="pt-BR" baseline="0" dirty="0" smtClean="0"/>
+              <a:t> acabaram tendo uma complexidade superior aos demais jogos.</a:t>
+            </a:r>
           </a:p>
           <a:p>
             <a:r>
               <a:rPr lang="pt-BR" baseline="0" dirty="0" smtClean="0"/>
-              <a:t>Os </a:t>
-            </a:r>
-            <a:r>
-              <a:rPr lang="pt-BR" baseline="0" dirty="0" err="1" smtClean="0"/>
-              <a:t>funcionarios</a:t>
-            </a:r>
-            <a:r>
-              <a:rPr lang="pt-BR" baseline="0" dirty="0" smtClean="0"/>
-              <a:t>, quando se termina um projeto, recebem uma quantia de pontos de </a:t>
-            </a:r>
-            <a:r>
-              <a:rPr lang="pt-BR" baseline="0" dirty="0" err="1" smtClean="0"/>
-              <a:t>experiencia</a:t>
-            </a:r>
-            <a:r>
-              <a:rPr lang="pt-BR" baseline="0" dirty="0" smtClean="0"/>
-              <a:t> (de acordo com a complexidade do projeto e do resultado final, se concluiu ou não). Quando um verto valor de </a:t>
-            </a:r>
-            <a:r>
-              <a:rPr lang="pt-BR" baseline="0" dirty="0" err="1" smtClean="0"/>
-              <a:t>experiencia</a:t>
-            </a:r>
-            <a:r>
-              <a:rPr lang="pt-BR" baseline="0" dirty="0" smtClean="0"/>
-              <a:t> é alcançado, o </a:t>
+              <a:t>No SDM, a numero de papeis que um </a:t>
             </a:r>
             <a:r>
               <a:rPr lang="pt-BR" baseline="0" dirty="0" err="1" smtClean="0"/>
@@ -3468,66 +3593,22 @@
             </a:r>
             <a:r>
               <a:rPr lang="pt-BR" baseline="0" dirty="0" smtClean="0"/>
-              <a:t> adquire um novo </a:t>
+              <a:t> pode desempenhar subiu para 6. Analista, arquiteto, gerente, marketing, programador e </a:t>
             </a:r>
             <a:r>
               <a:rPr lang="pt-BR" baseline="0" dirty="0" err="1" smtClean="0"/>
-              <a:t>level</a:t>
+              <a:t>tester</a:t>
             </a:r>
             <a:r>
               <a:rPr lang="pt-BR" baseline="0" dirty="0" smtClean="0"/>
-              <a:t>, ganhando pontos em atributos de acordo com o papel desempenhado. Note que todos os atributos podem ser afetados, já que o desempenho em cada papel é influenciado por todos os atributos, mas com pesos diferentes.</a:t>
-            </a:r>
-          </a:p>
-          <a:p>
-            <a:endParaRPr lang="pt-BR" baseline="0" dirty="0" smtClean="0"/>
+              <a:t>.</a:t>
+            </a:r>
           </a:p>
           <a:p>
             <a:r>
               <a:rPr lang="pt-BR" baseline="0" dirty="0" smtClean="0"/>
-              <a:t>A empresa </a:t>
-            </a:r>
-            <a:r>
-              <a:rPr lang="pt-BR" baseline="0" dirty="0" err="1" smtClean="0"/>
-              <a:t>tambem</a:t>
-            </a:r>
-            <a:r>
-              <a:rPr lang="pt-BR" baseline="0" dirty="0" smtClean="0"/>
-              <a:t> ganha </a:t>
-            </a:r>
-            <a:r>
-              <a:rPr lang="pt-BR" baseline="0" dirty="0" err="1" smtClean="0"/>
-              <a:t>experiencia</a:t>
-            </a:r>
-            <a:r>
-              <a:rPr lang="pt-BR" baseline="0" dirty="0" smtClean="0"/>
-              <a:t> na conclusão de projetos, ou perde </a:t>
-            </a:r>
-            <a:r>
-              <a:rPr lang="pt-BR" baseline="0" dirty="0" err="1" smtClean="0"/>
-              <a:t>experiencia</a:t>
-            </a:r>
-            <a:r>
-              <a:rPr lang="pt-BR" baseline="0" dirty="0" smtClean="0"/>
-              <a:t> caso não tenha conseguido concluir. Conforme a empresa sobe de </a:t>
-            </a:r>
-            <a:r>
-              <a:rPr lang="pt-BR" baseline="0" dirty="0" err="1" smtClean="0"/>
-              <a:t>nivel</a:t>
-            </a:r>
-            <a:r>
-              <a:rPr lang="pt-BR" baseline="0" dirty="0" smtClean="0"/>
-              <a:t>, novos projetos (com mais complexidade) estarão </a:t>
-            </a:r>
-            <a:r>
-              <a:rPr lang="pt-BR" baseline="0" dirty="0" err="1" smtClean="0"/>
-              <a:t>disponiveis</a:t>
-            </a:r>
-            <a:r>
-              <a:rPr lang="pt-BR" baseline="0" dirty="0" smtClean="0"/>
-              <a:t> para o jogador, onde estes são mais desafiadores, mas fornecem mais recursos para possibilitar uma equipe de desenvolvimento maior.</a:t>
-            </a:r>
-            <a:endParaRPr lang="pt-BR" dirty="0"/>
+              <a:t>Cada papel contribui de alguma forma durante o desenvolvimento do software.</a:t>
+            </a:r>
           </a:p>
         </p:txBody>
       </p:sp>
@@ -3549,7 +3630,7 @@
             <a:fld id="{C08094CF-D84A-4161-9F88-9244F515EB29}" type="slidenum">
               <a:rPr lang="pt-BR" smtClean="0"/>
               <a:pPr/>
-              <a:t>9</a:t>
+              <a:t>7</a:t>
             </a:fld>
             <a:endParaRPr lang="pt-BR"/>
           </a:p>
@@ -3611,11 +3692,11 @@
           <a:p>
             <a:r>
               <a:rPr lang="pt-BR" dirty="0" smtClean="0"/>
-              <a:t>Além</a:t>
+              <a:t>Alem de papeis,</a:t>
             </a:r>
             <a:r>
               <a:rPr lang="pt-BR" baseline="0" dirty="0" smtClean="0"/>
-              <a:t> dos atributos, os </a:t>
+              <a:t> os </a:t>
             </a:r>
             <a:r>
               <a:rPr lang="pt-BR" baseline="0" dirty="0" err="1" smtClean="0"/>
@@ -3623,31 +3704,23 @@
             </a:r>
             <a:r>
               <a:rPr lang="pt-BR" baseline="0" dirty="0" smtClean="0"/>
-              <a:t> possuem especializações. Estas </a:t>
+              <a:t> possuem atributos. No entanto, no SDM esses atributos refletem </a:t>
             </a:r>
             <a:r>
               <a:rPr lang="pt-BR" baseline="0" dirty="0" err="1" smtClean="0"/>
-              <a:t>especializacoes</a:t>
+              <a:t>caracteristicas</a:t>
             </a:r>
             <a:r>
               <a:rPr lang="pt-BR" baseline="0" dirty="0" smtClean="0"/>
-              <a:t> podem ser de 3 tipos: ferramentas, que são </a:t>
+              <a:t> humanas. Estas </a:t>
             </a:r>
             <a:r>
               <a:rPr lang="pt-BR" baseline="0" dirty="0" err="1" smtClean="0"/>
-              <a:t>utilziadas</a:t>
+              <a:t>caracteristicas</a:t>
             </a:r>
             <a:r>
               <a:rPr lang="pt-BR" baseline="0" dirty="0" smtClean="0"/>
-              <a:t> para </a:t>
-            </a:r>
-            <a:r>
-              <a:rPr lang="pt-BR" baseline="0" dirty="0" err="1" smtClean="0"/>
-              <a:t>auxilar</a:t>
-            </a:r>
-            <a:r>
-              <a:rPr lang="pt-BR" baseline="0" dirty="0" smtClean="0"/>
-              <a:t> o </a:t>
+              <a:t> são utilizadas para determinar o desempenho que o </a:t>
             </a:r>
             <a:r>
               <a:rPr lang="pt-BR" baseline="0" dirty="0" err="1" smtClean="0"/>
@@ -3655,15 +3728,48 @@
             </a:r>
             <a:r>
               <a:rPr lang="pt-BR" baseline="0" dirty="0" smtClean="0"/>
-              <a:t>; de linguagem de programação e metodologia que são utilizados para avaliar o desempenho do </a:t>
+              <a:t> terá em cada papel, no </a:t>
             </a:r>
             <a:r>
               <a:rPr lang="pt-BR" baseline="0" dirty="0" err="1" smtClean="0"/>
-              <a:t>funcionario</a:t>
+              <a:t>entando</a:t>
             </a:r>
             <a:r>
               <a:rPr lang="pt-BR" baseline="0" dirty="0" smtClean="0"/>
-              <a:t>.</a:t>
+              <a:t> este calculo não é </a:t>
+            </a:r>
+            <a:r>
+              <a:rPr lang="pt-BR" baseline="0" dirty="0" err="1" smtClean="0"/>
+              <a:t>visivel</a:t>
+            </a:r>
+            <a:r>
+              <a:rPr lang="pt-BR" baseline="0" dirty="0" smtClean="0"/>
+              <a:t> para o jogador.</a:t>
+            </a:r>
+          </a:p>
+          <a:p>
+            <a:endParaRPr lang="pt-BR" baseline="0" dirty="0" smtClean="0"/>
+          </a:p>
+          <a:p>
+            <a:r>
+              <a:rPr lang="pt-BR" baseline="0" dirty="0" smtClean="0"/>
+              <a:t>Os </a:t>
+            </a:r>
+            <a:r>
+              <a:rPr lang="pt-BR" baseline="0" dirty="0" err="1" smtClean="0"/>
+              <a:t>funcionarios</a:t>
+            </a:r>
+            <a:r>
+              <a:rPr lang="pt-BR" baseline="0" dirty="0" smtClean="0"/>
+              <a:t> </a:t>
+            </a:r>
+            <a:r>
+              <a:rPr lang="pt-BR" baseline="0" dirty="0" err="1" smtClean="0"/>
+              <a:t>tambem</a:t>
+            </a:r>
+            <a:r>
+              <a:rPr lang="pt-BR" baseline="0" dirty="0" smtClean="0"/>
+              <a:t> contam com especializações que são utilizadas para auxiliar no desenvolvimento. Estas especializações podem ser de ferramentas, metodologias de trabalho e linguagens de programação.</a:t>
             </a:r>
             <a:endParaRPr lang="pt-BR" dirty="0"/>
           </a:p>
@@ -3687,7 +3793,7 @@
             <a:fld id="{C08094CF-D84A-4161-9F88-9244F515EB29}" type="slidenum">
               <a:rPr lang="pt-BR" smtClean="0"/>
               <a:pPr/>
-              <a:t>10</a:t>
+              <a:t>8</a:t>
             </a:fld>
             <a:endParaRPr lang="pt-BR"/>
           </a:p>
@@ -3749,71 +3855,11 @@
           <a:p>
             <a:r>
               <a:rPr lang="pt-BR" dirty="0" smtClean="0"/>
-              <a:t>Caso</a:t>
+              <a:t>Tanto</a:t>
             </a:r>
             <a:r>
               <a:rPr lang="pt-BR" baseline="0" dirty="0" smtClean="0"/>
-              <a:t> um </a:t>
-            </a:r>
-            <a:r>
-              <a:rPr lang="pt-BR" baseline="0" dirty="0" err="1" smtClean="0"/>
-              <a:t>funcionario</a:t>
-            </a:r>
-            <a:r>
-              <a:rPr lang="pt-BR" baseline="0" dirty="0" smtClean="0"/>
-              <a:t> não possua uma especialização, é </a:t>
-            </a:r>
-            <a:r>
-              <a:rPr lang="pt-BR" baseline="0" dirty="0" err="1" smtClean="0"/>
-              <a:t>possivel</a:t>
-            </a:r>
-            <a:r>
-              <a:rPr lang="pt-BR" baseline="0" dirty="0" smtClean="0"/>
-              <a:t> </a:t>
-            </a:r>
-            <a:r>
-              <a:rPr lang="pt-BR" baseline="0" dirty="0" err="1" smtClean="0"/>
-              <a:t>coloca-lo</a:t>
-            </a:r>
-            <a:r>
-              <a:rPr lang="pt-BR" baseline="0" dirty="0" smtClean="0"/>
-              <a:t> em treinamento para adquiri-la.</a:t>
-            </a:r>
-          </a:p>
-          <a:p>
-            <a:r>
-              <a:rPr lang="pt-BR" baseline="0" dirty="0" smtClean="0"/>
-              <a:t>Um outro aspecto do SDM é a relação de horas de trabalho, moral e estamina. As horas de trabalho é utilizada para afetar a negativamente a estamina caso trabalhe mais que 40 horas semanais e positivamente </a:t>
-            </a:r>
-            <a:r>
-              <a:rPr lang="pt-BR" baseline="0" dirty="0" err="1" smtClean="0"/>
-              <a:t>quaso</a:t>
-            </a:r>
-            <a:r>
-              <a:rPr lang="pt-BR" baseline="0" dirty="0" smtClean="0"/>
-              <a:t> trabalhe menos. O moral é afetado por promoções, </a:t>
-            </a:r>
-            <a:r>
-              <a:rPr lang="pt-BR" baseline="0" dirty="0" err="1" smtClean="0"/>
-              <a:t>conclusao</a:t>
-            </a:r>
-            <a:r>
-              <a:rPr lang="pt-BR" baseline="0" dirty="0" smtClean="0"/>
-              <a:t> de projetos e falta de pagamento. O moral em conjunto com a estamina são utilizados para calcular o rendimento do </a:t>
-            </a:r>
-            <a:r>
-              <a:rPr lang="pt-BR" baseline="0" dirty="0" err="1" smtClean="0"/>
-              <a:t>funcionario</a:t>
-            </a:r>
-            <a:r>
-              <a:rPr lang="pt-BR" baseline="0" dirty="0" smtClean="0"/>
-              <a:t>.</a:t>
-            </a:r>
-          </a:p>
-          <a:p>
-            <a:r>
-              <a:rPr lang="pt-BR" baseline="0" dirty="0" smtClean="0"/>
-              <a:t>No exemplo desta figura, é mostrado o ganho de estamina dos </a:t>
+              <a:t> os </a:t>
             </a:r>
             <a:r>
               <a:rPr lang="pt-BR" baseline="0" dirty="0" err="1" smtClean="0"/>
@@ -3821,8 +3867,67 @@
             </a:r>
             <a:r>
               <a:rPr lang="pt-BR" baseline="0" dirty="0" smtClean="0"/>
-              <a:t> por estarem trabalhando menos horas.</a:t>
-            </a:r>
+              <a:t> quanto a empresa do jogador ganham </a:t>
+            </a:r>
+            <a:r>
+              <a:rPr lang="pt-BR" baseline="0" dirty="0" err="1" smtClean="0"/>
+              <a:t>experiencia</a:t>
+            </a:r>
+            <a:r>
+              <a:rPr lang="pt-BR" baseline="0" dirty="0" smtClean="0"/>
+              <a:t>. Quando um determinado numero de </a:t>
+            </a:r>
+            <a:r>
+              <a:rPr lang="pt-BR" baseline="0" dirty="0" err="1" smtClean="0"/>
+              <a:t>experiencia</a:t>
+            </a:r>
+            <a:r>
+              <a:rPr lang="pt-BR" baseline="0" dirty="0" smtClean="0"/>
+              <a:t> é acumulado, um novo </a:t>
+            </a:r>
+            <a:r>
+              <a:rPr lang="pt-BR" baseline="0" dirty="0" err="1" smtClean="0"/>
+              <a:t>nivel</a:t>
+            </a:r>
+            <a:r>
+              <a:rPr lang="pt-BR" baseline="0" dirty="0" smtClean="0"/>
+              <a:t> é adquirido.</a:t>
+            </a:r>
+          </a:p>
+          <a:p>
+            <a:endParaRPr lang="pt-BR" baseline="0" dirty="0" smtClean="0"/>
+          </a:p>
+          <a:p>
+            <a:r>
+              <a:rPr lang="pt-BR" baseline="0" dirty="0" smtClean="0"/>
+              <a:t>Nos </a:t>
+            </a:r>
+            <a:r>
+              <a:rPr lang="pt-BR" baseline="0" dirty="0" err="1" smtClean="0"/>
+              <a:t>funcionarios</a:t>
+            </a:r>
+            <a:r>
+              <a:rPr lang="pt-BR" baseline="0" dirty="0" smtClean="0"/>
+              <a:t> este novo </a:t>
+            </a:r>
+            <a:r>
+              <a:rPr lang="pt-BR" baseline="0" dirty="0" err="1" smtClean="0"/>
+              <a:t>nivel</a:t>
+            </a:r>
+            <a:r>
+              <a:rPr lang="pt-BR" baseline="0" dirty="0" smtClean="0"/>
+              <a:t> acarreta na alteração em seus atributos, de acordo com o papel que tenha desempenhado.</a:t>
+            </a:r>
+          </a:p>
+          <a:p>
+            <a:r>
+              <a:rPr lang="pt-BR" baseline="0" dirty="0" smtClean="0"/>
+              <a:t>Para a empresa pode abrir a possibilidade de pegar projetos mais complexos.</a:t>
+            </a:r>
+            <a:endParaRPr lang="pt-BR" dirty="0" smtClean="0"/>
+          </a:p>
+          <a:p>
+            <a:endParaRPr lang="pt-BR" dirty="0" smtClean="0"/>
           </a:p>
         </p:txBody>
       </p:sp>
@@ -3844,7 +3949,7 @@
             <a:fld id="{C08094CF-D84A-4161-9F88-9244F515EB29}" type="slidenum">
               <a:rPr lang="pt-BR" smtClean="0"/>
               <a:pPr/>
-              <a:t>11</a:t>
+              <a:t>9</a:t>
             </a:fld>
             <a:endParaRPr lang="pt-BR"/>
           </a:p>
@@ -4040,7 +4145,7 @@
             <a:fld id="{6D9EE24F-E0DE-4DA1-9105-4F3C7EAC7004}" type="datetime1">
               <a:rPr lang="pt-BR" smtClean="0"/>
               <a:pPr/>
-              <a:t>31/10/2011</a:t>
+              <a:t>03/11/2011</a:t>
             </a:fld>
             <a:endParaRPr lang="pt-BR"/>
           </a:p>
@@ -4207,7 +4312,7 @@
             <a:fld id="{0F034B7C-B26C-4FD8-8AC7-000ADDE7D105}" type="datetime1">
               <a:rPr lang="pt-BR" smtClean="0"/>
               <a:pPr/>
-              <a:t>31/10/2011</a:t>
+              <a:t>03/11/2011</a:t>
             </a:fld>
             <a:endParaRPr lang="pt-BR"/>
           </a:p>
@@ -4384,7 +4489,7 @@
             <a:fld id="{A000051A-8B0B-43C8-BE21-E725CE790B54}" type="datetime1">
               <a:rPr lang="pt-BR" smtClean="0"/>
               <a:pPr/>
-              <a:t>31/10/2011</a:t>
+              <a:t>03/11/2011</a:t>
             </a:fld>
             <a:endParaRPr lang="pt-BR"/>
           </a:p>
@@ -4551,7 +4656,7 @@
             <a:fld id="{7A421BDB-495C-4BB5-AD49-58C300AE01CF}" type="datetime1">
               <a:rPr lang="pt-BR" smtClean="0"/>
               <a:pPr/>
-              <a:t>31/10/2011</a:t>
+              <a:t>03/11/2011</a:t>
             </a:fld>
             <a:endParaRPr lang="pt-BR"/>
           </a:p>
@@ -4794,7 +4899,7 @@
             <a:fld id="{D3F8C441-06B8-491B-8ED8-D1AF83395783}" type="datetime1">
               <a:rPr lang="pt-BR" smtClean="0"/>
               <a:pPr/>
-              <a:t>31/10/2011</a:t>
+              <a:t>03/11/2011</a:t>
             </a:fld>
             <a:endParaRPr lang="pt-BR"/>
           </a:p>
@@ -5079,7 +5184,7 @@
             <a:fld id="{45531767-6CF3-40F5-BBA2-043B826B2267}" type="datetime1">
               <a:rPr lang="pt-BR" smtClean="0"/>
               <a:pPr/>
-              <a:t>31/10/2011</a:t>
+              <a:t>03/11/2011</a:t>
             </a:fld>
             <a:endParaRPr lang="pt-BR"/>
           </a:p>
@@ -5498,7 +5603,7 @@
             <a:fld id="{EDD351A9-C1FF-4899-99DB-C6738D3C7571}" type="datetime1">
               <a:rPr lang="pt-BR" smtClean="0"/>
               <a:pPr/>
-              <a:t>31/10/2011</a:t>
+              <a:t>03/11/2011</a:t>
             </a:fld>
             <a:endParaRPr lang="pt-BR"/>
           </a:p>
@@ -5613,7 +5718,7 @@
             <a:fld id="{A3E5940B-4769-4153-8D5F-9FF733D34FF4}" type="datetime1">
               <a:rPr lang="pt-BR" smtClean="0"/>
               <a:pPr/>
-              <a:t>31/10/2011</a:t>
+              <a:t>03/11/2011</a:t>
             </a:fld>
             <a:endParaRPr lang="pt-BR"/>
           </a:p>
@@ -5705,7 +5810,7 @@
             <a:fld id="{C2FBDFD4-FA6C-48AF-81DB-D21C39C8F84C}" type="datetime1">
               <a:rPr lang="pt-BR" smtClean="0"/>
               <a:pPr/>
-              <a:t>31/10/2011</a:t>
+              <a:t>03/11/2011</a:t>
             </a:fld>
             <a:endParaRPr lang="pt-BR"/>
           </a:p>
@@ -5979,7 +6084,7 @@
             <a:fld id="{4BE47F20-0339-42AE-B0FF-033D3E7FC8FA}" type="datetime1">
               <a:rPr lang="pt-BR" smtClean="0"/>
               <a:pPr/>
-              <a:t>31/10/2011</a:t>
+              <a:t>03/11/2011</a:t>
             </a:fld>
             <a:endParaRPr lang="pt-BR"/>
           </a:p>
@@ -6229,7 +6334,7 @@
             <a:fld id="{4B99D162-A012-4A91-9D82-D9E2E9C8A2D2}" type="datetime1">
               <a:rPr lang="pt-BR" smtClean="0"/>
               <a:pPr/>
-              <a:t>31/10/2011</a:t>
+              <a:t>03/11/2011</a:t>
             </a:fld>
             <a:endParaRPr lang="pt-BR"/>
           </a:p>
@@ -6463,7 +6568,7 @@
             <a:fld id="{486B1B35-5594-478C-AA32-C02987ED0CAA}" type="datetime1">
               <a:rPr lang="pt-BR" smtClean="0"/>
               <a:pPr/>
-              <a:t>31/10/2011</a:t>
+              <a:t>03/11/2011</a:t>
             </a:fld>
             <a:endParaRPr lang="pt-BR"/>
           </a:p>
@@ -6990,190 +7095,6 @@
         </p:nvSpPr>
         <p:spPr/>
         <p:txBody>
-          <a:bodyPr/>
-          <a:lstStyle/>
-          <a:p>
-            <a:r>
-              <a:rPr lang="pt-BR" dirty="0" smtClean="0"/>
-              <a:t>SDM</a:t>
-            </a:r>
-            <a:endParaRPr lang="pt-BR" dirty="0"/>
-          </a:p>
-        </p:txBody>
-      </p:sp>
-      <p:sp>
-        <p:nvSpPr>
-          <p:cNvPr id="3" name="Content Placeholder 2"/>
-          <p:cNvSpPr>
-            <a:spLocks noGrp="1"/>
-          </p:cNvSpPr>
-          <p:nvPr>
-            <p:ph idx="1"/>
-          </p:nvPr>
-        </p:nvSpPr>
-        <p:spPr/>
-        <p:txBody>
-          <a:bodyPr>
-            <a:normAutofit/>
-          </a:bodyPr>
-          <a:lstStyle/>
-          <a:p>
-            <a:r>
-              <a:rPr lang="pt-BR" dirty="0" smtClean="0"/>
-              <a:t>EMPLOYEES</a:t>
-            </a:r>
-          </a:p>
-          <a:p>
-            <a:pPr lvl="1">
-              <a:buNone/>
-            </a:pPr>
-            <a:endParaRPr lang="pt-BR" dirty="0" smtClean="0"/>
-          </a:p>
-          <a:p>
-            <a:pPr lvl="1"/>
-            <a:r>
-              <a:rPr lang="pt-BR" dirty="0" smtClean="0"/>
-              <a:t>SPECIALIZATIONS</a:t>
-            </a:r>
-          </a:p>
-          <a:p>
-            <a:pPr lvl="1"/>
-            <a:endParaRPr lang="pt-BR" dirty="0" smtClean="0"/>
-          </a:p>
-          <a:p>
-            <a:pPr lvl="2"/>
-            <a:r>
-              <a:rPr lang="pt-BR" dirty="0" smtClean="0"/>
-              <a:t>TOOLS</a:t>
-            </a:r>
-          </a:p>
-          <a:p>
-            <a:pPr lvl="2"/>
-            <a:endParaRPr lang="pt-BR" dirty="0" smtClean="0"/>
-          </a:p>
-          <a:p>
-            <a:pPr lvl="2"/>
-            <a:r>
-              <a:rPr lang="pt-BR" dirty="0" smtClean="0"/>
-              <a:t>LANGUAGE</a:t>
-            </a:r>
-          </a:p>
-          <a:p>
-            <a:pPr lvl="2"/>
-            <a:endParaRPr lang="pt-BR" dirty="0" smtClean="0"/>
-          </a:p>
-          <a:p>
-            <a:pPr lvl="2"/>
-            <a:r>
-              <a:rPr lang="pt-BR" dirty="0" smtClean="0"/>
-              <a:t>METHOLOGY</a:t>
-            </a:r>
-          </a:p>
-          <a:p>
-            <a:endParaRPr lang="pt-BR" dirty="0"/>
-          </a:p>
-        </p:txBody>
-      </p:sp>
-      <p:pic>
-        <p:nvPicPr>
-          <p:cNvPr id="11266" name="Picture 2"/>
-          <p:cNvPicPr>
-            <a:picLocks noChangeAspect="1" noChangeArrowheads="1"/>
-          </p:cNvPicPr>
-          <p:nvPr/>
-        </p:nvPicPr>
-        <p:blipFill>
-          <a:blip r:embed="rId3" cstate="print"/>
-          <a:srcRect/>
-          <a:stretch>
-            <a:fillRect/>
-          </a:stretch>
-        </p:blipFill>
-        <p:spPr bwMode="auto">
-          <a:xfrm>
-            <a:off x="4211960" y="2348880"/>
-            <a:ext cx="4418672" cy="3240360"/>
-          </a:xfrm>
-          <a:prstGeom prst="rect">
-            <a:avLst/>
-          </a:prstGeom>
-          <a:noFill/>
-          <a:ln w="9525">
-            <a:noFill/>
-            <a:miter lim="800000"/>
-            <a:headEnd/>
-            <a:tailEnd/>
-          </a:ln>
-        </p:spPr>
-      </p:pic>
-      <p:sp>
-        <p:nvSpPr>
-          <p:cNvPr id="5" name="Espaço Reservado para Número de Slide 4"/>
-          <p:cNvSpPr>
-            <a:spLocks noGrp="1"/>
-          </p:cNvSpPr>
-          <p:nvPr>
-            <p:ph type="sldNum" sz="quarter" idx="12"/>
-          </p:nvPr>
-        </p:nvSpPr>
-        <p:spPr/>
-        <p:txBody>
-          <a:bodyPr/>
-          <a:lstStyle/>
-          <a:p>
-            <a:fld id="{3423915D-51A9-4757-B8AC-B60F99CD8957}" type="slidenum">
-              <a:rPr lang="pt-BR" smtClean="0"/>
-              <a:pPr/>
-              <a:t>10</a:t>
-            </a:fld>
-            <a:endParaRPr lang="pt-BR"/>
-          </a:p>
-        </p:txBody>
-      </p:sp>
-    </p:spTree>
-  </p:cSld>
-  <p:clrMapOvr>
-    <a:masterClrMapping/>
-  </p:clrMapOvr>
-  <p:timing>
-    <p:tnLst>
-      <p:par>
-        <p:cTn id="1" dur="indefinite" restart="never" nodeType="tmRoot"/>
-      </p:par>
-    </p:tnLst>
-  </p:timing>
-</p:sld>
-</file>
-
-<file path=ppt/slides/slide11.xml><?xml version="1.0" encoding="utf-8"?>
-<p:sld xmlns:a="http://schemas.openxmlformats.org/drawingml/2006/main" xmlns:r="http://schemas.openxmlformats.org/officeDocument/2006/relationships" xmlns:p="http://schemas.openxmlformats.org/presentationml/2006/main">
-  <p:cSld>
-    <p:spTree>
-      <p:nvGrpSpPr>
-        <p:cNvPr id="1" name=""/>
-        <p:cNvGrpSpPr/>
-        <p:nvPr/>
-      </p:nvGrpSpPr>
-      <p:grpSpPr>
-        <a:xfrm>
-          <a:off x="0" y="0"/>
-          <a:ext cx="0" cy="0"/>
-          <a:chOff x="0" y="0"/>
-          <a:chExt cx="0" cy="0"/>
-        </a:xfrm>
-      </p:grpSpPr>
-      <p:sp>
-        <p:nvSpPr>
-          <p:cNvPr id="2" name="Title 1"/>
-          <p:cNvSpPr>
-            <a:spLocks noGrp="1"/>
-          </p:cNvSpPr>
-          <p:nvPr>
-            <p:ph type="title"/>
-          </p:nvPr>
-        </p:nvSpPr>
-        <p:spPr/>
-        <p:txBody>
           <a:bodyPr>
             <a:normAutofit/>
           </a:bodyPr>
@@ -7339,7 +7260,7 @@
             <a:fld id="{3423915D-51A9-4757-B8AC-B60F99CD8957}" type="slidenum">
               <a:rPr lang="pt-BR" smtClean="0"/>
               <a:pPr/>
-              <a:t>11</a:t>
+              <a:t>10</a:t>
             </a:fld>
             <a:endParaRPr lang="pt-BR"/>
           </a:p>
@@ -7392,7 +7313,7 @@
 </p:sld>
 </file>
 
-<file path=ppt/slides/slide12.xml><?xml version="1.0" encoding="utf-8"?>
+<file path=ppt/slides/slide11.xml><?xml version="1.0" encoding="utf-8"?>
 <p:sld xmlns:a="http://schemas.openxmlformats.org/drawingml/2006/main" xmlns:r="http://schemas.openxmlformats.org/officeDocument/2006/relationships" xmlns:p="http://schemas.openxmlformats.org/presentationml/2006/main">
   <p:cSld>
     <p:spTree>
@@ -7624,7 +7545,7 @@
             <a:fld id="{3423915D-51A9-4757-B8AC-B60F99CD8957}" type="slidenum">
               <a:rPr lang="pt-BR" smtClean="0"/>
               <a:pPr/>
-              <a:t>12</a:t>
+              <a:t>11</a:t>
             </a:fld>
             <a:endParaRPr lang="pt-BR"/>
           </a:p>
@@ -7645,7 +7566,7 @@
 </p:sld>
 </file>
 
-<file path=ppt/slides/slide13.xml><?xml version="1.0" encoding="utf-8"?>
+<file path=ppt/slides/slide12.xml><?xml version="1.0" encoding="utf-8"?>
 <p:sld xmlns:a="http://schemas.openxmlformats.org/drawingml/2006/main" xmlns:r="http://schemas.openxmlformats.org/officeDocument/2006/relationships" xmlns:p="http://schemas.openxmlformats.org/presentationml/2006/main">
   <p:cSld>
     <p:spTree>
@@ -7674,76 +7595,25 @@
         </p:nvSpPr>
         <p:spPr/>
         <p:txBody>
-          <a:bodyPr/>
-          <a:lstStyle/>
-          <a:p>
-            <a:r>
-              <a:rPr lang="pt-BR" dirty="0" smtClean="0"/>
-              <a:t>SDM</a:t>
-            </a:r>
+          <a:bodyPr>
+            <a:normAutofit fontScale="90000"/>
+          </a:bodyPr>
+          <a:lstStyle/>
+          <a:p>
+            <a:r>
+              <a:rPr lang="pt-BR" dirty="0" smtClean="0"/>
+              <a:t>PRELIMINARY ASSESSMENT </a:t>
+            </a:r>
+            <a:br>
+              <a:rPr lang="pt-BR" dirty="0" smtClean="0"/>
+            </a:br>
             <a:endParaRPr lang="pt-BR" dirty="0"/>
           </a:p>
         </p:txBody>
       </p:sp>
       <p:sp>
         <p:nvSpPr>
-          <p:cNvPr id="3" name="Content Placeholder 2"/>
-          <p:cNvSpPr>
-            <a:spLocks noGrp="1"/>
-          </p:cNvSpPr>
-          <p:nvPr>
-            <p:ph idx="1"/>
-          </p:nvPr>
-        </p:nvSpPr>
-        <p:spPr/>
-        <p:txBody>
-          <a:bodyPr>
-            <a:normAutofit/>
-          </a:bodyPr>
-          <a:lstStyle/>
-          <a:p>
-            <a:r>
-              <a:rPr lang="pt-BR" dirty="0" smtClean="0"/>
-              <a:t>DIFERENTIAL</a:t>
-            </a:r>
-          </a:p>
-          <a:p>
-            <a:endParaRPr lang="pt-BR" dirty="0" smtClean="0"/>
-          </a:p>
-          <a:p>
-            <a:pPr lvl="1"/>
-            <a:r>
-              <a:rPr lang="pt-BR" dirty="0" smtClean="0"/>
-              <a:t>HUMAN RESOURCES</a:t>
-            </a:r>
-          </a:p>
-          <a:p>
-            <a:pPr lvl="1"/>
-            <a:endParaRPr lang="pt-BR" dirty="0" smtClean="0"/>
-          </a:p>
-          <a:p>
-            <a:pPr lvl="1"/>
-            <a:r>
-              <a:rPr lang="pt-BR" dirty="0" smtClean="0"/>
-              <a:t>PEOPLE MANAGEMENT</a:t>
-            </a:r>
-          </a:p>
-          <a:p>
-            <a:pPr lvl="1"/>
-            <a:endParaRPr lang="pt-BR" dirty="0" smtClean="0"/>
-          </a:p>
-          <a:p>
-            <a:pPr lvl="1"/>
-            <a:r>
-              <a:rPr lang="pt-BR" dirty="0" smtClean="0"/>
-              <a:t>REAL TIME</a:t>
-            </a:r>
-          </a:p>
-        </p:txBody>
-      </p:sp>
-      <p:sp>
-        <p:nvSpPr>
-          <p:cNvPr id="4" name="Espaço Reservado para Número de Slide 3"/>
+          <p:cNvPr id="4" name="Slide Number Placeholder 3"/>
           <p:cNvSpPr>
             <a:spLocks noGrp="1"/>
           </p:cNvSpPr>
@@ -7759,91 +7629,7 @@
             <a:fld id="{3423915D-51A9-4757-B8AC-B60F99CD8957}" type="slidenum">
               <a:rPr lang="pt-BR" smtClean="0"/>
               <a:pPr/>
-              <a:t>13</a:t>
-            </a:fld>
-            <a:endParaRPr lang="pt-BR"/>
-          </a:p>
-        </p:txBody>
-      </p:sp>
-    </p:spTree>
-  </p:cSld>
-  <p:clrMapOvr>
-    <a:masterClrMapping/>
-  </p:clrMapOvr>
-  <p:timing>
-    <p:tnLst>
-      <p:par>
-        <p:cTn id="1" dur="indefinite" restart="never" nodeType="tmRoot"/>
-      </p:par>
-    </p:tnLst>
-  </p:timing>
-</p:sld>
-</file>
-
-<file path=ppt/slides/slide14.xml><?xml version="1.0" encoding="utf-8"?>
-<p:sld xmlns:a="http://schemas.openxmlformats.org/drawingml/2006/main" xmlns:r="http://schemas.openxmlformats.org/officeDocument/2006/relationships" xmlns:p="http://schemas.openxmlformats.org/presentationml/2006/main">
-  <p:cSld>
-    <p:spTree>
-      <p:nvGrpSpPr>
-        <p:cNvPr id="1" name=""/>
-        <p:cNvGrpSpPr/>
-        <p:nvPr/>
-      </p:nvGrpSpPr>
-      <p:grpSpPr>
-        <a:xfrm>
-          <a:off x="0" y="0"/>
-          <a:ext cx="0" cy="0"/>
-          <a:chOff x="0" y="0"/>
-          <a:chExt cx="0" cy="0"/>
-        </a:xfrm>
-      </p:grpSpPr>
-      <p:sp>
-        <p:nvSpPr>
-          <p:cNvPr id="2" name="Title 1"/>
-          <p:cNvSpPr>
-            <a:spLocks noGrp="1"/>
-          </p:cNvSpPr>
-          <p:nvPr>
-            <p:ph type="title"/>
-          </p:nvPr>
-        </p:nvSpPr>
-        <p:spPr/>
-        <p:txBody>
-          <a:bodyPr>
-            <a:normAutofit fontScale="90000"/>
-          </a:bodyPr>
-          <a:lstStyle/>
-          <a:p>
-            <a:r>
-              <a:rPr lang="pt-BR" dirty="0" smtClean="0"/>
-              <a:t>PRELIMINARY ASSESSMENT </a:t>
-            </a:r>
-            <a:br>
-              <a:rPr lang="pt-BR" dirty="0" smtClean="0"/>
-            </a:br>
-            <a:endParaRPr lang="pt-BR" dirty="0"/>
-          </a:p>
-        </p:txBody>
-      </p:sp>
-      <p:sp>
-        <p:nvSpPr>
-          <p:cNvPr id="4" name="Slide Number Placeholder 3"/>
-          <p:cNvSpPr>
-            <a:spLocks noGrp="1"/>
-          </p:cNvSpPr>
-          <p:nvPr>
-            <p:ph type="sldNum" sz="quarter" idx="12"/>
-          </p:nvPr>
-        </p:nvSpPr>
-        <p:spPr/>
-        <p:txBody>
-          <a:bodyPr/>
-          <a:lstStyle/>
-          <a:p>
-            <a:fld id="{3423915D-51A9-4757-B8AC-B60F99CD8957}" type="slidenum">
-              <a:rPr lang="pt-BR" smtClean="0"/>
-              <a:pPr/>
-              <a:t>14</a:t>
+              <a:t>12</a:t>
             </a:fld>
             <a:endParaRPr lang="pt-BR"/>
           </a:p>
@@ -7920,6 +7706,286 @@
   <p:clrMapOvr>
     <a:masterClrMapping/>
   </p:clrMapOvr>
+  <p:timing>
+    <p:tnLst>
+      <p:par>
+        <p:cTn id="1" dur="indefinite" restart="never" nodeType="tmRoot"/>
+      </p:par>
+    </p:tnLst>
+  </p:timing>
+</p:sld>
+</file>
+
+<file path=ppt/slides/slide13.xml><?xml version="1.0" encoding="utf-8"?>
+<p:sld xmlns:a="http://schemas.openxmlformats.org/drawingml/2006/main" xmlns:r="http://schemas.openxmlformats.org/officeDocument/2006/relationships" xmlns:p="http://schemas.openxmlformats.org/presentationml/2006/main">
+  <p:cSld>
+    <p:spTree>
+      <p:nvGrpSpPr>
+        <p:cNvPr id="1" name=""/>
+        <p:cNvGrpSpPr/>
+        <p:nvPr/>
+      </p:nvGrpSpPr>
+      <p:grpSpPr>
+        <a:xfrm>
+          <a:off x="0" y="0"/>
+          <a:ext cx="0" cy="0"/>
+          <a:chOff x="0" y="0"/>
+          <a:chExt cx="0" cy="0"/>
+        </a:xfrm>
+      </p:grpSpPr>
+      <p:sp>
+        <p:nvSpPr>
+          <p:cNvPr id="2" name="Title 1"/>
+          <p:cNvSpPr>
+            <a:spLocks noGrp="1"/>
+          </p:cNvSpPr>
+          <p:nvPr>
+            <p:ph type="title"/>
+          </p:nvPr>
+        </p:nvSpPr>
+        <p:spPr/>
+        <p:txBody>
+          <a:bodyPr/>
+          <a:lstStyle/>
+          <a:p>
+            <a:r>
+              <a:rPr lang="pt-BR" dirty="0" smtClean="0"/>
+              <a:t>SDM</a:t>
+            </a:r>
+            <a:endParaRPr lang="pt-BR" dirty="0"/>
+          </a:p>
+        </p:txBody>
+      </p:sp>
+      <p:sp>
+        <p:nvSpPr>
+          <p:cNvPr id="3" name="Content Placeholder 2"/>
+          <p:cNvSpPr>
+            <a:spLocks noGrp="1"/>
+          </p:cNvSpPr>
+          <p:nvPr>
+            <p:ph idx="1"/>
+          </p:nvPr>
+        </p:nvSpPr>
+        <p:spPr/>
+        <p:txBody>
+          <a:bodyPr>
+            <a:normAutofit/>
+          </a:bodyPr>
+          <a:lstStyle/>
+          <a:p>
+            <a:r>
+              <a:rPr lang="pt-BR" dirty="0" smtClean="0"/>
+              <a:t>DIFERENTIAL</a:t>
+            </a:r>
+          </a:p>
+          <a:p>
+            <a:endParaRPr lang="pt-BR" dirty="0" smtClean="0"/>
+          </a:p>
+          <a:p>
+            <a:pPr lvl="1"/>
+            <a:r>
+              <a:rPr lang="pt-BR" dirty="0" smtClean="0"/>
+              <a:t>HUMAN RESOURCES</a:t>
+            </a:r>
+          </a:p>
+          <a:p>
+            <a:pPr lvl="1"/>
+            <a:endParaRPr lang="pt-BR" dirty="0" smtClean="0"/>
+          </a:p>
+          <a:p>
+            <a:pPr lvl="1"/>
+            <a:r>
+              <a:rPr lang="pt-BR" dirty="0" smtClean="0"/>
+              <a:t>PEOPLE MANAGEMENT</a:t>
+            </a:r>
+          </a:p>
+          <a:p>
+            <a:pPr lvl="1"/>
+            <a:endParaRPr lang="pt-BR" dirty="0" smtClean="0"/>
+          </a:p>
+          <a:p>
+            <a:pPr lvl="1"/>
+            <a:r>
+              <a:rPr lang="pt-BR" dirty="0" smtClean="0"/>
+              <a:t>REAL TIME</a:t>
+            </a:r>
+          </a:p>
+        </p:txBody>
+      </p:sp>
+      <p:sp>
+        <p:nvSpPr>
+          <p:cNvPr id="4" name="Espaço Reservado para Número de Slide 3"/>
+          <p:cNvSpPr>
+            <a:spLocks noGrp="1"/>
+          </p:cNvSpPr>
+          <p:nvPr>
+            <p:ph type="sldNum" sz="quarter" idx="12"/>
+          </p:nvPr>
+        </p:nvSpPr>
+        <p:spPr/>
+        <p:txBody>
+          <a:bodyPr/>
+          <a:lstStyle/>
+          <a:p>
+            <a:fld id="{3423915D-51A9-4757-B8AC-B60F99CD8957}" type="slidenum">
+              <a:rPr lang="pt-BR" smtClean="0"/>
+              <a:pPr/>
+              <a:t>13</a:t>
+            </a:fld>
+            <a:endParaRPr lang="pt-BR"/>
+          </a:p>
+        </p:txBody>
+      </p:sp>
+    </p:spTree>
+  </p:cSld>
+  <p:clrMapOvr>
+    <a:masterClrMapping/>
+  </p:clrMapOvr>
+  <p:timing>
+    <p:tnLst>
+      <p:par>
+        <p:cTn id="1" dur="indefinite" restart="never" nodeType="tmRoot"/>
+      </p:par>
+    </p:tnLst>
+  </p:timing>
+</p:sld>
+</file>
+
+<file path=ppt/slides/slide14.xml><?xml version="1.0" encoding="utf-8"?>
+<p:sld xmlns:a="http://schemas.openxmlformats.org/drawingml/2006/main" xmlns:r="http://schemas.openxmlformats.org/officeDocument/2006/relationships" xmlns:p="http://schemas.openxmlformats.org/presentationml/2006/main">
+  <p:cSld>
+    <p:spTree>
+      <p:nvGrpSpPr>
+        <p:cNvPr id="1" name=""/>
+        <p:cNvGrpSpPr/>
+        <p:nvPr/>
+      </p:nvGrpSpPr>
+      <p:grpSpPr>
+        <a:xfrm>
+          <a:off x="0" y="0"/>
+          <a:ext cx="0" cy="0"/>
+          <a:chOff x="0" y="0"/>
+          <a:chExt cx="0" cy="0"/>
+        </a:xfrm>
+      </p:grpSpPr>
+      <p:sp>
+        <p:nvSpPr>
+          <p:cNvPr id="2" name="Title 1"/>
+          <p:cNvSpPr>
+            <a:spLocks noGrp="1"/>
+          </p:cNvSpPr>
+          <p:nvPr>
+            <p:ph type="title"/>
+          </p:nvPr>
+        </p:nvSpPr>
+        <p:spPr/>
+        <p:txBody>
+          <a:bodyPr/>
+          <a:lstStyle/>
+          <a:p>
+            <a:r>
+              <a:rPr lang="pt-BR" dirty="0" smtClean="0"/>
+              <a:t>CONCLUSION</a:t>
+            </a:r>
+          </a:p>
+        </p:txBody>
+      </p:sp>
+      <p:sp>
+        <p:nvSpPr>
+          <p:cNvPr id="3" name="Content Placeholder 2"/>
+          <p:cNvSpPr>
+            <a:spLocks noGrp="1"/>
+          </p:cNvSpPr>
+          <p:nvPr>
+            <p:ph idx="1"/>
+          </p:nvPr>
+        </p:nvSpPr>
+        <p:spPr/>
+        <p:txBody>
+          <a:bodyPr/>
+          <a:lstStyle/>
+          <a:p>
+            <a:endParaRPr lang="pt-BR" dirty="0" smtClean="0"/>
+          </a:p>
+          <a:p>
+            <a:r>
+              <a:rPr lang="pt-BR" dirty="0" smtClean="0"/>
+              <a:t>UNDERSTANDING AND LEARNING</a:t>
+            </a:r>
+          </a:p>
+          <a:p>
+            <a:pPr lvl="1"/>
+            <a:r>
+              <a:rPr lang="pt-BR" dirty="0" smtClean="0"/>
+              <a:t>EMPLOYEE AND ROLES</a:t>
+            </a:r>
+          </a:p>
+          <a:p>
+            <a:pPr lvl="1"/>
+            <a:endParaRPr lang="pt-BR" dirty="0" smtClean="0"/>
+          </a:p>
+          <a:p>
+            <a:r>
+              <a:rPr lang="pt-BR" dirty="0" smtClean="0"/>
+              <a:t>LIMITATIONS</a:t>
+            </a:r>
+          </a:p>
+          <a:p>
+            <a:pPr lvl="1"/>
+            <a:r>
+              <a:rPr lang="pt-BR" dirty="0" smtClean="0"/>
+              <a:t>CHANGE ITERATION PERIOD</a:t>
+            </a:r>
+          </a:p>
+          <a:p>
+            <a:pPr lvl="1"/>
+            <a:r>
+              <a:rPr lang="pt-BR" dirty="0" smtClean="0"/>
+              <a:t>METHOLOGY</a:t>
+            </a:r>
+          </a:p>
+          <a:p>
+            <a:pPr lvl="1"/>
+            <a:endParaRPr lang="pt-BR" dirty="0" smtClean="0"/>
+          </a:p>
+        </p:txBody>
+      </p:sp>
+      <p:sp>
+        <p:nvSpPr>
+          <p:cNvPr id="4" name="Espaço Reservado para Número de Slide 3"/>
+          <p:cNvSpPr>
+            <a:spLocks noGrp="1"/>
+          </p:cNvSpPr>
+          <p:nvPr>
+            <p:ph type="sldNum" sz="quarter" idx="12"/>
+          </p:nvPr>
+        </p:nvSpPr>
+        <p:spPr/>
+        <p:txBody>
+          <a:bodyPr/>
+          <a:lstStyle/>
+          <a:p>
+            <a:fld id="{3423915D-51A9-4757-B8AC-B60F99CD8957}" type="slidenum">
+              <a:rPr lang="pt-BR" smtClean="0"/>
+              <a:pPr/>
+              <a:t>14</a:t>
+            </a:fld>
+            <a:endParaRPr lang="pt-BR"/>
+          </a:p>
+        </p:txBody>
+      </p:sp>
+    </p:spTree>
+  </p:cSld>
+  <p:clrMapOvr>
+    <a:masterClrMapping/>
+  </p:clrMapOvr>
+  <p:timing>
+    <p:tnLst>
+      <p:par>
+        <p:cTn id="1" dur="indefinite" restart="never" nodeType="tmRoot"/>
+      </p:par>
+    </p:tnLst>
+  </p:timing>
 </p:sld>
 </file>
 
@@ -7957,8 +8023,9 @@
           <a:p>
             <a:r>
               <a:rPr lang="pt-BR" dirty="0" smtClean="0"/>
-              <a:t>CONCLUSION</a:t>
-            </a:r>
+              <a:t>FUTURE WORK</a:t>
+            </a:r>
+            <a:endParaRPr lang="pt-BR" dirty="0"/>
           </a:p>
         </p:txBody>
       </p:sp>
@@ -7982,51 +8049,32 @@
           <a:p>
             <a:r>
               <a:rPr lang="pt-BR" dirty="0" smtClean="0"/>
-              <a:t>UNDERSTANDING AND LEARNING</a:t>
-            </a:r>
-          </a:p>
-          <a:p>
-            <a:pPr lvl="1"/>
-            <a:r>
-              <a:rPr lang="pt-BR" dirty="0" smtClean="0"/>
-              <a:t>EMPLOYEE AND ROLES</a:t>
-            </a:r>
+              <a:t>MULTIPLE OFFICES</a:t>
+            </a:r>
+          </a:p>
+          <a:p>
             <a:endParaRPr lang="pt-BR" dirty="0" smtClean="0"/>
           </a:p>
           <a:p>
-            <a:pPr lvl="1"/>
+            <a:r>
+              <a:rPr lang="pt-BR" dirty="0" smtClean="0"/>
+              <a:t>COMPANY REPUTATION</a:t>
+            </a:r>
+          </a:p>
+          <a:p>
             <a:endParaRPr lang="pt-BR" dirty="0" smtClean="0"/>
           </a:p>
           <a:p>
             <a:r>
               <a:rPr lang="pt-BR" dirty="0" smtClean="0"/>
-              <a:t>LIMITATIONS</a:t>
-            </a:r>
-          </a:p>
-          <a:p>
-            <a:pPr lvl="1"/>
-            <a:r>
-              <a:rPr lang="pt-BR" dirty="0" smtClean="0"/>
-              <a:t>CHANGE ITERATION PERIOD</a:t>
-            </a:r>
-          </a:p>
-          <a:p>
-            <a:pPr lvl="1"/>
-            <a:r>
-              <a:rPr lang="pt-BR" dirty="0" smtClean="0"/>
-              <a:t>METHOLOGY</a:t>
-            </a:r>
-            <a:endParaRPr lang="pt-BR" dirty="0" smtClean="0"/>
-          </a:p>
-          <a:p>
-            <a:pPr lvl="1"/>
-            <a:endParaRPr lang="pt-BR" dirty="0" smtClean="0"/>
-          </a:p>
-        </p:txBody>
-      </p:sp>
-      <p:sp>
-        <p:nvSpPr>
-          <p:cNvPr id="4" name="Espaço Reservado para Número de Slide 3"/>
+              <a:t>STORYTELLING</a:t>
+            </a:r>
+          </a:p>
+        </p:txBody>
+      </p:sp>
+      <p:sp>
+        <p:nvSpPr>
+          <p:cNvPr id="4" name="Slide Number Placeholder 3"/>
           <p:cNvSpPr>
             <a:spLocks noGrp="1"/>
           </p:cNvSpPr>
@@ -8087,17 +8135,35 @@
             <a:spLocks noGrp="1"/>
           </p:cNvSpPr>
           <p:nvPr>
-            <p:ph type="title"/>
-          </p:nvPr>
-        </p:nvSpPr>
-        <p:spPr/>
-        <p:txBody>
-          <a:bodyPr/>
-          <a:lstStyle/>
-          <a:p>
-            <a:r>
-              <a:rPr lang="pt-BR" dirty="0" smtClean="0"/>
-              <a:t>FUTURE WORK</a:t>
+            <p:ph type="ctrTitle"/>
+          </p:nvPr>
+        </p:nvSpPr>
+        <p:spPr>
+          <a:xfrm>
+            <a:off x="683568" y="1340768"/>
+            <a:ext cx="7772400" cy="1470025"/>
+          </a:xfrm>
+        </p:spPr>
+        <p:txBody>
+          <a:bodyPr>
+            <a:normAutofit fontScale="90000"/>
+          </a:bodyPr>
+          <a:lstStyle/>
+          <a:p>
+            <a:r>
+              <a:rPr lang="pt-BR" dirty="0" smtClean="0"/>
+              <a:t>SDM </a:t>
+            </a:r>
+            <a:br>
+              <a:rPr lang="pt-BR" dirty="0" smtClean="0"/>
+            </a:br>
+            <a:r>
+              <a:rPr lang="pt-BR" dirty="0" smtClean="0"/>
+              <a:t> </a:t>
+            </a:r>
+            <a:r>
+              <a:rPr lang="en-US" dirty="0" smtClean="0"/>
+              <a:t> An Educational Game for Software Engineering</a:t>
             </a:r>
             <a:endParaRPr lang="pt-BR" dirty="0"/>
           </a:p>
@@ -8105,25 +8171,59 @@
       </p:sp>
       <p:sp>
         <p:nvSpPr>
-          <p:cNvPr id="3" name="Content Placeholder 2"/>
-          <p:cNvSpPr>
-            <a:spLocks noGrp="1"/>
-          </p:cNvSpPr>
-          <p:nvPr>
-            <p:ph idx="1"/>
-          </p:nvPr>
-        </p:nvSpPr>
-        <p:spPr/>
-        <p:txBody>
-          <a:bodyPr/>
-          <a:lstStyle/>
-          <a:p>
+          <p:cNvPr id="3" name="Subtitle 2"/>
+          <p:cNvSpPr>
+            <a:spLocks noGrp="1"/>
+          </p:cNvSpPr>
+          <p:nvPr>
+            <p:ph type="subTitle" idx="1"/>
+          </p:nvPr>
+        </p:nvSpPr>
+        <p:spPr>
+          <a:xfrm>
+            <a:off x="1371600" y="3284984"/>
+            <a:ext cx="6400800" cy="2880320"/>
+          </a:xfrm>
+        </p:spPr>
+        <p:txBody>
+          <a:bodyPr>
+            <a:normAutofit fontScale="92500" lnSpcReduction="20000"/>
+          </a:bodyPr>
+          <a:lstStyle/>
+          <a:p>
+            <a:r>
+              <a:rPr lang="pt-BR" b="1" dirty="0" err="1" smtClean="0"/>
+              <a:t>Troy</a:t>
+            </a:r>
+            <a:r>
+              <a:rPr lang="pt-BR" b="1" dirty="0" smtClean="0"/>
+              <a:t> Costa </a:t>
+            </a:r>
+            <a:r>
+              <a:rPr lang="pt-BR" b="1" dirty="0" err="1" smtClean="0"/>
+              <a:t>Kohwalter</a:t>
+            </a:r>
+            <a:endParaRPr lang="pt-BR" b="1" dirty="0" smtClean="0"/>
+          </a:p>
+          <a:p>
+            <a:r>
+              <a:rPr lang="pt-BR" dirty="0" err="1" smtClean="0"/>
+              <a:t>Esteban</a:t>
+            </a:r>
+            <a:r>
+              <a:rPr lang="pt-BR" dirty="0" smtClean="0"/>
+              <a:t> W. Gonzalez </a:t>
+            </a:r>
+            <a:r>
+              <a:rPr lang="pt-BR" dirty="0" err="1" smtClean="0"/>
+              <a:t>Clua</a:t>
+            </a:r>
             <a:endParaRPr lang="pt-BR" dirty="0" smtClean="0"/>
           </a:p>
           <a:p>
             <a:r>
               <a:rPr lang="pt-BR" dirty="0" smtClean="0"/>
-              <a:t>MULTIPLE OFFICES</a:t>
+              <a:t>Leonardo G. Paulino Murta</a:t>
             </a:r>
           </a:p>
           <a:p>
@@ -8132,42 +8232,20 @@
           <a:p>
             <a:r>
               <a:rPr lang="pt-BR" dirty="0" smtClean="0"/>
-              <a:t>COMPANY REPUTATION</a:t>
-            </a:r>
-          </a:p>
-          <a:p>
+              <a:t>Game Access:</a:t>
+            </a:r>
+          </a:p>
+          <a:p>
+            <a:r>
+              <a:rPr lang="pt-BR" dirty="0" smtClean="0">
+                <a:hlinkClick r:id="rId2"/>
+              </a:rPr>
+              <a:t>http://www.ic.uff.br/~tkohwalter/sdm/</a:t>
+            </a:r>
             <a:endParaRPr lang="pt-BR" dirty="0" smtClean="0"/>
           </a:p>
           <a:p>
-            <a:r>
-              <a:rPr lang="pt-BR" dirty="0" smtClean="0"/>
-              <a:t>STORYTELLING</a:t>
-            </a:r>
-            <a:endParaRPr lang="pt-BR" dirty="0" smtClean="0"/>
-          </a:p>
-        </p:txBody>
-      </p:sp>
-      <p:sp>
-        <p:nvSpPr>
-          <p:cNvPr id="4" name="Slide Number Placeholder 3"/>
-          <p:cNvSpPr>
-            <a:spLocks noGrp="1"/>
-          </p:cNvSpPr>
-          <p:nvPr>
-            <p:ph type="sldNum" sz="quarter" idx="12"/>
-          </p:nvPr>
-        </p:nvSpPr>
-        <p:spPr/>
-        <p:txBody>
-          <a:bodyPr/>
-          <a:lstStyle/>
-          <a:p>
-            <a:fld id="{3423915D-51A9-4757-B8AC-B60F99CD8957}" type="slidenum">
-              <a:rPr lang="pt-BR" smtClean="0"/>
-              <a:pPr/>
-              <a:t>16</a:t>
-            </a:fld>
-            <a:endParaRPr lang="pt-BR"/>
+            <a:endParaRPr lang="pt-BR" dirty="0"/>
           </a:p>
         </p:txBody>
       </p:sp>
@@ -8176,6 +8254,13 @@
   <p:clrMapOvr>
     <a:masterClrMapping/>
   </p:clrMapOvr>
+  <p:timing>
+    <p:tnLst>
+      <p:par>
+        <p:cTn id="1" dur="indefinite" restart="never" nodeType="tmRoot"/>
+      </p:par>
+    </p:tnLst>
+  </p:timing>
 </p:sld>
 </file>
 
@@ -8203,120 +8288,155 @@
             <a:spLocks noGrp="1"/>
           </p:cNvSpPr>
           <p:nvPr>
-            <p:ph type="ctrTitle"/>
-          </p:nvPr>
-        </p:nvSpPr>
-        <p:spPr>
+            <p:ph type="title"/>
+          </p:nvPr>
+        </p:nvSpPr>
+        <p:spPr/>
+        <p:txBody>
+          <a:bodyPr/>
+          <a:lstStyle/>
+          <a:p>
+            <a:r>
+              <a:rPr lang="pt-BR" dirty="0" smtClean="0"/>
+              <a:t>SDM</a:t>
+            </a:r>
+            <a:endParaRPr lang="pt-BR" dirty="0"/>
+          </a:p>
+        </p:txBody>
+      </p:sp>
+      <p:sp>
+        <p:nvSpPr>
+          <p:cNvPr id="3" name="Content Placeholder 2"/>
+          <p:cNvSpPr>
+            <a:spLocks noGrp="1"/>
+          </p:cNvSpPr>
+          <p:nvPr>
+            <p:ph idx="1"/>
+          </p:nvPr>
+        </p:nvSpPr>
+        <p:spPr/>
+        <p:txBody>
+          <a:bodyPr>
+            <a:normAutofit/>
+          </a:bodyPr>
+          <a:lstStyle/>
+          <a:p>
+            <a:r>
+              <a:rPr lang="pt-BR" dirty="0" smtClean="0"/>
+              <a:t>EMPLOYEES</a:t>
+            </a:r>
+          </a:p>
+          <a:p>
+            <a:endParaRPr lang="pt-BR" dirty="0" smtClean="0"/>
+          </a:p>
+          <a:p>
+            <a:pPr lvl="1"/>
+            <a:r>
+              <a:rPr lang="pt-BR" smtClean="0"/>
+              <a:t>GRADES</a:t>
+            </a:r>
+            <a:endParaRPr lang="pt-BR" dirty="0" smtClean="0"/>
+          </a:p>
+          <a:p>
+            <a:pPr lvl="1"/>
+            <a:endParaRPr lang="pt-BR" dirty="0" smtClean="0"/>
+          </a:p>
+          <a:p>
+            <a:pPr lvl="2"/>
+            <a:r>
+              <a:rPr lang="pt-BR" dirty="0" smtClean="0"/>
+              <a:t>JUNIOR</a:t>
+            </a:r>
+          </a:p>
+          <a:p>
+            <a:pPr lvl="2"/>
+            <a:endParaRPr lang="pt-BR" dirty="0" smtClean="0"/>
+          </a:p>
+          <a:p>
+            <a:pPr lvl="2"/>
+            <a:r>
+              <a:rPr lang="pt-BR" dirty="0" smtClean="0"/>
+              <a:t>MID-LEVEL</a:t>
+            </a:r>
+          </a:p>
+          <a:p>
+            <a:pPr lvl="2"/>
+            <a:endParaRPr lang="pt-BR" dirty="0" smtClean="0"/>
+          </a:p>
+          <a:p>
+            <a:pPr lvl="2"/>
+            <a:r>
+              <a:rPr lang="pt-BR" dirty="0" smtClean="0"/>
+              <a:t>SENIOR</a:t>
+            </a:r>
+          </a:p>
+          <a:p>
+            <a:pPr>
+              <a:buNone/>
+            </a:pPr>
+            <a:endParaRPr lang="pt-BR" dirty="0" smtClean="0"/>
+          </a:p>
+          <a:p>
+            <a:endParaRPr lang="pt-BR" dirty="0"/>
+          </a:p>
+        </p:txBody>
+      </p:sp>
+      <p:sp>
+        <p:nvSpPr>
+          <p:cNvPr id="6" name="Espaço Reservado para Número de Slide 5"/>
+          <p:cNvSpPr>
+            <a:spLocks noGrp="1"/>
+          </p:cNvSpPr>
+          <p:nvPr>
+            <p:ph type="sldNum" sz="quarter" idx="12"/>
+          </p:nvPr>
+        </p:nvSpPr>
+        <p:spPr/>
+        <p:txBody>
+          <a:bodyPr/>
+          <a:lstStyle/>
+          <a:p>
+            <a:fld id="{3423915D-51A9-4757-B8AC-B60F99CD8957}" type="slidenum">
+              <a:rPr lang="pt-BR" smtClean="0"/>
+              <a:pPr/>
+              <a:t>17</a:t>
+            </a:fld>
+            <a:endParaRPr lang="pt-BR"/>
+          </a:p>
+        </p:txBody>
+      </p:sp>
+      <p:pic>
+        <p:nvPicPr>
+          <p:cNvPr id="7" name="Picture 3"/>
+          <p:cNvPicPr>
+            <a:picLocks noChangeAspect="1" noChangeArrowheads="1"/>
+          </p:cNvPicPr>
+          <p:nvPr/>
+        </p:nvPicPr>
+        <p:blipFill>
+          <a:blip r:embed="rId3" cstate="print"/>
+          <a:srcRect/>
+          <a:stretch>
+            <a:fillRect/>
+          </a:stretch>
+        </p:blipFill>
+        <p:spPr bwMode="auto">
           <a:xfrm>
-            <a:off x="683568" y="1340768"/>
-            <a:ext cx="7772400" cy="1470025"/>
+            <a:off x="3851920" y="2276872"/>
+            <a:ext cx="4738010" cy="2952328"/>
           </a:xfrm>
+          <a:prstGeom prst="rect">
+            <a:avLst/>
+          </a:prstGeom>
+          <a:noFill/>
+          <a:ln w="9525">
+            <a:noFill/>
+            <a:miter lim="800000"/>
+            <a:headEnd/>
+            <a:tailEnd/>
+          </a:ln>
         </p:spPr>
-        <p:txBody>
-          <a:bodyPr>
-            <a:normAutofit fontScale="90000"/>
-          </a:bodyPr>
-          <a:lstStyle/>
-          <a:p>
-            <a:r>
-              <a:rPr lang="pt-BR" dirty="0" smtClean="0"/>
-              <a:t>SDM </a:t>
-            </a:r>
-            <a:br>
-              <a:rPr lang="pt-BR" dirty="0" smtClean="0"/>
-            </a:br>
-            <a:r>
-              <a:rPr lang="pt-BR" dirty="0" smtClean="0"/>
-              <a:t> </a:t>
-            </a:r>
-            <a:r>
-              <a:rPr lang="en-US" dirty="0" smtClean="0"/>
-              <a:t> An Educational Game for Software Engineering</a:t>
-            </a:r>
-            <a:endParaRPr lang="pt-BR" dirty="0"/>
-          </a:p>
-        </p:txBody>
-      </p:sp>
-      <p:sp>
-        <p:nvSpPr>
-          <p:cNvPr id="3" name="Subtitle 2"/>
-          <p:cNvSpPr>
-            <a:spLocks noGrp="1"/>
-          </p:cNvSpPr>
-          <p:nvPr>
-            <p:ph type="subTitle" idx="1"/>
-          </p:nvPr>
-        </p:nvSpPr>
-        <p:spPr>
-          <a:xfrm>
-            <a:off x="1371600" y="3284984"/>
-            <a:ext cx="6400800" cy="2880320"/>
-          </a:xfrm>
-        </p:spPr>
-        <p:txBody>
-          <a:bodyPr>
-            <a:normAutofit fontScale="92500" lnSpcReduction="20000"/>
-          </a:bodyPr>
-          <a:lstStyle/>
-          <a:p>
-            <a:r>
-              <a:rPr lang="pt-BR" b="1" dirty="0" err="1" smtClean="0"/>
-              <a:t>Troy</a:t>
-            </a:r>
-            <a:r>
-              <a:rPr lang="pt-BR" b="1" dirty="0" smtClean="0"/>
-              <a:t> Costa </a:t>
-            </a:r>
-            <a:r>
-              <a:rPr lang="pt-BR" b="1" dirty="0" err="1" smtClean="0"/>
-              <a:t>Kohwalter</a:t>
-            </a:r>
-            <a:endParaRPr lang="pt-BR" b="1" dirty="0" smtClean="0"/>
-          </a:p>
-          <a:p>
-            <a:r>
-              <a:rPr lang="pt-BR" dirty="0" err="1" smtClean="0"/>
-              <a:t>Esteban</a:t>
-            </a:r>
-            <a:r>
-              <a:rPr lang="pt-BR" dirty="0" smtClean="0"/>
-              <a:t> W. Gonzalez </a:t>
-            </a:r>
-            <a:r>
-              <a:rPr lang="pt-BR" dirty="0" err="1" smtClean="0"/>
-              <a:t>Clua</a:t>
-            </a:r>
-            <a:endParaRPr lang="pt-BR" dirty="0" smtClean="0"/>
-          </a:p>
-          <a:p>
-            <a:r>
-              <a:rPr lang="pt-BR" dirty="0" smtClean="0"/>
-              <a:t>Leonardo G. Paulino Murta</a:t>
-            </a:r>
-          </a:p>
-          <a:p>
-            <a:endParaRPr lang="pt-BR" dirty="0" smtClean="0"/>
-          </a:p>
-          <a:p>
-            <a:r>
-              <a:rPr lang="pt-BR" dirty="0" smtClean="0"/>
-              <a:t>Game Access:</a:t>
-            </a:r>
-          </a:p>
-          <a:p>
-            <a:r>
-              <a:rPr lang="pt-BR" dirty="0" smtClean="0">
-                <a:hlinkClick r:id="rId2"/>
-              </a:rPr>
-              <a:t>http://www.ic.uff.br/~tkohwalter/sdm/</a:t>
-            </a:r>
-            <a:endParaRPr lang="pt-BR" dirty="0" smtClean="0"/>
-          </a:p>
-          <a:p>
-            <a:endParaRPr lang="pt-BR" dirty="0"/>
-          </a:p>
-        </p:txBody>
-      </p:sp>
+      </p:pic>
     </p:spTree>
   </p:cSld>
   <p:clrMapOvr>
@@ -8395,87 +8515,59 @@
             </a:r>
           </a:p>
           <a:p>
-            <a:endParaRPr lang="pt-BR" dirty="0" smtClean="0"/>
-          </a:p>
-          <a:p>
-            <a:pPr lvl="1"/>
-            <a:r>
-              <a:rPr lang="pt-BR" smtClean="0"/>
-              <a:t>GRADES</a:t>
-            </a:r>
-            <a:endParaRPr lang="pt-BR" dirty="0" smtClean="0"/>
-          </a:p>
-          <a:p>
-            <a:pPr lvl="1"/>
-            <a:endParaRPr lang="pt-BR" dirty="0" smtClean="0"/>
-          </a:p>
-          <a:p>
-            <a:pPr lvl="2"/>
-            <a:r>
-              <a:rPr lang="pt-BR" dirty="0" smtClean="0"/>
-              <a:t>JUNIOR</a:t>
-            </a:r>
-          </a:p>
-          <a:p>
-            <a:pPr lvl="2"/>
-            <a:endParaRPr lang="pt-BR" dirty="0" smtClean="0"/>
-          </a:p>
-          <a:p>
-            <a:pPr lvl="2"/>
-            <a:r>
-              <a:rPr lang="pt-BR" dirty="0" smtClean="0"/>
-              <a:t>MID-LEVEL</a:t>
-            </a:r>
-          </a:p>
-          <a:p>
-            <a:pPr lvl="2"/>
-            <a:endParaRPr lang="pt-BR" dirty="0" smtClean="0"/>
-          </a:p>
-          <a:p>
-            <a:pPr lvl="2"/>
-            <a:r>
-              <a:rPr lang="pt-BR" dirty="0" smtClean="0"/>
-              <a:t>SENIOR</a:t>
-            </a:r>
-          </a:p>
-          <a:p>
-            <a:pPr>
+            <a:pPr lvl="1">
               <a:buNone/>
             </a:pPr>
             <a:endParaRPr lang="pt-BR" dirty="0" smtClean="0"/>
           </a:p>
           <a:p>
+            <a:pPr lvl="1"/>
+            <a:r>
+              <a:rPr lang="pt-BR" dirty="0" smtClean="0"/>
+              <a:t>SPECIALIZATIONS</a:t>
+            </a:r>
+          </a:p>
+          <a:p>
+            <a:pPr lvl="1"/>
+            <a:endParaRPr lang="pt-BR" dirty="0" smtClean="0"/>
+          </a:p>
+          <a:p>
+            <a:pPr lvl="2"/>
+            <a:r>
+              <a:rPr lang="pt-BR" dirty="0" smtClean="0"/>
+              <a:t>TOOLS</a:t>
+            </a:r>
+          </a:p>
+          <a:p>
+            <a:pPr lvl="2"/>
+            <a:endParaRPr lang="pt-BR" dirty="0" smtClean="0"/>
+          </a:p>
+          <a:p>
+            <a:pPr lvl="2"/>
+            <a:r>
+              <a:rPr lang="pt-BR" dirty="0" smtClean="0"/>
+              <a:t>LANGUAGE</a:t>
+            </a:r>
+          </a:p>
+          <a:p>
+            <a:pPr lvl="2"/>
+            <a:endParaRPr lang="pt-BR" dirty="0" smtClean="0"/>
+          </a:p>
+          <a:p>
+            <a:pPr lvl="2"/>
+            <a:r>
+              <a:rPr lang="pt-BR" dirty="0" smtClean="0"/>
+              <a:t>METHOLOGY</a:t>
+            </a:r>
+          </a:p>
+          <a:p>
             <a:endParaRPr lang="pt-BR" dirty="0"/>
-          </a:p>
-        </p:txBody>
-      </p:sp>
-      <p:sp>
-        <p:nvSpPr>
-          <p:cNvPr id="6" name="Espaço Reservado para Número de Slide 5"/>
-          <p:cNvSpPr>
-            <a:spLocks noGrp="1"/>
-          </p:cNvSpPr>
-          <p:nvPr>
-            <p:ph type="sldNum" sz="quarter" idx="12"/>
-          </p:nvPr>
-        </p:nvSpPr>
-        <p:spPr/>
-        <p:txBody>
-          <a:bodyPr/>
-          <a:lstStyle/>
-          <a:p>
-            <a:fld id="{3423915D-51A9-4757-B8AC-B60F99CD8957}" type="slidenum">
-              <a:rPr lang="pt-BR" smtClean="0"/>
-              <a:pPr/>
-              <a:t>18</a:t>
-            </a:fld>
-            <a:endParaRPr lang="pt-BR"/>
           </a:p>
         </p:txBody>
       </p:sp>
       <p:pic>
         <p:nvPicPr>
-          <p:cNvPr id="7" name="Picture 3"/>
+          <p:cNvPr id="11266" name="Picture 2"/>
           <p:cNvPicPr>
             <a:picLocks noChangeAspect="1" noChangeArrowheads="1"/>
           </p:cNvPicPr>
@@ -8490,8 +8582,8 @@
         </p:blipFill>
         <p:spPr bwMode="auto">
           <a:xfrm>
-            <a:off x="3851920" y="2276872"/>
-            <a:ext cx="4738010" cy="2952328"/>
+            <a:off x="4211960" y="2348880"/>
+            <a:ext cx="4418672" cy="3240360"/>
           </a:xfrm>
           <a:prstGeom prst="rect">
             <a:avLst/>
@@ -8505,6 +8597,30 @@
           </a:ln>
         </p:spPr>
       </p:pic>
+      <p:sp>
+        <p:nvSpPr>
+          <p:cNvPr id="5" name="Espaço Reservado para Número de Slide 4"/>
+          <p:cNvSpPr>
+            <a:spLocks noGrp="1"/>
+          </p:cNvSpPr>
+          <p:nvPr>
+            <p:ph type="sldNum" sz="quarter" idx="12"/>
+          </p:nvPr>
+        </p:nvSpPr>
+        <p:spPr/>
+        <p:txBody>
+          <a:bodyPr/>
+          <a:lstStyle/>
+          <a:p>
+            <a:fld id="{3423915D-51A9-4757-B8AC-B60F99CD8957}" type="slidenum">
+              <a:rPr lang="pt-BR" smtClean="0"/>
+              <a:pPr/>
+              <a:t>18</a:t>
+            </a:fld>
+            <a:endParaRPr lang="pt-BR"/>
+          </a:p>
+        </p:txBody>
+      </p:sp>
     </p:spTree>
   </p:cSld>
   <p:clrMapOvr>
@@ -8761,7 +8877,6 @@
               <a:rPr lang="pt-BR" dirty="0" smtClean="0"/>
               <a:t>GAMEFICATION</a:t>
             </a:r>
-            <a:endParaRPr lang="pt-BR" dirty="0" smtClean="0"/>
           </a:p>
           <a:p>
             <a:pPr>
@@ -9566,6 +9681,13 @@
   <p:clrMapOvr>
     <a:masterClrMapping/>
   </p:clrMapOvr>
+  <p:timing>
+    <p:tnLst>
+      <p:par>
+        <p:cTn id="1" dur="indefinite" restart="never" nodeType="tmRoot"/>
+      </p:par>
+    </p:tnLst>
+  </p:timing>
 </p:sld>
 </file>
 
@@ -9622,19 +9744,14 @@
         <p:spPr/>
         <p:txBody>
           <a:bodyPr>
-            <a:normAutofit lnSpcReduction="10000"/>
+            <a:normAutofit/>
           </a:bodyPr>
           <a:lstStyle/>
           <a:p>
             <a:r>
               <a:rPr lang="pt-BR" dirty="0" smtClean="0"/>
-              <a:t>SERIOUS </a:t>
-            </a:r>
-            <a:r>
-              <a:rPr lang="pt-BR" dirty="0" smtClean="0"/>
-              <a:t>GAME</a:t>
-            </a:r>
-            <a:endParaRPr lang="pt-BR" dirty="0" smtClean="0"/>
+              <a:t>SERIOUS GAME</a:t>
+            </a:r>
           </a:p>
           <a:p>
             <a:endParaRPr lang="pt-BR" dirty="0"/>
@@ -9669,18 +9786,6 @@
           <a:p>
             <a:pPr lvl="1"/>
             <a:endParaRPr lang="pt-BR" dirty="0" smtClean="0"/>
-          </a:p>
-          <a:p>
-            <a:pPr lvl="1"/>
-            <a:r>
-              <a:rPr lang="pt-BR" dirty="0" err="1" smtClean="0"/>
-              <a:t>CLIENT’S</a:t>
-            </a:r>
-            <a:r>
-              <a:rPr lang="pt-BR" dirty="0" smtClean="0"/>
-              <a:t> NEED</a:t>
-            </a:r>
-            <a:endParaRPr lang="pt-BR" dirty="0"/>
           </a:p>
           <a:p>
             <a:endParaRPr lang="pt-BR" dirty="0"/>
@@ -9833,7 +9938,23 @@
           <a:p>
             <a:r>
               <a:rPr lang="pt-BR" dirty="0" smtClean="0"/>
-              <a:t>LOSS AVERGION</a:t>
+              <a:t>PROGRESSION</a:t>
+            </a:r>
+          </a:p>
+          <a:p>
+            <a:pPr lvl="1"/>
+            <a:r>
+              <a:rPr lang="pt-BR" dirty="0" smtClean="0"/>
+              <a:t>EXPERIENCE BAR</a:t>
+            </a:r>
+          </a:p>
+          <a:p>
+            <a:endParaRPr lang="pt-BR" dirty="0" smtClean="0"/>
+          </a:p>
+          <a:p>
+            <a:r>
+              <a:rPr lang="pt-BR" dirty="0" smtClean="0"/>
+              <a:t>LOSS AVERSION</a:t>
             </a:r>
           </a:p>
           <a:p>
@@ -9848,22 +9969,9 @@
             </a:r>
           </a:p>
           <a:p>
-            <a:endParaRPr lang="pt-BR" dirty="0" smtClean="0"/>
-          </a:p>
-          <a:p>
-            <a:r>
-              <a:rPr lang="pt-BR" dirty="0" smtClean="0"/>
-              <a:t>PROGRESSION</a:t>
-            </a:r>
-          </a:p>
-          <a:p>
-            <a:pPr lvl="1"/>
-            <a:r>
-              <a:rPr lang="pt-BR" dirty="0" smtClean="0"/>
-              <a:t>EXPERIENCE BAR</a:t>
-            </a:r>
-          </a:p>
-          <a:p>
+            <a:pPr>
+              <a:buNone/>
+            </a:pPr>
             <a:endParaRPr lang="pt-BR" dirty="0" smtClean="0"/>
           </a:p>
           <a:p>
@@ -9910,6 +10018,13 @@
   <p:clrMapOvr>
     <a:masterClrMapping/>
   </p:clrMapOvr>
+  <p:timing>
+    <p:tnLst>
+      <p:par>
+        <p:cTn id="1" dur="indefinite" restart="never" nodeType="tmRoot"/>
+      </p:par>
+    </p:tnLst>
+  </p:timing>
 </p:sld>
 </file>
 
@@ -10001,7 +10116,7 @@
           <p:nvPr/>
         </p:nvPicPr>
         <p:blipFill>
-          <a:blip r:embed="rId2" cstate="print"/>
+          <a:blip r:embed="rId3" cstate="print"/>
           <a:srcRect/>
           <a:stretch>
             <a:fillRect/>
@@ -10104,6 +10219,9 @@
             </a:r>
           </a:p>
           <a:p>
+            <a:pPr>
+              <a:buNone/>
+            </a:pPr>
             <a:endParaRPr lang="pt-BR" dirty="0" smtClean="0"/>
           </a:p>
           <a:p>
@@ -10317,12 +10435,6 @@
             </a:r>
           </a:p>
           <a:p>
-            <a:pPr lvl="2">
-              <a:buNone/>
-            </a:pPr>
-            <a:endParaRPr lang="pt-BR" dirty="0" smtClean="0"/>
-          </a:p>
-          <a:p>
             <a:pPr lvl="1"/>
             <a:r>
               <a:rPr lang="pt-BR" dirty="0" smtClean="0"/>
@@ -10360,24 +10472,31 @@
               <a:rPr lang="pt-BR" dirty="0" smtClean="0"/>
               <a:t>9 ATTRIBUTES</a:t>
             </a:r>
+            <a:endParaRPr lang="pt-BR" dirty="0"/>
           </a:p>
           <a:p>
             <a:pPr lvl="2"/>
-            <a:endParaRPr lang="pt-BR" dirty="0"/>
-          </a:p>
-          <a:p>
-            <a:pPr lvl="2"/>
             <a:r>
               <a:rPr lang="pt-BR" dirty="0" smtClean="0"/>
               <a:t>PERFORMANCE</a:t>
             </a:r>
+          </a:p>
+          <a:p>
+            <a:pPr lvl="3"/>
+            <a:r>
+              <a:rPr lang="pt-BR" dirty="0" smtClean="0"/>
+              <a:t>6 ATTRIBUTES</a:t>
+            </a:r>
+          </a:p>
+          <a:p>
+            <a:pPr lvl="3"/>
             <a:endParaRPr lang="pt-BR" dirty="0" smtClean="0"/>
           </a:p>
           <a:p>
-            <a:pPr lvl="3"/>
-            <a:r>
-              <a:rPr lang="pt-BR" dirty="0" smtClean="0"/>
-              <a:t>6 ATTRIBUTES</a:t>
+            <a:pPr lvl="1"/>
+            <a:r>
+              <a:rPr lang="pt-BR" dirty="0" smtClean="0"/>
+              <a:t>SPECIALIZATIONS</a:t>
             </a:r>
           </a:p>
           <a:p>
@@ -10524,9 +10643,6 @@
               <a:rPr lang="pt-BR" dirty="0" smtClean="0"/>
               <a:t>LEVEL</a:t>
             </a:r>
-          </a:p>
-          <a:p>
-            <a:endParaRPr lang="pt-BR" dirty="0" smtClean="0"/>
           </a:p>
           <a:p>
             <a:pPr lvl="1"/>
@@ -10688,6 +10804,13 @@
   <p:clrMapOvr>
     <a:masterClrMapping/>
   </p:clrMapOvr>
+  <p:timing>
+    <p:tnLst>
+      <p:par>
+        <p:cTn id="1" dur="indefinite" restart="never" nodeType="tmRoot"/>
+      </p:par>
+    </p:tnLst>
+  </p:timing>
 </p:sld>
 </file>
 
